--- a/HPPortal.Web/PptBuilder/Templates/JBPlanTemplate.pptx
+++ b/HPPortal.Web/PptBuilder/Templates/JBPlanTemplate.pptx
@@ -118,7 +118,7 @@
   </p:defaultTextStyle>
   <p:extLst>
     <p:ext uri="{EFAFB233-063F-42B5-8137-9DF3F51BA10A}">
-      <p15:sldGuideLst xmlns="" xmlns:p15="http://schemas.microsoft.com/office/powerpoint/2012/main">
+      <p15:sldGuideLst xmlns:p15="http://schemas.microsoft.com/office/powerpoint/2012/main" xmlns="">
         <p15:guide id="1" orient="horz" pos="3080">
           <p15:clr>
             <a:srgbClr val="A4A3A4"/>
@@ -192,7 +192,7 @@
       </p15:sldGuideLst>
     </p:ext>
     <p:ext uri="{2D200454-40CA-4A62-9FC3-DE9A4176ACB9}">
-      <p15:notesGuideLst xmlns="" xmlns:p15="http://schemas.microsoft.com/office/powerpoint/2012/main">
+      <p15:notesGuideLst xmlns:p15="http://schemas.microsoft.com/office/powerpoint/2012/main" xmlns="">
         <p15:guide id="1" orient="horz" pos="2928" userDrawn="1">
           <p15:clr>
             <a:srgbClr val="A4A3A4"/>
@@ -386,7 +386,7 @@
     </p:spTree>
     <p:extLst>
       <p:ext uri="{BB962C8B-B14F-4D97-AF65-F5344CB8AC3E}">
-        <p14:creationId xmlns:p14="http://schemas.microsoft.com/office/powerpoint/2010/main" xmlns="" val="49321741"/>
+        <p14:creationId xmlns="" xmlns:p14="http://schemas.microsoft.com/office/powerpoint/2010/main" val="49321741"/>
       </p:ext>
     </p:extLst>
   </p:cSld>
@@ -659,7 +659,7 @@
     </p:spTree>
     <p:extLst>
       <p:ext uri="{BB962C8B-B14F-4D97-AF65-F5344CB8AC3E}">
-        <p14:creationId xmlns:p14="http://schemas.microsoft.com/office/powerpoint/2010/main" xmlns="" val="2688079807"/>
+        <p14:creationId xmlns="" xmlns:p14="http://schemas.microsoft.com/office/powerpoint/2010/main" val="2688079807"/>
       </p:ext>
     </p:extLst>
   </p:cSld>
@@ -857,7 +857,7 @@
     </p:spTree>
     <p:extLst>
       <p:ext uri="{BB962C8B-B14F-4D97-AF65-F5344CB8AC3E}">
-        <p14:creationId xmlns:p14="http://schemas.microsoft.com/office/powerpoint/2010/main" xmlns="" val="782509727"/>
+        <p14:creationId xmlns="" xmlns:p14="http://schemas.microsoft.com/office/powerpoint/2010/main" val="782509727"/>
       </p:ext>
     </p:extLst>
   </p:cSld>
@@ -949,7 +949,7 @@
     </p:spTree>
     <p:extLst>
       <p:ext uri="{BB962C8B-B14F-4D97-AF65-F5344CB8AC3E}">
-        <p14:creationId xmlns:p14="http://schemas.microsoft.com/office/powerpoint/2010/main" xmlns="" val="438926188"/>
+        <p14:creationId xmlns="" xmlns:p14="http://schemas.microsoft.com/office/powerpoint/2010/main" val="438926188"/>
       </p:ext>
     </p:extLst>
   </p:cSld>
@@ -1034,7 +1034,7 @@
     </p:spTree>
     <p:extLst>
       <p:ext uri="{BB962C8B-B14F-4D97-AF65-F5344CB8AC3E}">
-        <p14:creationId xmlns:p14="http://schemas.microsoft.com/office/powerpoint/2010/main" xmlns="" val="277874407"/>
+        <p14:creationId xmlns="" xmlns:p14="http://schemas.microsoft.com/office/powerpoint/2010/main" val="277874407"/>
       </p:ext>
     </p:extLst>
   </p:cSld>
@@ -1126,7 +1126,7 @@
     </p:spTree>
     <p:extLst>
       <p:ext uri="{BB962C8B-B14F-4D97-AF65-F5344CB8AC3E}">
-        <p14:creationId xmlns:p14="http://schemas.microsoft.com/office/powerpoint/2010/main" xmlns="" val="3722602932"/>
+        <p14:creationId xmlns="" xmlns:p14="http://schemas.microsoft.com/office/powerpoint/2010/main" val="3722602932"/>
       </p:ext>
     </p:extLst>
   </p:cSld>
@@ -1218,7 +1218,7 @@
     </p:spTree>
     <p:extLst>
       <p:ext uri="{BB962C8B-B14F-4D97-AF65-F5344CB8AC3E}">
-        <p14:creationId xmlns:p14="http://schemas.microsoft.com/office/powerpoint/2010/main" xmlns="" val="4275148448"/>
+        <p14:creationId xmlns="" xmlns:p14="http://schemas.microsoft.com/office/powerpoint/2010/main" val="4275148448"/>
       </p:ext>
     </p:extLst>
   </p:cSld>
@@ -1420,7 +1420,7 @@
           <a:blip r:embed="rId2" cstate="print">
             <a:extLst>
               <a:ext uri="{28A0092B-C50C-407E-A947-70E740481C1C}">
-                <a14:useLocalDpi xmlns:a14="http://schemas.microsoft.com/office/drawing/2010/main" xmlns=""/>
+                <a14:useLocalDpi xmlns="" xmlns:a14="http://schemas.microsoft.com/office/drawing/2010/main"/>
               </a:ext>
             </a:extLst>
           </a:blip>
@@ -1973,7 +1973,7 @@
     </p:spTree>
     <p:extLst>
       <p:ext uri="{BB962C8B-B14F-4D97-AF65-F5344CB8AC3E}">
-        <p14:creationId xmlns:p14="http://schemas.microsoft.com/office/powerpoint/2010/main" xmlns="" val="287351219"/>
+        <p14:creationId xmlns="" xmlns:p14="http://schemas.microsoft.com/office/powerpoint/2010/main" val="287351219"/>
       </p:ext>
     </p:extLst>
   </p:cSld>
@@ -2168,7 +2168,7 @@
     </p:spTree>
     <p:extLst>
       <p:ext uri="{BB962C8B-B14F-4D97-AF65-F5344CB8AC3E}">
-        <p14:creationId xmlns:p14="http://schemas.microsoft.com/office/powerpoint/2010/main" xmlns="" val="1685928520"/>
+        <p14:creationId xmlns="" xmlns:p14="http://schemas.microsoft.com/office/powerpoint/2010/main" val="1685928520"/>
       </p:ext>
     </p:extLst>
   </p:cSld>
@@ -2378,7 +2378,7 @@
           <a:blip r:embed="rId2" cstate="print">
             <a:extLst>
               <a:ext uri="{28A0092B-C50C-407E-A947-70E740481C1C}">
-                <a14:useLocalDpi xmlns:a14="http://schemas.microsoft.com/office/drawing/2010/main" xmlns=""/>
+                <a14:useLocalDpi xmlns="" xmlns:a14="http://schemas.microsoft.com/office/drawing/2010/main"/>
               </a:ext>
             </a:extLst>
           </a:blip>
@@ -2475,7 +2475,7 @@
     </p:spTree>
     <p:extLst>
       <p:ext uri="{BB962C8B-B14F-4D97-AF65-F5344CB8AC3E}">
-        <p14:creationId xmlns:p14="http://schemas.microsoft.com/office/powerpoint/2010/main" xmlns="" val="2276755735"/>
+        <p14:creationId xmlns="" xmlns:p14="http://schemas.microsoft.com/office/powerpoint/2010/main" val="2276755735"/>
       </p:ext>
     </p:extLst>
   </p:cSld>
@@ -2656,7 +2656,7 @@
           <a:blip r:embed="rId2" cstate="print">
             <a:extLst>
               <a:ext uri="{28A0092B-C50C-407E-A947-70E740481C1C}">
-                <a14:useLocalDpi xmlns:a14="http://schemas.microsoft.com/office/drawing/2010/main" xmlns=""/>
+                <a14:useLocalDpi xmlns="" xmlns:a14="http://schemas.microsoft.com/office/drawing/2010/main"/>
               </a:ext>
             </a:extLst>
           </a:blip>
@@ -2681,7 +2681,7 @@
     </p:spTree>
     <p:extLst>
       <p:ext uri="{BB962C8B-B14F-4D97-AF65-F5344CB8AC3E}">
-        <p14:creationId xmlns:p14="http://schemas.microsoft.com/office/powerpoint/2010/main" xmlns="" val="3574790563"/>
+        <p14:creationId xmlns="" xmlns:p14="http://schemas.microsoft.com/office/powerpoint/2010/main" val="3574790563"/>
       </p:ext>
     </p:extLst>
   </p:cSld>
@@ -3008,7 +3008,7 @@
           <a:blip r:embed="rId2" cstate="print">
             <a:extLst>
               <a:ext uri="{28A0092B-C50C-407E-A947-70E740481C1C}">
-                <a14:useLocalDpi xmlns:a14="http://schemas.microsoft.com/office/drawing/2010/main" xmlns=""/>
+                <a14:useLocalDpi xmlns="" xmlns:a14="http://schemas.microsoft.com/office/drawing/2010/main"/>
               </a:ext>
             </a:extLst>
           </a:blip>
@@ -3029,7 +3029,7 @@
     </p:spTree>
     <p:extLst>
       <p:ext uri="{BB962C8B-B14F-4D97-AF65-F5344CB8AC3E}">
-        <p14:creationId xmlns:p14="http://schemas.microsoft.com/office/powerpoint/2010/main" xmlns="" val="3158848588"/>
+        <p14:creationId xmlns="" xmlns:p14="http://schemas.microsoft.com/office/powerpoint/2010/main" val="3158848588"/>
       </p:ext>
     </p:extLst>
   </p:cSld>
@@ -3117,7 +3117,7 @@
     </p:spTree>
     <p:extLst>
       <p:ext uri="{BB962C8B-B14F-4D97-AF65-F5344CB8AC3E}">
-        <p14:creationId xmlns:p14="http://schemas.microsoft.com/office/powerpoint/2010/main" xmlns="" val="625252054"/>
+        <p14:creationId xmlns="" xmlns:p14="http://schemas.microsoft.com/office/powerpoint/2010/main" val="625252054"/>
       </p:ext>
     </p:extLst>
   </p:cSld>
@@ -3420,7 +3420,7 @@
     </p:spTree>
     <p:extLst>
       <p:ext uri="{BB962C8B-B14F-4D97-AF65-F5344CB8AC3E}">
-        <p14:creationId xmlns:p14="http://schemas.microsoft.com/office/powerpoint/2010/main" xmlns="" val="3419709994"/>
+        <p14:creationId xmlns="" xmlns:p14="http://schemas.microsoft.com/office/powerpoint/2010/main" val="3419709994"/>
       </p:ext>
     </p:extLst>
   </p:cSld>
@@ -3740,7 +3740,7 @@
     </p:spTree>
     <p:extLst>
       <p:ext uri="{BB962C8B-B14F-4D97-AF65-F5344CB8AC3E}">
-        <p14:creationId xmlns:p14="http://schemas.microsoft.com/office/powerpoint/2010/main" xmlns="" val="3419709994"/>
+        <p14:creationId xmlns="" xmlns:p14="http://schemas.microsoft.com/office/powerpoint/2010/main" val="3419709994"/>
       </p:ext>
     </p:extLst>
   </p:cSld>
@@ -4124,7 +4124,7 @@
     </p:spTree>
     <p:extLst>
       <p:ext uri="{BB962C8B-B14F-4D97-AF65-F5344CB8AC3E}">
-        <p14:creationId xmlns:p14="http://schemas.microsoft.com/office/powerpoint/2010/main" xmlns="" val="3284705722"/>
+        <p14:creationId xmlns="" xmlns:p14="http://schemas.microsoft.com/office/powerpoint/2010/main" val="3284705722"/>
       </p:ext>
     </p:extLst>
   </p:cSld>
@@ -4455,7 +4455,7 @@
     </p:spTree>
     <p:extLst>
       <p:ext uri="{BB962C8B-B14F-4D97-AF65-F5344CB8AC3E}">
-        <p14:creationId xmlns:p14="http://schemas.microsoft.com/office/powerpoint/2010/main" xmlns="" val="650519867"/>
+        <p14:creationId xmlns="" xmlns:p14="http://schemas.microsoft.com/office/powerpoint/2010/main" val="650519867"/>
       </p:ext>
     </p:extLst>
   </p:cSld>
@@ -4724,7 +4724,7 @@
           <a:blip r:embed="rId14" cstate="print">
             <a:extLst>
               <a:ext uri="{28A0092B-C50C-407E-A947-70E740481C1C}">
-                <a14:useLocalDpi xmlns:a14="http://schemas.microsoft.com/office/drawing/2010/main" xmlns=""/>
+                <a14:useLocalDpi xmlns="" xmlns:a14="http://schemas.microsoft.com/office/drawing/2010/main"/>
               </a:ext>
             </a:extLst>
           </a:blip>
@@ -4749,7 +4749,7 @@
     </p:spTree>
     <p:extLst>
       <p:ext uri="{BB962C8B-B14F-4D97-AF65-F5344CB8AC3E}">
-        <p14:creationId xmlns:p14="http://schemas.microsoft.com/office/powerpoint/2010/main" xmlns="" val="2606275834"/>
+        <p14:creationId xmlns="" xmlns:p14="http://schemas.microsoft.com/office/powerpoint/2010/main" val="2606275834"/>
       </p:ext>
     </p:extLst>
   </p:cSld>
@@ -5115,44 +5115,36 @@
           <a:lstStyle/>
           <a:p>
             <a:r>
-              <a:rPr lang="en-US" sz="4400" dirty="0" smtClean="0"/>
+              <a:rPr lang="en-US" sz="4400" dirty="0"/>
               <a:t>Account Summary</a:t>
             </a:r>
             <a:br>
-              <a:rPr lang="en-US" sz="4400" dirty="0" smtClean="0"/>
+              <a:rPr lang="en-US" sz="4400" dirty="0"/>
             </a:br>
             <a:r>
-              <a:rPr lang="en-US" sz="4400" dirty="0" smtClean="0"/>
+              <a:rPr lang="en-US" sz="4400" dirty="0"/>
               <a:t/>
             </a:r>
             <a:br>
-              <a:rPr lang="en-US" sz="4400" dirty="0" smtClean="0"/>
+              <a:rPr lang="en-US" sz="4400" dirty="0"/>
             </a:br>
             <a:r>
-              <a:rPr lang="en-US" sz="4400" dirty="0" smtClean="0"/>
+              <a:rPr lang="en-US" sz="4400" dirty="0"/>
               <a:t/>
             </a:r>
             <a:br>
-              <a:rPr lang="en-US" sz="4400" dirty="0" smtClean="0"/>
+              <a:rPr lang="en-US" sz="4400" dirty="0"/>
             </a:br>
             <a:r>
-              <a:rPr lang="en-US" sz="2800" i="1" dirty="0" smtClean="0"/>
+              <a:rPr lang="en-US" sz="2800" i="1" dirty="0"/>
               <a:t/>
             </a:r>
             <a:br>
-              <a:rPr lang="en-US" sz="2800" i="1" dirty="0" smtClean="0"/>
+              <a:rPr lang="en-US" sz="2800" i="1" dirty="0"/>
             </a:br>
             <a:r>
-              <a:rPr lang="en-US" sz="2400" i="1" dirty="0" smtClean="0"/>
-              <a:t>Retail Account Strategy &amp; Joint </a:t>
-            </a:r>
-            <a:r>
               <a:rPr lang="en-US" sz="2400" i="1" dirty="0"/>
-              <a:t>Business </a:t>
-            </a:r>
-            <a:r>
-              <a:rPr lang="en-US" sz="2400" i="1" dirty="0" smtClean="0"/>
-              <a:t>Plan</a:t>
+              <a:t>Retail Account Strategy &amp; Joint Business Plan</a:t>
             </a:r>
             <a:endParaRPr lang="en-SG" sz="2400" i="1" dirty="0"/>
           </a:p>
@@ -5186,7 +5178,7 @@
               </a:spcAft>
               <a:buSzPct val="100000"/>
             </a:pPr>
-            <a:endParaRPr lang="en-US" sz="1600" dirty="0" smtClean="0">
+            <a:endParaRPr lang="en-US" sz="1600" dirty="0">
               <a:solidFill>
                 <a:srgbClr val="000000"/>
               </a:solidFill>
@@ -5225,7 +5217,7 @@
               <a:buSzPct val="100000"/>
             </a:pPr>
             <a:r>
-              <a:rPr lang="en-US" sz="2800" b="1" i="1" dirty="0" err="1" smtClean="0">
+              <a:rPr lang="en-US" sz="2800" b="1" i="1" dirty="0" err="1">
                 <a:solidFill>
                   <a:schemeClr val="bg1"/>
                 </a:solidFill>
@@ -5234,7 +5226,7 @@
               </a:rPr>
               <a:t>varPartnerName</a:t>
             </a:r>
-            <a:endParaRPr lang="en-US" sz="2800" b="1" i="1" dirty="0" smtClean="0">
+            <a:endParaRPr lang="en-US" sz="2800" b="1" i="1" dirty="0">
               <a:solidFill>
                 <a:schemeClr val="bg1"/>
               </a:solidFill>
@@ -5301,7 +5293,7 @@
                   <a:buSzPct val="100000"/>
                 </a:pPr>
                 <a:r>
-                  <a:rPr lang="en-US" sz="1600" b="1" dirty="0" smtClean="0">
+                  <a:rPr lang="en-US" sz="1600" b="1" dirty="0">
                     <a:solidFill>
                       <a:schemeClr val="bg1"/>
                     </a:solidFill>
@@ -5311,7 +5303,7 @@
                   <a:t>Category</a:t>
                 </a:r>
                 <a:r>
-                  <a:rPr lang="en-US" sz="1600" b="1" i="1" dirty="0" smtClean="0">
+                  <a:rPr lang="en-US" sz="1600" b="1" i="1" dirty="0">
                     <a:solidFill>
                       <a:schemeClr val="bg1"/>
                     </a:solidFill>
@@ -5321,7 +5313,7 @@
                   <a:t>  </a:t>
                 </a:r>
                 <a:r>
-                  <a:rPr lang="en-US" sz="1600" b="1" dirty="0" smtClean="0">
+                  <a:rPr lang="en-US" sz="1600" b="1" dirty="0">
                     <a:solidFill>
                       <a:schemeClr val="bg1"/>
                     </a:solidFill>
@@ -5331,7 +5323,7 @@
                   <a:t>:</a:t>
                 </a:r>
                 <a:r>
-                  <a:rPr lang="en-US" sz="1600" dirty="0" smtClean="0">
+                  <a:rPr lang="en-US" sz="1600" dirty="0">
                     <a:solidFill>
                       <a:schemeClr val="bg1"/>
                     </a:solidFill>
@@ -5341,7 +5333,7 @@
                   <a:t>  </a:t>
                 </a:r>
                 <a:r>
-                  <a:rPr lang="en-US" sz="1600" dirty="0" err="1" smtClean="0">
+                  <a:rPr lang="en-US" sz="1600" dirty="0" err="1">
                     <a:solidFill>
                       <a:schemeClr val="bg1"/>
                     </a:solidFill>
@@ -5350,7 +5342,7 @@
                   </a:rPr>
                   <a:t>varPartnerCategory</a:t>
                 </a:r>
-                <a:endParaRPr lang="en-US" sz="1600" dirty="0" smtClean="0">
+                <a:endParaRPr lang="en-US" sz="1600" dirty="0">
                   <a:solidFill>
                     <a:schemeClr val="bg1"/>
                   </a:solidFill>
@@ -5389,7 +5381,7 @@
                   <a:buSzPct val="100000"/>
                 </a:pPr>
                 <a:r>
-                  <a:rPr lang="en-US" sz="1600" b="1" dirty="0" smtClean="0">
+                  <a:rPr lang="en-US" sz="1600" b="1" dirty="0">
                     <a:solidFill>
                       <a:schemeClr val="bg1"/>
                     </a:solidFill>
@@ -5399,7 +5391,7 @@
                   <a:t> Quarter    :  </a:t>
                 </a:r>
                 <a:r>
-                  <a:rPr lang="en-US" sz="1600" dirty="0" err="1" smtClean="0">
+                  <a:rPr lang="en-US" sz="1600" dirty="0" err="1">
                     <a:solidFill>
                       <a:schemeClr val="bg1"/>
                     </a:solidFill>
@@ -5408,7 +5400,7 @@
                   </a:rPr>
                   <a:t>varQuarter</a:t>
                 </a:r>
-                <a:endParaRPr lang="en-US" sz="1600" dirty="0" smtClean="0">
+                <a:endParaRPr lang="en-US" sz="1600" dirty="0">
                   <a:solidFill>
                     <a:schemeClr val="bg1"/>
                   </a:solidFill>
@@ -5447,7 +5439,7 @@
                   <a:buSzPct val="100000"/>
                 </a:pPr>
                 <a:r>
-                  <a:rPr lang="en-US" sz="1600" b="1" dirty="0" smtClean="0">
+                  <a:rPr lang="en-US" sz="1600" b="1" dirty="0">
                     <a:solidFill>
                       <a:schemeClr val="bg1"/>
                     </a:solidFill>
@@ -5457,7 +5449,7 @@
                   <a:t>Download Date :  </a:t>
                 </a:r>
                 <a:r>
-                  <a:rPr lang="en-US" sz="1600" dirty="0" err="1" smtClean="0">
+                  <a:rPr lang="en-US" sz="1600" dirty="0" err="1">
                     <a:solidFill>
                       <a:schemeClr val="bg1"/>
                     </a:solidFill>
@@ -5466,7 +5458,7 @@
                   </a:rPr>
                   <a:t>varDate</a:t>
                 </a:r>
-                <a:endParaRPr lang="en-US" sz="1600" dirty="0" smtClean="0">
+                <a:endParaRPr lang="en-US" sz="1600" dirty="0">
                   <a:solidFill>
                     <a:schemeClr val="bg1"/>
                   </a:solidFill>
@@ -5506,7 +5498,7 @@
                 <a:buSzPct val="100000"/>
               </a:pPr>
               <a:r>
-                <a:rPr lang="en-US" sz="1600" b="1" dirty="0" smtClean="0">
+                <a:rPr lang="en-US" sz="1600" b="1" dirty="0">
                   <a:solidFill>
                     <a:schemeClr val="bg1"/>
                   </a:solidFill>
@@ -5516,7 +5508,7 @@
                 <a:t>City          :</a:t>
               </a:r>
               <a:r>
-                <a:rPr lang="en-US" sz="1600" dirty="0" smtClean="0">
+                <a:rPr lang="en-US" sz="1600" dirty="0">
                   <a:solidFill>
                     <a:schemeClr val="bg1"/>
                   </a:solidFill>
@@ -5526,7 +5518,7 @@
                 <a:t>  </a:t>
               </a:r>
               <a:r>
-                <a:rPr lang="en-US" sz="1600" dirty="0" err="1" smtClean="0">
+                <a:rPr lang="en-US" sz="1600" dirty="0" err="1">
                   <a:solidFill>
                     <a:schemeClr val="bg1"/>
                   </a:solidFill>
@@ -5535,7 +5527,7 @@
                 </a:rPr>
                 <a:t>varCity</a:t>
               </a:r>
-              <a:endParaRPr lang="en-US" sz="1600" dirty="0" smtClean="0">
+              <a:endParaRPr lang="en-US" sz="1600" dirty="0">
                 <a:solidFill>
                   <a:schemeClr val="bg1"/>
                 </a:solidFill>
@@ -5549,7 +5541,7 @@
     </p:spTree>
     <p:extLst>
       <p:ext uri="{BB962C8B-B14F-4D97-AF65-F5344CB8AC3E}">
-        <p14:creationId xmlns:p14="http://schemas.microsoft.com/office/powerpoint/2010/main" xmlns="" val="1098815349"/>
+        <p14:creationId xmlns="" xmlns:p14="http://schemas.microsoft.com/office/powerpoint/2010/main" val="1098815349"/>
       </p:ext>
     </p:extLst>
   </p:cSld>
@@ -5607,26 +5599,21 @@
           <a:lstStyle/>
           <a:p>
             <a:r>
-              <a:rPr lang="en-US" sz="2400" i="1" dirty="0" smtClean="0"/>
+              <a:rPr lang="en-US" sz="2400" i="1" dirty="0"/>
               <a:t>Partner</a:t>
             </a:r>
             <a:r>
-              <a:rPr lang="en-US" sz="2400" b="0" i="1" dirty="0" smtClean="0"/>
+              <a:rPr lang="en-US" sz="2400" b="0" i="1" dirty="0"/>
               <a:t>  </a:t>
             </a:r>
             <a:r>
-              <a:rPr lang="en-US" sz="2400" i="1" dirty="0" smtClean="0"/>
+              <a:rPr lang="en-US" sz="2400" i="1" dirty="0"/>
               <a:t>Snapshot</a:t>
             </a:r>
             <a:r>
               <a:rPr lang="en-US" sz="2400" b="0" i="1" dirty="0"/>
-              <a:t>:</a:t>
+              <a:t>: </a:t>
             </a:r>
-            <a:r>
-              <a:rPr lang="en-US" sz="2400" b="0" i="1" dirty="0" smtClean="0"/>
-              <a:t> </a:t>
-            </a:r>
-            <a:endParaRPr lang="en-US" sz="2400" b="0" i="1" dirty="0"/>
           </a:p>
         </p:txBody>
       </p:sp>
@@ -5789,7 +5776,7 @@
                   <a:spcPct val="0"/>
                 </a:spcAft>
               </a:pPr>
-              <a:endParaRPr lang="en-US" sz="1550" b="1" dirty="0" smtClean="0">
+              <a:endParaRPr lang="en-US" sz="1550" b="1" dirty="0">
                 <a:solidFill>
                   <a:prstClr val="white"/>
                 </a:solidFill>
@@ -5843,7 +5830,7 @@
               <a:pPr marL="228600" indent="-228600">
                 <a:buAutoNum type="arabicPeriod"/>
               </a:pPr>
-              <a:endParaRPr lang="en-AU" sz="1000" b="1" dirty="0" smtClean="0">
+              <a:endParaRPr lang="en-AU" sz="1000" b="1" dirty="0">
                 <a:solidFill>
                   <a:schemeClr val="tx1"/>
                 </a:solidFill>
@@ -5868,7 +5855,7 @@
             <a:p>
               <a:pPr marL="228600" indent="-228600"/>
               <a:r>
-                <a:rPr lang="en-AU" sz="1000" b="1" dirty="0" smtClean="0">
+                <a:rPr lang="en-AU" sz="1000" b="1" dirty="0">
                   <a:solidFill>
                     <a:schemeClr val="tx1"/>
                   </a:solidFill>
@@ -5881,114 +5868,7 @@
             </a:p>
             <a:p>
               <a:pPr marL="228600" indent="-228600"/>
-              <a:endParaRPr lang="en-AU" sz="1000" b="1" dirty="0" smtClean="0">
-                <a:solidFill>
-                  <a:schemeClr val="tx1"/>
-                </a:solidFill>
-                <a:latin typeface="HP Simplified" pitchFamily="34" charset="0"/>
-                <a:ea typeface="Calibri"/>
-                <a:cs typeface="Times New Roman"/>
-              </a:endParaRPr>
-            </a:p>
-            <a:p>
-              <a:r>
-                <a:rPr lang="en-AU" sz="1000" b="1" dirty="0" smtClean="0">
-                  <a:solidFill>
-                    <a:schemeClr val="tx1"/>
-                  </a:solidFill>
-                  <a:latin typeface="HP Simplified" pitchFamily="34" charset="0"/>
-                  <a:ea typeface="Calibri"/>
-                  <a:cs typeface="Times New Roman"/>
-                </a:rPr>
-                <a:t>2. Owner / Contact Name                :</a:t>
-              </a:r>
-            </a:p>
-            <a:p>
-              <a:endParaRPr lang="en-AU" sz="1000" b="1" dirty="0" smtClean="0">
-                <a:solidFill>
-                  <a:schemeClr val="tx1"/>
-                </a:solidFill>
-                <a:latin typeface="HP Simplified" pitchFamily="34" charset="0"/>
-                <a:ea typeface="Calibri"/>
-                <a:cs typeface="Times New Roman"/>
-              </a:endParaRPr>
-            </a:p>
-            <a:p>
-              <a:r>
-                <a:rPr lang="en-US" sz="1000" b="1" dirty="0" smtClean="0">
-                  <a:solidFill>
-                    <a:schemeClr val="tx1"/>
-                  </a:solidFill>
-                  <a:latin typeface="HP Simplified" pitchFamily="34" charset="0"/>
-                  <a:ea typeface="Calibri"/>
-                  <a:cs typeface="Times New Roman"/>
-                </a:rPr>
-                <a:t>3. Core business                              :    </a:t>
-              </a:r>
-              <a:r>
-                <a:rPr lang="en-US" sz="1000" b="1" dirty="0" err="1" smtClean="0">
-                  <a:solidFill>
-                    <a:schemeClr val="tx1"/>
-                  </a:solidFill>
-                  <a:latin typeface="HP Simplified" pitchFamily="34" charset="0"/>
-                  <a:ea typeface="Calibri"/>
-                  <a:cs typeface="Times New Roman"/>
-                </a:rPr>
-                <a:t>varCoreBusiness</a:t>
-              </a:r>
-              <a:endParaRPr lang="en-US" sz="1000" b="1" dirty="0" smtClean="0">
-                <a:solidFill>
-                  <a:schemeClr val="tx1"/>
-                </a:solidFill>
-                <a:latin typeface="HP Simplified" pitchFamily="34" charset="0"/>
-                <a:ea typeface="Calibri"/>
-                <a:cs typeface="Times New Roman"/>
-              </a:endParaRPr>
-            </a:p>
-            <a:p>
-              <a:endParaRPr lang="en-US" sz="1000" b="1" dirty="0" smtClean="0">
-                <a:solidFill>
-                  <a:schemeClr val="tx1"/>
-                </a:solidFill>
-                <a:latin typeface="HP Simplified" pitchFamily="34" charset="0"/>
-                <a:ea typeface="Calibri"/>
-                <a:cs typeface="Times New Roman"/>
-              </a:endParaRPr>
-            </a:p>
-            <a:p>
-              <a:r>
-                <a:rPr lang="en-AU" sz="1000" b="1" dirty="0" smtClean="0">
-                  <a:solidFill>
-                    <a:schemeClr val="tx1"/>
-                  </a:solidFill>
-                  <a:latin typeface="HP Simplified" pitchFamily="34" charset="0"/>
-                  <a:ea typeface="Calibri"/>
-                  <a:cs typeface="Times New Roman"/>
-                </a:rPr>
-                <a:t>4. Current Brands                            :    </a:t>
-              </a:r>
-              <a:r>
-                <a:rPr lang="en-AU" sz="1000" b="1" dirty="0" err="1" smtClean="0">
-                  <a:solidFill>
-                    <a:schemeClr val="tx1"/>
-                  </a:solidFill>
-                  <a:latin typeface="HP Simplified" pitchFamily="34" charset="0"/>
-                  <a:ea typeface="Calibri"/>
-                  <a:cs typeface="Times New Roman"/>
-                </a:rPr>
-                <a:t>varCurrentBrands</a:t>
-              </a:r>
-              <a:endParaRPr lang="en-AU" sz="1000" b="1" dirty="0" smtClean="0">
-                <a:solidFill>
-                  <a:schemeClr val="tx1"/>
-                </a:solidFill>
-                <a:latin typeface="HP Simplified" pitchFamily="34" charset="0"/>
-                <a:ea typeface="Calibri"/>
-                <a:cs typeface="Times New Roman"/>
-              </a:endParaRPr>
-            </a:p>
-            <a:p>
-              <a:endParaRPr lang="en-AU" sz="1000" b="1" dirty="0" smtClean="0">
+              <a:endParaRPr lang="en-AU" sz="1000" b="1" dirty="0">
                 <a:solidFill>
                   <a:schemeClr val="tx1"/>
                 </a:solidFill>
@@ -6007,10 +5887,22 @@
                   <a:ea typeface="Calibri"/>
                   <a:cs typeface="Times New Roman"/>
                 </a:rPr>
-                <a:t>5</a:t>
+                <a:t>2. Owner / Contact Name                :</a:t>
               </a:r>
+            </a:p>
+            <a:p>
+              <a:endParaRPr lang="en-AU" sz="1000" b="1" dirty="0">
+                <a:solidFill>
+                  <a:schemeClr val="tx1"/>
+                </a:solidFill>
+                <a:latin typeface="HP Simplified" pitchFamily="34" charset="0"/>
+                <a:ea typeface="Calibri"/>
+                <a:cs typeface="Times New Roman"/>
+              </a:endParaRPr>
+            </a:p>
+            <a:p>
               <a:r>
-                <a:rPr lang="en-AU" sz="1000" b="1" dirty="0" smtClean="0">
+                <a:rPr lang="en-US" sz="1000" b="1" dirty="0">
                   <a:solidFill>
                     <a:schemeClr val="tx1"/>
                   </a:solidFill>
@@ -6018,10 +5910,10 @@
                   <a:ea typeface="Calibri"/>
                   <a:cs typeface="Times New Roman"/>
                 </a:rPr>
-                <a:t>. No. Of Staff                                   :    </a:t>
+                <a:t>3. Core business                              :    </a:t>
               </a:r>
               <a:r>
-                <a:rPr lang="en-AU" sz="1000" b="1" dirty="0" err="1" smtClean="0">
+                <a:rPr lang="en-US" sz="1000" b="1" dirty="0" err="1">
                   <a:solidFill>
                     <a:schemeClr val="tx1"/>
                   </a:solidFill>
@@ -6029,9 +5921,9 @@
                   <a:ea typeface="Calibri"/>
                   <a:cs typeface="Times New Roman"/>
                 </a:rPr>
-                <a:t>varNoOfStaff</a:t>
+                <a:t>varCoreBusiness</a:t>
               </a:r>
-              <a:endParaRPr lang="en-AU" sz="1000" b="1" dirty="0" smtClean="0">
+              <a:endParaRPr lang="en-US" sz="1000" b="1" dirty="0">
                 <a:solidFill>
                   <a:schemeClr val="tx1"/>
                 </a:solidFill>
@@ -6041,7 +5933,7 @@
               </a:endParaRPr>
             </a:p>
             <a:p>
-              <a:endParaRPr lang="en-AU" sz="1000" b="1" dirty="0" smtClean="0">
+              <a:endParaRPr lang="en-US" sz="1000" b="1" dirty="0">
                 <a:solidFill>
                   <a:schemeClr val="tx1"/>
                 </a:solidFill>
@@ -6060,10 +5952,10 @@
                   <a:ea typeface="Calibri"/>
                   <a:cs typeface="Times New Roman"/>
                 </a:rPr>
-                <a:t>7</a:t>
+                <a:t>4. Current Brands                            :    </a:t>
               </a:r>
               <a:r>
-                <a:rPr lang="en-AU" sz="1000" b="1" dirty="0" smtClean="0">
+                <a:rPr lang="en-AU" sz="1000" b="1" dirty="0" err="1">
                   <a:solidFill>
                     <a:schemeClr val="tx1"/>
                   </a:solidFill>
@@ -6071,20 +5963,9 @@
                   <a:ea typeface="Calibri"/>
                   <a:cs typeface="Times New Roman"/>
                 </a:rPr>
-                <a:t>. Main Competitors                         :   </a:t>
+                <a:t>varCurrentBrands</a:t>
               </a:r>
-              <a:r>
-                <a:rPr lang="en-AU" sz="1000" b="1" dirty="0" err="1" smtClean="0">
-                  <a:solidFill>
-                    <a:schemeClr val="tx1"/>
-                  </a:solidFill>
-                  <a:latin typeface="HP Simplified" pitchFamily="34" charset="0"/>
-                  <a:ea typeface="Calibri"/>
-                  <a:cs typeface="Times New Roman"/>
-                </a:rPr>
-                <a:t>varMainCompetitors</a:t>
-              </a:r>
-              <a:endParaRPr lang="en-AU" sz="1000" b="1" dirty="0" smtClean="0">
+              <a:endParaRPr lang="en-AU" sz="1000" b="1" dirty="0">
                 <a:solidFill>
                   <a:schemeClr val="tx1"/>
                 </a:solidFill>
@@ -6094,7 +5975,7 @@
               </a:endParaRPr>
             </a:p>
             <a:p>
-              <a:endParaRPr lang="en-AU" sz="1000" b="1" dirty="0" smtClean="0">
+              <a:endParaRPr lang="en-AU" sz="1000" b="1" dirty="0">
                 <a:solidFill>
                   <a:schemeClr val="tx1"/>
                 </a:solidFill>
@@ -6113,10 +5994,10 @@
                   <a:ea typeface="Calibri"/>
                   <a:cs typeface="Times New Roman"/>
                 </a:rPr>
-                <a:t>8</a:t>
+                <a:t>5. No. Of Staff                                   :    </a:t>
               </a:r>
               <a:r>
-                <a:rPr lang="en-AU" sz="1000" b="1" dirty="0" smtClean="0">
+                <a:rPr lang="en-AU" sz="1000" b="1" dirty="0" err="1">
                   <a:solidFill>
                     <a:schemeClr val="tx1"/>
                   </a:solidFill>
@@ -6124,20 +6005,9 @@
                   <a:ea typeface="Calibri"/>
                   <a:cs typeface="Times New Roman"/>
                 </a:rPr>
-                <a:t>. Customer Segments addressed :   </a:t>
+                <a:t>varNoOfStaff</a:t>
               </a:r>
-              <a:r>
-                <a:rPr lang="en-AU" sz="1000" b="1" dirty="0" err="1" smtClean="0">
-                  <a:solidFill>
-                    <a:schemeClr val="tx1"/>
-                  </a:solidFill>
-                  <a:latin typeface="HP Simplified" pitchFamily="34" charset="0"/>
-                  <a:ea typeface="Calibri"/>
-                  <a:cs typeface="Times New Roman"/>
-                </a:rPr>
-                <a:t>varSegmentsAddressed</a:t>
-              </a:r>
-              <a:endParaRPr lang="en-AU" sz="1000" b="1" dirty="0" smtClean="0">
+              <a:endParaRPr lang="en-AU" sz="1000" b="1" dirty="0">
                 <a:solidFill>
                   <a:schemeClr val="tx1"/>
                 </a:solidFill>
@@ -6166,10 +6036,10 @@
                   <a:ea typeface="Calibri"/>
                   <a:cs typeface="Times New Roman"/>
                 </a:rPr>
-                <a:t>9</a:t>
+                <a:t>7. Main Competitors                         :   </a:t>
               </a:r>
               <a:r>
-                <a:rPr lang="en-AU" sz="1000" b="1" dirty="0" smtClean="0">
+                <a:rPr lang="en-AU" sz="1000" b="1" dirty="0" err="1">
                   <a:solidFill>
                     <a:schemeClr val="tx1"/>
                   </a:solidFill>
@@ -6177,10 +6047,83 @@
                   <a:ea typeface="Calibri"/>
                   <a:cs typeface="Times New Roman"/>
                 </a:rPr>
-                <a:t>. HP Account Manager                   :   </a:t>
+                <a:t>varMainCompetitors</a:t>
+              </a:r>
+              <a:endParaRPr lang="en-AU" sz="1000" b="1" dirty="0">
+                <a:solidFill>
+                  <a:schemeClr val="tx1"/>
+                </a:solidFill>
+                <a:latin typeface="HP Simplified" pitchFamily="34" charset="0"/>
+                <a:ea typeface="Calibri"/>
+                <a:cs typeface="Times New Roman"/>
+              </a:endParaRPr>
+            </a:p>
+            <a:p>
+              <a:endParaRPr lang="en-AU" sz="1000" b="1" dirty="0">
+                <a:solidFill>
+                  <a:schemeClr val="tx1"/>
+                </a:solidFill>
+                <a:latin typeface="HP Simplified" pitchFamily="34" charset="0"/>
+                <a:ea typeface="Calibri"/>
+                <a:cs typeface="Times New Roman"/>
+              </a:endParaRPr>
+            </a:p>
+            <a:p>
+              <a:r>
+                <a:rPr lang="en-AU" sz="1000" b="1" dirty="0">
+                  <a:solidFill>
+                    <a:schemeClr val="tx1"/>
+                  </a:solidFill>
+                  <a:latin typeface="HP Simplified" pitchFamily="34" charset="0"/>
+                  <a:ea typeface="Calibri"/>
+                  <a:cs typeface="Times New Roman"/>
+                </a:rPr>
+                <a:t>8. Customer Segments addressed :   </a:t>
               </a:r>
               <a:r>
-                <a:rPr lang="en-AU" sz="1000" b="1" dirty="0" err="1" smtClean="0">
+                <a:rPr lang="en-AU" sz="1000" b="1" dirty="0" err="1">
+                  <a:solidFill>
+                    <a:schemeClr val="tx1"/>
+                  </a:solidFill>
+                  <a:latin typeface="HP Simplified" pitchFamily="34" charset="0"/>
+                  <a:ea typeface="Calibri"/>
+                  <a:cs typeface="Times New Roman"/>
+                </a:rPr>
+                <a:t>varSegmentsAddressed</a:t>
+              </a:r>
+              <a:endParaRPr lang="en-AU" sz="1000" b="1" dirty="0">
+                <a:solidFill>
+                  <a:schemeClr val="tx1"/>
+                </a:solidFill>
+                <a:latin typeface="HP Simplified" pitchFamily="34" charset="0"/>
+                <a:ea typeface="Calibri"/>
+                <a:cs typeface="Times New Roman"/>
+              </a:endParaRPr>
+            </a:p>
+            <a:p>
+              <a:endParaRPr lang="en-AU" sz="1000" b="1" dirty="0">
+                <a:solidFill>
+                  <a:schemeClr val="tx1"/>
+                </a:solidFill>
+                <a:latin typeface="HP Simplified" pitchFamily="34" charset="0"/>
+                <a:ea typeface="Calibri"/>
+                <a:cs typeface="Times New Roman"/>
+              </a:endParaRPr>
+            </a:p>
+            <a:p>
+              <a:r>
+                <a:rPr lang="en-AU" sz="1000" b="1" dirty="0">
+                  <a:solidFill>
+                    <a:schemeClr val="tx1"/>
+                  </a:solidFill>
+                  <a:latin typeface="HP Simplified" pitchFamily="34" charset="0"/>
+                  <a:ea typeface="Calibri"/>
+                  <a:cs typeface="Times New Roman"/>
+                </a:rPr>
+                <a:t>9. HP Account Manager                   :   </a:t>
+              </a:r>
+              <a:r>
+                <a:rPr lang="en-AU" sz="1000" b="1" dirty="0" err="1">
                   <a:solidFill>
                     <a:schemeClr val="tx1"/>
                   </a:solidFill>
@@ -6190,7 +6133,7 @@
                 </a:rPr>
                 <a:t>varAccountManager</a:t>
               </a:r>
-              <a:endParaRPr lang="en-AU" sz="1000" b="1" dirty="0" smtClean="0">
+              <a:endParaRPr lang="en-AU" sz="1000" b="1" dirty="0">
                 <a:solidFill>
                   <a:schemeClr val="tx1"/>
                 </a:solidFill>
@@ -6211,7 +6154,7 @@
             </a:p>
             <a:p>
               <a:r>
-                <a:rPr lang="en-AU" sz="1000" b="1" dirty="0" smtClean="0">
+                <a:rPr lang="en-AU" sz="1000" b="1" dirty="0">
                   <a:solidFill>
                     <a:schemeClr val="tx1"/>
                   </a:solidFill>
@@ -6222,7 +6165,7 @@
                 <a:t>10. Frequency of Engagement (no. of visits / week)         :   </a:t>
               </a:r>
               <a:r>
-                <a:rPr lang="en-AU" sz="1000" b="1" dirty="0" err="1" smtClean="0">
+                <a:rPr lang="en-AU" sz="1000" b="1" dirty="0" err="1">
                   <a:solidFill>
                     <a:schemeClr val="tx1"/>
                   </a:solidFill>
@@ -6232,7 +6175,7 @@
                 </a:rPr>
                 <a:t>varFrequencyOfVisit</a:t>
               </a:r>
-              <a:endParaRPr lang="en-AU" sz="1000" b="1" dirty="0" smtClean="0">
+              <a:endParaRPr lang="en-AU" sz="1000" b="1" dirty="0">
                 <a:solidFill>
                   <a:schemeClr val="tx1"/>
                 </a:solidFill>
@@ -6243,7 +6186,7 @@
             </a:p>
             <a:p>
               <a:r>
-                <a:rPr lang="en-AU" sz="1000" b="1" dirty="0" smtClean="0">
+                <a:rPr lang="en-AU" sz="1000" b="1" dirty="0">
                   <a:solidFill>
                     <a:schemeClr val="tx1"/>
                   </a:solidFill>
@@ -6256,7 +6199,7 @@
             </a:p>
             <a:p>
               <a:r>
-                <a:rPr lang="en-AU" sz="1000" b="1" dirty="0" smtClean="0">
+                <a:rPr lang="en-AU" sz="1000" b="1" dirty="0">
                   <a:solidFill>
                     <a:schemeClr val="tx1"/>
                   </a:solidFill>
@@ -6267,7 +6210,7 @@
                 <a:t>11. Relationship Status (Positive / Negative / Neutral)     :   </a:t>
               </a:r>
               <a:r>
-                <a:rPr lang="en-AU" sz="1000" b="1" dirty="0" err="1" smtClean="0">
+                <a:rPr lang="en-AU" sz="1000" b="1" dirty="0" err="1">
                   <a:solidFill>
                     <a:schemeClr val="tx1"/>
                   </a:solidFill>
@@ -6277,7 +6220,7 @@
                 </a:rPr>
                 <a:t>varRelationshipStatus</a:t>
               </a:r>
-              <a:endParaRPr lang="en-AU" sz="1000" b="1" dirty="0" smtClean="0">
+              <a:endParaRPr lang="en-AU" sz="1000" b="1" dirty="0">
                 <a:solidFill>
                   <a:schemeClr val="tx1"/>
                 </a:solidFill>
@@ -6297,7 +6240,7 @@
               </a:endParaRPr>
             </a:p>
             <a:p>
-              <a:endParaRPr lang="en-AU" sz="1000" b="1" dirty="0" smtClean="0">
+              <a:endParaRPr lang="en-AU" sz="1000" b="1" dirty="0">
                 <a:solidFill>
                   <a:schemeClr val="tx1"/>
                 </a:solidFill>
@@ -6464,7 +6407,7 @@
                 </a:spcAft>
               </a:pPr>
               <a:r>
-                <a:rPr lang="en-US" sz="1550" b="1" dirty="0" smtClean="0">
+                <a:rPr lang="en-US" sz="1550" b="1" dirty="0">
                   <a:solidFill>
                     <a:prstClr val="white"/>
                   </a:solidFill>
@@ -6505,7 +6448,7 @@
               <a:buSzPct val="100000"/>
             </a:pPr>
             <a:r>
-              <a:rPr lang="en-US" sz="1000" b="1" dirty="0" err="1" smtClean="0">
+              <a:rPr lang="en-US" sz="1000" b="1" dirty="0" err="1">
                 <a:solidFill>
                   <a:srgbClr val="000000"/>
                 </a:solidFill>
@@ -6514,7 +6457,7 @@
               </a:rPr>
               <a:t>varPartnerName</a:t>
             </a:r>
-            <a:endParaRPr lang="en-US" sz="1000" b="1" dirty="0" smtClean="0">
+            <a:endParaRPr lang="en-US" sz="1000" b="1" dirty="0">
               <a:solidFill>
                 <a:srgbClr val="000000"/>
               </a:solidFill>
@@ -6553,7 +6496,7 @@
               <a:buSzPct val="100000"/>
             </a:pPr>
             <a:r>
-              <a:rPr lang="en-US" sz="1000" b="1" dirty="0" err="1" smtClean="0">
+              <a:rPr lang="en-US" sz="1000" b="1" dirty="0" err="1">
                 <a:solidFill>
                   <a:srgbClr val="000000"/>
                 </a:solidFill>
@@ -6562,7 +6505,7 @@
               </a:rPr>
               <a:t>varContactPerson</a:t>
             </a:r>
-            <a:endParaRPr lang="en-US" sz="1000" b="1" dirty="0" smtClean="0">
+            <a:endParaRPr lang="en-US" sz="1000" b="1" dirty="0">
               <a:solidFill>
                 <a:srgbClr val="000000"/>
               </a:solidFill>
@@ -6575,7 +6518,7 @@
     </p:spTree>
     <p:extLst>
       <p:ext uri="{BB962C8B-B14F-4D97-AF65-F5344CB8AC3E}">
-        <p14:creationId xmlns:p14="http://schemas.microsoft.com/office/powerpoint/2010/main" xmlns="" val="1186358733"/>
+        <p14:creationId xmlns="" xmlns:p14="http://schemas.microsoft.com/office/powerpoint/2010/main" val="1186358733"/>
       </p:ext>
     </p:extLst>
   </p:cSld>
@@ -6640,19 +6583,10 @@
                 </a:solidFill>
                 <a:latin typeface="HP Simplified" pitchFamily="34" charset="0"/>
               </a:rPr>
-              <a:t>Partner </a:t>
+              <a:t>Partner overview for </a:t>
             </a:r>
             <a:r>
-              <a:rPr lang="en-US" sz="2000" b="1" dirty="0" smtClean="0">
-                <a:solidFill>
-                  <a:srgbClr val="000000"/>
-                </a:solidFill>
-                <a:latin typeface="HP Simplified" pitchFamily="34" charset="0"/>
-              </a:rPr>
-              <a:t>overview for </a:t>
-            </a:r>
-            <a:r>
-              <a:rPr lang="en-US" sz="2000" b="1" dirty="0" err="1" smtClean="0">
+              <a:rPr lang="en-US" sz="2000" b="1" dirty="0" err="1">
                 <a:solidFill>
                   <a:srgbClr val="000000"/>
                 </a:solidFill>
@@ -6661,7 +6595,7 @@
               <a:t>varQuarter</a:t>
             </a:r>
             <a:r>
-              <a:rPr lang="en-US" sz="2000" b="1" dirty="0" smtClean="0">
+              <a:rPr lang="en-US" sz="2000" b="1" dirty="0">
                 <a:solidFill>
                   <a:srgbClr val="000000"/>
                 </a:solidFill>
@@ -6669,12 +6603,6 @@
               </a:rPr>
               <a:t> planning</a:t>
             </a:r>
-            <a:endParaRPr lang="en-US" sz="2000" b="1" dirty="0">
-              <a:solidFill>
-                <a:srgbClr val="000000"/>
-              </a:solidFill>
-              <a:latin typeface="HP Simplified" pitchFamily="34" charset="0"/>
-            </a:endParaRPr>
           </a:p>
         </p:txBody>
       </p:sp>
@@ -6725,7 +6653,7 @@
           <a:lstStyle/>
           <a:p>
             <a:r>
-              <a:rPr lang="en-US" sz="1200" b="1" i="1" dirty="0" smtClean="0">
+              <a:rPr lang="en-US" sz="1200" b="1" i="1" dirty="0">
                 <a:solidFill>
                   <a:schemeClr val="tx1"/>
                 </a:solidFill>
@@ -6735,7 +6663,7 @@
           </a:p>
           <a:p>
             <a:r>
-              <a:rPr lang="en-US" sz="900" dirty="0" err="1" smtClean="0">
+              <a:rPr lang="en-US" sz="900" dirty="0" err="1">
                 <a:solidFill>
                   <a:schemeClr val="tx1"/>
                 </a:solidFill>
@@ -6798,7 +6726,7 @@
           <a:lstStyle/>
           <a:p>
             <a:r>
-              <a:rPr lang="en-US" sz="1200" b="1" i="1" dirty="0" smtClean="0">
+              <a:rPr lang="en-US" sz="1200" b="1" i="1" dirty="0">
                 <a:solidFill>
                   <a:schemeClr val="tx1"/>
                 </a:solidFill>
@@ -6809,7 +6737,7 @@
           </a:p>
           <a:p>
             <a:r>
-              <a:rPr lang="en-US" sz="900" dirty="0" err="1" smtClean="0">
+              <a:rPr lang="en-US" sz="900" dirty="0" err="1">
                 <a:solidFill>
                   <a:schemeClr val="tx1"/>
                 </a:solidFill>
@@ -6817,7 +6745,7 @@
               </a:rPr>
               <a:t>varWeaknessList</a:t>
             </a:r>
-            <a:endParaRPr lang="en-US" sz="900" dirty="0" smtClean="0">
+            <a:endParaRPr lang="en-US" sz="900" dirty="0">
               <a:solidFill>
                 <a:schemeClr val="tx1"/>
               </a:solidFill>
@@ -6872,7 +6800,7 @@
           <a:lstStyle/>
           <a:p>
             <a:r>
-              <a:rPr lang="en-US" sz="1200" b="1" i="1" dirty="0" smtClean="0">
+              <a:rPr lang="en-US" sz="1200" b="1" i="1" dirty="0">
                 <a:solidFill>
                   <a:schemeClr val="tx1"/>
                 </a:solidFill>
@@ -6883,7 +6811,7 @@
           </a:p>
           <a:p>
             <a:r>
-              <a:rPr lang="en-US" sz="900" dirty="0" err="1" smtClean="0">
+              <a:rPr lang="en-US" sz="900" dirty="0" err="1">
                 <a:solidFill>
                   <a:schemeClr val="tx1"/>
                 </a:solidFill>
@@ -6947,7 +6875,7 @@
           <a:lstStyle/>
           <a:p>
             <a:r>
-              <a:rPr lang="en-US" sz="1200" b="1" i="1" dirty="0" smtClean="0">
+              <a:rPr lang="en-US" sz="1200" b="1" i="1" dirty="0">
                 <a:solidFill>
                   <a:schemeClr val="tx1"/>
                 </a:solidFill>
@@ -6957,7 +6885,7 @@
           </a:p>
           <a:p>
             <a:r>
-              <a:rPr lang="en-US" sz="900" dirty="0" err="1" smtClean="0">
+              <a:rPr lang="en-US" sz="900" dirty="0" err="1">
                 <a:solidFill>
                   <a:schemeClr val="tx1"/>
                 </a:solidFill>
@@ -6965,7 +6893,7 @@
               </a:rPr>
               <a:t>varSupportReqdList</a:t>
             </a:r>
-            <a:endParaRPr lang="en-US" sz="900" dirty="0" smtClean="0">
+            <a:endParaRPr lang="en-US" sz="900" dirty="0">
               <a:solidFill>
                 <a:schemeClr val="tx1"/>
               </a:solidFill>
@@ -6976,7 +6904,7 @@
     </p:spTree>
     <p:extLst>
       <p:ext uri="{BB962C8B-B14F-4D97-AF65-F5344CB8AC3E}">
-        <p14:creationId xmlns:p14="http://schemas.microsoft.com/office/powerpoint/2010/main" xmlns="" val="860777018"/>
+        <p14:creationId xmlns="" xmlns:p14="http://schemas.microsoft.com/office/powerpoint/2010/main" val="860777018"/>
       </p:ext>
     </p:extLst>
   </p:cSld>
@@ -7032,7 +6960,7 @@
           <a:lstStyle/>
           <a:p>
             <a:r>
-              <a:rPr lang="en-US" sz="2400" b="1" dirty="0" smtClean="0">
+              <a:rPr lang="en-US" sz="2400" b="1" dirty="0">
                 <a:solidFill>
                   <a:srgbClr val="000000"/>
                 </a:solidFill>
@@ -7040,12 +6968,6 @@
               </a:rPr>
               <a:t>Competitive landscape</a:t>
             </a:r>
-            <a:endParaRPr lang="en-US" sz="2400" b="1" dirty="0">
-              <a:solidFill>
-                <a:srgbClr val="000000"/>
-              </a:solidFill>
-              <a:latin typeface="HP Simplified" pitchFamily="34" charset="0"/>
-            </a:endParaRPr>
           </a:p>
         </p:txBody>
       </p:sp>
@@ -7058,7 +6980,7 @@
           <p:nvPr>
             <p:extLst>
               <p:ext uri="{D42A27DB-BD31-4B8C-83A1-F6EECF244321}">
-                <p14:modId xmlns:p14="http://schemas.microsoft.com/office/powerpoint/2010/main" xmlns="" val="3901575031"/>
+                <p14:modId xmlns="" xmlns:p14="http://schemas.microsoft.com/office/powerpoint/2010/main" val="3901575031"/>
               </p:ext>
             </p:extLst>
           </p:nvPr>
@@ -7091,10 +7013,10 @@
                     <a:p>
                       <a:pPr algn="ctr"/>
                       <a:r>
-                        <a:rPr lang="en-US" sz="1000" b="1" u="none" dirty="0" smtClean="0"/>
+                        <a:rPr lang="en-US" sz="1000" u="none" dirty="0"/>
                         <a:t>Category</a:t>
                       </a:r>
-                      <a:endParaRPr lang="en-US" sz="1000" b="1" i="0" u="none" dirty="0" smtClean="0">
+                      <a:endParaRPr lang="en-US" sz="1000" b="1" i="0" u="none" dirty="0">
                         <a:solidFill>
                           <a:srgbClr val="FFFFFF"/>
                         </a:solidFill>
@@ -7111,10 +7033,10 @@
                     <a:p>
                       <a:pPr algn="ctr"/>
                       <a:r>
-                        <a:rPr lang="en-US" sz="900" u="none" dirty="0" smtClean="0"/>
+                        <a:rPr lang="en-US" sz="900" u="none" dirty="0"/>
                         <a:t>Competitor Name </a:t>
                       </a:r>
-                      <a:endParaRPr lang="en-US" sz="900" b="1" i="0" u="none" dirty="0" smtClean="0">
+                      <a:endParaRPr lang="en-US" sz="900" b="1" i="0" u="none" dirty="0">
                         <a:solidFill>
                           <a:srgbClr val="FFFFFF"/>
                         </a:solidFill>
@@ -7141,10 +7063,10 @@
                     <a:p>
                       <a:pPr algn="ctr"/>
                       <a:r>
-                        <a:rPr lang="en-US" sz="900" u="none" dirty="0" smtClean="0"/>
+                        <a:rPr lang="en-US" sz="900" u="none" dirty="0"/>
                         <a:t>Share %</a:t>
                       </a:r>
-                      <a:endParaRPr lang="en-US" sz="900" b="1" i="0" u="none" dirty="0" smtClean="0">
+                      <a:endParaRPr lang="en-US" sz="900" b="1" i="0" u="none" dirty="0">
                         <a:solidFill>
                           <a:srgbClr val="FFFFFF"/>
                         </a:solidFill>
@@ -7161,18 +7083,18 @@
                     <a:p>
                       <a:pPr algn="ctr"/>
                       <a:r>
-                        <a:rPr lang="en-US" sz="900" u="none" dirty="0" smtClean="0"/>
+                        <a:rPr lang="en-US" sz="900" u="none" dirty="0"/>
                         <a:t>Brand</a:t>
                       </a:r>
                       <a:r>
-                        <a:rPr lang="en-US" sz="900" u="none" baseline="0" dirty="0" smtClean="0"/>
+                        <a:rPr lang="en-US" sz="900" u="none" baseline="0" dirty="0"/>
                         <a:t> </a:t>
                       </a:r>
                       <a:r>
-                        <a:rPr lang="en-US" sz="900" u="none" dirty="0" smtClean="0"/>
+                        <a:rPr lang="en-US" sz="900" u="none" dirty="0"/>
                         <a:t>presence %</a:t>
                       </a:r>
-                      <a:endParaRPr lang="en-US" sz="900" b="1" i="0" u="none" dirty="0" smtClean="0">
+                      <a:endParaRPr lang="en-US" sz="900" b="1" i="0" u="none" dirty="0">
                         <a:solidFill>
                           <a:srgbClr val="FFFFFF"/>
                         </a:solidFill>
@@ -7189,10 +7111,10 @@
                     <a:p>
                       <a:pPr algn="ctr"/>
                       <a:r>
-                        <a:rPr lang="en-US" sz="900" u="none" dirty="0" smtClean="0"/>
+                        <a:rPr lang="en-US" sz="900" u="none" dirty="0"/>
                         <a:t>Price strategy</a:t>
                       </a:r>
-                      <a:endParaRPr lang="en-US" sz="900" b="1" i="0" u="none" dirty="0" smtClean="0">
+                      <a:endParaRPr lang="en-US" sz="900" b="1" i="0" u="none" dirty="0">
                         <a:solidFill>
                           <a:srgbClr val="FFFFFF"/>
                         </a:solidFill>
@@ -7209,10 +7131,10 @@
                     <a:p>
                       <a:pPr algn="ctr"/>
                       <a:r>
-                        <a:rPr lang="en-US" sz="900" u="none" dirty="0" smtClean="0"/>
+                        <a:rPr lang="en-US" sz="900" u="none" dirty="0"/>
                         <a:t>In-Store investment</a:t>
                       </a:r>
-                      <a:endParaRPr lang="en-US" sz="900" b="1" i="0" u="none" dirty="0" smtClean="0">
+                      <a:endParaRPr lang="en-US" sz="900" b="1" i="0" u="none" dirty="0">
                         <a:solidFill>
                           <a:srgbClr val="FFFFFF"/>
                         </a:solidFill>
@@ -7229,10 +7151,10 @@
                     <a:p>
                       <a:pPr algn="ctr"/>
                       <a:r>
-                        <a:rPr lang="en-US" sz="900" u="none" dirty="0" smtClean="0"/>
+                        <a:rPr lang="en-US" sz="900" u="none" dirty="0"/>
                         <a:t>Additional Comments</a:t>
                       </a:r>
-                      <a:endParaRPr lang="en-US" sz="900" b="1" i="0" u="none" dirty="0" smtClean="0">
+                      <a:endParaRPr lang="en-US" sz="900" b="1" i="0" u="none" dirty="0">
                         <a:solidFill>
                           <a:srgbClr val="FFFFFF"/>
                         </a:solidFill>
@@ -7251,10 +7173,10 @@
                     <a:p>
                       <a:pPr algn="ctr"/>
                       <a:r>
-                        <a:rPr lang="en-US" sz="900" u="none" baseline="0" dirty="0" err="1" smtClean="0"/>
+                        <a:rPr lang="en-US" sz="900" u="none" baseline="0" dirty="0" err="1"/>
                         <a:t>varCategory</a:t>
                       </a:r>
-                      <a:endParaRPr lang="en-US" sz="900" b="0" i="0" u="none" baseline="0" dirty="0" smtClean="0">
+                      <a:endParaRPr lang="en-US" sz="900" b="0" i="0" u="none" baseline="0" dirty="0">
                         <a:solidFill>
                           <a:schemeClr val="tx1"/>
                         </a:solidFill>
@@ -7273,10 +7195,10 @@
                     <a:p>
                       <a:pPr algn="l"/>
                       <a:r>
-                        <a:rPr lang="en-US" sz="900" u="none" dirty="0" err="1" smtClean="0"/>
+                        <a:rPr lang="en-US" sz="900" u="none" dirty="0" err="1"/>
                         <a:t>varCompetitor</a:t>
                       </a:r>
-                      <a:endParaRPr lang="en-US" sz="900" b="0" i="0" u="none" dirty="0" smtClean="0">
+                      <a:endParaRPr lang="en-US" sz="900" b="0" i="0" u="none" dirty="0">
                         <a:solidFill>
                           <a:srgbClr val="000000"/>
                         </a:solidFill>
@@ -7292,7 +7214,7 @@
                     <a:lstStyle/>
                     <a:p>
                       <a:pPr algn="l"/>
-                      <a:endParaRPr lang="en-US" sz="900" b="0" i="0" u="none" dirty="0" smtClean="0">
+                      <a:endParaRPr lang="en-US" sz="900" b="0" i="0" u="none" dirty="0">
                         <a:solidFill>
                           <a:srgbClr val="000000"/>
                         </a:solidFill>
@@ -7309,10 +7231,10 @@
                     <a:p>
                       <a:pPr algn="ctr"/>
                       <a:r>
-                        <a:rPr lang="en-US" sz="900" u="none" dirty="0" err="1" smtClean="0"/>
+                        <a:rPr lang="en-US" sz="900" u="none" dirty="0" err="1"/>
                         <a:t>varShare</a:t>
                       </a:r>
-                      <a:endParaRPr lang="en-US" sz="900" b="0" i="0" u="none" dirty="0" smtClean="0">
+                      <a:endParaRPr lang="en-US" sz="900" b="0" i="0" u="none" dirty="0">
                         <a:solidFill>
                           <a:srgbClr val="000000"/>
                         </a:solidFill>
@@ -7329,10 +7251,10 @@
                     <a:p>
                       <a:pPr algn="ctr"/>
                       <a:r>
-                        <a:rPr lang="en-US" sz="900" u="none" dirty="0" err="1" smtClean="0"/>
+                        <a:rPr lang="en-US" sz="900" u="none" dirty="0" err="1"/>
                         <a:t>varPresence</a:t>
                       </a:r>
-                      <a:endParaRPr lang="en-US" sz="900" b="0" i="0" u="none" dirty="0" smtClean="0">
+                      <a:endParaRPr lang="en-US" sz="900" b="0" i="0" u="none" dirty="0">
                         <a:solidFill>
                           <a:srgbClr val="000000"/>
                         </a:solidFill>
@@ -7349,10 +7271,10 @@
                     <a:p>
                       <a:pPr algn="ctr"/>
                       <a:r>
-                        <a:rPr lang="en-US" sz="900" u="none" dirty="0" err="1" smtClean="0"/>
+                        <a:rPr lang="en-US" sz="900" u="none" dirty="0" err="1"/>
                         <a:t>varPriceStrategy</a:t>
                       </a:r>
-                      <a:endParaRPr lang="en-US" sz="900" b="0" i="0" u="none" dirty="0" smtClean="0">
+                      <a:endParaRPr lang="en-US" sz="900" b="0" i="0" u="none" dirty="0">
                         <a:solidFill>
                           <a:srgbClr val="000000"/>
                         </a:solidFill>
@@ -7369,10 +7291,10 @@
                     <a:p>
                       <a:pPr algn="ctr"/>
                       <a:r>
-                        <a:rPr lang="en-US" sz="900" u="none" dirty="0" err="1" smtClean="0"/>
+                        <a:rPr lang="en-US" sz="900" u="none" dirty="0" err="1"/>
                         <a:t>varInvestment</a:t>
                       </a:r>
-                      <a:endParaRPr lang="en-US" sz="900" b="0" i="0" u="none" dirty="0" smtClean="0">
+                      <a:endParaRPr lang="en-US" sz="900" b="0" i="0" u="none" dirty="0">
                         <a:solidFill>
                           <a:srgbClr val="000000"/>
                         </a:solidFill>
@@ -7389,10 +7311,10 @@
                     <a:p>
                       <a:pPr algn="ctr"/>
                       <a:r>
-                        <a:rPr lang="en-US" sz="900" u="none" dirty="0" err="1" smtClean="0"/>
+                        <a:rPr lang="en-US" sz="900" u="none" dirty="0" err="1"/>
                         <a:t>varComments</a:t>
                       </a:r>
-                      <a:endParaRPr lang="en-US" sz="900" b="0" i="0" u="none" dirty="0" smtClean="0">
+                      <a:endParaRPr lang="en-US" sz="900" b="0" i="0" u="none" dirty="0">
                         <a:solidFill>
                           <a:srgbClr val="000000"/>
                         </a:solidFill>
@@ -7410,7 +7332,7 @@
     </p:spTree>
     <p:extLst>
       <p:ext uri="{BB962C8B-B14F-4D97-AF65-F5344CB8AC3E}">
-        <p14:creationId xmlns:p14="http://schemas.microsoft.com/office/powerpoint/2010/main" xmlns="" val="1228721567"/>
+        <p14:creationId xmlns="" xmlns:p14="http://schemas.microsoft.com/office/powerpoint/2010/main" val="1228721567"/>
       </p:ext>
     </p:extLst>
   </p:cSld>
@@ -7456,8 +7378,8 @@
         </p:nvSpPr>
         <p:spPr>
           <a:xfrm>
-            <a:off x="146538" y="79038"/>
-            <a:ext cx="8534718" cy="430887"/>
+            <a:off x="146538" y="69310"/>
+            <a:ext cx="8534718" cy="348979"/>
           </a:xfrm>
         </p:spPr>
         <p:txBody>
@@ -7465,13 +7387,22 @@
           <a:lstStyle/>
           <a:p>
             <a:r>
-              <a:rPr lang="en-US" sz="2400" dirty="0" smtClean="0">
+              <a:rPr lang="en-US" sz="2400" dirty="0">
                 <a:solidFill>
                   <a:schemeClr val="tx2"/>
                 </a:solidFill>
                 <a:ea typeface="Arial" pitchFamily="-111" charset="0"/>
               </a:rPr>
-              <a:t>Strategic Plan.</a:t>
+              <a:t>Strategic </a:t>
+            </a:r>
+            <a:r>
+              <a:rPr lang="en-US" sz="2400" dirty="0">
+                <a:solidFill>
+                  <a:schemeClr val="tx2"/>
+                </a:solidFill>
+                <a:ea typeface="Arial" pitchFamily="-111" charset="0"/>
+              </a:rPr>
+              <a:t>Plan</a:t>
             </a:r>
             <a:endParaRPr lang="en-US" sz="2400" b="0" i="1" dirty="0">
               <a:solidFill>
@@ -7491,915 +7422,87 @@
           <p:nvPr>
             <p:extLst>
               <p:ext uri="{D42A27DB-BD31-4B8C-83A1-F6EECF244321}">
-                <p14:modId xmlns:p14="http://schemas.microsoft.com/office/powerpoint/2010/main" xmlns="" val="912228269"/>
+                <p14:modId xmlns="" xmlns:p14="http://schemas.microsoft.com/office/powerpoint/2010/main" val="912228269"/>
               </p:ext>
             </p:extLst>
           </p:nvPr>
         </p:nvGraphicFramePr>
         <p:xfrm>
-          <a:off x="345441" y="520667"/>
-          <a:ext cx="8229597" cy="4222056"/>
+          <a:off x="92520" y="686035"/>
+          <a:ext cx="8934747" cy="568834"/>
         </p:xfrm>
         <a:graphic>
           <a:graphicData uri="http://schemas.openxmlformats.org/drawingml/2006/table">
             <a:tbl>
-              <a:tblPr/>
+              <a:tblPr firstRow="1" bandRow="1">
+                <a:tableStyleId>{5C22544A-7EE6-4342-B048-85BDC9FD1C3A}</a:tableStyleId>
+              </a:tblPr>
               <a:tblGrid>
-                <a:gridCol w="1401655"/>
-                <a:gridCol w="342826"/>
-                <a:gridCol w="551735"/>
-                <a:gridCol w="392819"/>
-                <a:gridCol w="649940"/>
-                <a:gridCol w="337469"/>
-                <a:gridCol w="578518"/>
-                <a:gridCol w="414248"/>
-                <a:gridCol w="680295"/>
-                <a:gridCol w="342826"/>
-                <a:gridCol w="578518"/>
-                <a:gridCol w="401748"/>
-                <a:gridCol w="635656"/>
-                <a:gridCol w="47139"/>
-                <a:gridCol w="874205"/>
+                <a:gridCol w="2492966"/>
+                <a:gridCol w="3314909"/>
+                <a:gridCol w="2177761"/>
+                <a:gridCol w="949111"/>
               </a:tblGrid>
-              <a:tr h="430227">
-                <a:tc>
-                  <a:txBody>
-                    <a:bodyPr/>
-                    <a:lstStyle/>
-                    <a:p>
-                      <a:pPr algn="l" fontAlgn="b"/>
-                      <a:r>
-                        <a:rPr lang="en-US" sz="1000" b="1" i="0" u="none" strike="noStrike" dirty="0" smtClean="0">
-                          <a:solidFill>
-                            <a:srgbClr val="000000"/>
-                          </a:solidFill>
-                          <a:latin typeface="HP Simplified" charset="0"/>
-                        </a:rPr>
-                        <a:t>Q2  2015 </a:t>
-                      </a:r>
-                      <a:r>
-                        <a:rPr lang="en-US" sz="1000" b="1" i="0" u="none" strike="noStrike" dirty="0">
-                          <a:solidFill>
-                            <a:srgbClr val="000000"/>
-                          </a:solidFill>
-                          <a:latin typeface="HP Simplified" charset="0"/>
-                        </a:rPr>
-                        <a:t>plan</a:t>
-                      </a:r>
-                    </a:p>
-                  </a:txBody>
-                  <a:tcPr marL="0" marR="0" marT="0" marB="0" anchor="ctr">
-                    <a:lnL>
-                      <a:noFill/>
-                    </a:lnL>
-                    <a:lnR>
-                      <a:noFill/>
-                    </a:lnR>
-                    <a:lnT>
-                      <a:noFill/>
-                    </a:lnT>
-                    <a:lnB w="9525" cap="flat" cmpd="sng" algn="ctr">
-                      <a:solidFill>
-                        <a:prstClr val="black"/>
-                      </a:solidFill>
-                      <a:prstDash val="solid"/>
-                      <a:round/>
-                      <a:headEnd type="none" w="med" len="med"/>
-                      <a:tailEnd type="none" w="med" len="med"/>
-                    </a:lnB>
-                    <a:solidFill>
-                      <a:schemeClr val="bg1"/>
-                    </a:solidFill>
-                  </a:tcPr>
-                </a:tc>
-                <a:tc>
-                  <a:txBody>
-                    <a:bodyPr/>
-                    <a:lstStyle/>
-                    <a:p>
-                      <a:pPr algn="l" fontAlgn="b"/>
-                      <a:endParaRPr lang="en-US" sz="900" b="0" i="0" u="none" strike="noStrike" dirty="0">
-                        <a:solidFill>
-                          <a:srgbClr val="000000"/>
+              <a:tr h="284417">
+                <a:tc>
+                  <a:txBody>
+                    <a:bodyPr/>
+                    <a:lstStyle/>
+                    <a:p>
+                      <a:pPr algn="ctr" rtl="0" fontAlgn="b"/>
+                      <a:r>
+                        <a:rPr lang="en-US" sz="1000" u="none" strike="noStrike" dirty="0"/>
+                        <a:t>Business objectives</a:t>
+                      </a:r>
+                      <a:endParaRPr lang="en-US" sz="1000" b="1" i="0" u="none" strike="noStrike" dirty="0">
+                        <a:solidFill>
+                          <a:schemeClr val="bg2"/>
                         </a:solidFill>
                         <a:latin typeface="HP Simplified" charset="0"/>
                       </a:endParaRPr>
                     </a:p>
                   </a:txBody>
-                  <a:tcPr marL="0" marR="0" marT="0" marB="0" anchor="ctr">
-                    <a:lnL>
-                      <a:noFill/>
-                    </a:lnL>
-                    <a:lnR>
-                      <a:noFill/>
-                    </a:lnR>
-                    <a:lnT>
-                      <a:noFill/>
-                    </a:lnT>
-                    <a:lnB w="9525" cap="flat" cmpd="sng" algn="ctr">
-                      <a:solidFill>
-                        <a:prstClr val="black"/>
-                      </a:solidFill>
-                      <a:prstDash val="solid"/>
-                      <a:round/>
-                      <a:headEnd type="none" w="med" len="med"/>
-                      <a:tailEnd type="none" w="med" len="med"/>
-                    </a:lnB>
-                    <a:solidFill>
-                      <a:schemeClr val="bg1"/>
-                    </a:solidFill>
-                  </a:tcPr>
-                </a:tc>
-                <a:tc>
-                  <a:txBody>
-                    <a:bodyPr/>
-                    <a:lstStyle/>
-                    <a:p>
-                      <a:pPr algn="l" fontAlgn="b"/>
-                      <a:endParaRPr lang="en-US" sz="900" b="0" i="0" u="none" strike="noStrike" dirty="0">
-                        <a:solidFill>
-                          <a:srgbClr val="000000"/>
+                  <a:tcPr marL="0" marR="0" marT="0" marB="0" anchor="ctr"/>
+                </a:tc>
+                <a:tc>
+                  <a:txBody>
+                    <a:bodyPr/>
+                    <a:lstStyle/>
+                    <a:p>
+                      <a:pPr algn="ctr" rtl="0" fontAlgn="b"/>
+                      <a:r>
+                        <a:rPr lang="en-US" sz="1000" u="none" strike="noStrike" dirty="0"/>
+                        <a:t>Strategies</a:t>
+                      </a:r>
+                      <a:endParaRPr lang="en-US" sz="1000" b="1" i="0" u="none" strike="noStrike" dirty="0">
+                        <a:solidFill>
+                          <a:schemeClr val="bg2"/>
                         </a:solidFill>
                         <a:latin typeface="HP Simplified" charset="0"/>
                       </a:endParaRPr>
                     </a:p>
                   </a:txBody>
-                  <a:tcPr marL="0" marR="0" marT="0" marB="0" anchor="ctr">
-                    <a:lnL>
-                      <a:noFill/>
-                    </a:lnL>
-                    <a:lnR>
-                      <a:noFill/>
-                    </a:lnR>
-                    <a:lnT>
-                      <a:noFill/>
-                    </a:lnT>
-                    <a:lnB w="9525" cap="flat" cmpd="sng" algn="ctr">
-                      <a:solidFill>
-                        <a:prstClr val="black"/>
-                      </a:solidFill>
-                      <a:prstDash val="solid"/>
-                      <a:round/>
-                      <a:headEnd type="none" w="med" len="med"/>
-                      <a:tailEnd type="none" w="med" len="med"/>
-                    </a:lnB>
-                    <a:solidFill>
-                      <a:schemeClr val="bg1"/>
-                    </a:solidFill>
-                  </a:tcPr>
-                </a:tc>
-                <a:tc>
-                  <a:txBody>
-                    <a:bodyPr/>
-                    <a:lstStyle/>
-                    <a:p>
-                      <a:pPr algn="l" fontAlgn="b"/>
-                      <a:endParaRPr lang="en-US" sz="900" b="0" i="0" u="none" strike="noStrike" dirty="0">
-                        <a:solidFill>
-                          <a:srgbClr val="000000"/>
+                  <a:tcPr marL="0" marR="0" marT="0" marB="0" anchor="ctr"/>
+                </a:tc>
+                <a:tc>
+                  <a:txBody>
+                    <a:bodyPr/>
+                    <a:lstStyle/>
+                    <a:p>
+                      <a:pPr algn="ctr" rtl="0" fontAlgn="b"/>
+                      <a:r>
+                        <a:rPr lang="en-US" sz="1000" u="none" strike="noStrike" dirty="0"/>
+                        <a:t>Metrics</a:t>
+                      </a:r>
+                      <a:endParaRPr lang="en-US" sz="1000" b="1" i="0" u="none" strike="noStrike" dirty="0">
+                        <a:solidFill>
+                          <a:schemeClr val="bg2"/>
                         </a:solidFill>
                         <a:latin typeface="HP Simplified" charset="0"/>
                       </a:endParaRPr>
                     </a:p>
                   </a:txBody>
-                  <a:tcPr marL="0" marR="0" marT="0" marB="0" anchor="ctr">
-                    <a:lnL>
-                      <a:noFill/>
-                    </a:lnL>
-                    <a:lnR>
-                      <a:noFill/>
-                    </a:lnR>
-                    <a:lnT>
-                      <a:noFill/>
-                    </a:lnT>
-                    <a:lnB w="9525" cap="flat" cmpd="sng" algn="ctr">
-                      <a:solidFill>
-                        <a:prstClr val="black"/>
-                      </a:solidFill>
-                      <a:prstDash val="solid"/>
-                      <a:round/>
-                      <a:headEnd type="none" w="med" len="med"/>
-                      <a:tailEnd type="none" w="med" len="med"/>
-                    </a:lnB>
-                    <a:solidFill>
-                      <a:schemeClr val="bg1"/>
-                    </a:solidFill>
-                  </a:tcPr>
-                </a:tc>
-                <a:tc>
-                  <a:txBody>
-                    <a:bodyPr/>
-                    <a:lstStyle/>
-                    <a:p>
-                      <a:pPr algn="l" fontAlgn="b"/>
-                      <a:endParaRPr lang="en-US" sz="900" b="0" i="0" u="none" strike="noStrike" dirty="0">
-                        <a:solidFill>
-                          <a:srgbClr val="000000"/>
-                        </a:solidFill>
-                        <a:latin typeface="HP Simplified" charset="0"/>
-                      </a:endParaRPr>
-                    </a:p>
-                  </a:txBody>
-                  <a:tcPr marL="0" marR="0" marT="0" marB="0" anchor="ctr">
-                    <a:lnL>
-                      <a:noFill/>
-                    </a:lnL>
-                    <a:lnR>
-                      <a:noFill/>
-                    </a:lnR>
-                    <a:lnT>
-                      <a:noFill/>
-                    </a:lnT>
-                    <a:lnB w="9525" cap="flat" cmpd="sng" algn="ctr">
-                      <a:solidFill>
-                        <a:prstClr val="black"/>
-                      </a:solidFill>
-                      <a:prstDash val="solid"/>
-                      <a:round/>
-                      <a:headEnd type="none" w="med" len="med"/>
-                      <a:tailEnd type="none" w="med" len="med"/>
-                    </a:lnB>
-                    <a:solidFill>
-                      <a:schemeClr val="bg1"/>
-                    </a:solidFill>
-                  </a:tcPr>
-                </a:tc>
-                <a:tc>
-                  <a:txBody>
-                    <a:bodyPr/>
-                    <a:lstStyle/>
-                    <a:p>
-                      <a:pPr algn="l" fontAlgn="b"/>
-                      <a:endParaRPr lang="en-US" sz="900" b="0" i="0" u="none" strike="noStrike" dirty="0">
-                        <a:solidFill>
-                          <a:srgbClr val="000000"/>
-                        </a:solidFill>
-                        <a:latin typeface="HP Simplified" charset="0"/>
-                      </a:endParaRPr>
-                    </a:p>
-                  </a:txBody>
-                  <a:tcPr marL="0" marR="0" marT="0" marB="0" anchor="ctr">
-                    <a:lnL>
-                      <a:noFill/>
-                    </a:lnL>
-                    <a:lnR>
-                      <a:noFill/>
-                    </a:lnR>
-                    <a:lnT>
-                      <a:noFill/>
-                    </a:lnT>
-                    <a:lnB w="9525" cap="flat" cmpd="sng" algn="ctr">
-                      <a:solidFill>
-                        <a:prstClr val="black"/>
-                      </a:solidFill>
-                      <a:prstDash val="solid"/>
-                      <a:round/>
-                      <a:headEnd type="none" w="med" len="med"/>
-                      <a:tailEnd type="none" w="med" len="med"/>
-                    </a:lnB>
-                    <a:solidFill>
-                      <a:schemeClr val="bg1"/>
-                    </a:solidFill>
-                  </a:tcPr>
-                </a:tc>
-                <a:tc>
-                  <a:txBody>
-                    <a:bodyPr/>
-                    <a:lstStyle/>
-                    <a:p>
-                      <a:pPr algn="l" fontAlgn="b"/>
-                      <a:endParaRPr lang="en-US" sz="900" b="0" i="0" u="none" strike="noStrike" dirty="0">
-                        <a:solidFill>
-                          <a:srgbClr val="000000"/>
-                        </a:solidFill>
-                        <a:latin typeface="HP Simplified" charset="0"/>
-                      </a:endParaRPr>
-                    </a:p>
-                  </a:txBody>
-                  <a:tcPr marL="0" marR="0" marT="0" marB="0" anchor="ctr">
-                    <a:lnL>
-                      <a:noFill/>
-                    </a:lnL>
-                    <a:lnR>
-                      <a:noFill/>
-                    </a:lnR>
-                    <a:lnT>
-                      <a:noFill/>
-                    </a:lnT>
-                    <a:lnB w="9525" cap="flat" cmpd="sng" algn="ctr">
-                      <a:solidFill>
-                        <a:prstClr val="black"/>
-                      </a:solidFill>
-                      <a:prstDash val="solid"/>
-                      <a:round/>
-                      <a:headEnd type="none" w="med" len="med"/>
-                      <a:tailEnd type="none" w="med" len="med"/>
-                    </a:lnB>
-                    <a:solidFill>
-                      <a:schemeClr val="bg1"/>
-                    </a:solidFill>
-                  </a:tcPr>
-                </a:tc>
-                <a:tc>
-                  <a:txBody>
-                    <a:bodyPr/>
-                    <a:lstStyle/>
-                    <a:p>
-                      <a:pPr algn="l" fontAlgn="b"/>
-                      <a:endParaRPr lang="en-US" sz="900" b="0" i="0" u="none" strike="noStrike" dirty="0">
-                        <a:solidFill>
-                          <a:srgbClr val="000000"/>
-                        </a:solidFill>
-                        <a:latin typeface="HP Simplified" charset="0"/>
-                      </a:endParaRPr>
-                    </a:p>
-                  </a:txBody>
-                  <a:tcPr marL="0" marR="0" marT="0" marB="0" anchor="ctr">
-                    <a:lnL>
-                      <a:noFill/>
-                    </a:lnL>
-                    <a:lnR>
-                      <a:noFill/>
-                    </a:lnR>
-                    <a:lnT>
-                      <a:noFill/>
-                    </a:lnT>
-                    <a:lnB w="9525" cap="flat" cmpd="sng" algn="ctr">
-                      <a:solidFill>
-                        <a:prstClr val="black"/>
-                      </a:solidFill>
-                      <a:prstDash val="solid"/>
-                      <a:round/>
-                      <a:headEnd type="none" w="med" len="med"/>
-                      <a:tailEnd type="none" w="med" len="med"/>
-                    </a:lnB>
-                    <a:solidFill>
-                      <a:schemeClr val="bg1"/>
-                    </a:solidFill>
-                  </a:tcPr>
-                </a:tc>
-                <a:tc>
-                  <a:txBody>
-                    <a:bodyPr/>
-                    <a:lstStyle/>
-                    <a:p>
-                      <a:pPr algn="l" fontAlgn="b"/>
-                      <a:endParaRPr lang="en-US" sz="900" b="0" i="0" u="none" strike="noStrike" dirty="0">
-                        <a:solidFill>
-                          <a:srgbClr val="000000"/>
-                        </a:solidFill>
-                        <a:latin typeface="HP Simplified" charset="0"/>
-                      </a:endParaRPr>
-                    </a:p>
-                  </a:txBody>
-                  <a:tcPr marL="0" marR="0" marT="0" marB="0" anchor="ctr">
-                    <a:lnL>
-                      <a:noFill/>
-                    </a:lnL>
-                    <a:lnR>
-                      <a:noFill/>
-                    </a:lnR>
-                    <a:lnT>
-                      <a:noFill/>
-                    </a:lnT>
-                    <a:lnB w="9525" cap="flat" cmpd="sng" algn="ctr">
-                      <a:solidFill>
-                        <a:prstClr val="black"/>
-                      </a:solidFill>
-                      <a:prstDash val="solid"/>
-                      <a:round/>
-                      <a:headEnd type="none" w="med" len="med"/>
-                      <a:tailEnd type="none" w="med" len="med"/>
-                    </a:lnB>
-                    <a:solidFill>
-                      <a:schemeClr val="bg1"/>
-                    </a:solidFill>
-                  </a:tcPr>
-                </a:tc>
-                <a:tc>
-                  <a:txBody>
-                    <a:bodyPr/>
-                    <a:lstStyle/>
-                    <a:p>
-                      <a:pPr algn="l" fontAlgn="b"/>
-                      <a:endParaRPr lang="en-US" sz="900" b="0" i="0" u="none" strike="noStrike" dirty="0">
-                        <a:solidFill>
-                          <a:srgbClr val="000000"/>
-                        </a:solidFill>
-                        <a:latin typeface="HP Simplified" charset="0"/>
-                      </a:endParaRPr>
-                    </a:p>
-                  </a:txBody>
-                  <a:tcPr marL="0" marR="0" marT="0" marB="0" anchor="ctr">
-                    <a:lnL>
-                      <a:noFill/>
-                    </a:lnL>
-                    <a:lnR>
-                      <a:noFill/>
-                    </a:lnR>
-                    <a:lnT>
-                      <a:noFill/>
-                    </a:lnT>
-                    <a:lnB w="9525" cap="flat" cmpd="sng" algn="ctr">
-                      <a:solidFill>
-                        <a:prstClr val="black"/>
-                      </a:solidFill>
-                      <a:prstDash val="solid"/>
-                      <a:round/>
-                      <a:headEnd type="none" w="med" len="med"/>
-                      <a:tailEnd type="none" w="med" len="med"/>
-                    </a:lnB>
-                    <a:solidFill>
-                      <a:schemeClr val="bg1"/>
-                    </a:solidFill>
-                  </a:tcPr>
-                </a:tc>
-                <a:tc>
-                  <a:txBody>
-                    <a:bodyPr/>
-                    <a:lstStyle/>
-                    <a:p>
-                      <a:pPr algn="l" fontAlgn="b"/>
-                      <a:endParaRPr lang="en-US" sz="900" b="0" i="0" u="none" strike="noStrike" dirty="0">
-                        <a:solidFill>
-                          <a:srgbClr val="000000"/>
-                        </a:solidFill>
-                        <a:latin typeface="HP Simplified" charset="0"/>
-                      </a:endParaRPr>
-                    </a:p>
-                  </a:txBody>
-                  <a:tcPr marL="0" marR="0" marT="0" marB="0" anchor="ctr">
-                    <a:lnL>
-                      <a:noFill/>
-                    </a:lnL>
-                    <a:lnR>
-                      <a:noFill/>
-                    </a:lnR>
-                    <a:lnT>
-                      <a:noFill/>
-                    </a:lnT>
-                    <a:lnB w="9525" cap="flat" cmpd="sng" algn="ctr">
-                      <a:solidFill>
-                        <a:prstClr val="black"/>
-                      </a:solidFill>
-                      <a:prstDash val="solid"/>
-                      <a:round/>
-                      <a:headEnd type="none" w="med" len="med"/>
-                      <a:tailEnd type="none" w="med" len="med"/>
-                    </a:lnB>
-                    <a:solidFill>
-                      <a:schemeClr val="bg1"/>
-                    </a:solidFill>
-                  </a:tcPr>
-                </a:tc>
-                <a:tc>
-                  <a:txBody>
-                    <a:bodyPr/>
-                    <a:lstStyle/>
-                    <a:p>
-                      <a:pPr algn="l" fontAlgn="b"/>
-                      <a:endParaRPr lang="en-US" sz="900" b="0" i="0" u="none" strike="noStrike" dirty="0">
-                        <a:solidFill>
-                          <a:srgbClr val="000000"/>
-                        </a:solidFill>
-                        <a:latin typeface="HP Simplified" charset="0"/>
-                      </a:endParaRPr>
-                    </a:p>
-                  </a:txBody>
-                  <a:tcPr marL="0" marR="0" marT="0" marB="0" anchor="ctr">
-                    <a:lnL>
-                      <a:noFill/>
-                    </a:lnL>
-                    <a:lnR>
-                      <a:noFill/>
-                    </a:lnR>
-                    <a:lnT>
-                      <a:noFill/>
-                    </a:lnT>
-                    <a:lnB w="9525" cap="flat" cmpd="sng" algn="ctr">
-                      <a:solidFill>
-                        <a:prstClr val="black"/>
-                      </a:solidFill>
-                      <a:prstDash val="solid"/>
-                      <a:round/>
-                      <a:headEnd type="none" w="med" len="med"/>
-                      <a:tailEnd type="none" w="med" len="med"/>
-                    </a:lnB>
-                    <a:solidFill>
-                      <a:schemeClr val="bg1"/>
-                    </a:solidFill>
-                  </a:tcPr>
-                </a:tc>
-                <a:tc>
-                  <a:txBody>
-                    <a:bodyPr/>
-                    <a:lstStyle/>
-                    <a:p>
-                      <a:pPr algn="l" fontAlgn="b"/>
-                      <a:endParaRPr lang="en-US" sz="900" b="0" i="0" u="none" strike="noStrike" dirty="0">
-                        <a:solidFill>
-                          <a:srgbClr val="000000"/>
-                        </a:solidFill>
-                        <a:latin typeface="HP Simplified" charset="0"/>
-                      </a:endParaRPr>
-                    </a:p>
-                  </a:txBody>
-                  <a:tcPr marL="0" marR="0" marT="0" marB="0" anchor="ctr">
-                    <a:lnL>
-                      <a:noFill/>
-                    </a:lnL>
-                    <a:lnR>
-                      <a:noFill/>
-                    </a:lnR>
-                    <a:lnT>
-                      <a:noFill/>
-                    </a:lnT>
-                    <a:lnB w="9525" cap="flat" cmpd="sng" algn="ctr">
-                      <a:solidFill>
-                        <a:prstClr val="black"/>
-                      </a:solidFill>
-                      <a:prstDash val="solid"/>
-                      <a:round/>
-                      <a:headEnd type="none" w="med" len="med"/>
-                      <a:tailEnd type="none" w="med" len="med"/>
-                    </a:lnB>
-                    <a:solidFill>
-                      <a:schemeClr val="bg1"/>
-                    </a:solidFill>
-                  </a:tcPr>
-                </a:tc>
-                <a:tc>
-                  <a:txBody>
-                    <a:bodyPr/>
-                    <a:lstStyle/>
-                    <a:p>
-                      <a:pPr algn="l" fontAlgn="b"/>
-                      <a:endParaRPr lang="en-US" sz="900" b="0" i="0" u="none" strike="noStrike" dirty="0">
-                        <a:solidFill>
-                          <a:srgbClr val="000000"/>
-                        </a:solidFill>
-                        <a:latin typeface="HP Simplified" charset="0"/>
-                      </a:endParaRPr>
-                    </a:p>
-                  </a:txBody>
-                  <a:tcPr marL="0" marR="0" marT="0" marB="0" anchor="ctr">
-                    <a:lnL>
-                      <a:noFill/>
-                    </a:lnL>
-                    <a:lnR>
-                      <a:noFill/>
-                    </a:lnR>
-                    <a:lnT>
-                      <a:noFill/>
-                    </a:lnT>
-                    <a:lnB w="9525" cap="flat" cmpd="sng" algn="ctr">
-                      <a:solidFill>
-                        <a:prstClr val="black"/>
-                      </a:solidFill>
-                      <a:prstDash val="solid"/>
-                      <a:round/>
-                      <a:headEnd type="none" w="med" len="med"/>
-                      <a:tailEnd type="none" w="med" len="med"/>
-                    </a:lnB>
-                    <a:solidFill>
-                      <a:schemeClr val="bg1"/>
-                    </a:solidFill>
-                  </a:tcPr>
-                </a:tc>
-                <a:tc>
-                  <a:txBody>
-                    <a:bodyPr/>
-                    <a:lstStyle/>
-                    <a:p>
-                      <a:pPr algn="l" fontAlgn="b"/>
-                      <a:endParaRPr lang="en-US" sz="900" b="0" i="0" u="none" strike="noStrike" dirty="0">
-                        <a:solidFill>
-                          <a:srgbClr val="000000"/>
-                        </a:solidFill>
-                        <a:latin typeface="HP Simplified" charset="0"/>
-                      </a:endParaRPr>
-                    </a:p>
-                  </a:txBody>
-                  <a:tcPr marL="0" marR="0" marT="0" marB="0" anchor="ctr">
-                    <a:lnL>
-                      <a:noFill/>
-                    </a:lnL>
-                    <a:lnR>
-                      <a:noFill/>
-                    </a:lnR>
-                    <a:lnT>
-                      <a:noFill/>
-                    </a:lnT>
-                    <a:lnB w="9525" cap="flat" cmpd="sng" algn="ctr">
-                      <a:solidFill>
-                        <a:prstClr val="black"/>
-                      </a:solidFill>
-                      <a:prstDash val="solid"/>
-                      <a:round/>
-                      <a:headEnd type="none" w="med" len="med"/>
-                      <a:tailEnd type="none" w="med" len="med"/>
-                    </a:lnB>
-                    <a:solidFill>
-                      <a:schemeClr val="bg1"/>
-                    </a:solidFill>
-                  </a:tcPr>
-                </a:tc>
-              </a:tr>
-              <a:tr h="378597">
-                <a:tc gridSpan="3">
-                  <a:txBody>
-                    <a:bodyPr/>
-                    <a:lstStyle/>
-                    <a:p>
-                      <a:pPr algn="ctr" rtl="0" fontAlgn="b"/>
-                      <a:r>
-                        <a:rPr lang="en-US" sz="900" b="1" i="0" u="none" strike="noStrike" dirty="0">
-                          <a:solidFill>
-                            <a:schemeClr val="bg2"/>
-                          </a:solidFill>
-                          <a:latin typeface="HP Simplified" charset="0"/>
-                        </a:rPr>
-                        <a:t>Business objectives</a:t>
-                      </a:r>
-                    </a:p>
-                  </a:txBody>
-                  <a:tcPr marL="0" marR="0" marT="0" marB="0" anchor="ctr">
-                    <a:lnL w="9525" cap="flat" cmpd="sng" algn="ctr">
-                      <a:solidFill>
-                        <a:prstClr val="black"/>
-                      </a:solidFill>
-                      <a:prstDash val="solid"/>
-                      <a:round/>
-                      <a:headEnd type="none" w="med" len="med"/>
-                      <a:tailEnd type="none" w="med" len="med"/>
-                    </a:lnL>
-                    <a:lnR w="12700" cap="flat" cmpd="sng" algn="ctr">
-                      <a:noFill/>
-                      <a:prstDash val="solid"/>
-                      <a:round/>
-                      <a:headEnd type="none" w="med" len="med"/>
-                      <a:tailEnd type="none" w="med" len="med"/>
-                    </a:lnR>
-                    <a:lnT w="9525" cap="flat" cmpd="sng" algn="ctr">
-                      <a:solidFill>
-                        <a:prstClr val="black"/>
-                      </a:solidFill>
-                      <a:prstDash val="solid"/>
-                      <a:round/>
-                      <a:headEnd type="none" w="med" len="med"/>
-                      <a:tailEnd type="none" w="med" len="med"/>
-                    </a:lnT>
-                    <a:lnB w="12700" cap="flat" cmpd="sng" algn="ctr">
-                      <a:noFill/>
-                      <a:prstDash val="solid"/>
-                      <a:round/>
-                      <a:headEnd type="none" w="med" len="med"/>
-                      <a:tailEnd type="none" w="med" len="med"/>
-                    </a:lnB>
-                    <a:lnTlToBr w="12700" cmpd="sng">
-                      <a:noFill/>
-                      <a:prstDash val="solid"/>
-                    </a:lnTlToBr>
-                    <a:lnBlToTr w="12700" cmpd="sng">
-                      <a:noFill/>
-                      <a:prstDash val="solid"/>
-                    </a:lnBlToTr>
-                    <a:solidFill>
-                      <a:schemeClr val="accent1"/>
-                    </a:solidFill>
-                  </a:tcPr>
-                </a:tc>
-                <a:tc hMerge="1">
-                  <a:txBody>
-                    <a:bodyPr/>
-                    <a:lstStyle/>
-                    <a:p>
-                      <a:endParaRPr lang="en-US"/>
-                    </a:p>
-                  </a:txBody>
-                  <a:tcPr/>
-                </a:tc>
-                <a:tc hMerge="1">
-                  <a:txBody>
-                    <a:bodyPr/>
-                    <a:lstStyle/>
-                    <a:p>
-                      <a:endParaRPr lang="en-US"/>
-                    </a:p>
-                  </a:txBody>
-                  <a:tcPr/>
-                </a:tc>
-                <a:tc gridSpan="6">
-                  <a:txBody>
-                    <a:bodyPr/>
-                    <a:lstStyle/>
-                    <a:p>
-                      <a:pPr algn="ctr" rtl="0" fontAlgn="b"/>
-                      <a:r>
-                        <a:rPr lang="en-US" sz="900" b="1" i="0" u="none" strike="noStrike" dirty="0">
-                          <a:solidFill>
-                            <a:schemeClr val="bg2"/>
-                          </a:solidFill>
-                          <a:latin typeface="HP Simplified" charset="0"/>
-                        </a:rPr>
-                        <a:t>Strategies</a:t>
-                      </a:r>
-                    </a:p>
-                  </a:txBody>
-                  <a:tcPr marL="0" marR="0" marT="0" marB="0" anchor="ctr">
-                    <a:lnL w="12700" cap="flat" cmpd="sng" algn="ctr">
-                      <a:noFill/>
-                      <a:prstDash val="solid"/>
-                      <a:round/>
-                      <a:headEnd type="none" w="med" len="med"/>
-                      <a:tailEnd type="none" w="med" len="med"/>
-                    </a:lnL>
-                    <a:lnR w="12700" cap="flat" cmpd="sng" algn="ctr">
-                      <a:noFill/>
-                      <a:prstDash val="solid"/>
-                      <a:round/>
-                      <a:headEnd type="none" w="med" len="med"/>
-                      <a:tailEnd type="none" w="med" len="med"/>
-                    </a:lnR>
-                    <a:lnT w="9525" cap="flat" cmpd="sng" algn="ctr">
-                      <a:solidFill>
-                        <a:prstClr val="black"/>
-                      </a:solidFill>
-                      <a:prstDash val="solid"/>
-                      <a:round/>
-                      <a:headEnd type="none" w="med" len="med"/>
-                      <a:tailEnd type="none" w="med" len="med"/>
-                    </a:lnT>
-                    <a:lnB w="12700" cap="flat" cmpd="sng" algn="ctr">
-                      <a:noFill/>
-                      <a:prstDash val="solid"/>
-                      <a:round/>
-                      <a:headEnd type="none" w="med" len="med"/>
-                      <a:tailEnd type="none" w="med" len="med"/>
-                    </a:lnB>
-                    <a:lnTlToBr w="12700" cmpd="sng">
-                      <a:noFill/>
-                      <a:prstDash val="solid"/>
-                    </a:lnTlToBr>
-                    <a:lnBlToTr w="12700" cmpd="sng">
-                      <a:noFill/>
-                      <a:prstDash val="solid"/>
-                    </a:lnBlToTr>
-                    <a:solidFill>
-                      <a:schemeClr val="accent1"/>
-                    </a:solidFill>
-                  </a:tcPr>
-                </a:tc>
-                <a:tc hMerge="1">
-                  <a:txBody>
-                    <a:bodyPr/>
-                    <a:lstStyle/>
-                    <a:p>
-                      <a:endParaRPr lang="en-US"/>
-                    </a:p>
-                  </a:txBody>
-                  <a:tcPr/>
-                </a:tc>
-                <a:tc hMerge="1">
-                  <a:txBody>
-                    <a:bodyPr/>
-                    <a:lstStyle/>
-                    <a:p>
-                      <a:endParaRPr lang="en-US"/>
-                    </a:p>
-                  </a:txBody>
-                  <a:tcPr/>
-                </a:tc>
-                <a:tc hMerge="1">
-                  <a:txBody>
-                    <a:bodyPr/>
-                    <a:lstStyle/>
-                    <a:p>
-                      <a:endParaRPr lang="en-US"/>
-                    </a:p>
-                  </a:txBody>
-                  <a:tcPr/>
-                </a:tc>
-                <a:tc hMerge="1">
-                  <a:txBody>
-                    <a:bodyPr/>
-                    <a:lstStyle/>
-                    <a:p>
-                      <a:endParaRPr lang="en-US"/>
-                    </a:p>
-                  </a:txBody>
-                  <a:tcPr/>
-                </a:tc>
-                <a:tc hMerge="1">
-                  <a:txBody>
-                    <a:bodyPr/>
-                    <a:lstStyle/>
-                    <a:p>
-                      <a:endParaRPr lang="en-US"/>
-                    </a:p>
-                  </a:txBody>
-                  <a:tcPr/>
-                </a:tc>
-                <a:tc gridSpan="5">
-                  <a:txBody>
-                    <a:bodyPr/>
-                    <a:lstStyle/>
-                    <a:p>
-                      <a:pPr algn="ctr" rtl="0" fontAlgn="b"/>
-                      <a:r>
-                        <a:rPr lang="en-US" sz="900" b="1" i="0" u="none" strike="noStrike" dirty="0">
-                          <a:solidFill>
-                            <a:schemeClr val="bg2"/>
-                          </a:solidFill>
-                          <a:latin typeface="HP Simplified" charset="0"/>
-                        </a:rPr>
-                        <a:t>Metrics</a:t>
-                      </a:r>
-                    </a:p>
-                  </a:txBody>
-                  <a:tcPr marL="0" marR="0" marT="0" marB="0" anchor="ctr">
-                    <a:lnL w="12700" cap="flat" cmpd="sng" algn="ctr">
-                      <a:noFill/>
-                      <a:prstDash val="solid"/>
-                      <a:round/>
-                      <a:headEnd type="none" w="med" len="med"/>
-                      <a:tailEnd type="none" w="med" len="med"/>
-                    </a:lnL>
-                    <a:lnR w="12700" cap="flat" cmpd="sng" algn="ctr">
-                      <a:noFill/>
-                      <a:prstDash val="solid"/>
-                      <a:round/>
-                      <a:headEnd type="none" w="med" len="med"/>
-                      <a:tailEnd type="none" w="med" len="med"/>
-                    </a:lnR>
-                    <a:lnT w="9525" cap="flat" cmpd="sng" algn="ctr">
-                      <a:solidFill>
-                        <a:prstClr val="black"/>
-                      </a:solidFill>
-                      <a:prstDash val="solid"/>
-                      <a:round/>
-                      <a:headEnd type="none" w="med" len="med"/>
-                      <a:tailEnd type="none" w="med" len="med"/>
-                    </a:lnT>
-                    <a:lnB w="12700" cap="flat" cmpd="sng" algn="ctr">
-                      <a:noFill/>
-                      <a:prstDash val="solid"/>
-                      <a:round/>
-                      <a:headEnd type="none" w="med" len="med"/>
-                      <a:tailEnd type="none" w="med" len="med"/>
-                    </a:lnB>
-                    <a:lnTlToBr w="12700" cmpd="sng">
-                      <a:noFill/>
-                      <a:prstDash val="solid"/>
-                    </a:lnTlToBr>
-                    <a:lnBlToTr w="12700" cmpd="sng">
-                      <a:noFill/>
-                      <a:prstDash val="solid"/>
-                    </a:lnBlToTr>
-                    <a:solidFill>
-                      <a:schemeClr val="accent1"/>
-                    </a:solidFill>
-                  </a:tcPr>
-                </a:tc>
-                <a:tc hMerge="1">
-                  <a:txBody>
-                    <a:bodyPr/>
-                    <a:lstStyle/>
-                    <a:p>
-                      <a:endParaRPr lang="en-US"/>
-                    </a:p>
-                  </a:txBody>
-                  <a:tcPr/>
-                </a:tc>
-                <a:tc hMerge="1">
-                  <a:txBody>
-                    <a:bodyPr/>
-                    <a:lstStyle/>
-                    <a:p>
-                      <a:endParaRPr lang="en-US"/>
-                    </a:p>
-                  </a:txBody>
-                  <a:tcPr/>
-                </a:tc>
-                <a:tc hMerge="1">
-                  <a:txBody>
-                    <a:bodyPr/>
-                    <a:lstStyle/>
-                    <a:p>
-                      <a:endParaRPr lang="en-US"/>
-                    </a:p>
-                  </a:txBody>
-                  <a:tcPr/>
-                </a:tc>
-                <a:tc hMerge="1">
-                  <a:txBody>
-                    <a:bodyPr/>
-                    <a:lstStyle/>
-                    <a:p>
-                      <a:endParaRPr lang="en-US"/>
-                    </a:p>
-                  </a:txBody>
-                  <a:tcPr/>
+                  <a:tcPr marL="0" marR="0" marT="0" marB="0" anchor="ctr"/>
                 </a:tc>
                 <a:tc>
                   <a:txBody>
@@ -8424,216 +7527,91 @@
                         <a:defRPr/>
                       </a:pPr>
                       <a:r>
-                        <a:rPr lang="en-US" sz="900" b="1" i="0" u="none" strike="noStrike" dirty="0" smtClean="0">
-                          <a:solidFill>
-                            <a:schemeClr val="bg2"/>
-                          </a:solidFill>
-                          <a:latin typeface="HP Simplified" charset="0"/>
-                        </a:rPr>
+                        <a:rPr lang="en-US" sz="1000" u="none" strike="noStrike" dirty="0"/>
                         <a:t>Checkpoint</a:t>
                       </a:r>
-                    </a:p>
-                  </a:txBody>
-                  <a:tcPr marL="0" marR="0" marT="0" marB="0" anchor="ctr">
-                    <a:lnL w="12700" cap="flat" cmpd="sng" algn="ctr">
-                      <a:noFill/>
-                      <a:prstDash val="solid"/>
-                      <a:round/>
-                      <a:headEnd type="none" w="med" len="med"/>
-                      <a:tailEnd type="none" w="med" len="med"/>
-                    </a:lnL>
-                    <a:lnR w="9525" cap="flat" cmpd="sng" algn="ctr">
-                      <a:solidFill>
-                        <a:prstClr val="black"/>
-                      </a:solidFill>
-                      <a:prstDash val="solid"/>
-                      <a:round/>
-                      <a:headEnd type="none" w="med" len="med"/>
-                      <a:tailEnd type="none" w="med" len="med"/>
-                    </a:lnR>
-                    <a:lnT w="9525" cap="flat" cmpd="sng" algn="ctr">
-                      <a:solidFill>
-                        <a:prstClr val="black"/>
-                      </a:solidFill>
-                      <a:prstDash val="solid"/>
-                      <a:round/>
-                      <a:headEnd type="none" w="med" len="med"/>
-                      <a:tailEnd type="none" w="med" len="med"/>
-                    </a:lnT>
-                    <a:lnB w="12700" cap="flat" cmpd="sng" algn="ctr">
-                      <a:noFill/>
-                      <a:prstDash val="solid"/>
-                      <a:round/>
-                      <a:headEnd type="none" w="med" len="med"/>
-                      <a:tailEnd type="none" w="med" len="med"/>
-                    </a:lnB>
-                    <a:lnTlToBr w="12700" cmpd="sng">
-                      <a:noFill/>
-                      <a:prstDash val="solid"/>
-                    </a:lnTlToBr>
-                    <a:lnBlToTr w="12700" cmpd="sng">
-                      <a:noFill/>
-                      <a:prstDash val="solid"/>
-                    </a:lnBlToTr>
-                    <a:solidFill>
-                      <a:schemeClr val="accent1"/>
-                    </a:solidFill>
-                  </a:tcPr>
+                      <a:endParaRPr lang="en-US" sz="1000" b="1" i="0" u="none" strike="noStrike" dirty="0">
+                        <a:solidFill>
+                          <a:schemeClr val="bg2"/>
+                        </a:solidFill>
+                        <a:latin typeface="HP Simplified" charset="0"/>
+                      </a:endParaRPr>
+                    </a:p>
+                  </a:txBody>
+                  <a:tcPr marL="0" marR="0" marT="0" marB="0" anchor="ctr"/>
                 </a:tc>
               </a:tr>
-              <a:tr h="753498">
-                <a:tc gridSpan="3">
-                  <a:txBody>
-                    <a:bodyPr/>
-                    <a:lstStyle/>
-                    <a:p>
-                      <a:pPr marL="0" marR="0" lvl="0" indent="0" algn="ctr" defTabSz="914400" rtl="0" eaLnBrk="1" fontAlgn="base" latinLnBrk="0" hangingPunct="1">
-                        <a:lnSpc>
-                          <a:spcPct val="95000"/>
-                        </a:lnSpc>
-                        <a:spcBef>
-                          <a:spcPct val="50000"/>
-                        </a:spcBef>
-                        <a:spcAft>
-                          <a:spcPct val="0"/>
-                        </a:spcAft>
-                        <a:buClr>
-                          <a:schemeClr val="tx1"/>
-                        </a:buClr>
-                        <a:buSzPct val="80000"/>
-                        <a:buFontTx/>
-                        <a:buNone/>
-                        <a:tabLst/>
-                        <a:defRPr/>
-                      </a:pPr>
-                      <a:r>
-                        <a:rPr lang="en-US" sz="1000" u="none" strike="noStrike" dirty="0" smtClean="0">
-                          <a:effectLst/>
-                          <a:latin typeface="+mn-lt"/>
-                        </a:rPr>
-                        <a:t>Increase the share from </a:t>
-                      </a:r>
-                      <a:r>
-                        <a:rPr lang="en-US" sz="1000" u="none" strike="noStrike" baseline="0" dirty="0" smtClean="0">
-                          <a:effectLst/>
-                          <a:latin typeface="+mn-lt"/>
-                        </a:rPr>
-                        <a:t> 50</a:t>
-                      </a:r>
-                      <a:r>
-                        <a:rPr lang="en-US" sz="1000" u="none" strike="noStrike" dirty="0" smtClean="0">
-                          <a:effectLst/>
-                          <a:latin typeface="+mn-lt"/>
-                        </a:rPr>
-                        <a:t> % to 55%</a:t>
-                      </a:r>
-                      <a:endParaRPr lang="en-US" sz="1000" b="0" i="0" u="none" strike="noStrike" dirty="0" smtClean="0">
-                        <a:solidFill>
-                          <a:srgbClr val="000000"/>
-                        </a:solidFill>
-                        <a:effectLst/>
-                        <a:latin typeface="+mn-lt"/>
-                      </a:endParaRPr>
-                    </a:p>
-                    <a:p>
-                      <a:pPr marL="0" marR="0" lvl="0" indent="0" algn="ctr" defTabSz="914400" rtl="0" eaLnBrk="1" fontAlgn="base" latinLnBrk="0" hangingPunct="1">
-                        <a:lnSpc>
-                          <a:spcPct val="95000"/>
-                        </a:lnSpc>
-                        <a:spcBef>
-                          <a:spcPct val="50000"/>
-                        </a:spcBef>
-                        <a:spcAft>
-                          <a:spcPct val="0"/>
-                        </a:spcAft>
-                        <a:buClr>
-                          <a:schemeClr val="tx1"/>
-                        </a:buClr>
-                        <a:buSzPct val="80000"/>
-                        <a:buFontTx/>
-                        <a:buNone/>
-                        <a:tabLst/>
-                      </a:pPr>
-                      <a:endParaRPr lang="en-US" sz="1000" b="0" i="0" u="none" strike="noStrike" dirty="0">
-                        <a:solidFill>
-                          <a:srgbClr val="000000"/>
-                        </a:solidFill>
-                        <a:latin typeface="+mn-lt"/>
-                      </a:endParaRPr>
-                    </a:p>
-                  </a:txBody>
-                  <a:tcPr marR="0" marT="0" marB="0">
-                    <a:lnL w="9525" cap="flat" cmpd="sng" algn="ctr">
-                      <a:solidFill>
-                        <a:prstClr val="black"/>
-                      </a:solidFill>
-                      <a:prstDash val="solid"/>
-                      <a:round/>
-                      <a:headEnd type="none" w="med" len="med"/>
-                      <a:tailEnd type="none" w="med" len="med"/>
-                    </a:lnL>
-                    <a:lnR w="6350" cap="flat" cmpd="sng" algn="ctr">
-                      <a:noFill/>
-                      <a:prstDash val="solid"/>
-                      <a:round/>
-                      <a:headEnd type="none" w="med" len="med"/>
-                      <a:tailEnd type="none" w="med" len="med"/>
-                    </a:lnR>
-                    <a:lnT w="12700" cap="flat" cmpd="sng" algn="ctr">
-                      <a:noFill/>
-                      <a:prstDash val="solid"/>
-                      <a:round/>
-                      <a:headEnd type="none" w="med" len="med"/>
-                      <a:tailEnd type="none" w="med" len="med"/>
-                    </a:lnT>
-                    <a:lnB w="9525" cap="flat" cmpd="sng" algn="ctr">
-                      <a:solidFill>
-                        <a:srgbClr val="B9B8BB"/>
-                      </a:solidFill>
-                      <a:prstDash val="sysDash"/>
-                      <a:round/>
-                      <a:headEnd type="none" w="med" len="med"/>
-                      <a:tailEnd type="none" w="med" len="med"/>
-                    </a:lnB>
-                    <a:lnTlToBr w="12700" cmpd="sng">
-                      <a:noFill/>
-                      <a:prstDash val="solid"/>
-                    </a:lnTlToBr>
-                    <a:lnBlToTr w="12700" cmpd="sng">
-                      <a:noFill/>
-                      <a:prstDash val="solid"/>
-                    </a:lnBlToTr>
-                    <a:solidFill>
-                      <a:schemeClr val="bg1"/>
-                    </a:solidFill>
-                  </a:tcPr>
-                </a:tc>
-                <a:tc hMerge="1">
-                  <a:txBody>
-                    <a:bodyPr/>
-                    <a:lstStyle/>
-                    <a:p>
-                      <a:endParaRPr lang="en-US"/>
-                    </a:p>
-                  </a:txBody>
-                  <a:tcPr/>
-                </a:tc>
-                <a:tc hMerge="1">
-                  <a:txBody>
-                    <a:bodyPr/>
-                    <a:lstStyle/>
-                    <a:p>
-                      <a:endParaRPr lang="en-US"/>
-                    </a:p>
-                  </a:txBody>
-                  <a:tcPr/>
-                </a:tc>
-                <a:tc gridSpan="6">
-                  <a:txBody>
-                    <a:bodyPr/>
-                    <a:lstStyle/>
-                    <a:p>
-                      <a:pPr marL="0" marR="0" lvl="0" indent="0" algn="ctr" defTabSz="914400" rtl="0" eaLnBrk="1" fontAlgn="b" latinLnBrk="0" hangingPunct="1">
+              <a:tr h="284417">
+                <a:tc>
+                  <a:txBody>
+                    <a:bodyPr/>
+                    <a:lstStyle/>
+                    <a:p>
+                      <a:pPr algn="ctr" rtl="0" fontAlgn="b"/>
+                      <a:r>
+                        <a:rPr lang="en-US" sz="900" u="none" strike="noStrike" dirty="0" err="1">
+                          <a:effectLst/>
+                        </a:rPr>
+                        <a:t>varObjectives</a:t>
+                      </a:r>
+                      <a:endParaRPr lang="en-US" sz="900" b="1" i="0" u="none" strike="noStrike" dirty="0">
+                        <a:solidFill>
+                          <a:schemeClr val="bg2"/>
+                        </a:solidFill>
+                        <a:latin typeface="HP Simplified" charset="0"/>
+                      </a:endParaRPr>
+                    </a:p>
+                  </a:txBody>
+                  <a:tcPr marL="0" marR="0" marT="0" marB="0" anchor="ctr"/>
+                </a:tc>
+                <a:tc>
+                  <a:txBody>
+                    <a:bodyPr/>
+                    <a:lstStyle/>
+                    <a:p>
+                      <a:pPr algn="ctr" rtl="0" fontAlgn="b"/>
+                      <a:r>
+                        <a:rPr lang="en-US" sz="900" u="none" strike="noStrike" baseline="0" dirty="0" err="1">
+                          <a:effectLst/>
+                        </a:rPr>
+                        <a:t>varStrategies</a:t>
+                      </a:r>
+                      <a:endParaRPr lang="en-US" sz="900" b="1" i="0" u="none" strike="noStrike" dirty="0">
+                        <a:solidFill>
+                          <a:schemeClr val="bg2"/>
+                        </a:solidFill>
+                        <a:latin typeface="HP Simplified" charset="0"/>
+                      </a:endParaRPr>
+                    </a:p>
+                  </a:txBody>
+                  <a:tcPr marL="0" marR="0" marT="0" marB="0" anchor="ctr"/>
+                </a:tc>
+                <a:tc>
+                  <a:txBody>
+                    <a:bodyPr/>
+                    <a:lstStyle/>
+                    <a:p>
+                      <a:pPr algn="ctr" rtl="0" fontAlgn="b"/>
+                      <a:r>
+                        <a:rPr lang="en-US" sz="900" u="none" strike="noStrike" baseline="0" dirty="0" err="1"/>
+                        <a:t>varMetrics</a:t>
+                      </a:r>
+                      <a:endParaRPr lang="en-US" sz="900" b="1" i="0" u="none" strike="noStrike" dirty="0">
+                        <a:solidFill>
+                          <a:schemeClr val="bg2"/>
+                        </a:solidFill>
+                        <a:latin typeface="HP Simplified" charset="0"/>
+                      </a:endParaRPr>
+                    </a:p>
+                  </a:txBody>
+                  <a:tcPr marL="0" marR="0" marT="0" marB="0" anchor="ctr"/>
+                </a:tc>
+                <a:tc>
+                  <a:txBody>
+                    <a:bodyPr/>
+                    <a:lstStyle/>
+                    <a:p>
+                      <a:pPr marL="0" marR="0" indent="0" algn="ctr" defTabSz="914400" rtl="0" eaLnBrk="1" fontAlgn="auto" latinLnBrk="0" hangingPunct="1">
                         <a:lnSpc>
                           <a:spcPct val="100000"/>
                         </a:lnSpc>
@@ -8651,2097 +7629,18 @@
                         <a:defRPr/>
                       </a:pPr>
                       <a:r>
-                        <a:rPr lang="en-US" sz="1000" u="none" strike="noStrike" baseline="0" dirty="0" smtClean="0">
-                          <a:effectLst/>
-                          <a:latin typeface="+mn-lt"/>
-                        </a:rPr>
-                        <a:t>Improve i3 mix overall . Look at 0% finance for them.</a:t>
-                      </a:r>
-                      <a:endParaRPr lang="en-US" sz="1000" b="0" i="0" u="none" strike="noStrike" dirty="0">
-                        <a:solidFill>
-                          <a:srgbClr val="000000"/>
-                        </a:solidFill>
-                        <a:latin typeface="+mn-lt"/>
-                      </a:endParaRPr>
-                    </a:p>
-                  </a:txBody>
-                  <a:tcPr marR="0" marT="0" marB="0">
-                    <a:lnL w="6350" cap="flat" cmpd="sng" algn="ctr">
-                      <a:noFill/>
-                      <a:prstDash val="solid"/>
-                      <a:round/>
-                      <a:headEnd type="none" w="med" len="med"/>
-                      <a:tailEnd type="none" w="med" len="med"/>
-                    </a:lnL>
-                    <a:lnR w="6350" cap="flat" cmpd="sng" algn="ctr">
-                      <a:noFill/>
-                      <a:prstDash val="solid"/>
-                      <a:round/>
-                      <a:headEnd type="none" w="med" len="med"/>
-                      <a:tailEnd type="none" w="med" len="med"/>
-                    </a:lnR>
-                    <a:lnT w="12700" cap="flat" cmpd="sng" algn="ctr">
-                      <a:noFill/>
-                      <a:prstDash val="solid"/>
-                      <a:round/>
-                      <a:headEnd type="none" w="med" len="med"/>
-                      <a:tailEnd type="none" w="med" len="med"/>
-                    </a:lnT>
-                    <a:lnB w="9525" cap="flat" cmpd="sng" algn="ctr">
-                      <a:solidFill>
-                        <a:srgbClr val="B9B8BB"/>
-                      </a:solidFill>
-                      <a:prstDash val="sysDash"/>
-                      <a:round/>
-                      <a:headEnd type="none" w="med" len="med"/>
-                      <a:tailEnd type="none" w="med" len="med"/>
-                    </a:lnB>
-                    <a:lnTlToBr w="12700" cmpd="sng">
-                      <a:noFill/>
-                      <a:prstDash val="solid"/>
-                    </a:lnTlToBr>
-                    <a:lnBlToTr w="12700" cmpd="sng">
-                      <a:noFill/>
-                      <a:prstDash val="solid"/>
-                    </a:lnBlToTr>
-                    <a:solidFill>
-                      <a:schemeClr val="bg1"/>
-                    </a:solidFill>
-                  </a:tcPr>
-                </a:tc>
-                <a:tc hMerge="1">
-                  <a:txBody>
-                    <a:bodyPr/>
-                    <a:lstStyle/>
-                    <a:p>
-                      <a:endParaRPr lang="en-US"/>
-                    </a:p>
-                  </a:txBody>
-                  <a:tcPr/>
-                </a:tc>
-                <a:tc hMerge="1">
-                  <a:txBody>
-                    <a:bodyPr/>
-                    <a:lstStyle/>
-                    <a:p>
-                      <a:endParaRPr lang="en-US"/>
-                    </a:p>
-                  </a:txBody>
-                  <a:tcPr/>
-                </a:tc>
-                <a:tc hMerge="1">
-                  <a:txBody>
-                    <a:bodyPr/>
-                    <a:lstStyle/>
-                    <a:p>
-                      <a:endParaRPr lang="en-US"/>
-                    </a:p>
-                  </a:txBody>
-                  <a:tcPr/>
-                </a:tc>
-                <a:tc hMerge="1">
-                  <a:txBody>
-                    <a:bodyPr/>
-                    <a:lstStyle/>
-                    <a:p>
-                      <a:endParaRPr lang="en-US"/>
-                    </a:p>
-                  </a:txBody>
-                  <a:tcPr/>
-                </a:tc>
-                <a:tc hMerge="1">
-                  <a:txBody>
-                    <a:bodyPr/>
-                    <a:lstStyle/>
-                    <a:p>
-                      <a:endParaRPr lang="en-US"/>
-                    </a:p>
-                  </a:txBody>
-                  <a:tcPr/>
-                </a:tc>
-                <a:tc gridSpan="5">
-                  <a:txBody>
-                    <a:bodyPr/>
-                    <a:lstStyle/>
-                    <a:p>
-                      <a:pPr algn="ctr" fontAlgn="b"/>
-                      <a:r>
-                        <a:rPr lang="en-US" sz="1000" b="0" i="0" u="none" strike="noStrike" dirty="0" smtClean="0">
-                          <a:solidFill>
-                            <a:srgbClr val="000000"/>
-                          </a:solidFill>
-                          <a:latin typeface="+mn-lt"/>
-                        </a:rPr>
-                        <a:t>We have reached 50% Quarter and we will</a:t>
-                      </a:r>
-                      <a:r>
-                        <a:rPr lang="en-US" sz="1000" b="0" i="0" u="none" strike="noStrike" baseline="0" dirty="0" smtClean="0">
-                          <a:solidFill>
-                            <a:srgbClr val="000000"/>
-                          </a:solidFill>
-                          <a:latin typeface="+mn-lt"/>
-                        </a:rPr>
-                        <a:t> try and reach 55% in Q2-15.</a:t>
-                      </a:r>
-                    </a:p>
-                  </a:txBody>
-                  <a:tcPr marR="0" marT="0" marB="0">
-                    <a:lnL w="6350" cap="flat" cmpd="sng" algn="ctr">
-                      <a:noFill/>
-                      <a:prstDash val="solid"/>
-                      <a:round/>
-                      <a:headEnd type="none" w="med" len="med"/>
-                      <a:tailEnd type="none" w="med" len="med"/>
-                    </a:lnL>
-                    <a:lnR w="6350" cap="flat" cmpd="sng" algn="ctr">
-                      <a:noFill/>
-                      <a:prstDash val="solid"/>
-                      <a:round/>
-                      <a:headEnd type="none" w="med" len="med"/>
-                      <a:tailEnd type="none" w="med" len="med"/>
-                    </a:lnR>
-                    <a:lnT w="12700" cap="flat" cmpd="sng" algn="ctr">
-                      <a:noFill/>
-                      <a:prstDash val="solid"/>
-                      <a:round/>
-                      <a:headEnd type="none" w="med" len="med"/>
-                      <a:tailEnd type="none" w="med" len="med"/>
-                    </a:lnT>
-                    <a:lnB w="9525" cap="flat" cmpd="sng" algn="ctr">
-                      <a:solidFill>
-                        <a:srgbClr val="B9B8BB"/>
-                      </a:solidFill>
-                      <a:prstDash val="sysDash"/>
-                      <a:round/>
-                      <a:headEnd type="none" w="med" len="med"/>
-                      <a:tailEnd type="none" w="med" len="med"/>
-                    </a:lnB>
-                    <a:lnTlToBr w="12700" cmpd="sng">
-                      <a:noFill/>
-                      <a:prstDash val="solid"/>
-                    </a:lnTlToBr>
-                    <a:lnBlToTr w="12700" cmpd="sng">
-                      <a:noFill/>
-                      <a:prstDash val="solid"/>
-                    </a:lnBlToTr>
-                    <a:solidFill>
-                      <a:schemeClr val="bg1"/>
-                    </a:solidFill>
-                  </a:tcPr>
-                </a:tc>
-                <a:tc hMerge="1">
-                  <a:txBody>
-                    <a:bodyPr/>
-                    <a:lstStyle/>
-                    <a:p>
-                      <a:endParaRPr lang="en-US"/>
-                    </a:p>
-                  </a:txBody>
-                  <a:tcPr/>
-                </a:tc>
-                <a:tc hMerge="1">
-                  <a:txBody>
-                    <a:bodyPr/>
-                    <a:lstStyle/>
-                    <a:p>
-                      <a:endParaRPr lang="en-US"/>
-                    </a:p>
-                  </a:txBody>
-                  <a:tcPr/>
-                </a:tc>
-                <a:tc hMerge="1">
-                  <a:txBody>
-                    <a:bodyPr/>
-                    <a:lstStyle/>
-                    <a:p>
-                      <a:endParaRPr lang="en-US"/>
-                    </a:p>
-                  </a:txBody>
-                  <a:tcPr/>
-                </a:tc>
-                <a:tc hMerge="1">
-                  <a:txBody>
-                    <a:bodyPr/>
-                    <a:lstStyle/>
-                    <a:p>
-                      <a:endParaRPr lang="en-US"/>
-                    </a:p>
-                  </a:txBody>
-                  <a:tcPr/>
-                </a:tc>
-                <a:tc>
-                  <a:txBody>
-                    <a:bodyPr/>
-                    <a:lstStyle/>
-                    <a:p>
-                      <a:endParaRPr lang="en-US" sz="900" dirty="0">
+                        <a:rPr lang="en-US" sz="900" dirty="0" err="1"/>
+                        <a:t>varCheckpoint</a:t>
+                      </a:r>
+                      <a:endParaRPr lang="en-US" sz="900" b="1" i="0" u="none" strike="noStrike" dirty="0">
+                        <a:solidFill>
+                          <a:schemeClr val="bg2"/>
+                        </a:solidFill>
                         <a:latin typeface="HP Simplified" charset="0"/>
                       </a:endParaRPr>
                     </a:p>
                   </a:txBody>
-                  <a:tcPr marR="0" marT="0" marB="0" anchor="ctr">
-                    <a:lnL w="6350" cap="flat" cmpd="sng" algn="ctr">
-                      <a:noFill/>
-                      <a:prstDash val="solid"/>
-                      <a:round/>
-                      <a:headEnd type="none" w="med" len="med"/>
-                      <a:tailEnd type="none" w="med" len="med"/>
-                    </a:lnL>
-                    <a:lnR w="9525" cap="flat" cmpd="sng" algn="ctr">
-                      <a:solidFill>
-                        <a:prstClr val="black"/>
-                      </a:solidFill>
-                      <a:prstDash val="solid"/>
-                      <a:round/>
-                      <a:headEnd type="none" w="med" len="med"/>
-                      <a:tailEnd type="none" w="med" len="med"/>
-                    </a:lnR>
-                    <a:lnT w="12700" cap="flat" cmpd="sng" algn="ctr">
-                      <a:noFill/>
-                      <a:prstDash val="solid"/>
-                      <a:round/>
-                      <a:headEnd type="none" w="med" len="med"/>
-                      <a:tailEnd type="none" w="med" len="med"/>
-                    </a:lnT>
-                    <a:lnB w="9525" cap="flat" cmpd="sng" algn="ctr">
-                      <a:solidFill>
-                        <a:srgbClr val="B9B8BB"/>
-                      </a:solidFill>
-                      <a:prstDash val="sysDash"/>
-                      <a:round/>
-                      <a:headEnd type="none" w="med" len="med"/>
-                      <a:tailEnd type="none" w="med" len="med"/>
-                    </a:lnB>
-                    <a:lnTlToBr w="12700" cmpd="sng">
-                      <a:noFill/>
-                      <a:prstDash val="solid"/>
-                    </a:lnTlToBr>
-                    <a:lnBlToTr w="12700" cmpd="sng">
-                      <a:noFill/>
-                      <a:prstDash val="solid"/>
-                    </a:lnBlToTr>
-                    <a:solidFill>
-                      <a:schemeClr val="bg1"/>
-                    </a:solidFill>
-                  </a:tcPr>
-                </a:tc>
-              </a:tr>
-              <a:tr h="755883">
-                <a:tc gridSpan="3">
-                  <a:txBody>
-                    <a:bodyPr/>
-                    <a:lstStyle/>
-                    <a:p>
-                      <a:pPr algn="ctr" fontAlgn="b"/>
-                      <a:r>
-                        <a:rPr lang="en-US" sz="1000" b="0" i="0" u="none" strike="noStrike" dirty="0" smtClean="0">
-                          <a:solidFill>
-                            <a:srgbClr val="000000"/>
-                          </a:solidFill>
-                          <a:latin typeface="+mn-lt"/>
-                        </a:rPr>
-                        <a:t>Improve</a:t>
-                      </a:r>
-                      <a:r>
-                        <a:rPr lang="en-US" sz="1000" b="0" i="0" u="none" strike="noStrike" baseline="0" dirty="0" smtClean="0">
-                          <a:solidFill>
-                            <a:srgbClr val="000000"/>
-                          </a:solidFill>
-                          <a:latin typeface="+mn-lt"/>
-                        </a:rPr>
-                        <a:t> </a:t>
-                      </a:r>
-                      <a:r>
-                        <a:rPr lang="en-US" sz="1000" b="0" i="0" u="none" strike="noStrike" dirty="0" smtClean="0">
-                          <a:solidFill>
-                            <a:srgbClr val="000000"/>
-                          </a:solidFill>
-                          <a:latin typeface="+mn-lt"/>
-                        </a:rPr>
-                        <a:t>Printer Business</a:t>
-                      </a:r>
-                      <a:endParaRPr lang="en-US" sz="1000" b="0" i="0" u="none" strike="noStrike" dirty="0">
-                        <a:solidFill>
-                          <a:srgbClr val="000000"/>
-                        </a:solidFill>
-                        <a:latin typeface="+mn-lt"/>
-                      </a:endParaRPr>
-                    </a:p>
-                  </a:txBody>
-                  <a:tcPr marR="0" marT="0" marB="0">
-                    <a:lnL w="9525" cap="flat" cmpd="sng" algn="ctr">
-                      <a:solidFill>
-                        <a:prstClr val="black"/>
-                      </a:solidFill>
-                      <a:prstDash val="solid"/>
-                      <a:round/>
-                      <a:headEnd type="none" w="med" len="med"/>
-                      <a:tailEnd type="none" w="med" len="med"/>
-                    </a:lnL>
-                    <a:lnR w="6350" cap="flat" cmpd="sng" algn="ctr">
-                      <a:noFill/>
-                      <a:prstDash val="solid"/>
-                      <a:round/>
-                      <a:headEnd type="none" w="med" len="med"/>
-                      <a:tailEnd type="none" w="med" len="med"/>
-                    </a:lnR>
-                    <a:lnT w="9525" cap="flat" cmpd="sng" algn="ctr">
-                      <a:solidFill>
-                        <a:srgbClr val="B9B8BB"/>
-                      </a:solidFill>
-                      <a:prstDash val="sysDash"/>
-                      <a:round/>
-                      <a:headEnd type="none" w="med" len="med"/>
-                      <a:tailEnd type="none" w="med" len="med"/>
-                    </a:lnT>
-                    <a:lnB w="9525" cap="flat" cmpd="sng" algn="ctr">
-                      <a:solidFill>
-                        <a:srgbClr val="B9B8BB"/>
-                      </a:solidFill>
-                      <a:prstDash val="sysDash"/>
-                      <a:round/>
-                      <a:headEnd type="none" w="med" len="med"/>
-                      <a:tailEnd type="none" w="med" len="med"/>
-                    </a:lnB>
-                    <a:lnTlToBr w="12700" cmpd="sng">
-                      <a:noFill/>
-                      <a:prstDash val="solid"/>
-                    </a:lnTlToBr>
-                    <a:lnBlToTr w="12700" cmpd="sng">
-                      <a:noFill/>
-                      <a:prstDash val="solid"/>
-                    </a:lnBlToTr>
-                    <a:solidFill>
-                      <a:schemeClr val="bg1"/>
-                    </a:solidFill>
-                  </a:tcPr>
-                </a:tc>
-                <a:tc hMerge="1">
-                  <a:txBody>
-                    <a:bodyPr/>
-                    <a:lstStyle/>
-                    <a:p>
-                      <a:endParaRPr lang="en-US"/>
-                    </a:p>
-                  </a:txBody>
-                  <a:tcPr/>
-                </a:tc>
-                <a:tc hMerge="1">
-                  <a:txBody>
-                    <a:bodyPr/>
-                    <a:lstStyle/>
-                    <a:p>
-                      <a:endParaRPr lang="en-US"/>
-                    </a:p>
-                  </a:txBody>
-                  <a:tcPr/>
-                </a:tc>
-                <a:tc gridSpan="6">
-                  <a:txBody>
-                    <a:bodyPr/>
-                    <a:lstStyle/>
-                    <a:p>
-                      <a:pPr marL="0" marR="0" indent="0" algn="ctr" defTabSz="457200" rtl="0" eaLnBrk="1" fontAlgn="b" latinLnBrk="0" hangingPunct="1">
-                        <a:lnSpc>
-                          <a:spcPct val="100000"/>
-                        </a:lnSpc>
-                        <a:spcBef>
-                          <a:spcPts val="0"/>
-                        </a:spcBef>
-                        <a:spcAft>
-                          <a:spcPts val="0"/>
-                        </a:spcAft>
-                        <a:buClrTx/>
-                        <a:buSzTx/>
-                        <a:buFontTx/>
-                        <a:buNone/>
-                        <a:tabLst/>
-                        <a:defRPr/>
-                      </a:pPr>
-                      <a:r>
-                        <a:rPr lang="en-US" sz="1000" b="0" i="0" u="none" strike="noStrike" kern="1200" baseline="0" dirty="0" smtClean="0">
-                          <a:solidFill>
-                            <a:srgbClr val="000000"/>
-                          </a:solidFill>
-                          <a:effectLst/>
-                          <a:latin typeface="+mn-lt"/>
-                          <a:ea typeface="+mn-ea"/>
-                          <a:cs typeface="+mn-cs"/>
-                        </a:rPr>
-                        <a:t>Improve the IA / UIA mix. Branding for Print. Will work with them to have Print display section.</a:t>
-                      </a:r>
-                    </a:p>
-                    <a:p>
-                      <a:pPr algn="ctr" fontAlgn="b"/>
-                      <a:endParaRPr lang="en-US" sz="1000" b="0" i="0" u="none" strike="noStrike" dirty="0">
-                        <a:solidFill>
-                          <a:srgbClr val="000000"/>
-                        </a:solidFill>
-                        <a:latin typeface="+mn-lt"/>
-                      </a:endParaRPr>
-                    </a:p>
-                  </a:txBody>
-                  <a:tcPr marR="0" marT="0" marB="0">
-                    <a:lnL w="6350" cap="flat" cmpd="sng" algn="ctr">
-                      <a:noFill/>
-                      <a:prstDash val="solid"/>
-                      <a:round/>
-                      <a:headEnd type="none" w="med" len="med"/>
-                      <a:tailEnd type="none" w="med" len="med"/>
-                    </a:lnL>
-                    <a:lnR w="6350" cap="flat" cmpd="sng" algn="ctr">
-                      <a:noFill/>
-                      <a:prstDash val="solid"/>
-                      <a:round/>
-                      <a:headEnd type="none" w="med" len="med"/>
-                      <a:tailEnd type="none" w="med" len="med"/>
-                    </a:lnR>
-                    <a:lnT w="9525" cap="flat" cmpd="sng" algn="ctr">
-                      <a:solidFill>
-                        <a:srgbClr val="B9B8BB"/>
-                      </a:solidFill>
-                      <a:prstDash val="sysDash"/>
-                      <a:round/>
-                      <a:headEnd type="none" w="med" len="med"/>
-                      <a:tailEnd type="none" w="med" len="med"/>
-                    </a:lnT>
-                    <a:lnB w="9525" cap="flat" cmpd="sng" algn="ctr">
-                      <a:solidFill>
-                        <a:srgbClr val="B9B8BB"/>
-                      </a:solidFill>
-                      <a:prstDash val="sysDash"/>
-                      <a:round/>
-                      <a:headEnd type="none" w="med" len="med"/>
-                      <a:tailEnd type="none" w="med" len="med"/>
-                    </a:lnB>
-                    <a:lnTlToBr w="12700" cmpd="sng">
-                      <a:noFill/>
-                      <a:prstDash val="solid"/>
-                    </a:lnTlToBr>
-                    <a:lnBlToTr w="12700" cmpd="sng">
-                      <a:noFill/>
-                      <a:prstDash val="solid"/>
-                    </a:lnBlToTr>
-                    <a:solidFill>
-                      <a:schemeClr val="bg1"/>
-                    </a:solidFill>
-                  </a:tcPr>
-                </a:tc>
-                <a:tc hMerge="1">
-                  <a:txBody>
-                    <a:bodyPr/>
-                    <a:lstStyle/>
-                    <a:p>
-                      <a:endParaRPr lang="en-US"/>
-                    </a:p>
-                  </a:txBody>
-                  <a:tcPr/>
-                </a:tc>
-                <a:tc hMerge="1">
-                  <a:txBody>
-                    <a:bodyPr/>
-                    <a:lstStyle/>
-                    <a:p>
-                      <a:endParaRPr lang="en-US"/>
-                    </a:p>
-                  </a:txBody>
-                  <a:tcPr/>
-                </a:tc>
-                <a:tc hMerge="1">
-                  <a:txBody>
-                    <a:bodyPr/>
-                    <a:lstStyle/>
-                    <a:p>
-                      <a:endParaRPr lang="en-US"/>
-                    </a:p>
-                  </a:txBody>
-                  <a:tcPr/>
-                </a:tc>
-                <a:tc hMerge="1">
-                  <a:txBody>
-                    <a:bodyPr/>
-                    <a:lstStyle/>
-                    <a:p>
-                      <a:endParaRPr lang="en-US"/>
-                    </a:p>
-                  </a:txBody>
-                  <a:tcPr/>
-                </a:tc>
-                <a:tc hMerge="1">
-                  <a:txBody>
-                    <a:bodyPr/>
-                    <a:lstStyle/>
-                    <a:p>
-                      <a:endParaRPr lang="en-US"/>
-                    </a:p>
-                  </a:txBody>
-                  <a:tcPr/>
-                </a:tc>
-                <a:tc gridSpan="5">
-                  <a:txBody>
-                    <a:bodyPr/>
-                    <a:lstStyle/>
-                    <a:p>
-                      <a:pPr marL="0" marR="0" indent="0" algn="ctr" defTabSz="457200" rtl="0" eaLnBrk="1" fontAlgn="b" latinLnBrk="0" hangingPunct="1">
-                        <a:lnSpc>
-                          <a:spcPct val="100000"/>
-                        </a:lnSpc>
-                        <a:spcBef>
-                          <a:spcPts val="0"/>
-                        </a:spcBef>
-                        <a:spcAft>
-                          <a:spcPts val="0"/>
-                        </a:spcAft>
-                        <a:buClrTx/>
-                        <a:buSzTx/>
-                        <a:buFontTx/>
-                        <a:buNone/>
-                        <a:tabLst/>
-                        <a:defRPr/>
-                      </a:pPr>
-                      <a:r>
-                        <a:rPr lang="en-US" sz="1000" b="0" i="0" u="none" strike="noStrike" dirty="0" smtClean="0">
-                          <a:solidFill>
-                            <a:srgbClr val="000000"/>
-                          </a:solidFill>
-                          <a:latin typeface="+mn-lt"/>
-                        </a:rPr>
-                        <a:t>Will</a:t>
-                      </a:r>
-                      <a:r>
-                        <a:rPr lang="en-US" sz="1000" b="0" i="0" u="none" strike="noStrike" baseline="0" dirty="0" smtClean="0">
-                          <a:solidFill>
-                            <a:srgbClr val="000000"/>
-                          </a:solidFill>
-                          <a:latin typeface="+mn-lt"/>
-                        </a:rPr>
-                        <a:t> increase the connect to 25% by April 15. Currently at 18%.</a:t>
-                      </a:r>
-                      <a:endParaRPr lang="en-US" sz="1000" b="0" i="0" u="none" strike="noStrike" dirty="0" smtClean="0">
-                        <a:solidFill>
-                          <a:srgbClr val="000000"/>
-                        </a:solidFill>
-                        <a:latin typeface="+mn-lt"/>
-                      </a:endParaRPr>
-                    </a:p>
-                    <a:p>
-                      <a:pPr marL="0" marR="0" indent="0" algn="ctr" defTabSz="457200" rtl="0" eaLnBrk="1" fontAlgn="b" latinLnBrk="0" hangingPunct="1">
-                        <a:lnSpc>
-                          <a:spcPct val="100000"/>
-                        </a:lnSpc>
-                        <a:spcBef>
-                          <a:spcPts val="0"/>
-                        </a:spcBef>
-                        <a:spcAft>
-                          <a:spcPts val="0"/>
-                        </a:spcAft>
-                        <a:buClrTx/>
-                        <a:buSzTx/>
-                        <a:buFontTx/>
-                        <a:buNone/>
-                        <a:tabLst/>
-                        <a:defRPr/>
-                      </a:pPr>
-                      <a:endParaRPr lang="en-US" sz="1000" b="0" i="0" u="none" strike="noStrike" dirty="0" smtClean="0">
-                        <a:solidFill>
-                          <a:srgbClr val="000000"/>
-                        </a:solidFill>
-                        <a:effectLst/>
-                        <a:latin typeface="+mn-lt"/>
-                      </a:endParaRPr>
-                    </a:p>
-                    <a:p>
-                      <a:pPr algn="ctr" fontAlgn="b"/>
-                      <a:endParaRPr lang="en-US" sz="1000" b="0" i="0" u="none" strike="noStrike" dirty="0">
-                        <a:solidFill>
-                          <a:srgbClr val="000000"/>
-                        </a:solidFill>
-                        <a:latin typeface="+mn-lt"/>
-                      </a:endParaRPr>
-                    </a:p>
-                  </a:txBody>
-                  <a:tcPr marR="0" marT="0" marB="0">
-                    <a:lnL w="6350" cap="flat" cmpd="sng" algn="ctr">
-                      <a:noFill/>
-                      <a:prstDash val="solid"/>
-                      <a:round/>
-                      <a:headEnd type="none" w="med" len="med"/>
-                      <a:tailEnd type="none" w="med" len="med"/>
-                    </a:lnL>
-                    <a:lnR w="6350" cap="flat" cmpd="sng" algn="ctr">
-                      <a:noFill/>
-                      <a:prstDash val="solid"/>
-                      <a:round/>
-                      <a:headEnd type="none" w="med" len="med"/>
-                      <a:tailEnd type="none" w="med" len="med"/>
-                    </a:lnR>
-                    <a:lnT w="9525" cap="flat" cmpd="sng" algn="ctr">
-                      <a:solidFill>
-                        <a:srgbClr val="B9B8BB"/>
-                      </a:solidFill>
-                      <a:prstDash val="sysDash"/>
-                      <a:round/>
-                      <a:headEnd type="none" w="med" len="med"/>
-                      <a:tailEnd type="none" w="med" len="med"/>
-                    </a:lnT>
-                    <a:lnB w="9525" cap="flat" cmpd="sng" algn="ctr">
-                      <a:solidFill>
-                        <a:srgbClr val="B9B8BB"/>
-                      </a:solidFill>
-                      <a:prstDash val="sysDash"/>
-                      <a:round/>
-                      <a:headEnd type="none" w="med" len="med"/>
-                      <a:tailEnd type="none" w="med" len="med"/>
-                    </a:lnB>
-                    <a:lnTlToBr w="12700" cmpd="sng">
-                      <a:noFill/>
-                      <a:prstDash val="solid"/>
-                    </a:lnTlToBr>
-                    <a:lnBlToTr w="12700" cmpd="sng">
-                      <a:noFill/>
-                      <a:prstDash val="solid"/>
-                    </a:lnBlToTr>
-                    <a:solidFill>
-                      <a:schemeClr val="bg1"/>
-                    </a:solidFill>
-                  </a:tcPr>
-                </a:tc>
-                <a:tc hMerge="1">
-                  <a:txBody>
-                    <a:bodyPr/>
-                    <a:lstStyle/>
-                    <a:p>
-                      <a:endParaRPr lang="en-US"/>
-                    </a:p>
-                  </a:txBody>
-                  <a:tcPr/>
-                </a:tc>
-                <a:tc hMerge="1">
-                  <a:txBody>
-                    <a:bodyPr/>
-                    <a:lstStyle/>
-                    <a:p>
-                      <a:endParaRPr lang="en-US"/>
-                    </a:p>
-                  </a:txBody>
-                  <a:tcPr/>
-                </a:tc>
-                <a:tc hMerge="1">
-                  <a:txBody>
-                    <a:bodyPr/>
-                    <a:lstStyle/>
-                    <a:p>
-                      <a:endParaRPr lang="en-US"/>
-                    </a:p>
-                  </a:txBody>
-                  <a:tcPr/>
-                </a:tc>
-                <a:tc hMerge="1">
-                  <a:txBody>
-                    <a:bodyPr/>
-                    <a:lstStyle/>
-                    <a:p>
-                      <a:endParaRPr lang="en-US"/>
-                    </a:p>
-                  </a:txBody>
-                  <a:tcPr/>
-                </a:tc>
-                <a:tc>
-                  <a:txBody>
-                    <a:bodyPr/>
-                    <a:lstStyle/>
-                    <a:p>
-                      <a:endParaRPr lang="en-US" sz="900" dirty="0">
-                        <a:latin typeface="HP Simplified" charset="0"/>
-                      </a:endParaRPr>
-                    </a:p>
-                  </a:txBody>
-                  <a:tcPr marR="0" marT="0" marB="0" anchor="ctr">
-                    <a:lnL w="6350" cap="flat" cmpd="sng" algn="ctr">
-                      <a:noFill/>
-                      <a:prstDash val="solid"/>
-                      <a:round/>
-                      <a:headEnd type="none" w="med" len="med"/>
-                      <a:tailEnd type="none" w="med" len="med"/>
-                    </a:lnL>
-                    <a:lnR w="9525" cap="flat" cmpd="sng" algn="ctr">
-                      <a:solidFill>
-                        <a:prstClr val="black"/>
-                      </a:solidFill>
-                      <a:prstDash val="solid"/>
-                      <a:round/>
-                      <a:headEnd type="none" w="med" len="med"/>
-                      <a:tailEnd type="none" w="med" len="med"/>
-                    </a:lnR>
-                    <a:lnT w="9525" cap="flat" cmpd="sng" algn="ctr">
-                      <a:solidFill>
-                        <a:srgbClr val="B9B8BB"/>
-                      </a:solidFill>
-                      <a:prstDash val="sysDash"/>
-                      <a:round/>
-                      <a:headEnd type="none" w="med" len="med"/>
-                      <a:tailEnd type="none" w="med" len="med"/>
-                    </a:lnT>
-                    <a:lnB w="9525" cap="flat" cmpd="sng" algn="ctr">
-                      <a:solidFill>
-                        <a:srgbClr val="B9B8BB"/>
-                      </a:solidFill>
-                      <a:prstDash val="sysDash"/>
-                      <a:round/>
-                      <a:headEnd type="none" w="med" len="med"/>
-                      <a:tailEnd type="none" w="med" len="med"/>
-                    </a:lnB>
-                    <a:lnTlToBr w="12700" cmpd="sng">
-                      <a:noFill/>
-                      <a:prstDash val="solid"/>
-                    </a:lnTlToBr>
-                    <a:lnBlToTr w="12700" cmpd="sng">
-                      <a:noFill/>
-                      <a:prstDash val="solid"/>
-                    </a:lnBlToTr>
-                    <a:solidFill>
-                      <a:schemeClr val="bg1"/>
-                    </a:solidFill>
-                  </a:tcPr>
-                </a:tc>
-              </a:tr>
-              <a:tr h="624753">
-                <a:tc gridSpan="3">
-                  <a:txBody>
-                    <a:bodyPr/>
-                    <a:lstStyle/>
-                    <a:p>
-                      <a:pPr marL="0" marR="0" lvl="0" indent="0" algn="ctr" defTabSz="914400" rtl="0" eaLnBrk="1" fontAlgn="base" latinLnBrk="0" hangingPunct="1">
-                        <a:lnSpc>
-                          <a:spcPct val="95000"/>
-                        </a:lnSpc>
-                        <a:spcBef>
-                          <a:spcPct val="50000"/>
-                        </a:spcBef>
-                        <a:spcAft>
-                          <a:spcPct val="0"/>
-                        </a:spcAft>
-                        <a:buClr>
-                          <a:schemeClr val="tx1"/>
-                        </a:buClr>
-                        <a:buSzPct val="80000"/>
-                        <a:buFontTx/>
-                        <a:buNone/>
-                        <a:tabLst/>
-                      </a:pPr>
-                      <a:r>
-                        <a:rPr kumimoji="0" lang="en-US" sz="1000" b="0" i="0" u="none" strike="noStrike" cap="none" normalizeH="0" baseline="0" dirty="0" smtClean="0">
-                          <a:ln>
-                            <a:noFill/>
-                          </a:ln>
-                          <a:solidFill>
-                            <a:schemeClr val="tx1"/>
-                          </a:solidFill>
-                          <a:effectLst/>
-                          <a:latin typeface="+mn-lt"/>
-                        </a:rPr>
-                        <a:t>Improve the STAR mix </a:t>
-                      </a:r>
-                    </a:p>
-                  </a:txBody>
-                  <a:tcPr marR="0" marT="0" marB="0">
-                    <a:lnL w="9525" cap="flat" cmpd="sng" algn="ctr">
-                      <a:solidFill>
-                        <a:prstClr val="black"/>
-                      </a:solidFill>
-                      <a:prstDash val="solid"/>
-                      <a:round/>
-                      <a:headEnd type="none" w="med" len="med"/>
-                      <a:tailEnd type="none" w="med" len="med"/>
-                    </a:lnL>
-                    <a:lnR w="6350" cap="flat" cmpd="sng" algn="ctr">
-                      <a:noFill/>
-                      <a:prstDash val="solid"/>
-                      <a:round/>
-                      <a:headEnd type="none" w="med" len="med"/>
-                      <a:tailEnd type="none" w="med" len="med"/>
-                    </a:lnR>
-                    <a:lnT w="9525" cap="flat" cmpd="sng" algn="ctr">
-                      <a:solidFill>
-                        <a:srgbClr val="B9B8BB"/>
-                      </a:solidFill>
-                      <a:prstDash val="sysDash"/>
-                      <a:round/>
-                      <a:headEnd type="none" w="med" len="med"/>
-                      <a:tailEnd type="none" w="med" len="med"/>
-                    </a:lnT>
-                    <a:lnB w="9525" cap="flat" cmpd="sng" algn="ctr">
-                      <a:solidFill>
-                        <a:srgbClr val="B9B8BB"/>
-                      </a:solidFill>
-                      <a:prstDash val="sysDash"/>
-                      <a:round/>
-                      <a:headEnd type="none" w="med" len="med"/>
-                      <a:tailEnd type="none" w="med" len="med"/>
-                    </a:lnB>
-                    <a:lnTlToBr w="12700" cmpd="sng">
-                      <a:noFill/>
-                      <a:prstDash val="solid"/>
-                    </a:lnTlToBr>
-                    <a:lnBlToTr w="12700" cmpd="sng">
-                      <a:noFill/>
-                      <a:prstDash val="solid"/>
-                    </a:lnBlToTr>
-                    <a:solidFill>
-                      <a:schemeClr val="bg1"/>
-                    </a:solidFill>
-                  </a:tcPr>
-                </a:tc>
-                <a:tc hMerge="1">
-                  <a:txBody>
-                    <a:bodyPr/>
-                    <a:lstStyle/>
-                    <a:p>
-                      <a:endParaRPr lang="en-US"/>
-                    </a:p>
-                  </a:txBody>
-                  <a:tcPr/>
-                </a:tc>
-                <a:tc hMerge="1">
-                  <a:txBody>
-                    <a:bodyPr/>
-                    <a:lstStyle/>
-                    <a:p>
-                      <a:endParaRPr lang="en-US"/>
-                    </a:p>
-                  </a:txBody>
-                  <a:tcPr/>
-                </a:tc>
-                <a:tc gridSpan="6">
-                  <a:txBody>
-                    <a:bodyPr/>
-                    <a:lstStyle/>
-                    <a:p>
-                      <a:pPr marL="0" marR="0" lvl="0" indent="0" algn="ctr" defTabSz="914400" rtl="0" eaLnBrk="1" fontAlgn="b" latinLnBrk="0" hangingPunct="1">
-                        <a:lnSpc>
-                          <a:spcPct val="100000"/>
-                        </a:lnSpc>
-                        <a:spcBef>
-                          <a:spcPts val="0"/>
-                        </a:spcBef>
-                        <a:spcAft>
-                          <a:spcPts val="0"/>
-                        </a:spcAft>
-                        <a:buClrTx/>
-                        <a:buSzTx/>
-                        <a:buFontTx/>
-                        <a:buNone/>
-                        <a:tabLst/>
-                        <a:defRPr/>
-                      </a:pPr>
-                      <a:r>
-                        <a:rPr lang="en-US" sz="1000" u="none" strike="noStrike" dirty="0" smtClean="0">
-                          <a:effectLst/>
-                          <a:latin typeface="+mn-lt"/>
-                        </a:rPr>
-                        <a:t>Incentivize for sales reps on SKU, Display Focus</a:t>
-                      </a:r>
-                      <a:endParaRPr lang="en-US" sz="1000" b="0" i="0" u="none" strike="noStrike" dirty="0" smtClean="0">
-                        <a:solidFill>
-                          <a:srgbClr val="000000"/>
-                        </a:solidFill>
-                        <a:effectLst/>
-                        <a:latin typeface="+mn-lt"/>
-                      </a:endParaRPr>
-                    </a:p>
-                    <a:p>
-                      <a:pPr marL="0" marR="0" lvl="0" indent="0" algn="ctr" defTabSz="914400" rtl="0" eaLnBrk="1" fontAlgn="b" latinLnBrk="0" hangingPunct="1">
-                        <a:lnSpc>
-                          <a:spcPct val="100000"/>
-                        </a:lnSpc>
-                        <a:spcBef>
-                          <a:spcPts val="0"/>
-                        </a:spcBef>
-                        <a:spcAft>
-                          <a:spcPts val="0"/>
-                        </a:spcAft>
-                        <a:buClrTx/>
-                        <a:buSzTx/>
-                        <a:buFontTx/>
-                        <a:buNone/>
-                        <a:tabLst/>
-                        <a:defRPr/>
-                      </a:pPr>
-                      <a:endParaRPr lang="en-US" sz="1000" b="0" i="0" u="none" strike="noStrike" dirty="0">
-                        <a:solidFill>
-                          <a:srgbClr val="000000"/>
-                        </a:solidFill>
-                        <a:latin typeface="+mn-lt"/>
-                      </a:endParaRPr>
-                    </a:p>
-                  </a:txBody>
-                  <a:tcPr marR="0" marT="0" marB="0">
-                    <a:lnL w="6350" cap="flat" cmpd="sng" algn="ctr">
-                      <a:noFill/>
-                      <a:prstDash val="solid"/>
-                      <a:round/>
-                      <a:headEnd type="none" w="med" len="med"/>
-                      <a:tailEnd type="none" w="med" len="med"/>
-                    </a:lnL>
-                    <a:lnR w="6350" cap="flat" cmpd="sng" algn="ctr">
-                      <a:noFill/>
-                      <a:prstDash val="solid"/>
-                      <a:round/>
-                      <a:headEnd type="none" w="med" len="med"/>
-                      <a:tailEnd type="none" w="med" len="med"/>
-                    </a:lnR>
-                    <a:lnT w="9525" cap="flat" cmpd="sng" algn="ctr">
-                      <a:solidFill>
-                        <a:srgbClr val="B9B8BB"/>
-                      </a:solidFill>
-                      <a:prstDash val="sysDash"/>
-                      <a:round/>
-                      <a:headEnd type="none" w="med" len="med"/>
-                      <a:tailEnd type="none" w="med" len="med"/>
-                    </a:lnT>
-                    <a:lnB w="9525" cap="flat" cmpd="sng" algn="ctr">
-                      <a:solidFill>
-                        <a:srgbClr val="B9B8BB"/>
-                      </a:solidFill>
-                      <a:prstDash val="sysDash"/>
-                      <a:round/>
-                      <a:headEnd type="none" w="med" len="med"/>
-                      <a:tailEnd type="none" w="med" len="med"/>
-                    </a:lnB>
-                    <a:lnTlToBr w="12700" cmpd="sng">
-                      <a:noFill/>
-                      <a:prstDash val="solid"/>
-                    </a:lnTlToBr>
-                    <a:lnBlToTr w="12700" cmpd="sng">
-                      <a:noFill/>
-                      <a:prstDash val="solid"/>
-                    </a:lnBlToTr>
-                    <a:solidFill>
-                      <a:schemeClr val="bg1"/>
-                    </a:solidFill>
-                  </a:tcPr>
-                </a:tc>
-                <a:tc hMerge="1">
-                  <a:txBody>
-                    <a:bodyPr/>
-                    <a:lstStyle/>
-                    <a:p>
-                      <a:endParaRPr lang="en-US"/>
-                    </a:p>
-                  </a:txBody>
-                  <a:tcPr/>
-                </a:tc>
-                <a:tc hMerge="1">
-                  <a:txBody>
-                    <a:bodyPr/>
-                    <a:lstStyle/>
-                    <a:p>
-                      <a:endParaRPr lang="en-US"/>
-                    </a:p>
-                  </a:txBody>
-                  <a:tcPr/>
-                </a:tc>
-                <a:tc hMerge="1">
-                  <a:txBody>
-                    <a:bodyPr/>
-                    <a:lstStyle/>
-                    <a:p>
-                      <a:endParaRPr lang="en-US"/>
-                    </a:p>
-                  </a:txBody>
-                  <a:tcPr/>
-                </a:tc>
-                <a:tc hMerge="1">
-                  <a:txBody>
-                    <a:bodyPr/>
-                    <a:lstStyle/>
-                    <a:p>
-                      <a:endParaRPr lang="en-US"/>
-                    </a:p>
-                  </a:txBody>
-                  <a:tcPr/>
-                </a:tc>
-                <a:tc hMerge="1">
-                  <a:txBody>
-                    <a:bodyPr/>
-                    <a:lstStyle/>
-                    <a:p>
-                      <a:endParaRPr lang="en-US"/>
-                    </a:p>
-                  </a:txBody>
-                  <a:tcPr/>
-                </a:tc>
-                <a:tc gridSpan="5">
-                  <a:txBody>
-                    <a:bodyPr/>
-                    <a:lstStyle/>
-                    <a:p>
-                      <a:pPr algn="ctr" fontAlgn="b"/>
-                      <a:r>
-                        <a:rPr lang="en-US" sz="1000" b="0" i="0" u="none" strike="noStrike" dirty="0" smtClean="0">
-                          <a:solidFill>
-                            <a:srgbClr val="000000"/>
-                          </a:solidFill>
-                          <a:latin typeface="+mn-lt"/>
-                        </a:rPr>
-                        <a:t>Current STAR mix is 28% will increase</a:t>
-                      </a:r>
-                      <a:r>
-                        <a:rPr lang="en-US" sz="1000" b="0" i="0" u="none" strike="noStrike" baseline="0" dirty="0" smtClean="0">
-                          <a:solidFill>
-                            <a:srgbClr val="000000"/>
-                          </a:solidFill>
-                          <a:latin typeface="+mn-lt"/>
-                        </a:rPr>
-                        <a:t> to 30% in Q2’ 15</a:t>
-                      </a:r>
-                    </a:p>
-                    <a:p>
-                      <a:pPr algn="ctr" fontAlgn="b"/>
-                      <a:endParaRPr lang="en-US" sz="1000" b="0" i="0" u="none" strike="noStrike" baseline="0" dirty="0" smtClean="0">
-                        <a:solidFill>
-                          <a:srgbClr val="000000"/>
-                        </a:solidFill>
-                        <a:latin typeface="+mn-lt"/>
-                      </a:endParaRPr>
-                    </a:p>
-                  </a:txBody>
-                  <a:tcPr marR="0" marT="0" marB="0">
-                    <a:lnL w="6350" cap="flat" cmpd="sng" algn="ctr">
-                      <a:noFill/>
-                      <a:prstDash val="solid"/>
-                      <a:round/>
-                      <a:headEnd type="none" w="med" len="med"/>
-                      <a:tailEnd type="none" w="med" len="med"/>
-                    </a:lnL>
-                    <a:lnR w="6350" cap="flat" cmpd="sng" algn="ctr">
-                      <a:noFill/>
-                      <a:prstDash val="solid"/>
-                      <a:round/>
-                      <a:headEnd type="none" w="med" len="med"/>
-                      <a:tailEnd type="none" w="med" len="med"/>
-                    </a:lnR>
-                    <a:lnT w="9525" cap="flat" cmpd="sng" algn="ctr">
-                      <a:solidFill>
-                        <a:srgbClr val="B9B8BB"/>
-                      </a:solidFill>
-                      <a:prstDash val="sysDash"/>
-                      <a:round/>
-                      <a:headEnd type="none" w="med" len="med"/>
-                      <a:tailEnd type="none" w="med" len="med"/>
-                    </a:lnT>
-                    <a:lnB w="9525" cap="flat" cmpd="sng" algn="ctr">
-                      <a:solidFill>
-                        <a:srgbClr val="B9B8BB"/>
-                      </a:solidFill>
-                      <a:prstDash val="sysDash"/>
-                      <a:round/>
-                      <a:headEnd type="none" w="med" len="med"/>
-                      <a:tailEnd type="none" w="med" len="med"/>
-                    </a:lnB>
-                    <a:lnTlToBr w="12700" cmpd="sng">
-                      <a:noFill/>
-                      <a:prstDash val="solid"/>
-                    </a:lnTlToBr>
-                    <a:lnBlToTr w="12700" cmpd="sng">
-                      <a:noFill/>
-                      <a:prstDash val="solid"/>
-                    </a:lnBlToTr>
-                    <a:solidFill>
-                      <a:schemeClr val="bg1"/>
-                    </a:solidFill>
-                  </a:tcPr>
-                </a:tc>
-                <a:tc hMerge="1">
-                  <a:txBody>
-                    <a:bodyPr/>
-                    <a:lstStyle/>
-                    <a:p>
-                      <a:endParaRPr lang="en-US"/>
-                    </a:p>
-                  </a:txBody>
-                  <a:tcPr/>
-                </a:tc>
-                <a:tc hMerge="1">
-                  <a:txBody>
-                    <a:bodyPr/>
-                    <a:lstStyle/>
-                    <a:p>
-                      <a:endParaRPr lang="en-US"/>
-                    </a:p>
-                  </a:txBody>
-                  <a:tcPr/>
-                </a:tc>
-                <a:tc hMerge="1">
-                  <a:txBody>
-                    <a:bodyPr/>
-                    <a:lstStyle/>
-                    <a:p>
-                      <a:endParaRPr lang="en-US"/>
-                    </a:p>
-                  </a:txBody>
-                  <a:tcPr/>
-                </a:tc>
-                <a:tc hMerge="1">
-                  <a:txBody>
-                    <a:bodyPr/>
-                    <a:lstStyle/>
-                    <a:p>
-                      <a:endParaRPr lang="en-US"/>
-                    </a:p>
-                  </a:txBody>
-                  <a:tcPr/>
-                </a:tc>
-                <a:tc>
-                  <a:txBody>
-                    <a:bodyPr/>
-                    <a:lstStyle/>
-                    <a:p>
-                      <a:endParaRPr lang="en-US" sz="900" dirty="0">
-                        <a:latin typeface="HP Simplified" charset="0"/>
-                      </a:endParaRPr>
-                    </a:p>
-                  </a:txBody>
-                  <a:tcPr marR="0" marT="0" marB="0" anchor="ctr">
-                    <a:lnL w="6350" cap="flat" cmpd="sng" algn="ctr">
-                      <a:noFill/>
-                      <a:prstDash val="solid"/>
-                      <a:round/>
-                      <a:headEnd type="none" w="med" len="med"/>
-                      <a:tailEnd type="none" w="med" len="med"/>
-                    </a:lnL>
-                    <a:lnR w="9525" cap="flat" cmpd="sng" algn="ctr">
-                      <a:solidFill>
-                        <a:prstClr val="black"/>
-                      </a:solidFill>
-                      <a:prstDash val="solid"/>
-                      <a:round/>
-                      <a:headEnd type="none" w="med" len="med"/>
-                      <a:tailEnd type="none" w="med" len="med"/>
-                    </a:lnR>
-                    <a:lnT w="9525" cap="flat" cmpd="sng" algn="ctr">
-                      <a:solidFill>
-                        <a:srgbClr val="B9B8BB"/>
-                      </a:solidFill>
-                      <a:prstDash val="sysDash"/>
-                      <a:round/>
-                      <a:headEnd type="none" w="med" len="med"/>
-                      <a:tailEnd type="none" w="med" len="med"/>
-                    </a:lnT>
-                    <a:lnB w="9525" cap="flat" cmpd="sng" algn="ctr">
-                      <a:solidFill>
-                        <a:srgbClr val="B9B8BB"/>
-                      </a:solidFill>
-                      <a:prstDash val="sysDash"/>
-                      <a:round/>
-                      <a:headEnd type="none" w="med" len="med"/>
-                      <a:tailEnd type="none" w="med" len="med"/>
-                    </a:lnB>
-                    <a:lnTlToBr w="12700" cmpd="sng">
-                      <a:noFill/>
-                      <a:prstDash val="solid"/>
-                    </a:lnTlToBr>
-                    <a:lnBlToTr w="12700" cmpd="sng">
-                      <a:noFill/>
-                      <a:prstDash val="solid"/>
-                    </a:lnBlToTr>
-                    <a:solidFill>
-                      <a:schemeClr val="bg1"/>
-                    </a:solidFill>
-                  </a:tcPr>
-                </a:tc>
-              </a:tr>
-              <a:tr h="702846">
-                <a:tc gridSpan="3">
-                  <a:txBody>
-                    <a:bodyPr/>
-                    <a:lstStyle/>
-                    <a:p>
-                      <a:pPr marL="0" marR="0" lvl="0" indent="0" algn="ctr" defTabSz="914400" rtl="0" eaLnBrk="1" fontAlgn="base" latinLnBrk="0" hangingPunct="1">
-                        <a:lnSpc>
-                          <a:spcPct val="95000"/>
-                        </a:lnSpc>
-                        <a:spcBef>
-                          <a:spcPct val="50000"/>
-                        </a:spcBef>
-                        <a:spcAft>
-                          <a:spcPct val="0"/>
-                        </a:spcAft>
-                        <a:buClr>
-                          <a:schemeClr val="tx1"/>
-                        </a:buClr>
-                        <a:buSzPct val="80000"/>
-                        <a:buFontTx/>
-                        <a:buNone/>
-                        <a:tabLst/>
-                      </a:pPr>
-                      <a:r>
-                        <a:rPr kumimoji="0" lang="en-US" sz="1000" b="0" i="0" u="none" strike="noStrike" kern="1200" cap="none" normalizeH="0" baseline="0" dirty="0" smtClean="0">
-                          <a:ln>
-                            <a:noFill/>
-                          </a:ln>
-                          <a:solidFill>
-                            <a:schemeClr val="tx1"/>
-                          </a:solidFill>
-                          <a:effectLst/>
-                          <a:latin typeface="+mn-lt"/>
-                          <a:ea typeface="+mn-ea"/>
-                          <a:cs typeface="+mn-cs"/>
-                        </a:rPr>
-                        <a:t>Growth of Tabs</a:t>
-                      </a:r>
-                      <a:endParaRPr kumimoji="0" lang="en-US" sz="1000" b="0" i="0" u="none" strike="noStrike" kern="1200" cap="none" normalizeH="0" baseline="0" dirty="0">
-                        <a:ln>
-                          <a:noFill/>
-                        </a:ln>
-                        <a:solidFill>
-                          <a:schemeClr val="tx1"/>
-                        </a:solidFill>
-                        <a:effectLst/>
-                        <a:latin typeface="+mn-lt"/>
-                        <a:ea typeface="+mn-ea"/>
-                        <a:cs typeface="+mn-cs"/>
-                      </a:endParaRPr>
-                    </a:p>
-                  </a:txBody>
-                  <a:tcPr marR="0" marT="0" marB="0">
-                    <a:lnL w="9525" cap="flat" cmpd="sng" algn="ctr">
-                      <a:solidFill>
-                        <a:prstClr val="black"/>
-                      </a:solidFill>
-                      <a:prstDash val="solid"/>
-                      <a:round/>
-                      <a:headEnd type="none" w="med" len="med"/>
-                      <a:tailEnd type="none" w="med" len="med"/>
-                    </a:lnL>
-                    <a:lnR w="6350" cap="flat" cmpd="sng" algn="ctr">
-                      <a:noFill/>
-                      <a:prstDash val="solid"/>
-                      <a:round/>
-                      <a:headEnd type="none" w="med" len="med"/>
-                      <a:tailEnd type="none" w="med" len="med"/>
-                    </a:lnR>
-                    <a:lnT w="9525" cap="flat" cmpd="sng" algn="ctr">
-                      <a:solidFill>
-                        <a:srgbClr val="B9B8BB"/>
-                      </a:solidFill>
-                      <a:prstDash val="sysDash"/>
-                      <a:round/>
-                      <a:headEnd type="none" w="med" len="med"/>
-                      <a:tailEnd type="none" w="med" len="med"/>
-                    </a:lnT>
-                    <a:lnB w="9525" cap="flat" cmpd="sng" algn="ctr">
-                      <a:solidFill>
-                        <a:srgbClr val="B9B8BB"/>
-                      </a:solidFill>
-                      <a:prstDash val="sysDash"/>
-                      <a:round/>
-                      <a:headEnd type="none" w="med" len="med"/>
-                      <a:tailEnd type="none" w="med" len="med"/>
-                    </a:lnB>
-                    <a:lnTlToBr w="12700" cmpd="sng">
-                      <a:noFill/>
-                      <a:prstDash val="solid"/>
-                    </a:lnTlToBr>
-                    <a:lnBlToTr w="12700" cmpd="sng">
-                      <a:noFill/>
-                      <a:prstDash val="solid"/>
-                    </a:lnBlToTr>
-                    <a:solidFill>
-                      <a:schemeClr val="bg1"/>
-                    </a:solidFill>
-                  </a:tcPr>
-                </a:tc>
-                <a:tc hMerge="1">
-                  <a:txBody>
-                    <a:bodyPr/>
-                    <a:lstStyle/>
-                    <a:p>
-                      <a:endParaRPr lang="en-US"/>
-                    </a:p>
-                  </a:txBody>
-                  <a:tcPr/>
-                </a:tc>
-                <a:tc hMerge="1">
-                  <a:txBody>
-                    <a:bodyPr/>
-                    <a:lstStyle/>
-                    <a:p>
-                      <a:endParaRPr lang="en-US"/>
-                    </a:p>
-                  </a:txBody>
-                  <a:tcPr/>
-                </a:tc>
-                <a:tc gridSpan="6">
-                  <a:txBody>
-                    <a:bodyPr/>
-                    <a:lstStyle/>
-                    <a:p>
-                      <a:pPr algn="ctr" fontAlgn="b"/>
-                      <a:r>
-                        <a:rPr lang="en-US" sz="1000" b="0" i="0" u="none" strike="noStrike" kern="1200" baseline="0" dirty="0" smtClean="0">
-                          <a:solidFill>
-                            <a:srgbClr val="000000"/>
-                          </a:solidFill>
-                          <a:effectLst/>
-                          <a:latin typeface="+mn-lt"/>
-                          <a:ea typeface="+mn-ea"/>
-                          <a:cs typeface="+mn-cs"/>
-                        </a:rPr>
-                        <a:t>Increase display in all stores.</a:t>
-                      </a:r>
-                    </a:p>
-                    <a:p>
-                      <a:pPr algn="ctr" fontAlgn="b"/>
-                      <a:endParaRPr lang="en-US" sz="1000" b="0" i="0" u="none" strike="noStrike" kern="1200" baseline="0" dirty="0" smtClean="0">
-                        <a:solidFill>
-                          <a:srgbClr val="000000"/>
-                        </a:solidFill>
-                        <a:effectLst/>
-                        <a:latin typeface="+mn-lt"/>
-                        <a:ea typeface="+mn-ea"/>
-                        <a:cs typeface="+mn-cs"/>
-                      </a:endParaRPr>
-                    </a:p>
-                  </a:txBody>
-                  <a:tcPr marR="0" marT="0" marB="0">
-                    <a:lnL w="6350" cap="flat" cmpd="sng" algn="ctr">
-                      <a:noFill/>
-                      <a:prstDash val="solid"/>
-                      <a:round/>
-                      <a:headEnd type="none" w="med" len="med"/>
-                      <a:tailEnd type="none" w="med" len="med"/>
-                    </a:lnL>
-                    <a:lnR w="6350" cap="flat" cmpd="sng" algn="ctr">
-                      <a:noFill/>
-                      <a:prstDash val="solid"/>
-                      <a:round/>
-                      <a:headEnd type="none" w="med" len="med"/>
-                      <a:tailEnd type="none" w="med" len="med"/>
-                    </a:lnR>
-                    <a:lnT w="9525" cap="flat" cmpd="sng" algn="ctr">
-                      <a:solidFill>
-                        <a:srgbClr val="B9B8BB"/>
-                      </a:solidFill>
-                      <a:prstDash val="sysDash"/>
-                      <a:round/>
-                      <a:headEnd type="none" w="med" len="med"/>
-                      <a:tailEnd type="none" w="med" len="med"/>
-                    </a:lnT>
-                    <a:lnB w="9525" cap="flat" cmpd="sng" algn="ctr">
-                      <a:solidFill>
-                        <a:srgbClr val="B9B8BB"/>
-                      </a:solidFill>
-                      <a:prstDash val="sysDash"/>
-                      <a:round/>
-                      <a:headEnd type="none" w="med" len="med"/>
-                      <a:tailEnd type="none" w="med" len="med"/>
-                    </a:lnB>
-                    <a:lnTlToBr w="12700" cmpd="sng">
-                      <a:noFill/>
-                      <a:prstDash val="solid"/>
-                    </a:lnTlToBr>
-                    <a:lnBlToTr w="12700" cmpd="sng">
-                      <a:noFill/>
-                      <a:prstDash val="solid"/>
-                    </a:lnBlToTr>
-                    <a:solidFill>
-                      <a:schemeClr val="bg1"/>
-                    </a:solidFill>
-                  </a:tcPr>
-                </a:tc>
-                <a:tc hMerge="1">
-                  <a:txBody>
-                    <a:bodyPr/>
-                    <a:lstStyle/>
-                    <a:p>
-                      <a:endParaRPr lang="en-US"/>
-                    </a:p>
-                  </a:txBody>
-                  <a:tcPr/>
-                </a:tc>
-                <a:tc hMerge="1">
-                  <a:txBody>
-                    <a:bodyPr/>
-                    <a:lstStyle/>
-                    <a:p>
-                      <a:endParaRPr lang="en-US"/>
-                    </a:p>
-                  </a:txBody>
-                  <a:tcPr/>
-                </a:tc>
-                <a:tc hMerge="1">
-                  <a:txBody>
-                    <a:bodyPr/>
-                    <a:lstStyle/>
-                    <a:p>
-                      <a:endParaRPr lang="en-US"/>
-                    </a:p>
-                  </a:txBody>
-                  <a:tcPr/>
-                </a:tc>
-                <a:tc hMerge="1">
-                  <a:txBody>
-                    <a:bodyPr/>
-                    <a:lstStyle/>
-                    <a:p>
-                      <a:endParaRPr lang="en-US"/>
-                    </a:p>
-                  </a:txBody>
-                  <a:tcPr/>
-                </a:tc>
-                <a:tc hMerge="1">
-                  <a:txBody>
-                    <a:bodyPr/>
-                    <a:lstStyle/>
-                    <a:p>
-                      <a:endParaRPr lang="en-US"/>
-                    </a:p>
-                  </a:txBody>
-                  <a:tcPr/>
-                </a:tc>
-                <a:tc gridSpan="5">
-                  <a:txBody>
-                    <a:bodyPr/>
-                    <a:lstStyle/>
-                    <a:p>
-                      <a:pPr algn="ctr" fontAlgn="b"/>
-                      <a:r>
-                        <a:rPr lang="en-US" sz="900" b="0" i="0" u="none" strike="noStrike" dirty="0" smtClean="0">
-                          <a:solidFill>
-                            <a:srgbClr val="000000"/>
-                          </a:solidFill>
-                          <a:latin typeface="HP Simplified" charset="0"/>
-                        </a:rPr>
-                        <a:t>We</a:t>
-                      </a:r>
-                      <a:r>
-                        <a:rPr lang="en-US" sz="900" b="0" i="0" u="none" strike="noStrike" baseline="0" dirty="0" smtClean="0">
-                          <a:solidFill>
-                            <a:srgbClr val="000000"/>
-                          </a:solidFill>
-                          <a:latin typeface="HP Simplified" charset="0"/>
-                        </a:rPr>
-                        <a:t> </a:t>
-                      </a:r>
-                      <a:r>
-                        <a:rPr lang="en-US" sz="900" b="0" i="0" u="none" strike="noStrike" dirty="0" smtClean="0">
-                          <a:solidFill>
-                            <a:srgbClr val="000000"/>
-                          </a:solidFill>
-                          <a:latin typeface="HP Simplified" charset="0"/>
-                        </a:rPr>
-                        <a:t>Will try and maintain 75</a:t>
-                      </a:r>
-                      <a:r>
-                        <a:rPr lang="en-US" sz="900" b="0" i="0" u="none" strike="noStrike" baseline="0" dirty="0" smtClean="0">
-                          <a:solidFill>
-                            <a:srgbClr val="000000"/>
-                          </a:solidFill>
-                          <a:latin typeface="HP Simplified" charset="0"/>
-                        </a:rPr>
-                        <a:t> units every month </a:t>
-                      </a:r>
-                      <a:r>
-                        <a:rPr lang="en-US" sz="900" b="0" i="0" u="none" strike="noStrike" dirty="0" smtClean="0">
-                          <a:solidFill>
-                            <a:srgbClr val="000000"/>
-                          </a:solidFill>
-                          <a:latin typeface="HP Simplified" charset="0"/>
-                        </a:rPr>
-                        <a:t>in Q2-15</a:t>
-                      </a:r>
-                    </a:p>
-                    <a:p>
-                      <a:pPr algn="ctr" fontAlgn="b"/>
-                      <a:endParaRPr lang="en-US" sz="900" b="0" i="0" u="none" strike="noStrike" dirty="0" smtClean="0">
-                        <a:solidFill>
-                          <a:srgbClr val="000000"/>
-                        </a:solidFill>
-                        <a:latin typeface="HP Simplified" charset="0"/>
-                      </a:endParaRPr>
-                    </a:p>
-                  </a:txBody>
-                  <a:tcPr marR="0" marT="0" marB="0">
-                    <a:lnL w="6350" cap="flat" cmpd="sng" algn="ctr">
-                      <a:noFill/>
-                      <a:prstDash val="solid"/>
-                      <a:round/>
-                      <a:headEnd type="none" w="med" len="med"/>
-                      <a:tailEnd type="none" w="med" len="med"/>
-                    </a:lnL>
-                    <a:lnR w="6350" cap="flat" cmpd="sng" algn="ctr">
-                      <a:noFill/>
-                      <a:prstDash val="solid"/>
-                      <a:round/>
-                      <a:headEnd type="none" w="med" len="med"/>
-                      <a:tailEnd type="none" w="med" len="med"/>
-                    </a:lnR>
-                    <a:lnT w="9525" cap="flat" cmpd="sng" algn="ctr">
-                      <a:solidFill>
-                        <a:srgbClr val="B9B8BB"/>
-                      </a:solidFill>
-                      <a:prstDash val="sysDash"/>
-                      <a:round/>
-                      <a:headEnd type="none" w="med" len="med"/>
-                      <a:tailEnd type="none" w="med" len="med"/>
-                    </a:lnT>
-                    <a:lnB w="9525" cap="flat" cmpd="sng" algn="ctr">
-                      <a:solidFill>
-                        <a:srgbClr val="B9B8BB"/>
-                      </a:solidFill>
-                      <a:prstDash val="sysDash"/>
-                      <a:round/>
-                      <a:headEnd type="none" w="med" len="med"/>
-                      <a:tailEnd type="none" w="med" len="med"/>
-                    </a:lnB>
-                    <a:lnTlToBr w="12700" cmpd="sng">
-                      <a:noFill/>
-                      <a:prstDash val="solid"/>
-                    </a:lnTlToBr>
-                    <a:lnBlToTr w="12700" cmpd="sng">
-                      <a:noFill/>
-                      <a:prstDash val="solid"/>
-                    </a:lnBlToTr>
-                    <a:solidFill>
-                      <a:schemeClr val="bg1"/>
-                    </a:solidFill>
-                  </a:tcPr>
-                </a:tc>
-                <a:tc hMerge="1">
-                  <a:txBody>
-                    <a:bodyPr/>
-                    <a:lstStyle/>
-                    <a:p>
-                      <a:endParaRPr lang="en-US"/>
-                    </a:p>
-                  </a:txBody>
-                  <a:tcPr/>
-                </a:tc>
-                <a:tc hMerge="1">
-                  <a:txBody>
-                    <a:bodyPr/>
-                    <a:lstStyle/>
-                    <a:p>
-                      <a:endParaRPr lang="en-US"/>
-                    </a:p>
-                  </a:txBody>
-                  <a:tcPr/>
-                </a:tc>
-                <a:tc hMerge="1">
-                  <a:txBody>
-                    <a:bodyPr/>
-                    <a:lstStyle/>
-                    <a:p>
-                      <a:endParaRPr lang="en-US"/>
-                    </a:p>
-                  </a:txBody>
-                  <a:tcPr/>
-                </a:tc>
-                <a:tc hMerge="1">
-                  <a:txBody>
-                    <a:bodyPr/>
-                    <a:lstStyle/>
-                    <a:p>
-                      <a:endParaRPr lang="en-US"/>
-                    </a:p>
-                  </a:txBody>
-                  <a:tcPr/>
-                </a:tc>
-                <a:tc>
-                  <a:txBody>
-                    <a:bodyPr/>
-                    <a:lstStyle/>
-                    <a:p>
-                      <a:endParaRPr lang="en-US" sz="900" dirty="0">
-                        <a:latin typeface="HP Simplified" charset="0"/>
-                      </a:endParaRPr>
-                    </a:p>
-                  </a:txBody>
-                  <a:tcPr marR="0" marT="0" marB="0" anchor="ctr">
-                    <a:lnL w="6350" cap="flat" cmpd="sng" algn="ctr">
-                      <a:noFill/>
-                      <a:prstDash val="solid"/>
-                      <a:round/>
-                      <a:headEnd type="none" w="med" len="med"/>
-                      <a:tailEnd type="none" w="med" len="med"/>
-                    </a:lnL>
-                    <a:lnR w="9525" cap="flat" cmpd="sng" algn="ctr">
-                      <a:solidFill>
-                        <a:prstClr val="black"/>
-                      </a:solidFill>
-                      <a:prstDash val="solid"/>
-                      <a:round/>
-                      <a:headEnd type="none" w="med" len="med"/>
-                      <a:tailEnd type="none" w="med" len="med"/>
-                    </a:lnR>
-                    <a:lnT w="9525" cap="flat" cmpd="sng" algn="ctr">
-                      <a:solidFill>
-                        <a:srgbClr val="B9B8BB"/>
-                      </a:solidFill>
-                      <a:prstDash val="sysDash"/>
-                      <a:round/>
-                      <a:headEnd type="none" w="med" len="med"/>
-                      <a:tailEnd type="none" w="med" len="med"/>
-                    </a:lnT>
-                    <a:lnB w="9525" cap="flat" cmpd="sng" algn="ctr">
-                      <a:solidFill>
-                        <a:srgbClr val="B9B8BB"/>
-                      </a:solidFill>
-                      <a:prstDash val="sysDash"/>
-                      <a:round/>
-                      <a:headEnd type="none" w="med" len="med"/>
-                      <a:tailEnd type="none" w="med" len="med"/>
-                    </a:lnB>
-                    <a:lnTlToBr w="12700" cmpd="sng">
-                      <a:noFill/>
-                      <a:prstDash val="solid"/>
-                    </a:lnTlToBr>
-                    <a:lnBlToTr w="12700" cmpd="sng">
-                      <a:noFill/>
-                      <a:prstDash val="solid"/>
-                    </a:lnBlToTr>
-                    <a:solidFill>
-                      <a:schemeClr val="bg1"/>
-                    </a:solidFill>
-                  </a:tcPr>
-                </a:tc>
-              </a:tr>
-              <a:tr h="576252">
-                <a:tc gridSpan="3">
-                  <a:txBody>
-                    <a:bodyPr/>
-                    <a:lstStyle/>
-                    <a:p>
-                      <a:pPr marL="0" marR="0" lvl="0" indent="0" algn="ctr" defTabSz="914400" rtl="0" eaLnBrk="1" fontAlgn="base" latinLnBrk="0" hangingPunct="1">
-                        <a:lnSpc>
-                          <a:spcPct val="95000"/>
-                        </a:lnSpc>
-                        <a:spcBef>
-                          <a:spcPct val="50000"/>
-                        </a:spcBef>
-                        <a:spcAft>
-                          <a:spcPct val="0"/>
-                        </a:spcAft>
-                        <a:buClr>
-                          <a:schemeClr val="tx1"/>
-                        </a:buClr>
-                        <a:buSzPct val="80000"/>
-                        <a:buFontTx/>
-                        <a:buNone/>
-                        <a:tabLst/>
-                      </a:pPr>
-                      <a:r>
-                        <a:rPr kumimoji="0" lang="en-US" sz="1000" b="0" i="0" u="none" strike="noStrike" kern="1200" cap="none" normalizeH="0" baseline="0" dirty="0" smtClean="0">
-                          <a:ln>
-                            <a:noFill/>
-                          </a:ln>
-                          <a:solidFill>
-                            <a:schemeClr val="tx1"/>
-                          </a:solidFill>
-                          <a:effectLst/>
-                          <a:latin typeface="+mn-lt"/>
-                          <a:ea typeface="+mn-ea"/>
-                          <a:cs typeface="+mn-cs"/>
-                        </a:rPr>
-                        <a:t>100% Adherence to Display &amp; Audits</a:t>
-                      </a:r>
-                      <a:endParaRPr kumimoji="0" lang="en-US" sz="1000" b="0" i="0" u="none" strike="noStrike" kern="1200" cap="none" normalizeH="0" baseline="0" dirty="0">
-                        <a:ln>
-                          <a:noFill/>
-                        </a:ln>
-                        <a:solidFill>
-                          <a:schemeClr val="tx1"/>
-                        </a:solidFill>
-                        <a:effectLst/>
-                        <a:latin typeface="+mn-lt"/>
-                        <a:ea typeface="+mn-ea"/>
-                        <a:cs typeface="+mn-cs"/>
-                      </a:endParaRPr>
-                    </a:p>
-                  </a:txBody>
-                  <a:tcPr marR="0" marT="0" marB="0">
-                    <a:lnL w="9525" cap="flat" cmpd="sng" algn="ctr">
-                      <a:solidFill>
-                        <a:prstClr val="black"/>
-                      </a:solidFill>
-                      <a:prstDash val="solid"/>
-                      <a:round/>
-                      <a:headEnd type="none" w="med" len="med"/>
-                      <a:tailEnd type="none" w="med" len="med"/>
-                    </a:lnL>
-                    <a:lnR w="6350" cap="flat" cmpd="sng" algn="ctr">
-                      <a:noFill/>
-                      <a:prstDash val="solid"/>
-                      <a:round/>
-                      <a:headEnd type="none" w="med" len="med"/>
-                      <a:tailEnd type="none" w="med" len="med"/>
-                    </a:lnR>
-                    <a:lnT w="9525" cap="flat" cmpd="sng" algn="ctr">
-                      <a:solidFill>
-                        <a:srgbClr val="B9B8BB"/>
-                      </a:solidFill>
-                      <a:prstDash val="sysDash"/>
-                      <a:round/>
-                      <a:headEnd type="none" w="med" len="med"/>
-                      <a:tailEnd type="none" w="med" len="med"/>
-                    </a:lnT>
-                    <a:lnB w="9525" cap="flat" cmpd="sng" algn="ctr">
-                      <a:solidFill>
-                        <a:prstClr val="black"/>
-                      </a:solidFill>
-                      <a:prstDash val="solid"/>
-                      <a:round/>
-                      <a:headEnd type="none" w="med" len="med"/>
-                      <a:tailEnd type="none" w="med" len="med"/>
-                    </a:lnB>
-                    <a:lnTlToBr w="12700" cmpd="sng">
-                      <a:noFill/>
-                      <a:prstDash val="solid"/>
-                    </a:lnTlToBr>
-                    <a:lnBlToTr w="12700" cmpd="sng">
-                      <a:noFill/>
-                      <a:prstDash val="solid"/>
-                    </a:lnBlToTr>
-                    <a:solidFill>
-                      <a:schemeClr val="bg1"/>
-                    </a:solidFill>
-                  </a:tcPr>
-                </a:tc>
-                <a:tc hMerge="1">
-                  <a:txBody>
-                    <a:bodyPr/>
-                    <a:lstStyle/>
-                    <a:p>
-                      <a:endParaRPr lang="en-US"/>
-                    </a:p>
-                  </a:txBody>
-                  <a:tcPr/>
-                </a:tc>
-                <a:tc hMerge="1">
-                  <a:txBody>
-                    <a:bodyPr/>
-                    <a:lstStyle/>
-                    <a:p>
-                      <a:endParaRPr lang="en-US"/>
-                    </a:p>
-                  </a:txBody>
-                  <a:tcPr/>
-                </a:tc>
-                <a:tc gridSpan="6">
-                  <a:txBody>
-                    <a:bodyPr/>
-                    <a:lstStyle/>
-                    <a:p>
-                      <a:pPr algn="ctr" fontAlgn="b"/>
-                      <a:r>
-                        <a:rPr lang="en-US" sz="900" b="0" i="0" u="none" strike="noStrike" dirty="0" smtClean="0">
-                          <a:solidFill>
-                            <a:srgbClr val="000000"/>
-                          </a:solidFill>
-                          <a:latin typeface="HP Simplified" charset="0"/>
-                        </a:rPr>
-                        <a:t>ISP training and regular review</a:t>
-                      </a:r>
-                      <a:endParaRPr lang="en-US" sz="900" b="0" i="0" u="none" strike="noStrike" dirty="0">
-                        <a:solidFill>
-                          <a:srgbClr val="000000"/>
-                        </a:solidFill>
-                        <a:latin typeface="HP Simplified" charset="0"/>
-                      </a:endParaRPr>
-                    </a:p>
-                  </a:txBody>
-                  <a:tcPr marR="0" marT="0" marB="0">
-                    <a:lnL w="6350" cap="flat" cmpd="sng" algn="ctr">
-                      <a:noFill/>
-                      <a:prstDash val="solid"/>
-                      <a:round/>
-                      <a:headEnd type="none" w="med" len="med"/>
-                      <a:tailEnd type="none" w="med" len="med"/>
-                    </a:lnL>
-                    <a:lnR w="6350" cap="flat" cmpd="sng" algn="ctr">
-                      <a:noFill/>
-                      <a:prstDash val="solid"/>
-                      <a:round/>
-                      <a:headEnd type="none" w="med" len="med"/>
-                      <a:tailEnd type="none" w="med" len="med"/>
-                    </a:lnR>
-                    <a:lnT w="9525" cap="flat" cmpd="sng" algn="ctr">
-                      <a:solidFill>
-                        <a:srgbClr val="B9B8BB"/>
-                      </a:solidFill>
-                      <a:prstDash val="sysDash"/>
-                      <a:round/>
-                      <a:headEnd type="none" w="med" len="med"/>
-                      <a:tailEnd type="none" w="med" len="med"/>
-                    </a:lnT>
-                    <a:lnB w="9525" cap="flat" cmpd="sng" algn="ctr">
-                      <a:solidFill>
-                        <a:prstClr val="black"/>
-                      </a:solidFill>
-                      <a:prstDash val="solid"/>
-                      <a:round/>
-                      <a:headEnd type="none" w="med" len="med"/>
-                      <a:tailEnd type="none" w="med" len="med"/>
-                    </a:lnB>
-                    <a:lnTlToBr w="12700" cmpd="sng">
-                      <a:noFill/>
-                      <a:prstDash val="solid"/>
-                    </a:lnTlToBr>
-                    <a:lnBlToTr w="12700" cmpd="sng">
-                      <a:noFill/>
-                      <a:prstDash val="solid"/>
-                    </a:lnBlToTr>
-                    <a:solidFill>
-                      <a:schemeClr val="bg1"/>
-                    </a:solidFill>
-                  </a:tcPr>
-                </a:tc>
-                <a:tc hMerge="1">
-                  <a:txBody>
-                    <a:bodyPr/>
-                    <a:lstStyle/>
-                    <a:p>
-                      <a:endParaRPr lang="en-US"/>
-                    </a:p>
-                  </a:txBody>
-                  <a:tcPr/>
-                </a:tc>
-                <a:tc hMerge="1">
-                  <a:txBody>
-                    <a:bodyPr/>
-                    <a:lstStyle/>
-                    <a:p>
-                      <a:endParaRPr lang="en-US"/>
-                    </a:p>
-                  </a:txBody>
-                  <a:tcPr/>
-                </a:tc>
-                <a:tc hMerge="1">
-                  <a:txBody>
-                    <a:bodyPr/>
-                    <a:lstStyle/>
-                    <a:p>
-                      <a:endParaRPr lang="en-US"/>
-                    </a:p>
-                  </a:txBody>
-                  <a:tcPr/>
-                </a:tc>
-                <a:tc hMerge="1">
-                  <a:txBody>
-                    <a:bodyPr/>
-                    <a:lstStyle/>
-                    <a:p>
-                      <a:endParaRPr lang="en-US"/>
-                    </a:p>
-                  </a:txBody>
-                  <a:tcPr/>
-                </a:tc>
-                <a:tc hMerge="1">
-                  <a:txBody>
-                    <a:bodyPr/>
-                    <a:lstStyle/>
-                    <a:p>
-                      <a:endParaRPr lang="en-US"/>
-                    </a:p>
-                  </a:txBody>
-                  <a:tcPr/>
-                </a:tc>
-                <a:tc gridSpan="5">
-                  <a:txBody>
-                    <a:bodyPr/>
-                    <a:lstStyle/>
-                    <a:p>
-                      <a:pPr marL="0" marR="0" indent="0" algn="ctr" defTabSz="457200" rtl="0" eaLnBrk="1" fontAlgn="b" latinLnBrk="0" hangingPunct="1">
-                        <a:lnSpc>
-                          <a:spcPct val="100000"/>
-                        </a:lnSpc>
-                        <a:spcBef>
-                          <a:spcPts val="0"/>
-                        </a:spcBef>
-                        <a:spcAft>
-                          <a:spcPts val="0"/>
-                        </a:spcAft>
-                        <a:buClrTx/>
-                        <a:buSzTx/>
-                        <a:buFontTx/>
-                        <a:buNone/>
-                        <a:tabLst/>
-                        <a:defRPr/>
-                      </a:pPr>
-                      <a:r>
-                        <a:rPr lang="en-US" sz="1000" b="0" i="0" u="none" strike="noStrike" kern="1200" dirty="0" smtClean="0">
-                          <a:solidFill>
-                            <a:srgbClr val="000000"/>
-                          </a:solidFill>
-                          <a:latin typeface="+mn-lt"/>
-                          <a:ea typeface="+mn-ea"/>
-                          <a:cs typeface="+mn-cs"/>
-                        </a:rPr>
-                        <a:t>Achieved &amp; will ensure it remains 100% Weekly Review</a:t>
-                      </a:r>
-                    </a:p>
-                  </a:txBody>
-                  <a:tcPr marR="0" marT="0" marB="0">
-                    <a:lnL w="6350" cap="flat" cmpd="sng" algn="ctr">
-                      <a:noFill/>
-                      <a:prstDash val="solid"/>
-                      <a:round/>
-                      <a:headEnd type="none" w="med" len="med"/>
-                      <a:tailEnd type="none" w="med" len="med"/>
-                    </a:lnL>
-                    <a:lnR w="6350" cap="flat" cmpd="sng" algn="ctr">
-                      <a:noFill/>
-                      <a:prstDash val="solid"/>
-                      <a:round/>
-                      <a:headEnd type="none" w="med" len="med"/>
-                      <a:tailEnd type="none" w="med" len="med"/>
-                    </a:lnR>
-                    <a:lnT w="9525" cap="flat" cmpd="sng" algn="ctr">
-                      <a:solidFill>
-                        <a:srgbClr val="B9B8BB"/>
-                      </a:solidFill>
-                      <a:prstDash val="sysDash"/>
-                      <a:round/>
-                      <a:headEnd type="none" w="med" len="med"/>
-                      <a:tailEnd type="none" w="med" len="med"/>
-                    </a:lnT>
-                    <a:lnB w="9525" cap="flat" cmpd="sng" algn="ctr">
-                      <a:solidFill>
-                        <a:prstClr val="black"/>
-                      </a:solidFill>
-                      <a:prstDash val="solid"/>
-                      <a:round/>
-                      <a:headEnd type="none" w="med" len="med"/>
-                      <a:tailEnd type="none" w="med" len="med"/>
-                    </a:lnB>
-                    <a:lnTlToBr w="12700" cmpd="sng">
-                      <a:noFill/>
-                      <a:prstDash val="solid"/>
-                    </a:lnTlToBr>
-                    <a:lnBlToTr w="12700" cmpd="sng">
-                      <a:noFill/>
-                      <a:prstDash val="solid"/>
-                    </a:lnBlToTr>
-                    <a:solidFill>
-                      <a:schemeClr val="bg1"/>
-                    </a:solidFill>
-                  </a:tcPr>
-                </a:tc>
-                <a:tc hMerge="1">
-                  <a:txBody>
-                    <a:bodyPr/>
-                    <a:lstStyle/>
-                    <a:p>
-                      <a:endParaRPr lang="en-US"/>
-                    </a:p>
-                  </a:txBody>
-                  <a:tcPr/>
-                </a:tc>
-                <a:tc hMerge="1">
-                  <a:txBody>
-                    <a:bodyPr/>
-                    <a:lstStyle/>
-                    <a:p>
-                      <a:endParaRPr lang="en-US"/>
-                    </a:p>
-                  </a:txBody>
-                  <a:tcPr/>
-                </a:tc>
-                <a:tc hMerge="1">
-                  <a:txBody>
-                    <a:bodyPr/>
-                    <a:lstStyle/>
-                    <a:p>
-                      <a:endParaRPr lang="en-US"/>
-                    </a:p>
-                  </a:txBody>
-                  <a:tcPr/>
-                </a:tc>
-                <a:tc hMerge="1">
-                  <a:txBody>
-                    <a:bodyPr/>
-                    <a:lstStyle/>
-                    <a:p>
-                      <a:endParaRPr lang="en-US"/>
-                    </a:p>
-                  </a:txBody>
-                  <a:tcPr/>
-                </a:tc>
-                <a:tc>
-                  <a:txBody>
-                    <a:bodyPr/>
-                    <a:lstStyle/>
-                    <a:p>
-                      <a:pPr marL="0" marR="0" indent="0" algn="l" defTabSz="457200" rtl="0" eaLnBrk="1" fontAlgn="auto" latinLnBrk="0" hangingPunct="1">
-                        <a:lnSpc>
-                          <a:spcPct val="100000"/>
-                        </a:lnSpc>
-                        <a:spcBef>
-                          <a:spcPts val="0"/>
-                        </a:spcBef>
-                        <a:spcAft>
-                          <a:spcPts val="0"/>
-                        </a:spcAft>
-                        <a:buClrTx/>
-                        <a:buSzTx/>
-                        <a:buFontTx/>
-                        <a:buNone/>
-                        <a:tabLst/>
-                        <a:defRPr/>
-                      </a:pPr>
-                      <a:endParaRPr lang="en-US" sz="900" dirty="0" smtClean="0">
-                        <a:latin typeface="HP Simplified" charset="0"/>
-                      </a:endParaRPr>
-                    </a:p>
-                  </a:txBody>
-                  <a:tcPr marR="0" marT="0" marB="0" anchor="ctr">
-                    <a:lnL w="6350" cap="flat" cmpd="sng" algn="ctr">
-                      <a:noFill/>
-                      <a:prstDash val="solid"/>
-                      <a:round/>
-                      <a:headEnd type="none" w="med" len="med"/>
-                      <a:tailEnd type="none" w="med" len="med"/>
-                    </a:lnL>
-                    <a:lnR w="9525" cap="flat" cmpd="sng" algn="ctr">
-                      <a:solidFill>
-                        <a:prstClr val="black"/>
-                      </a:solidFill>
-                      <a:prstDash val="solid"/>
-                      <a:round/>
-                      <a:headEnd type="none" w="med" len="med"/>
-                      <a:tailEnd type="none" w="med" len="med"/>
-                    </a:lnR>
-                    <a:lnT w="9525" cap="flat" cmpd="sng" algn="ctr">
-                      <a:solidFill>
-                        <a:srgbClr val="B9B8BB"/>
-                      </a:solidFill>
-                      <a:prstDash val="sysDash"/>
-                      <a:round/>
-                      <a:headEnd type="none" w="med" len="med"/>
-                      <a:tailEnd type="none" w="med" len="med"/>
-                    </a:lnT>
-                    <a:lnB w="9525" cap="flat" cmpd="sng" algn="ctr">
-                      <a:solidFill>
-                        <a:prstClr val="black"/>
-                      </a:solidFill>
-                      <a:prstDash val="solid"/>
-                      <a:round/>
-                      <a:headEnd type="none" w="med" len="med"/>
-                      <a:tailEnd type="none" w="med" len="med"/>
-                    </a:lnB>
-                    <a:lnTlToBr w="12700" cmpd="sng">
-                      <a:noFill/>
-                      <a:prstDash val="solid"/>
-                    </a:lnTlToBr>
-                    <a:lnBlToTr w="12700" cmpd="sng">
-                      <a:noFill/>
-                      <a:prstDash val="solid"/>
-                    </a:lnBlToTr>
-                    <a:solidFill>
-                      <a:schemeClr val="bg1"/>
-                    </a:solidFill>
-                  </a:tcPr>
+                  <a:tcPr marL="0" marR="0" marT="0" marB="0" anchor="ctr"/>
                 </a:tc>
               </a:tr>
             </a:tbl>
@@ -10756,7 +7655,7 @@
         </p:nvSpPr>
         <p:spPr>
           <a:xfrm>
-            <a:off x="1059204" y="366812"/>
+            <a:off x="154531" y="386267"/>
             <a:ext cx="7628512" cy="307777"/>
           </a:xfrm>
           <a:prstGeom prst="rect">
@@ -10772,7 +7671,7 @@
           <a:p>
             <a:pPr fontAlgn="b"/>
             <a:r>
-              <a:rPr lang="en-SG" sz="1400" dirty="0" smtClean="0">
+              <a:rPr lang="en-SG" sz="1400" dirty="0">
                 <a:solidFill>
                   <a:srgbClr val="000000"/>
                 </a:solidFill>
@@ -10781,31 +7680,13 @@
               <a:t>Purpose : </a:t>
             </a:r>
             <a:r>
-              <a:rPr lang="en-US" sz="1400" dirty="0" smtClean="0">
+              <a:rPr lang="en-US" sz="1400" dirty="0">
                 <a:solidFill>
                   <a:srgbClr val="000000"/>
                 </a:solidFill>
                 <a:latin typeface="HP Simplified" pitchFamily="34" charset="0"/>
               </a:rPr>
-              <a:t>To define rolling </a:t>
-            </a:r>
-            <a:r>
-              <a:rPr lang="en-US" sz="1400" dirty="0">
-                <a:solidFill>
-                  <a:srgbClr val="000000"/>
-                </a:solidFill>
-                <a:latin typeface="HP Simplified" pitchFamily="34" charset="0"/>
-              </a:rPr>
-              <a:t>3</a:t>
-            </a:r>
-            <a:r>
-              <a:rPr lang="en-US" sz="1400" dirty="0" smtClean="0">
-                <a:solidFill>
-                  <a:srgbClr val="000000"/>
-                </a:solidFill>
-                <a:latin typeface="HP Simplified" pitchFamily="34" charset="0"/>
-              </a:rPr>
-              <a:t> month goals, business objectives and key strategic initiatives</a:t>
+              <a:t>To define rolling 3 month goals, business objectives and key strategic initiatives</a:t>
             </a:r>
             <a:endParaRPr lang="en-SG" sz="1400" dirty="0">
               <a:solidFill>
@@ -10816,493 +7697,10 @@
           </a:p>
         </p:txBody>
       </p:sp>
-      <p:sp>
-        <p:nvSpPr>
-          <p:cNvPr id="19" name="Oval 18"/>
-          <p:cNvSpPr/>
-          <p:nvPr/>
-        </p:nvSpPr>
-        <p:spPr>
-          <a:xfrm flipH="1" flipV="1">
-            <a:off x="470377" y="4793355"/>
-            <a:ext cx="158057" cy="158057"/>
-          </a:xfrm>
-          <a:prstGeom prst="ellipse">
-            <a:avLst/>
-          </a:prstGeom>
-          <a:solidFill>
-            <a:schemeClr val="accent2"/>
-          </a:solidFill>
-          <a:ln>
-            <a:noFill/>
-          </a:ln>
-          <a:effectLst/>
-        </p:spPr>
-        <p:style>
-          <a:lnRef idx="1">
-            <a:schemeClr val="accent1"/>
-          </a:lnRef>
-          <a:fillRef idx="3">
-            <a:schemeClr val="accent1"/>
-          </a:fillRef>
-          <a:effectRef idx="2">
-            <a:schemeClr val="accent1"/>
-          </a:effectRef>
-          <a:fontRef idx="minor">
-            <a:schemeClr val="lt1"/>
-          </a:fontRef>
-        </p:style>
-        <p:txBody>
-          <a:bodyPr rtlCol="0" anchor="ctr"/>
-          <a:lstStyle/>
-          <a:p>
-            <a:pPr algn="ctr"/>
-            <a:endParaRPr lang="en-US" dirty="0"/>
-          </a:p>
-        </p:txBody>
-      </p:sp>
-      <p:sp>
-        <p:nvSpPr>
-          <p:cNvPr id="20" name="Oval 19"/>
-          <p:cNvSpPr/>
-          <p:nvPr/>
-        </p:nvSpPr>
-        <p:spPr>
-          <a:xfrm flipH="1" flipV="1">
-            <a:off x="6292979" y="4807632"/>
-            <a:ext cx="158057" cy="158057"/>
-          </a:xfrm>
-          <a:prstGeom prst="ellipse">
-            <a:avLst/>
-          </a:prstGeom>
-          <a:solidFill>
-            <a:srgbClr val="00B050"/>
-          </a:solidFill>
-          <a:ln>
-            <a:noFill/>
-          </a:ln>
-          <a:effectLst/>
-        </p:spPr>
-        <p:style>
-          <a:lnRef idx="1">
-            <a:schemeClr val="accent1"/>
-          </a:lnRef>
-          <a:fillRef idx="3">
-            <a:schemeClr val="accent1"/>
-          </a:fillRef>
-          <a:effectRef idx="2">
-            <a:schemeClr val="accent1"/>
-          </a:effectRef>
-          <a:fontRef idx="minor">
-            <a:schemeClr val="lt1"/>
-          </a:fontRef>
-        </p:style>
-        <p:txBody>
-          <a:bodyPr rtlCol="0" anchor="ctr"/>
-          <a:lstStyle/>
-          <a:p>
-            <a:pPr algn="ctr"/>
-            <a:endParaRPr lang="en-US" dirty="0"/>
-          </a:p>
-        </p:txBody>
-      </p:sp>
-      <p:sp>
-        <p:nvSpPr>
-          <p:cNvPr id="21" name="Oval 20"/>
-          <p:cNvSpPr/>
-          <p:nvPr/>
-        </p:nvSpPr>
-        <p:spPr>
-          <a:xfrm flipH="1" flipV="1">
-            <a:off x="3506470" y="4785121"/>
-            <a:ext cx="158057" cy="158057"/>
-          </a:xfrm>
-          <a:prstGeom prst="ellipse">
-            <a:avLst/>
-          </a:prstGeom>
-          <a:solidFill>
-            <a:srgbClr val="FFFF00"/>
-          </a:solidFill>
-          <a:ln>
-            <a:noFill/>
-          </a:ln>
-          <a:effectLst/>
-        </p:spPr>
-        <p:style>
-          <a:lnRef idx="1">
-            <a:schemeClr val="accent1"/>
-          </a:lnRef>
-          <a:fillRef idx="3">
-            <a:schemeClr val="accent1"/>
-          </a:fillRef>
-          <a:effectRef idx="2">
-            <a:schemeClr val="accent1"/>
-          </a:effectRef>
-          <a:fontRef idx="minor">
-            <a:schemeClr val="lt1"/>
-          </a:fontRef>
-        </p:style>
-        <p:txBody>
-          <a:bodyPr rtlCol="0" anchor="ctr"/>
-          <a:lstStyle/>
-          <a:p>
-            <a:pPr algn="ctr"/>
-            <a:endParaRPr lang="en-US" dirty="0"/>
-          </a:p>
-        </p:txBody>
-      </p:sp>
-      <p:sp>
-        <p:nvSpPr>
-          <p:cNvPr id="2" name="TextBox 1"/>
-          <p:cNvSpPr txBox="1"/>
-          <p:nvPr/>
-        </p:nvSpPr>
-        <p:spPr>
-          <a:xfrm>
-            <a:off x="735806" y="4785265"/>
-            <a:ext cx="992579" cy="215444"/>
-          </a:xfrm>
-          <a:prstGeom prst="rect">
-            <a:avLst/>
-          </a:prstGeom>
-          <a:noFill/>
-        </p:spPr>
-        <p:txBody>
-          <a:bodyPr wrap="none" rtlCol="0">
-            <a:spAutoFit/>
-          </a:bodyPr>
-          <a:lstStyle/>
-          <a:p>
-            <a:pPr marL="0" defTabSz="430213">
-              <a:spcAft>
-                <a:spcPts val="400"/>
-              </a:spcAft>
-              <a:buSzPct val="100000"/>
-            </a:pPr>
-            <a:r>
-              <a:rPr lang="en-US" sz="800" dirty="0" smtClean="0">
-                <a:solidFill>
-                  <a:srgbClr val="000000"/>
-                </a:solidFill>
-                <a:latin typeface="HP Simplified" pitchFamily="34" charset="0"/>
-                <a:cs typeface="HP Simplified" pitchFamily="34" charset="0"/>
-              </a:rPr>
-              <a:t>&lt; 80% of the goal</a:t>
-            </a:r>
-          </a:p>
-        </p:txBody>
-      </p:sp>
-      <p:sp>
-        <p:nvSpPr>
-          <p:cNvPr id="22" name="TextBox 21"/>
-          <p:cNvSpPr txBox="1"/>
-          <p:nvPr/>
-        </p:nvSpPr>
-        <p:spPr>
-          <a:xfrm>
-            <a:off x="6538913" y="4764668"/>
-            <a:ext cx="987771" cy="215444"/>
-          </a:xfrm>
-          <a:prstGeom prst="rect">
-            <a:avLst/>
-          </a:prstGeom>
-          <a:noFill/>
-        </p:spPr>
-        <p:txBody>
-          <a:bodyPr wrap="none" rtlCol="0">
-            <a:spAutoFit/>
-          </a:bodyPr>
-          <a:lstStyle/>
-          <a:p>
-            <a:pPr marL="0" defTabSz="430213">
-              <a:spcAft>
-                <a:spcPts val="400"/>
-              </a:spcAft>
-              <a:buSzPct val="100000"/>
-            </a:pPr>
-            <a:r>
-              <a:rPr lang="en-US" sz="800" dirty="0" smtClean="0">
-                <a:solidFill>
-                  <a:srgbClr val="000000"/>
-                </a:solidFill>
-                <a:latin typeface="HP Simplified" pitchFamily="34" charset="0"/>
-                <a:cs typeface="HP Simplified" pitchFamily="34" charset="0"/>
-              </a:rPr>
-              <a:t>=&gt; 100% of Goal</a:t>
-            </a:r>
-          </a:p>
-        </p:txBody>
-      </p:sp>
-      <p:sp>
-        <p:nvSpPr>
-          <p:cNvPr id="23" name="TextBox 22"/>
-          <p:cNvSpPr txBox="1"/>
-          <p:nvPr/>
-        </p:nvSpPr>
-        <p:spPr>
-          <a:xfrm>
-            <a:off x="3733800" y="4742723"/>
-            <a:ext cx="880369" cy="215444"/>
-          </a:xfrm>
-          <a:prstGeom prst="rect">
-            <a:avLst/>
-          </a:prstGeom>
-          <a:noFill/>
-        </p:spPr>
-        <p:txBody>
-          <a:bodyPr wrap="none" rtlCol="0">
-            <a:spAutoFit/>
-          </a:bodyPr>
-          <a:lstStyle/>
-          <a:p>
-            <a:pPr marL="0" defTabSz="430213">
-              <a:spcAft>
-                <a:spcPts val="400"/>
-              </a:spcAft>
-              <a:buSzPct val="100000"/>
-            </a:pPr>
-            <a:r>
-              <a:rPr lang="en-US" sz="800" dirty="0" smtClean="0">
-                <a:solidFill>
-                  <a:srgbClr val="000000"/>
-                </a:solidFill>
-                <a:latin typeface="HP Simplified" pitchFamily="34" charset="0"/>
-                <a:cs typeface="HP Simplified" pitchFamily="34" charset="0"/>
-              </a:rPr>
-              <a:t>80-99% of goal</a:t>
-            </a:r>
-          </a:p>
-        </p:txBody>
-      </p:sp>
-      <p:sp>
-        <p:nvSpPr>
-          <p:cNvPr id="25" name="Oval 24"/>
-          <p:cNvSpPr/>
-          <p:nvPr/>
-        </p:nvSpPr>
-        <p:spPr>
-          <a:xfrm flipH="1" flipV="1">
-            <a:off x="8060123" y="1594009"/>
-            <a:ext cx="158057" cy="158057"/>
-          </a:xfrm>
-          <a:prstGeom prst="ellipse">
-            <a:avLst/>
-          </a:prstGeom>
-          <a:solidFill>
-            <a:srgbClr val="FFFF00"/>
-          </a:solidFill>
-          <a:ln>
-            <a:noFill/>
-          </a:ln>
-          <a:effectLst/>
-        </p:spPr>
-        <p:style>
-          <a:lnRef idx="1">
-            <a:schemeClr val="accent1"/>
-          </a:lnRef>
-          <a:fillRef idx="3">
-            <a:schemeClr val="accent1"/>
-          </a:fillRef>
-          <a:effectRef idx="2">
-            <a:schemeClr val="accent1"/>
-          </a:effectRef>
-          <a:fontRef idx="minor">
-            <a:schemeClr val="lt1"/>
-          </a:fontRef>
-        </p:style>
-        <p:txBody>
-          <a:bodyPr rtlCol="0" anchor="ctr"/>
-          <a:lstStyle/>
-          <a:p>
-            <a:pPr algn="ctr"/>
-            <a:endParaRPr lang="en-US" dirty="0"/>
-          </a:p>
-        </p:txBody>
-      </p:sp>
-      <p:sp>
-        <p:nvSpPr>
-          <p:cNvPr id="24" name="Oval 23"/>
-          <p:cNvSpPr/>
-          <p:nvPr/>
-        </p:nvSpPr>
-        <p:spPr>
-          <a:xfrm flipH="1" flipV="1">
-            <a:off x="8060122" y="2379427"/>
-            <a:ext cx="158057" cy="158057"/>
-          </a:xfrm>
-          <a:prstGeom prst="ellipse">
-            <a:avLst/>
-          </a:prstGeom>
-          <a:solidFill>
-            <a:srgbClr val="FFFF00"/>
-          </a:solidFill>
-          <a:ln>
-            <a:noFill/>
-          </a:ln>
-          <a:effectLst/>
-        </p:spPr>
-        <p:style>
-          <a:lnRef idx="1">
-            <a:schemeClr val="accent1"/>
-          </a:lnRef>
-          <a:fillRef idx="3">
-            <a:schemeClr val="accent1"/>
-          </a:fillRef>
-          <a:effectRef idx="2">
-            <a:schemeClr val="accent1"/>
-          </a:effectRef>
-          <a:fontRef idx="minor">
-            <a:schemeClr val="lt1"/>
-          </a:fontRef>
-        </p:style>
-        <p:txBody>
-          <a:bodyPr rtlCol="0" anchor="ctr"/>
-          <a:lstStyle/>
-          <a:p>
-            <a:pPr algn="ctr"/>
-            <a:endParaRPr lang="en-US" dirty="0"/>
-          </a:p>
-        </p:txBody>
-      </p:sp>
-      <p:sp>
-        <p:nvSpPr>
-          <p:cNvPr id="26" name="Oval 25"/>
-          <p:cNvSpPr/>
-          <p:nvPr/>
-        </p:nvSpPr>
-        <p:spPr>
-          <a:xfrm flipH="1" flipV="1">
-            <a:off x="8051660" y="4361324"/>
-            <a:ext cx="158057" cy="158057"/>
-          </a:xfrm>
-          <a:prstGeom prst="ellipse">
-            <a:avLst/>
-          </a:prstGeom>
-          <a:solidFill>
-            <a:srgbClr val="FFFF00"/>
-          </a:solidFill>
-          <a:ln>
-            <a:noFill/>
-          </a:ln>
-          <a:effectLst/>
-        </p:spPr>
-        <p:style>
-          <a:lnRef idx="1">
-            <a:schemeClr val="accent1"/>
-          </a:lnRef>
-          <a:fillRef idx="3">
-            <a:schemeClr val="accent1"/>
-          </a:fillRef>
-          <a:effectRef idx="2">
-            <a:schemeClr val="accent1"/>
-          </a:effectRef>
-          <a:fontRef idx="minor">
-            <a:schemeClr val="lt1"/>
-          </a:fontRef>
-        </p:style>
-        <p:txBody>
-          <a:bodyPr rtlCol="0" anchor="ctr"/>
-          <a:lstStyle/>
-          <a:p>
-            <a:pPr algn="ctr"/>
-            <a:endParaRPr lang="en-US" dirty="0"/>
-          </a:p>
-        </p:txBody>
-      </p:sp>
-      <p:sp>
-        <p:nvSpPr>
-          <p:cNvPr id="27" name="Oval 26"/>
-          <p:cNvSpPr/>
-          <p:nvPr/>
-        </p:nvSpPr>
-        <p:spPr>
-          <a:xfrm flipH="1" flipV="1">
-            <a:off x="8060123" y="3091699"/>
-            <a:ext cx="158057" cy="158057"/>
-          </a:xfrm>
-          <a:prstGeom prst="ellipse">
-            <a:avLst/>
-          </a:prstGeom>
-          <a:solidFill>
-            <a:srgbClr val="FFFF00"/>
-          </a:solidFill>
-          <a:ln>
-            <a:noFill/>
-          </a:ln>
-          <a:effectLst/>
-        </p:spPr>
-        <p:style>
-          <a:lnRef idx="1">
-            <a:schemeClr val="accent1"/>
-          </a:lnRef>
-          <a:fillRef idx="3">
-            <a:schemeClr val="accent1"/>
-          </a:fillRef>
-          <a:effectRef idx="2">
-            <a:schemeClr val="accent1"/>
-          </a:effectRef>
-          <a:fontRef idx="minor">
-            <a:schemeClr val="lt1"/>
-          </a:fontRef>
-        </p:style>
-        <p:txBody>
-          <a:bodyPr rtlCol="0" anchor="ctr"/>
-          <a:lstStyle/>
-          <a:p>
-            <a:pPr algn="ctr"/>
-            <a:endParaRPr lang="en-US" dirty="0"/>
-          </a:p>
-        </p:txBody>
-      </p:sp>
-      <p:sp>
-        <p:nvSpPr>
-          <p:cNvPr id="28" name="Oval 27"/>
-          <p:cNvSpPr/>
-          <p:nvPr/>
-        </p:nvSpPr>
-        <p:spPr>
-          <a:xfrm flipH="1" flipV="1">
-            <a:off x="8060123" y="3759915"/>
-            <a:ext cx="158057" cy="158057"/>
-          </a:xfrm>
-          <a:prstGeom prst="ellipse">
-            <a:avLst/>
-          </a:prstGeom>
-          <a:solidFill>
-            <a:srgbClr val="FFFF00"/>
-          </a:solidFill>
-          <a:ln>
-            <a:noFill/>
-          </a:ln>
-          <a:effectLst/>
-        </p:spPr>
-        <p:style>
-          <a:lnRef idx="1">
-            <a:schemeClr val="accent1"/>
-          </a:lnRef>
-          <a:fillRef idx="3">
-            <a:schemeClr val="accent1"/>
-          </a:fillRef>
-          <a:effectRef idx="2">
-            <a:schemeClr val="accent1"/>
-          </a:effectRef>
-          <a:fontRef idx="minor">
-            <a:schemeClr val="lt1"/>
-          </a:fontRef>
-        </p:style>
-        <p:txBody>
-          <a:bodyPr rtlCol="0" anchor="ctr"/>
-          <a:lstStyle/>
-          <a:p>
-            <a:pPr algn="ctr"/>
-            <a:endParaRPr lang="en-US" dirty="0"/>
-          </a:p>
-        </p:txBody>
-      </p:sp>
     </p:spTree>
     <p:extLst>
       <p:ext uri="{BB962C8B-B14F-4D97-AF65-F5344CB8AC3E}">
-        <p14:creationId xmlns:p14="http://schemas.microsoft.com/office/powerpoint/2010/main" xmlns="" val="1121654818"/>
+        <p14:creationId xmlns="" xmlns:p14="http://schemas.microsoft.com/office/powerpoint/2010/main" val="1121654818"/>
       </p:ext>
     </p:extLst>
   </p:cSld>
@@ -11351,7 +7749,7 @@
         </p:nvSpPr>
         <p:spPr>
           <a:xfrm>
-            <a:off x="1391602" y="97105"/>
+            <a:off x="127006" y="9552"/>
             <a:ext cx="6401039" cy="347958"/>
           </a:xfrm>
         </p:spPr>
@@ -11359,10 +7757,17 @@
           <a:bodyPr/>
           <a:lstStyle/>
           <a:p>
-            <a:pPr algn="ctr"/>
             <a:r>
-              <a:rPr lang="en-US" sz="1800" u="sng" dirty="0"/>
-              <a:t>Targeted goals</a:t>
+              <a:rPr lang="en-US" sz="1800" dirty="0" smtClean="0"/>
+              <a:t>Targeted</a:t>
+            </a:r>
+            <a:r>
+              <a:rPr lang="en-US" sz="1800" dirty="0" smtClean="0"/>
+              <a:t> </a:t>
+            </a:r>
+            <a:r>
+              <a:rPr lang="en-US" sz="1800" dirty="0" smtClean="0"/>
+              <a:t>goals</a:t>
             </a:r>
             <a:endParaRPr lang="en-US" sz="1800" dirty="0"/>
           </a:p>
@@ -11377,25 +7782,26 @@
           <p:nvPr>
             <p:extLst>
               <p:ext uri="{D42A27DB-BD31-4B8C-83A1-F6EECF244321}">
-                <p14:modId xmlns:p14="http://schemas.microsoft.com/office/powerpoint/2010/main" xmlns="" val="1391842797"/>
+                <p14:modId xmlns="" xmlns:p14="http://schemas.microsoft.com/office/powerpoint/2010/main" val="1391842797"/>
               </p:ext>
             </p:extLst>
           </p:nvPr>
         </p:nvGraphicFramePr>
         <p:xfrm>
-          <a:off x="1174376" y="606903"/>
-          <a:ext cx="6929718" cy="2364897"/>
+          <a:off x="19456" y="363709"/>
+          <a:ext cx="9085633" cy="709469"/>
         </p:xfrm>
         <a:graphic>
           <a:graphicData uri="http://schemas.openxmlformats.org/drawingml/2006/table">
             <a:tbl>
-              <a:tblPr/>
+              <a:tblPr firstRow="1" bandRow="1">
+                <a:tableStyleId>{5C22544A-7EE6-4342-B048-85BDC9FD1C3A}</a:tableStyleId>
+              </a:tblPr>
               <a:tblGrid>
-                <a:gridCol w="648694"/>
-                <a:gridCol w="938999"/>
-                <a:gridCol w="1654152"/>
-                <a:gridCol w="1432285"/>
-                <a:gridCol w="2255588"/>
+                <a:gridCol w="1838527"/>
+                <a:gridCol w="2276272"/>
+                <a:gridCol w="2217907"/>
+                <a:gridCol w="2752927"/>
               </a:tblGrid>
               <a:tr h="313319">
                 <a:tc>
@@ -11405,141 +7811,9 @@
                     <a:p>
                       <a:pPr algn="ctr" rtl="0" fontAlgn="b"/>
                       <a:r>
-                        <a:rPr lang="en-US" sz="800" b="0" i="0" u="none" strike="noStrike" dirty="0" err="1">
-                          <a:solidFill>
-                            <a:srgbClr val="FFFFFF"/>
-                          </a:solidFill>
-                          <a:latin typeface="Calibri"/>
-                        </a:rPr>
-                        <a:t>S.No</a:t>
-                      </a:r>
-                      <a:r>
-                        <a:rPr lang="en-US" sz="800" b="0" i="0" u="none" strike="noStrike" dirty="0">
-                          <a:solidFill>
-                            <a:srgbClr val="FFFFFF"/>
-                          </a:solidFill>
-                          <a:latin typeface="Calibri"/>
-                        </a:rPr>
-                        <a:t>.</a:t>
-                      </a:r>
-                    </a:p>
-                  </a:txBody>
-                  <a:tcPr marL="5133" marR="5133" marT="6844" marB="0" anchor="b">
-                    <a:lnL w="12700" cap="flat" cmpd="sng" algn="ctr">
-                      <a:solidFill>
-                        <a:srgbClr val="000000"/>
-                      </a:solidFill>
-                      <a:prstDash val="solid"/>
-                      <a:round/>
-                      <a:headEnd type="none" w="med" len="med"/>
-                      <a:tailEnd type="none" w="med" len="med"/>
-                    </a:lnL>
-                    <a:lnR w="6350" cap="flat" cmpd="sng" algn="ctr">
-                      <a:solidFill>
-                        <a:srgbClr val="000000"/>
-                      </a:solidFill>
-                      <a:prstDash val="solid"/>
-                      <a:round/>
-                      <a:headEnd type="none" w="med" len="med"/>
-                      <a:tailEnd type="none" w="med" len="med"/>
-                    </a:lnR>
-                    <a:lnT w="6350" cap="flat" cmpd="sng" algn="ctr">
-                      <a:solidFill>
-                        <a:srgbClr val="000000"/>
-                      </a:solidFill>
-                      <a:prstDash val="solid"/>
-                      <a:round/>
-                      <a:headEnd type="none" w="med" len="med"/>
-                      <a:tailEnd type="none" w="med" len="med"/>
-                    </a:lnT>
-                    <a:lnB w="12700" cap="flat" cmpd="sng" algn="ctr">
-                      <a:solidFill>
-                        <a:srgbClr val="000000"/>
-                      </a:solidFill>
-                      <a:prstDash val="solid"/>
-                      <a:round/>
-                      <a:headEnd type="none" w="med" len="med"/>
-                      <a:tailEnd type="none" w="med" len="med"/>
-                    </a:lnB>
-                    <a:solidFill>
-                      <a:srgbClr val="17375D"/>
-                    </a:solidFill>
-                  </a:tcPr>
-                </a:tc>
-                <a:tc>
-                  <a:txBody>
-                    <a:bodyPr/>
-                    <a:lstStyle/>
-                    <a:p>
-                      <a:pPr algn="ctr" rtl="0" fontAlgn="b"/>
-                      <a:r>
-                        <a:rPr lang="en-US" sz="800" b="0" i="0" u="none" strike="noStrike">
-                          <a:solidFill>
-                            <a:srgbClr val="FFFFFF"/>
-                          </a:solidFill>
-                          <a:latin typeface="Calibri"/>
-                        </a:rPr>
+                        <a:rPr lang="en-US" sz="800" u="none" strike="noStrike" dirty="0"/>
                         <a:t>Goals</a:t>
                       </a:r>
-                    </a:p>
-                  </a:txBody>
-                  <a:tcPr marL="5133" marR="5133" marT="6844" marB="0" anchor="b">
-                    <a:lnL w="6350" cap="flat" cmpd="sng" algn="ctr">
-                      <a:solidFill>
-                        <a:srgbClr val="000000"/>
-                      </a:solidFill>
-                      <a:prstDash val="solid"/>
-                      <a:round/>
-                      <a:headEnd type="none" w="med" len="med"/>
-                      <a:tailEnd type="none" w="med" len="med"/>
-                    </a:lnL>
-                    <a:lnR w="6350" cap="flat" cmpd="sng" algn="ctr">
-                      <a:solidFill>
-                        <a:srgbClr val="000000"/>
-                      </a:solidFill>
-                      <a:prstDash val="solid"/>
-                      <a:round/>
-                      <a:headEnd type="none" w="med" len="med"/>
-                      <a:tailEnd type="none" w="med" len="med"/>
-                    </a:lnR>
-                    <a:lnT w="6350" cap="flat" cmpd="sng" algn="ctr">
-                      <a:solidFill>
-                        <a:srgbClr val="000000"/>
-                      </a:solidFill>
-                      <a:prstDash val="solid"/>
-                      <a:round/>
-                      <a:headEnd type="none" w="med" len="med"/>
-                      <a:tailEnd type="none" w="med" len="med"/>
-                    </a:lnT>
-                    <a:lnB w="12700" cap="flat" cmpd="sng" algn="ctr">
-                      <a:solidFill>
-                        <a:srgbClr val="000000"/>
-                      </a:solidFill>
-                      <a:prstDash val="solid"/>
-                      <a:round/>
-                      <a:headEnd type="none" w="med" len="med"/>
-                      <a:tailEnd type="none" w="med" len="med"/>
-                    </a:lnB>
-                    <a:solidFill>
-                      <a:srgbClr val="17375D"/>
-                    </a:solidFill>
-                  </a:tcPr>
-                </a:tc>
-                <a:tc>
-                  <a:txBody>
-                    <a:bodyPr/>
-                    <a:lstStyle/>
-                    <a:p>
-                      <a:pPr algn="ctr" rtl="0" fontAlgn="b"/>
-                      <a:r>
-                        <a:rPr lang="en-US" sz="800" b="0" i="0" u="none" strike="noStrike" dirty="0" smtClean="0">
-                          <a:solidFill>
-                            <a:srgbClr val="FFFFFF"/>
-                          </a:solidFill>
-                          <a:latin typeface="Calibri"/>
-                        </a:rPr>
-                        <a:t>Q1’15 Plan</a:t>
-                      </a:r>
                       <a:endParaRPr lang="en-US" sz="800" b="0" i="0" u="none" strike="noStrike" dirty="0">
                         <a:solidFill>
                           <a:srgbClr val="FFFFFF"/>
@@ -11548,71 +7822,25 @@
                       </a:endParaRPr>
                     </a:p>
                   </a:txBody>
-                  <a:tcPr marL="5133" marR="5133" marT="6844" marB="0" anchor="b">
-                    <a:lnL w="6350" cap="flat" cmpd="sng" algn="ctr">
-                      <a:solidFill>
-                        <a:srgbClr val="000000"/>
-                      </a:solidFill>
-                      <a:prstDash val="solid"/>
-                      <a:round/>
-                      <a:headEnd type="none" w="med" len="med"/>
-                      <a:tailEnd type="none" w="med" len="med"/>
-                    </a:lnL>
-                    <a:lnR w="6350" cap="flat" cmpd="sng" algn="ctr">
-                      <a:solidFill>
-                        <a:srgbClr val="000000"/>
-                      </a:solidFill>
-                      <a:prstDash val="solid"/>
-                      <a:round/>
-                      <a:headEnd type="none" w="med" len="med"/>
-                      <a:tailEnd type="none" w="med" len="med"/>
-                    </a:lnR>
-                    <a:lnT w="6350" cap="flat" cmpd="sng" algn="ctr">
-                      <a:solidFill>
-                        <a:srgbClr val="000000"/>
-                      </a:solidFill>
-                      <a:prstDash val="solid"/>
-                      <a:round/>
-                      <a:headEnd type="none" w="med" len="med"/>
-                      <a:tailEnd type="none" w="med" len="med"/>
-                    </a:lnT>
-                    <a:lnB w="12700" cap="flat" cmpd="sng" algn="ctr">
-                      <a:solidFill>
-                        <a:srgbClr val="000000"/>
-                      </a:solidFill>
-                      <a:prstDash val="solid"/>
-                      <a:round/>
-                      <a:headEnd type="none" w="med" len="med"/>
-                      <a:tailEnd type="none" w="med" len="med"/>
-                    </a:lnB>
-                    <a:solidFill>
-                      <a:srgbClr val="17375D"/>
-                    </a:solidFill>
-                  </a:tcPr>
-                </a:tc>
-                <a:tc>
-                  <a:txBody>
-                    <a:bodyPr/>
-                    <a:lstStyle/>
-                    <a:p>
-                      <a:pPr algn="ctr" rtl="0" fontAlgn="b"/>
-                      <a:r>
-                        <a:rPr lang="en-US" sz="800" b="0" i="0" u="none" strike="noStrike" dirty="0">
-                          <a:solidFill>
-                            <a:srgbClr val="FFFFFF"/>
-                          </a:solidFill>
-                          <a:latin typeface="Calibri"/>
-                        </a:rPr>
-                        <a:t>Where we are in </a:t>
-                      </a:r>
-                      <a:r>
-                        <a:rPr lang="en-US" sz="800" b="0" i="0" u="none" strike="noStrike" dirty="0" smtClean="0">
-                          <a:solidFill>
-                            <a:srgbClr val="FFFFFF"/>
-                          </a:solidFill>
-                          <a:latin typeface="Calibri"/>
-                        </a:rPr>
-                        <a:t>Q1’15</a:t>
+                  <a:tcPr marL="0" marR="0" marT="0" marB="0" anchor="ctr"/>
+                </a:tc>
+                <a:tc>
+                  <a:txBody>
+                    <a:bodyPr/>
+                    <a:lstStyle/>
+                    <a:p>
+                      <a:pPr algn="ctr" rtl="0" fontAlgn="b"/>
+                      <a:r>
+                        <a:rPr lang="en-US" sz="800" u="none" strike="noStrike" dirty="0" err="1" smtClean="0"/>
+                        <a:t>varQuarter</a:t>
+                      </a:r>
+                      <a:r>
+                        <a:rPr lang="en-US" sz="800" u="none" strike="noStrike" baseline="0" dirty="0" smtClean="0"/>
+                        <a:t> </a:t>
+                      </a:r>
+                      <a:r>
+                        <a:rPr lang="en-US" sz="800" u="none" strike="noStrike" dirty="0" smtClean="0"/>
+                        <a:t>Plan</a:t>
                       </a:r>
                       <a:endParaRPr lang="en-US" sz="800" b="0" i="0" u="none" strike="noStrike" dirty="0">
                         <a:solidFill>
@@ -11622,71 +7850,21 @@
                       </a:endParaRPr>
                     </a:p>
                   </a:txBody>
-                  <a:tcPr marL="5133" marR="5133" marT="6844" marB="0" anchor="b">
-                    <a:lnL w="6350" cap="flat" cmpd="sng" algn="ctr">
-                      <a:solidFill>
-                        <a:srgbClr val="000000"/>
-                      </a:solidFill>
-                      <a:prstDash val="solid"/>
-                      <a:round/>
-                      <a:headEnd type="none" w="med" len="med"/>
-                      <a:tailEnd type="none" w="med" len="med"/>
-                    </a:lnL>
-                    <a:lnR w="6350" cap="flat" cmpd="sng" algn="ctr">
-                      <a:solidFill>
-                        <a:srgbClr val="000000"/>
-                      </a:solidFill>
-                      <a:prstDash val="solid"/>
-                      <a:round/>
-                      <a:headEnd type="none" w="med" len="med"/>
-                      <a:tailEnd type="none" w="med" len="med"/>
-                    </a:lnR>
-                    <a:lnT w="6350" cap="flat" cmpd="sng" algn="ctr">
-                      <a:solidFill>
-                        <a:srgbClr val="000000"/>
-                      </a:solidFill>
-                      <a:prstDash val="solid"/>
-                      <a:round/>
-                      <a:headEnd type="none" w="med" len="med"/>
-                      <a:tailEnd type="none" w="med" len="med"/>
-                    </a:lnT>
-                    <a:lnB w="12700" cap="flat" cmpd="sng" algn="ctr">
-                      <a:solidFill>
-                        <a:srgbClr val="000000"/>
-                      </a:solidFill>
-                      <a:prstDash val="solid"/>
-                      <a:round/>
-                      <a:headEnd type="none" w="med" len="med"/>
-                      <a:tailEnd type="none" w="med" len="med"/>
-                    </a:lnB>
-                    <a:solidFill>
-                      <a:srgbClr val="17375D"/>
-                    </a:solidFill>
-                  </a:tcPr>
-                </a:tc>
-                <a:tc>
-                  <a:txBody>
-                    <a:bodyPr/>
-                    <a:lstStyle/>
-                    <a:p>
-                      <a:pPr algn="ctr" rtl="0" fontAlgn="b"/>
-                      <a:r>
-                        <a:rPr lang="en-US" sz="800" b="0" i="0" u="none" strike="noStrike" dirty="0">
-                          <a:solidFill>
-                            <a:srgbClr val="FFFFFF"/>
-                          </a:solidFill>
-                          <a:latin typeface="Calibri"/>
-                        </a:rPr>
-                        <a:t>Where we want to be in </a:t>
-                      </a:r>
-                      <a:r>
-                        <a:rPr lang="en-US" sz="800" b="0" i="0" u="none" strike="noStrike" dirty="0" smtClean="0">
-                          <a:solidFill>
-                            <a:srgbClr val="FFFFFF"/>
-                          </a:solidFill>
-                          <a:latin typeface="Calibri"/>
-                        </a:rPr>
-                        <a:t>Q2'15</a:t>
+                  <a:tcPr marL="0" marR="0" marT="0" marB="0" anchor="ctr"/>
+                </a:tc>
+                <a:tc>
+                  <a:txBody>
+                    <a:bodyPr/>
+                    <a:lstStyle/>
+                    <a:p>
+                      <a:pPr algn="ctr" rtl="0" fontAlgn="b"/>
+                      <a:r>
+                        <a:rPr lang="en-US" sz="800" u="none" strike="noStrike" dirty="0"/>
+                        <a:t>Where we </a:t>
+                      </a:r>
+                      <a:r>
+                        <a:rPr lang="en-US" sz="800" u="none" strike="noStrike" dirty="0" smtClean="0"/>
+                        <a:t>were</a:t>
                       </a:r>
                       <a:endParaRPr lang="en-US" sz="800" b="0" i="0" u="none" strike="noStrike" dirty="0">
                         <a:solidFill>
@@ -11696,47 +7874,35 @@
                       </a:endParaRPr>
                     </a:p>
                   </a:txBody>
-                  <a:tcPr marL="5133" marR="5133" marT="6844" marB="0" anchor="b">
-                    <a:lnL w="6350" cap="flat" cmpd="sng" algn="ctr">
-                      <a:solidFill>
-                        <a:srgbClr val="000000"/>
-                      </a:solidFill>
-                      <a:prstDash val="solid"/>
-                      <a:round/>
-                      <a:headEnd type="none" w="med" len="med"/>
-                      <a:tailEnd type="none" w="med" len="med"/>
-                    </a:lnL>
-                    <a:lnR w="6350" cap="flat" cmpd="sng" algn="ctr">
-                      <a:solidFill>
-                        <a:srgbClr val="000000"/>
-                      </a:solidFill>
-                      <a:prstDash val="solid"/>
-                      <a:round/>
-                      <a:headEnd type="none" w="med" len="med"/>
-                      <a:tailEnd type="none" w="med" len="med"/>
-                    </a:lnR>
-                    <a:lnT w="6350" cap="flat" cmpd="sng" algn="ctr">
-                      <a:solidFill>
-                        <a:srgbClr val="000000"/>
-                      </a:solidFill>
-                      <a:prstDash val="solid"/>
-                      <a:round/>
-                      <a:headEnd type="none" w="med" len="med"/>
-                      <a:tailEnd type="none" w="med" len="med"/>
-                    </a:lnT>
-                    <a:lnB w="12700" cap="flat" cmpd="sng" algn="ctr">
-                      <a:solidFill>
-                        <a:srgbClr val="000000"/>
-                      </a:solidFill>
-                      <a:prstDash val="solid"/>
-                      <a:round/>
-                      <a:headEnd type="none" w="med" len="med"/>
-                      <a:tailEnd type="none" w="med" len="med"/>
-                    </a:lnB>
-                    <a:solidFill>
-                      <a:srgbClr val="17375D"/>
-                    </a:solidFill>
-                  </a:tcPr>
+                  <a:tcPr marL="0" marR="0" marT="0" marB="0" anchor="ctr"/>
+                </a:tc>
+                <a:tc>
+                  <a:txBody>
+                    <a:bodyPr/>
+                    <a:lstStyle/>
+                    <a:p>
+                      <a:pPr algn="ctr" rtl="0" fontAlgn="b"/>
+                      <a:r>
+                        <a:rPr lang="en-US" sz="800" u="none" strike="noStrike" dirty="0"/>
+                        <a:t>Where we want to </a:t>
+                      </a:r>
+                      <a:r>
+                        <a:rPr lang="en-US" sz="800" u="none" strike="noStrike" dirty="0" smtClean="0"/>
+                        <a:t>be in </a:t>
+                      </a:r>
+                      <a:r>
+                        <a:rPr lang="en-US" sz="800" u="none" strike="noStrike" dirty="0" err="1" smtClean="0"/>
+                        <a:t>varQuarter</a:t>
+                      </a:r>
+                      <a:endParaRPr lang="en-US" sz="800" b="0" i="0" u="none" strike="noStrike" dirty="0">
+                        <a:solidFill>
+                          <a:srgbClr val="FFFFFF"/>
+                        </a:solidFill>
+                        <a:latin typeface="Calibri"/>
+                      </a:endParaRPr>
+                    </a:p>
+                  </a:txBody>
+                  <a:tcPr marL="0" marR="0" marT="0" marB="0" anchor="ctr"/>
                 </a:tc>
               </a:tr>
               <a:tr h="396150">
@@ -11747,13 +7913,13 @@
                     <a:p>
                       <a:pPr algn="ctr" rtl="0" fontAlgn="ctr"/>
                       <a:r>
-                        <a:rPr lang="en-US" sz="800" b="0" i="0" u="none" strike="noStrike" dirty="0" smtClean="0">
+                        <a:rPr lang="en-US" sz="800" b="0" i="0" u="none" strike="noStrike" dirty="0" err="1" smtClean="0">
                           <a:solidFill>
-                            <a:srgbClr val="000000"/>
+                            <a:schemeClr val="dk1"/>
                           </a:solidFill>
-                          <a:latin typeface="Calibri"/>
-                        </a:rPr>
-                        <a:t>1</a:t>
+                          <a:latin typeface="+mn-lt"/>
+                        </a:rPr>
+                        <a:t>varGoal</a:t>
                       </a:r>
                       <a:endParaRPr lang="en-US" sz="800" b="0" i="0" u="none" strike="noStrike" dirty="0">
                         <a:solidFill>
@@ -11763,44 +7929,7 @@
                       </a:endParaRPr>
                     </a:p>
                   </a:txBody>
-                  <a:tcPr marL="5133" marR="5133" marT="6844" marB="0" anchor="ctr">
-                    <a:lnL w="12700" cap="flat" cmpd="sng" algn="ctr">
-                      <a:solidFill>
-                        <a:srgbClr val="000000"/>
-                      </a:solidFill>
-                      <a:prstDash val="solid"/>
-                      <a:round/>
-                      <a:headEnd type="none" w="med" len="med"/>
-                      <a:tailEnd type="none" w="med" len="med"/>
-                    </a:lnL>
-                    <a:lnR w="6350" cap="flat" cmpd="sng" algn="ctr">
-                      <a:solidFill>
-                        <a:srgbClr val="000000"/>
-                      </a:solidFill>
-                      <a:prstDash val="solid"/>
-                      <a:round/>
-                      <a:headEnd type="none" w="med" len="med"/>
-                      <a:tailEnd type="none" w="med" len="med"/>
-                    </a:lnR>
-                    <a:lnT w="12700" cap="flat" cmpd="sng" algn="ctr">
-                      <a:solidFill>
-                        <a:srgbClr val="000000"/>
-                      </a:solidFill>
-                      <a:prstDash val="solid"/>
-                      <a:round/>
-                      <a:headEnd type="none" w="med" len="med"/>
-                      <a:tailEnd type="none" w="med" len="med"/>
-                    </a:lnT>
-                    <a:lnB w="12700" cap="flat" cmpd="sng" algn="ctr">
-                      <a:solidFill>
-                        <a:srgbClr val="000000"/>
-                      </a:solidFill>
-                      <a:prstDash val="solid"/>
-                      <a:round/>
-                      <a:headEnd type="none" w="med" len="med"/>
-                      <a:tailEnd type="none" w="med" len="med"/>
-                    </a:lnB>
-                  </a:tcPr>
+                  <a:tcPr marL="0" marR="0" marT="0" marB="0" anchor="ctr"/>
                 </a:tc>
                 <a:tc>
                   <a:txBody>
@@ -11809,13 +7938,13 @@
                     <a:p>
                       <a:pPr algn="ctr" rtl="0" fontAlgn="ctr"/>
                       <a:r>
-                        <a:rPr lang="en-US" sz="800" b="0" i="0" u="none" strike="noStrike" dirty="0" smtClean="0">
+                        <a:rPr lang="en-US" sz="800" b="0" i="0" u="none" strike="noStrike" dirty="0" err="1" smtClean="0">
                           <a:solidFill>
-                            <a:srgbClr val="000000"/>
+                            <a:schemeClr val="dk1"/>
                           </a:solidFill>
-                          <a:latin typeface="Calibri"/>
-                        </a:rPr>
-                        <a:t>Star Mix</a:t>
+                          <a:latin typeface="+mn-lt"/>
+                        </a:rPr>
+                        <a:t>varPlan</a:t>
                       </a:r>
                       <a:endParaRPr lang="en-US" sz="800" b="0" i="0" u="none" strike="noStrike" dirty="0">
                         <a:solidFill>
@@ -11825,44 +7954,7 @@
                       </a:endParaRPr>
                     </a:p>
                   </a:txBody>
-                  <a:tcPr marL="5133" marR="5133" marT="6844" marB="0" anchor="ctr">
-                    <a:lnL w="6350" cap="flat" cmpd="sng" algn="ctr">
-                      <a:solidFill>
-                        <a:srgbClr val="000000"/>
-                      </a:solidFill>
-                      <a:prstDash val="solid"/>
-                      <a:round/>
-                      <a:headEnd type="none" w="med" len="med"/>
-                      <a:tailEnd type="none" w="med" len="med"/>
-                    </a:lnL>
-                    <a:lnR w="6350" cap="flat" cmpd="sng" algn="ctr">
-                      <a:solidFill>
-                        <a:srgbClr val="000000"/>
-                      </a:solidFill>
-                      <a:prstDash val="solid"/>
-                      <a:round/>
-                      <a:headEnd type="none" w="med" len="med"/>
-                      <a:tailEnd type="none" w="med" len="med"/>
-                    </a:lnR>
-                    <a:lnT w="12700" cap="flat" cmpd="sng" algn="ctr">
-                      <a:solidFill>
-                        <a:srgbClr val="000000"/>
-                      </a:solidFill>
-                      <a:prstDash val="solid"/>
-                      <a:round/>
-                      <a:headEnd type="none" w="med" len="med"/>
-                      <a:tailEnd type="none" w="med" len="med"/>
-                    </a:lnT>
-                    <a:lnB w="12700" cap="flat" cmpd="sng" algn="ctr">
-                      <a:solidFill>
-                        <a:srgbClr val="000000"/>
-                      </a:solidFill>
-                      <a:prstDash val="solid"/>
-                      <a:round/>
-                      <a:headEnd type="none" w="med" len="med"/>
-                      <a:tailEnd type="none" w="med" len="med"/>
-                    </a:lnB>
-                  </a:tcPr>
+                  <a:tcPr marL="0" marR="0" marT="0" marB="0" anchor="ctr"/>
                 </a:tc>
                 <a:tc>
                   <a:txBody>
@@ -11871,13 +7963,13 @@
                     <a:p>
                       <a:pPr algn="ctr" rtl="0" fontAlgn="ctr"/>
                       <a:r>
-                        <a:rPr lang="en-US" sz="800" b="0" i="0" u="none" strike="noStrike" dirty="0" smtClean="0">
+                        <a:rPr lang="en-US" sz="800" b="0" i="0" u="none" strike="noStrike" dirty="0" err="1" smtClean="0">
                           <a:solidFill>
-                            <a:srgbClr val="000000"/>
+                            <a:schemeClr val="dk1"/>
                           </a:solidFill>
-                          <a:latin typeface="Calibri"/>
-                        </a:rPr>
-                        <a:t>&gt;=30%</a:t>
+                          <a:latin typeface="+mn-lt"/>
+                        </a:rPr>
+                        <a:t>varPrevious</a:t>
                       </a:r>
                       <a:endParaRPr lang="en-US" sz="800" b="0" i="0" u="none" strike="noStrike" dirty="0">
                         <a:solidFill>
@@ -11887,44 +7979,7 @@
                       </a:endParaRPr>
                     </a:p>
                   </a:txBody>
-                  <a:tcPr marL="5133" marR="5133" marT="6844" marB="0" anchor="ctr">
-                    <a:lnL w="6350" cap="flat" cmpd="sng" algn="ctr">
-                      <a:solidFill>
-                        <a:srgbClr val="000000"/>
-                      </a:solidFill>
-                      <a:prstDash val="solid"/>
-                      <a:round/>
-                      <a:headEnd type="none" w="med" len="med"/>
-                      <a:tailEnd type="none" w="med" len="med"/>
-                    </a:lnL>
-                    <a:lnR w="6350" cap="flat" cmpd="sng" algn="ctr">
-                      <a:solidFill>
-                        <a:srgbClr val="000000"/>
-                      </a:solidFill>
-                      <a:prstDash val="solid"/>
-                      <a:round/>
-                      <a:headEnd type="none" w="med" len="med"/>
-                      <a:tailEnd type="none" w="med" len="med"/>
-                    </a:lnR>
-                    <a:lnT w="12700" cap="flat" cmpd="sng" algn="ctr">
-                      <a:solidFill>
-                        <a:srgbClr val="000000"/>
-                      </a:solidFill>
-                      <a:prstDash val="solid"/>
-                      <a:round/>
-                      <a:headEnd type="none" w="med" len="med"/>
-                      <a:tailEnd type="none" w="med" len="med"/>
-                    </a:lnT>
-                    <a:lnB w="12700" cap="flat" cmpd="sng" algn="ctr">
-                      <a:solidFill>
-                        <a:srgbClr val="000000"/>
-                      </a:solidFill>
-                      <a:prstDash val="solid"/>
-                      <a:round/>
-                      <a:headEnd type="none" w="med" len="med"/>
-                      <a:tailEnd type="none" w="med" len="med"/>
-                    </a:lnB>
-                  </a:tcPr>
+                  <a:tcPr marL="0" marR="0" marT="0" marB="0" anchor="ctr"/>
                 </a:tc>
                 <a:tc>
                   <a:txBody>
@@ -11933,13 +7988,13 @@
                     <a:p>
                       <a:pPr algn="ctr" rtl="0" fontAlgn="ctr"/>
                       <a:r>
-                        <a:rPr lang="en-US" sz="800" b="0" i="0" u="none" strike="noStrike" dirty="0" smtClean="0">
+                        <a:rPr lang="en-US" sz="800" b="0" i="0" u="none" strike="noStrike" dirty="0" err="1" smtClean="0">
                           <a:solidFill>
-                            <a:srgbClr val="000000"/>
+                            <a:schemeClr val="dk1"/>
                           </a:solidFill>
-                          <a:latin typeface="Calibri"/>
-                        </a:rPr>
-                        <a:t>28%</a:t>
+                          <a:latin typeface="+mn-lt"/>
+                        </a:rPr>
+                        <a:t>varWantToBe</a:t>
                       </a:r>
                       <a:endParaRPr lang="en-US" sz="800" b="0" i="0" u="none" strike="noStrike" dirty="0">
                         <a:solidFill>
@@ -11949,1084 +8004,7 @@
                       </a:endParaRPr>
                     </a:p>
                   </a:txBody>
-                  <a:tcPr marL="5133" marR="5133" marT="6844" marB="0" anchor="ctr">
-                    <a:lnL w="6350" cap="flat" cmpd="sng" algn="ctr">
-                      <a:solidFill>
-                        <a:srgbClr val="000000"/>
-                      </a:solidFill>
-                      <a:prstDash val="solid"/>
-                      <a:round/>
-                      <a:headEnd type="none" w="med" len="med"/>
-                      <a:tailEnd type="none" w="med" len="med"/>
-                    </a:lnL>
-                    <a:lnR w="6350" cap="flat" cmpd="sng" algn="ctr">
-                      <a:solidFill>
-                        <a:srgbClr val="000000"/>
-                      </a:solidFill>
-                      <a:prstDash val="solid"/>
-                      <a:round/>
-                      <a:headEnd type="none" w="med" len="med"/>
-                      <a:tailEnd type="none" w="med" len="med"/>
-                    </a:lnR>
-                    <a:lnT w="12700" cap="flat" cmpd="sng" algn="ctr">
-                      <a:solidFill>
-                        <a:srgbClr val="000000"/>
-                      </a:solidFill>
-                      <a:prstDash val="solid"/>
-                      <a:round/>
-                      <a:headEnd type="none" w="med" len="med"/>
-                      <a:tailEnd type="none" w="med" len="med"/>
-                    </a:lnT>
-                    <a:lnB w="12700" cap="flat" cmpd="sng" algn="ctr">
-                      <a:solidFill>
-                        <a:srgbClr val="000000"/>
-                      </a:solidFill>
-                      <a:prstDash val="solid"/>
-                      <a:round/>
-                      <a:headEnd type="none" w="med" len="med"/>
-                      <a:tailEnd type="none" w="med" len="med"/>
-                    </a:lnB>
-                  </a:tcPr>
-                </a:tc>
-                <a:tc>
-                  <a:txBody>
-                    <a:bodyPr/>
-                    <a:lstStyle/>
-                    <a:p>
-                      <a:pPr algn="ctr" rtl="0" fontAlgn="ctr"/>
-                      <a:r>
-                        <a:rPr lang="en-US" sz="800" b="0" i="0" u="none" strike="noStrike" dirty="0" smtClean="0">
-                          <a:solidFill>
-                            <a:srgbClr val="000000"/>
-                          </a:solidFill>
-                          <a:latin typeface="Calibri"/>
-                        </a:rPr>
-                        <a:t>&gt;30%</a:t>
-                      </a:r>
-                      <a:endParaRPr lang="en-US" sz="800" b="0" i="0" u="none" strike="noStrike" dirty="0">
-                        <a:solidFill>
-                          <a:srgbClr val="000000"/>
-                        </a:solidFill>
-                        <a:latin typeface="Calibri"/>
-                      </a:endParaRPr>
-                    </a:p>
-                  </a:txBody>
-                  <a:tcPr marL="5133" marR="5133" marT="6844" marB="0" anchor="ctr">
-                    <a:lnL w="6350" cap="flat" cmpd="sng" algn="ctr">
-                      <a:solidFill>
-                        <a:srgbClr val="000000"/>
-                      </a:solidFill>
-                      <a:prstDash val="solid"/>
-                      <a:round/>
-                      <a:headEnd type="none" w="med" len="med"/>
-                      <a:tailEnd type="none" w="med" len="med"/>
-                    </a:lnL>
-                    <a:lnR w="6350" cap="flat" cmpd="sng" algn="ctr">
-                      <a:solidFill>
-                        <a:srgbClr val="000000"/>
-                      </a:solidFill>
-                      <a:prstDash val="solid"/>
-                      <a:round/>
-                      <a:headEnd type="none" w="med" len="med"/>
-                      <a:tailEnd type="none" w="med" len="med"/>
-                    </a:lnR>
-                    <a:lnT w="12700" cap="flat" cmpd="sng" algn="ctr">
-                      <a:solidFill>
-                        <a:srgbClr val="000000"/>
-                      </a:solidFill>
-                      <a:prstDash val="solid"/>
-                      <a:round/>
-                      <a:headEnd type="none" w="med" len="med"/>
-                      <a:tailEnd type="none" w="med" len="med"/>
-                    </a:lnT>
-                    <a:lnB w="12700" cap="flat" cmpd="sng" algn="ctr">
-                      <a:solidFill>
-                        <a:srgbClr val="000000"/>
-                      </a:solidFill>
-                      <a:prstDash val="solid"/>
-                      <a:round/>
-                      <a:headEnd type="none" w="med" len="med"/>
-                      <a:tailEnd type="none" w="med" len="med"/>
-                    </a:lnB>
-                  </a:tcPr>
-                </a:tc>
-              </a:tr>
-              <a:tr h="466978">
-                <a:tc>
-                  <a:txBody>
-                    <a:bodyPr/>
-                    <a:lstStyle/>
-                    <a:p>
-                      <a:pPr algn="ctr" rtl="0" fontAlgn="ctr"/>
-                      <a:r>
-                        <a:rPr lang="en-US" sz="800" b="0" i="0" u="none" strike="noStrike" dirty="0">
-                          <a:solidFill>
-                            <a:srgbClr val="000000"/>
-                          </a:solidFill>
-                          <a:latin typeface="Calibri"/>
-                        </a:rPr>
-                        <a:t>2</a:t>
-                      </a:r>
-                    </a:p>
-                  </a:txBody>
-                  <a:tcPr marL="5133" marR="5133" marT="6844" marB="0" anchor="ctr">
-                    <a:lnL w="12700" cap="flat" cmpd="sng" algn="ctr">
-                      <a:solidFill>
-                        <a:srgbClr val="000000"/>
-                      </a:solidFill>
-                      <a:prstDash val="solid"/>
-                      <a:round/>
-                      <a:headEnd type="none" w="med" len="med"/>
-                      <a:tailEnd type="none" w="med" len="med"/>
-                    </a:lnL>
-                    <a:lnR w="6350" cap="flat" cmpd="sng" algn="ctr">
-                      <a:solidFill>
-                        <a:srgbClr val="000000"/>
-                      </a:solidFill>
-                      <a:prstDash val="solid"/>
-                      <a:round/>
-                      <a:headEnd type="none" w="med" len="med"/>
-                      <a:tailEnd type="none" w="med" len="med"/>
-                    </a:lnR>
-                    <a:lnT w="12700" cap="flat" cmpd="sng" algn="ctr">
-                      <a:solidFill>
-                        <a:srgbClr val="000000"/>
-                      </a:solidFill>
-                      <a:prstDash val="solid"/>
-                      <a:round/>
-                      <a:headEnd type="none" w="med" len="med"/>
-                      <a:tailEnd type="none" w="med" len="med"/>
-                    </a:lnT>
-                    <a:lnB w="12700" cap="flat" cmpd="sng" algn="ctr">
-                      <a:solidFill>
-                        <a:srgbClr val="000000"/>
-                      </a:solidFill>
-                      <a:prstDash val="solid"/>
-                      <a:round/>
-                      <a:headEnd type="none" w="med" len="med"/>
-                      <a:tailEnd type="none" w="med" len="med"/>
-                    </a:lnB>
-                  </a:tcPr>
-                </a:tc>
-                <a:tc>
-                  <a:txBody>
-                    <a:bodyPr/>
-                    <a:lstStyle/>
-                    <a:p>
-                      <a:pPr algn="ctr" rtl="0" fontAlgn="ctr"/>
-                      <a:r>
-                        <a:rPr lang="en-US" sz="800" b="0" i="0" u="none" strike="noStrike" dirty="0" smtClean="0">
-                          <a:solidFill>
-                            <a:srgbClr val="000000"/>
-                          </a:solidFill>
-                          <a:latin typeface="Calibri"/>
-                        </a:rPr>
-                        <a:t>TAB</a:t>
-                      </a:r>
-                      <a:endParaRPr lang="en-US" sz="800" b="0" i="0" u="none" strike="noStrike" dirty="0">
-                        <a:solidFill>
-                          <a:srgbClr val="000000"/>
-                        </a:solidFill>
-                        <a:latin typeface="Calibri"/>
-                      </a:endParaRPr>
-                    </a:p>
-                  </a:txBody>
-                  <a:tcPr marL="5133" marR="5133" marT="6844" marB="0" anchor="ctr">
-                    <a:lnL w="6350" cap="flat" cmpd="sng" algn="ctr">
-                      <a:solidFill>
-                        <a:srgbClr val="000000"/>
-                      </a:solidFill>
-                      <a:prstDash val="solid"/>
-                      <a:round/>
-                      <a:headEnd type="none" w="med" len="med"/>
-                      <a:tailEnd type="none" w="med" len="med"/>
-                    </a:lnL>
-                    <a:lnR w="6350" cap="flat" cmpd="sng" algn="ctr">
-                      <a:solidFill>
-                        <a:srgbClr val="000000"/>
-                      </a:solidFill>
-                      <a:prstDash val="solid"/>
-                      <a:round/>
-                      <a:headEnd type="none" w="med" len="med"/>
-                      <a:tailEnd type="none" w="med" len="med"/>
-                    </a:lnR>
-                    <a:lnT w="12700" cap="flat" cmpd="sng" algn="ctr">
-                      <a:solidFill>
-                        <a:srgbClr val="000000"/>
-                      </a:solidFill>
-                      <a:prstDash val="solid"/>
-                      <a:round/>
-                      <a:headEnd type="none" w="med" len="med"/>
-                      <a:tailEnd type="none" w="med" len="med"/>
-                    </a:lnT>
-                    <a:lnB w="12700" cap="flat" cmpd="sng" algn="ctr">
-                      <a:solidFill>
-                        <a:srgbClr val="000000"/>
-                      </a:solidFill>
-                      <a:prstDash val="solid"/>
-                      <a:round/>
-                      <a:headEnd type="none" w="med" len="med"/>
-                      <a:tailEnd type="none" w="med" len="med"/>
-                    </a:lnB>
-                  </a:tcPr>
-                </a:tc>
-                <a:tc>
-                  <a:txBody>
-                    <a:bodyPr/>
-                    <a:lstStyle/>
-                    <a:p>
-                      <a:pPr algn="ctr" rtl="0" fontAlgn="ctr"/>
-                      <a:r>
-                        <a:rPr lang="en-US" sz="800" b="0" i="0" u="none" strike="noStrike" dirty="0" smtClean="0">
-                          <a:solidFill>
-                            <a:srgbClr val="000000"/>
-                          </a:solidFill>
-                          <a:latin typeface="Calibri"/>
-                        </a:rPr>
-                        <a:t>75</a:t>
-                      </a:r>
-                      <a:r>
-                        <a:rPr lang="en-US" sz="800" b="0" i="0" u="none" strike="noStrike" baseline="0" dirty="0" smtClean="0">
-                          <a:solidFill>
-                            <a:srgbClr val="000000"/>
-                          </a:solidFill>
-                          <a:latin typeface="Calibri"/>
-                        </a:rPr>
-                        <a:t> Unit sell out monthly</a:t>
-                      </a:r>
-                      <a:endParaRPr lang="en-US" sz="800" b="0" i="0" u="none" strike="noStrike" dirty="0">
-                        <a:solidFill>
-                          <a:srgbClr val="000000"/>
-                        </a:solidFill>
-                        <a:latin typeface="Calibri"/>
-                      </a:endParaRPr>
-                    </a:p>
-                  </a:txBody>
-                  <a:tcPr marL="5133" marR="5133" marT="6844" marB="0" anchor="ctr">
-                    <a:lnL w="6350" cap="flat" cmpd="sng" algn="ctr">
-                      <a:solidFill>
-                        <a:srgbClr val="000000"/>
-                      </a:solidFill>
-                      <a:prstDash val="solid"/>
-                      <a:round/>
-                      <a:headEnd type="none" w="med" len="med"/>
-                      <a:tailEnd type="none" w="med" len="med"/>
-                    </a:lnL>
-                    <a:lnR w="6350" cap="flat" cmpd="sng" algn="ctr">
-                      <a:solidFill>
-                        <a:srgbClr val="000000"/>
-                      </a:solidFill>
-                      <a:prstDash val="solid"/>
-                      <a:round/>
-                      <a:headEnd type="none" w="med" len="med"/>
-                      <a:tailEnd type="none" w="med" len="med"/>
-                    </a:lnR>
-                    <a:lnT w="12700" cap="flat" cmpd="sng" algn="ctr">
-                      <a:solidFill>
-                        <a:srgbClr val="000000"/>
-                      </a:solidFill>
-                      <a:prstDash val="solid"/>
-                      <a:round/>
-                      <a:headEnd type="none" w="med" len="med"/>
-                      <a:tailEnd type="none" w="med" len="med"/>
-                    </a:lnT>
-                    <a:lnB w="12700" cap="flat" cmpd="sng" algn="ctr">
-                      <a:solidFill>
-                        <a:srgbClr val="000000"/>
-                      </a:solidFill>
-                      <a:prstDash val="solid"/>
-                      <a:round/>
-                      <a:headEnd type="none" w="med" len="med"/>
-                      <a:tailEnd type="none" w="med" len="med"/>
-                    </a:lnB>
-                  </a:tcPr>
-                </a:tc>
-                <a:tc>
-                  <a:txBody>
-                    <a:bodyPr/>
-                    <a:lstStyle/>
-                    <a:p>
-                      <a:pPr algn="ctr" rtl="0" fontAlgn="ctr"/>
-                      <a:r>
-                        <a:rPr lang="en-US" sz="800" b="0" i="0" u="none" strike="noStrike" baseline="0" dirty="0" smtClean="0">
-                          <a:solidFill>
-                            <a:srgbClr val="000000"/>
-                          </a:solidFill>
-                          <a:latin typeface="Calibri"/>
-                        </a:rPr>
-                        <a:t>65 units sellout monthly</a:t>
-                      </a:r>
-                      <a:endParaRPr lang="en-US" sz="800" b="0" i="0" u="none" strike="noStrike" dirty="0">
-                        <a:solidFill>
-                          <a:srgbClr val="000000"/>
-                        </a:solidFill>
-                        <a:latin typeface="Calibri"/>
-                      </a:endParaRPr>
-                    </a:p>
-                  </a:txBody>
-                  <a:tcPr marL="5133" marR="5133" marT="6844" marB="0" anchor="ctr">
-                    <a:lnL w="6350" cap="flat" cmpd="sng" algn="ctr">
-                      <a:solidFill>
-                        <a:srgbClr val="000000"/>
-                      </a:solidFill>
-                      <a:prstDash val="solid"/>
-                      <a:round/>
-                      <a:headEnd type="none" w="med" len="med"/>
-                      <a:tailEnd type="none" w="med" len="med"/>
-                    </a:lnL>
-                    <a:lnR w="6350" cap="flat" cmpd="sng" algn="ctr">
-                      <a:solidFill>
-                        <a:srgbClr val="000000"/>
-                      </a:solidFill>
-                      <a:prstDash val="solid"/>
-                      <a:round/>
-                      <a:headEnd type="none" w="med" len="med"/>
-                      <a:tailEnd type="none" w="med" len="med"/>
-                    </a:lnR>
-                    <a:lnT w="12700" cap="flat" cmpd="sng" algn="ctr">
-                      <a:solidFill>
-                        <a:srgbClr val="000000"/>
-                      </a:solidFill>
-                      <a:prstDash val="solid"/>
-                      <a:round/>
-                      <a:headEnd type="none" w="med" len="med"/>
-                      <a:tailEnd type="none" w="med" len="med"/>
-                    </a:lnT>
-                    <a:lnB w="12700" cap="flat" cmpd="sng" algn="ctr">
-                      <a:solidFill>
-                        <a:srgbClr val="000000"/>
-                      </a:solidFill>
-                      <a:prstDash val="solid"/>
-                      <a:round/>
-                      <a:headEnd type="none" w="med" len="med"/>
-                      <a:tailEnd type="none" w="med" len="med"/>
-                    </a:lnB>
-                  </a:tcPr>
-                </a:tc>
-                <a:tc>
-                  <a:txBody>
-                    <a:bodyPr/>
-                    <a:lstStyle/>
-                    <a:p>
-                      <a:pPr algn="ctr" rtl="0" fontAlgn="ctr"/>
-                      <a:r>
-                        <a:rPr lang="en-US" sz="800" b="0" i="0" u="none" strike="noStrike" dirty="0" smtClean="0">
-                          <a:solidFill>
-                            <a:srgbClr val="000000"/>
-                          </a:solidFill>
-                          <a:latin typeface="Calibri"/>
-                        </a:rPr>
-                        <a:t>75</a:t>
-                      </a:r>
-                      <a:r>
-                        <a:rPr lang="en-US" sz="800" b="0" i="0" u="none" strike="noStrike" baseline="0" dirty="0" smtClean="0">
-                          <a:solidFill>
-                            <a:srgbClr val="000000"/>
-                          </a:solidFill>
-                          <a:latin typeface="Calibri"/>
-                        </a:rPr>
-                        <a:t> units sell out monthly</a:t>
-                      </a:r>
-                      <a:endParaRPr lang="en-US" sz="800" b="0" i="0" u="none" strike="noStrike" dirty="0">
-                        <a:solidFill>
-                          <a:srgbClr val="000000"/>
-                        </a:solidFill>
-                        <a:latin typeface="Calibri"/>
-                      </a:endParaRPr>
-                    </a:p>
-                  </a:txBody>
-                  <a:tcPr marL="5133" marR="5133" marT="6844" marB="0" anchor="ctr">
-                    <a:lnL w="6350" cap="flat" cmpd="sng" algn="ctr">
-                      <a:solidFill>
-                        <a:srgbClr val="000000"/>
-                      </a:solidFill>
-                      <a:prstDash val="solid"/>
-                      <a:round/>
-                      <a:headEnd type="none" w="med" len="med"/>
-                      <a:tailEnd type="none" w="med" len="med"/>
-                    </a:lnL>
-                    <a:lnR w="6350" cap="flat" cmpd="sng" algn="ctr">
-                      <a:solidFill>
-                        <a:srgbClr val="000000"/>
-                      </a:solidFill>
-                      <a:prstDash val="solid"/>
-                      <a:round/>
-                      <a:headEnd type="none" w="med" len="med"/>
-                      <a:tailEnd type="none" w="med" len="med"/>
-                    </a:lnR>
-                    <a:lnT w="12700" cap="flat" cmpd="sng" algn="ctr">
-                      <a:solidFill>
-                        <a:srgbClr val="000000"/>
-                      </a:solidFill>
-                      <a:prstDash val="solid"/>
-                      <a:round/>
-                      <a:headEnd type="none" w="med" len="med"/>
-                      <a:tailEnd type="none" w="med" len="med"/>
-                    </a:lnT>
-                    <a:lnB w="12700" cap="flat" cmpd="sng" algn="ctr">
-                      <a:solidFill>
-                        <a:srgbClr val="000000"/>
-                      </a:solidFill>
-                      <a:prstDash val="solid"/>
-                      <a:round/>
-                      <a:headEnd type="none" w="med" len="med"/>
-                      <a:tailEnd type="none" w="med" len="med"/>
-                    </a:lnB>
-                  </a:tcPr>
-                </a:tc>
-              </a:tr>
-              <a:tr h="594225">
-                <a:tc>
-                  <a:txBody>
-                    <a:bodyPr/>
-                    <a:lstStyle/>
-                    <a:p>
-                      <a:pPr algn="ctr" rtl="0" fontAlgn="ctr"/>
-                      <a:r>
-                        <a:rPr lang="en-US" sz="800" b="0" i="0" u="none" strike="noStrike" dirty="0" smtClean="0">
-                          <a:solidFill>
-                            <a:srgbClr val="000000"/>
-                          </a:solidFill>
-                          <a:latin typeface="Calibri"/>
-                        </a:rPr>
-                        <a:t>3</a:t>
-                      </a:r>
-                      <a:endParaRPr lang="en-US" sz="800" b="0" i="0" u="none" strike="noStrike" dirty="0">
-                        <a:solidFill>
-                          <a:srgbClr val="000000"/>
-                        </a:solidFill>
-                        <a:latin typeface="Calibri"/>
-                      </a:endParaRPr>
-                    </a:p>
-                  </a:txBody>
-                  <a:tcPr marL="5133" marR="5133" marT="6844" marB="0" anchor="ctr">
-                    <a:lnL w="12700" cap="flat" cmpd="sng" algn="ctr">
-                      <a:solidFill>
-                        <a:srgbClr val="000000"/>
-                      </a:solidFill>
-                      <a:prstDash val="solid"/>
-                      <a:round/>
-                      <a:headEnd type="none" w="med" len="med"/>
-                      <a:tailEnd type="none" w="med" len="med"/>
-                    </a:lnL>
-                    <a:lnR w="6350" cap="flat" cmpd="sng" algn="ctr">
-                      <a:solidFill>
-                        <a:srgbClr val="000000"/>
-                      </a:solidFill>
-                      <a:prstDash val="solid"/>
-                      <a:round/>
-                      <a:headEnd type="none" w="med" len="med"/>
-                      <a:tailEnd type="none" w="med" len="med"/>
-                    </a:lnR>
-                    <a:lnT w="12700" cap="flat" cmpd="sng" algn="ctr">
-                      <a:solidFill>
-                        <a:srgbClr val="000000"/>
-                      </a:solidFill>
-                      <a:prstDash val="solid"/>
-                      <a:round/>
-                      <a:headEnd type="none" w="med" len="med"/>
-                      <a:tailEnd type="none" w="med" len="med"/>
-                    </a:lnT>
-                    <a:lnB w="12700" cap="flat" cmpd="sng" algn="ctr">
-                      <a:solidFill>
-                        <a:srgbClr val="000000"/>
-                      </a:solidFill>
-                      <a:prstDash val="solid"/>
-                      <a:round/>
-                      <a:headEnd type="none" w="med" len="med"/>
-                      <a:tailEnd type="none" w="med" len="med"/>
-                    </a:lnB>
-                  </a:tcPr>
-                </a:tc>
-                <a:tc>
-                  <a:txBody>
-                    <a:bodyPr/>
-                    <a:lstStyle/>
-                    <a:p>
-                      <a:pPr algn="ctr" rtl="0" fontAlgn="ctr"/>
-                      <a:r>
-                        <a:rPr lang="en-US" sz="800" b="0" i="0" u="none" strike="noStrike" dirty="0" smtClean="0">
-                          <a:solidFill>
-                            <a:srgbClr val="000000"/>
-                          </a:solidFill>
-                          <a:latin typeface="Calibri"/>
-                        </a:rPr>
-                        <a:t>KV Share </a:t>
-                      </a:r>
-                      <a:endParaRPr lang="en-US" sz="800" b="0" i="0" u="none" strike="noStrike" dirty="0">
-                        <a:solidFill>
-                          <a:srgbClr val="000000"/>
-                        </a:solidFill>
-                        <a:latin typeface="Calibri"/>
-                      </a:endParaRPr>
-                    </a:p>
-                  </a:txBody>
-                  <a:tcPr marL="5133" marR="5133" marT="6844" marB="0" anchor="ctr">
-                    <a:lnL w="6350" cap="flat" cmpd="sng" algn="ctr">
-                      <a:solidFill>
-                        <a:srgbClr val="000000"/>
-                      </a:solidFill>
-                      <a:prstDash val="solid"/>
-                      <a:round/>
-                      <a:headEnd type="none" w="med" len="med"/>
-                      <a:tailEnd type="none" w="med" len="med"/>
-                    </a:lnL>
-                    <a:lnR w="6350" cap="flat" cmpd="sng" algn="ctr">
-                      <a:solidFill>
-                        <a:srgbClr val="000000"/>
-                      </a:solidFill>
-                      <a:prstDash val="solid"/>
-                      <a:round/>
-                      <a:headEnd type="none" w="med" len="med"/>
-                      <a:tailEnd type="none" w="med" len="med"/>
-                    </a:lnR>
-                    <a:lnT w="12700" cap="flat" cmpd="sng" algn="ctr">
-                      <a:solidFill>
-                        <a:srgbClr val="000000"/>
-                      </a:solidFill>
-                      <a:prstDash val="solid"/>
-                      <a:round/>
-                      <a:headEnd type="none" w="med" len="med"/>
-                      <a:tailEnd type="none" w="med" len="med"/>
-                    </a:lnT>
-                    <a:lnB w="12700" cap="flat" cmpd="sng" algn="ctr">
-                      <a:solidFill>
-                        <a:srgbClr val="000000"/>
-                      </a:solidFill>
-                      <a:prstDash val="solid"/>
-                      <a:round/>
-                      <a:headEnd type="none" w="med" len="med"/>
-                      <a:tailEnd type="none" w="med" len="med"/>
-                    </a:lnB>
-                  </a:tcPr>
-                </a:tc>
-                <a:tc>
-                  <a:txBody>
-                    <a:bodyPr/>
-                    <a:lstStyle/>
-                    <a:p>
-                      <a:pPr algn="ctr" rtl="0" fontAlgn="ctr"/>
-                      <a:r>
-                        <a:rPr lang="en-US" sz="800" b="0" i="0" u="none" strike="noStrike" dirty="0" smtClean="0">
-                          <a:solidFill>
-                            <a:srgbClr val="000000"/>
-                          </a:solidFill>
-                          <a:latin typeface="Calibri"/>
-                        </a:rPr>
-                        <a:t>Increase the share from 45%- 50%</a:t>
-                      </a:r>
-                      <a:endParaRPr lang="en-US" sz="800" b="0" i="0" u="none" strike="noStrike" dirty="0">
-                        <a:solidFill>
-                          <a:srgbClr val="000000"/>
-                        </a:solidFill>
-                        <a:latin typeface="Calibri"/>
-                      </a:endParaRPr>
-                    </a:p>
-                  </a:txBody>
-                  <a:tcPr marL="5133" marR="5133" marT="6844" marB="0" anchor="ctr">
-                    <a:lnL w="6350" cap="flat" cmpd="sng" algn="ctr">
-                      <a:solidFill>
-                        <a:srgbClr val="000000"/>
-                      </a:solidFill>
-                      <a:prstDash val="solid"/>
-                      <a:round/>
-                      <a:headEnd type="none" w="med" len="med"/>
-                      <a:tailEnd type="none" w="med" len="med"/>
-                    </a:lnL>
-                    <a:lnR w="6350" cap="flat" cmpd="sng" algn="ctr">
-                      <a:solidFill>
-                        <a:srgbClr val="000000"/>
-                      </a:solidFill>
-                      <a:prstDash val="solid"/>
-                      <a:round/>
-                      <a:headEnd type="none" w="med" len="med"/>
-                      <a:tailEnd type="none" w="med" len="med"/>
-                    </a:lnR>
-                    <a:lnT w="12700" cap="flat" cmpd="sng" algn="ctr">
-                      <a:solidFill>
-                        <a:srgbClr val="000000"/>
-                      </a:solidFill>
-                      <a:prstDash val="solid"/>
-                      <a:round/>
-                      <a:headEnd type="none" w="med" len="med"/>
-                      <a:tailEnd type="none" w="med" len="med"/>
-                    </a:lnT>
-                    <a:lnB w="12700" cap="flat" cmpd="sng" algn="ctr">
-                      <a:solidFill>
-                        <a:srgbClr val="000000"/>
-                      </a:solidFill>
-                      <a:prstDash val="solid"/>
-                      <a:round/>
-                      <a:headEnd type="none" w="med" len="med"/>
-                      <a:tailEnd type="none" w="med" len="med"/>
-                    </a:lnB>
-                  </a:tcPr>
-                </a:tc>
-                <a:tc>
-                  <a:txBody>
-                    <a:bodyPr/>
-                    <a:lstStyle/>
-                    <a:p>
-                      <a:pPr algn="ctr" rtl="0" fontAlgn="ctr"/>
-                      <a:r>
-                        <a:rPr lang="en-US" sz="800" b="0" i="0" u="none" strike="noStrike" dirty="0" smtClean="0">
-                          <a:solidFill>
-                            <a:srgbClr val="000000"/>
-                          </a:solidFill>
-                          <a:latin typeface="Calibri"/>
-                        </a:rPr>
-                        <a:t>We have now reached 49%</a:t>
-                      </a:r>
-                      <a:r>
-                        <a:rPr lang="en-US" sz="800" b="0" i="0" u="none" strike="noStrike" baseline="0" dirty="0" smtClean="0">
-                          <a:solidFill>
-                            <a:srgbClr val="000000"/>
-                          </a:solidFill>
-                          <a:latin typeface="Calibri"/>
-                        </a:rPr>
-                        <a:t> share</a:t>
-                      </a:r>
-                      <a:endParaRPr lang="en-US" sz="800" b="0" i="0" u="none" strike="noStrike" dirty="0">
-                        <a:solidFill>
-                          <a:srgbClr val="000000"/>
-                        </a:solidFill>
-                        <a:latin typeface="Calibri"/>
-                      </a:endParaRPr>
-                    </a:p>
-                  </a:txBody>
-                  <a:tcPr marL="5133" marR="5133" marT="6844" marB="0" anchor="ctr">
-                    <a:lnL w="6350" cap="flat" cmpd="sng" algn="ctr">
-                      <a:solidFill>
-                        <a:srgbClr val="000000"/>
-                      </a:solidFill>
-                      <a:prstDash val="solid"/>
-                      <a:round/>
-                      <a:headEnd type="none" w="med" len="med"/>
-                      <a:tailEnd type="none" w="med" len="med"/>
-                    </a:lnL>
-                    <a:lnR w="6350" cap="flat" cmpd="sng" algn="ctr">
-                      <a:solidFill>
-                        <a:srgbClr val="000000"/>
-                      </a:solidFill>
-                      <a:prstDash val="solid"/>
-                      <a:round/>
-                      <a:headEnd type="none" w="med" len="med"/>
-                      <a:tailEnd type="none" w="med" len="med"/>
-                    </a:lnR>
-                    <a:lnT w="12700" cap="flat" cmpd="sng" algn="ctr">
-                      <a:solidFill>
-                        <a:srgbClr val="000000"/>
-                      </a:solidFill>
-                      <a:prstDash val="solid"/>
-                      <a:round/>
-                      <a:headEnd type="none" w="med" len="med"/>
-                      <a:tailEnd type="none" w="med" len="med"/>
-                    </a:lnT>
-                    <a:lnB w="12700" cap="flat" cmpd="sng" algn="ctr">
-                      <a:solidFill>
-                        <a:srgbClr val="000000"/>
-                      </a:solidFill>
-                      <a:prstDash val="solid"/>
-                      <a:round/>
-                      <a:headEnd type="none" w="med" len="med"/>
-                      <a:tailEnd type="none" w="med" len="med"/>
-                    </a:lnB>
-                  </a:tcPr>
-                </a:tc>
-                <a:tc>
-                  <a:txBody>
-                    <a:bodyPr/>
-                    <a:lstStyle/>
-                    <a:p>
-                      <a:pPr algn="ctr" rtl="0" fontAlgn="ctr"/>
-                      <a:r>
-                        <a:rPr lang="en-US" sz="800" b="0" i="0" u="none" strike="noStrike" dirty="0" smtClean="0">
-                          <a:solidFill>
-                            <a:srgbClr val="000000"/>
-                          </a:solidFill>
-                          <a:latin typeface="Calibri"/>
-                        </a:rPr>
-                        <a:t>Increase the share from 49%-55%</a:t>
-                      </a:r>
-                      <a:endParaRPr lang="en-US" sz="800" b="0" i="0" u="none" strike="noStrike" dirty="0">
-                        <a:solidFill>
-                          <a:srgbClr val="000000"/>
-                        </a:solidFill>
-                        <a:latin typeface="Calibri"/>
-                      </a:endParaRPr>
-                    </a:p>
-                  </a:txBody>
-                  <a:tcPr marL="5133" marR="5133" marT="6844" marB="0" anchor="ctr">
-                    <a:lnL w="6350" cap="flat" cmpd="sng" algn="ctr">
-                      <a:solidFill>
-                        <a:srgbClr val="000000"/>
-                      </a:solidFill>
-                      <a:prstDash val="solid"/>
-                      <a:round/>
-                      <a:headEnd type="none" w="med" len="med"/>
-                      <a:tailEnd type="none" w="med" len="med"/>
-                    </a:lnL>
-                    <a:lnR w="6350" cap="flat" cmpd="sng" algn="ctr">
-                      <a:solidFill>
-                        <a:srgbClr val="000000"/>
-                      </a:solidFill>
-                      <a:prstDash val="solid"/>
-                      <a:round/>
-                      <a:headEnd type="none" w="med" len="med"/>
-                      <a:tailEnd type="none" w="med" len="med"/>
-                    </a:lnR>
-                    <a:lnT w="12700" cap="flat" cmpd="sng" algn="ctr">
-                      <a:solidFill>
-                        <a:srgbClr val="000000"/>
-                      </a:solidFill>
-                      <a:prstDash val="solid"/>
-                      <a:round/>
-                      <a:headEnd type="none" w="med" len="med"/>
-                      <a:tailEnd type="none" w="med" len="med"/>
-                    </a:lnT>
-                    <a:lnB w="12700" cap="flat" cmpd="sng" algn="ctr">
-                      <a:solidFill>
-                        <a:srgbClr val="000000"/>
-                      </a:solidFill>
-                      <a:prstDash val="solid"/>
-                      <a:round/>
-                      <a:headEnd type="none" w="med" len="med"/>
-                      <a:tailEnd type="none" w="med" len="med"/>
-                    </a:lnB>
-                  </a:tcPr>
-                </a:tc>
-              </a:tr>
-              <a:tr h="594225">
-                <a:tc>
-                  <a:txBody>
-                    <a:bodyPr/>
-                    <a:lstStyle/>
-                    <a:p>
-                      <a:pPr algn="ctr" rtl="0" fontAlgn="ctr"/>
-                      <a:r>
-                        <a:rPr lang="en-US" sz="800" b="0" i="0" u="none" strike="noStrike" dirty="0">
-                          <a:solidFill>
-                            <a:srgbClr val="000000"/>
-                          </a:solidFill>
-                          <a:latin typeface="Calibri"/>
-                        </a:rPr>
-                        <a:t>4</a:t>
-                      </a:r>
-                    </a:p>
-                  </a:txBody>
-                  <a:tcPr marL="5133" marR="5133" marT="6844" marB="0" anchor="ctr">
-                    <a:lnL w="12700" cap="flat" cmpd="sng" algn="ctr">
-                      <a:solidFill>
-                        <a:srgbClr val="000000"/>
-                      </a:solidFill>
-                      <a:prstDash val="solid"/>
-                      <a:round/>
-                      <a:headEnd type="none" w="med" len="med"/>
-                      <a:tailEnd type="none" w="med" len="med"/>
-                    </a:lnL>
-                    <a:lnR w="6350" cap="flat" cmpd="sng" algn="ctr">
-                      <a:solidFill>
-                        <a:srgbClr val="000000"/>
-                      </a:solidFill>
-                      <a:prstDash val="solid"/>
-                      <a:round/>
-                      <a:headEnd type="none" w="med" len="med"/>
-                      <a:tailEnd type="none" w="med" len="med"/>
-                    </a:lnR>
-                    <a:lnT w="12700" cap="flat" cmpd="sng" algn="ctr">
-                      <a:solidFill>
-                        <a:srgbClr val="000000"/>
-                      </a:solidFill>
-                      <a:prstDash val="solid"/>
-                      <a:round/>
-                      <a:headEnd type="none" w="med" len="med"/>
-                      <a:tailEnd type="none" w="med" len="med"/>
-                    </a:lnT>
-                    <a:lnB w="12700" cap="flat" cmpd="sng" algn="ctr">
-                      <a:solidFill>
-                        <a:srgbClr val="000000"/>
-                      </a:solidFill>
-                      <a:prstDash val="solid"/>
-                      <a:round/>
-                      <a:headEnd type="none" w="med" len="med"/>
-                      <a:tailEnd type="none" w="med" len="med"/>
-                    </a:lnB>
-                  </a:tcPr>
-                </a:tc>
-                <a:tc>
-                  <a:txBody>
-                    <a:bodyPr/>
-                    <a:lstStyle/>
-                    <a:p>
-                      <a:pPr algn="ctr" rtl="0" fontAlgn="ctr"/>
-                      <a:r>
-                        <a:rPr lang="en-US" sz="800" b="0" i="0" u="none" strike="noStrike" dirty="0" smtClean="0">
-                          <a:solidFill>
-                            <a:srgbClr val="000000"/>
-                          </a:solidFill>
-                          <a:latin typeface="Calibri"/>
-                        </a:rPr>
-                        <a:t>Printer Connect</a:t>
-                      </a:r>
-                      <a:r>
-                        <a:rPr lang="en-US" sz="800" b="0" i="0" u="none" strike="noStrike" baseline="0" dirty="0" smtClean="0">
-                          <a:solidFill>
-                            <a:srgbClr val="000000"/>
-                          </a:solidFill>
-                          <a:latin typeface="Calibri"/>
-                        </a:rPr>
-                        <a:t> </a:t>
-                      </a:r>
-                      <a:endParaRPr lang="en-US" sz="800" b="0" i="0" u="none" strike="noStrike" dirty="0">
-                        <a:solidFill>
-                          <a:srgbClr val="000000"/>
-                        </a:solidFill>
-                        <a:latin typeface="Calibri"/>
-                      </a:endParaRPr>
-                    </a:p>
-                  </a:txBody>
-                  <a:tcPr marL="5133" marR="5133" marT="6844" marB="0" anchor="ctr">
-                    <a:lnL w="6350" cap="flat" cmpd="sng" algn="ctr">
-                      <a:solidFill>
-                        <a:srgbClr val="000000"/>
-                      </a:solidFill>
-                      <a:prstDash val="solid"/>
-                      <a:round/>
-                      <a:headEnd type="none" w="med" len="med"/>
-                      <a:tailEnd type="none" w="med" len="med"/>
-                    </a:lnL>
-                    <a:lnR w="6350" cap="flat" cmpd="sng" algn="ctr">
-                      <a:solidFill>
-                        <a:srgbClr val="000000"/>
-                      </a:solidFill>
-                      <a:prstDash val="solid"/>
-                      <a:round/>
-                      <a:headEnd type="none" w="med" len="med"/>
-                      <a:tailEnd type="none" w="med" len="med"/>
-                    </a:lnR>
-                    <a:lnT w="12700" cap="flat" cmpd="sng" algn="ctr">
-                      <a:solidFill>
-                        <a:srgbClr val="000000"/>
-                      </a:solidFill>
-                      <a:prstDash val="solid"/>
-                      <a:round/>
-                      <a:headEnd type="none" w="med" len="med"/>
-                      <a:tailEnd type="none" w="med" len="med"/>
-                    </a:lnT>
-                    <a:lnB w="12700" cap="flat" cmpd="sng" algn="ctr">
-                      <a:solidFill>
-                        <a:srgbClr val="000000"/>
-                      </a:solidFill>
-                      <a:prstDash val="solid"/>
-                      <a:round/>
-                      <a:headEnd type="none" w="med" len="med"/>
-                      <a:tailEnd type="none" w="med" len="med"/>
-                    </a:lnB>
-                  </a:tcPr>
-                </a:tc>
-                <a:tc>
-                  <a:txBody>
-                    <a:bodyPr/>
-                    <a:lstStyle/>
-                    <a:p>
-                      <a:pPr algn="ctr" rtl="0" fontAlgn="ctr"/>
-                      <a:r>
-                        <a:rPr lang="en-US" sz="800" b="0" i="0" u="none" strike="noStrike" dirty="0" smtClean="0">
-                          <a:solidFill>
-                            <a:srgbClr val="000000"/>
-                          </a:solidFill>
-                          <a:latin typeface="Calibri"/>
-                        </a:rPr>
-                        <a:t>To</a:t>
-                      </a:r>
-                      <a:r>
-                        <a:rPr lang="en-US" sz="800" b="0" i="0" u="none" strike="noStrike" baseline="0" dirty="0" smtClean="0">
-                          <a:solidFill>
-                            <a:srgbClr val="000000"/>
-                          </a:solidFill>
-                          <a:latin typeface="Calibri"/>
-                        </a:rPr>
-                        <a:t> reach 15% Printer connect</a:t>
-                      </a:r>
-                      <a:endParaRPr lang="en-US" sz="800" b="0" i="0" u="none" strike="noStrike" dirty="0">
-                        <a:solidFill>
-                          <a:srgbClr val="000000"/>
-                        </a:solidFill>
-                        <a:latin typeface="Calibri"/>
-                      </a:endParaRPr>
-                    </a:p>
-                  </a:txBody>
-                  <a:tcPr marL="5133" marR="5133" marT="6844" marB="0" anchor="ctr">
-                    <a:lnL w="6350" cap="flat" cmpd="sng" algn="ctr">
-                      <a:solidFill>
-                        <a:srgbClr val="000000"/>
-                      </a:solidFill>
-                      <a:prstDash val="solid"/>
-                      <a:round/>
-                      <a:headEnd type="none" w="med" len="med"/>
-                      <a:tailEnd type="none" w="med" len="med"/>
-                    </a:lnL>
-                    <a:lnR w="6350" cap="flat" cmpd="sng" algn="ctr">
-                      <a:solidFill>
-                        <a:srgbClr val="000000"/>
-                      </a:solidFill>
-                      <a:prstDash val="solid"/>
-                      <a:round/>
-                      <a:headEnd type="none" w="med" len="med"/>
-                      <a:tailEnd type="none" w="med" len="med"/>
-                    </a:lnR>
-                    <a:lnT w="12700" cap="flat" cmpd="sng" algn="ctr">
-                      <a:solidFill>
-                        <a:srgbClr val="000000"/>
-                      </a:solidFill>
-                      <a:prstDash val="solid"/>
-                      <a:round/>
-                      <a:headEnd type="none" w="med" len="med"/>
-                      <a:tailEnd type="none" w="med" len="med"/>
-                    </a:lnT>
-                    <a:lnB w="12700" cap="flat" cmpd="sng" algn="ctr">
-                      <a:solidFill>
-                        <a:srgbClr val="000000"/>
-                      </a:solidFill>
-                      <a:prstDash val="solid"/>
-                      <a:round/>
-                      <a:headEnd type="none" w="med" len="med"/>
-                      <a:tailEnd type="none" w="med" len="med"/>
-                    </a:lnB>
-                  </a:tcPr>
-                </a:tc>
-                <a:tc>
-                  <a:txBody>
-                    <a:bodyPr/>
-                    <a:lstStyle/>
-                    <a:p>
-                      <a:pPr algn="ctr" rtl="0" fontAlgn="ctr"/>
-                      <a:r>
-                        <a:rPr lang="en-US" sz="800" b="0" i="0" u="none" strike="noStrike" baseline="0" dirty="0" smtClean="0">
-                          <a:solidFill>
-                            <a:srgbClr val="000000"/>
-                          </a:solidFill>
-                          <a:latin typeface="Calibri"/>
-                        </a:rPr>
-                        <a:t>We have reached 18% Printer connect</a:t>
-                      </a:r>
-                      <a:endParaRPr lang="en-US" sz="800" b="0" i="0" u="none" strike="noStrike" dirty="0">
-                        <a:solidFill>
-                          <a:srgbClr val="000000"/>
-                        </a:solidFill>
-                        <a:latin typeface="Calibri"/>
-                      </a:endParaRPr>
-                    </a:p>
-                  </a:txBody>
-                  <a:tcPr marL="5133" marR="5133" marT="6844" marB="0" anchor="ctr">
-                    <a:lnL w="6350" cap="flat" cmpd="sng" algn="ctr">
-                      <a:solidFill>
-                        <a:srgbClr val="000000"/>
-                      </a:solidFill>
-                      <a:prstDash val="solid"/>
-                      <a:round/>
-                      <a:headEnd type="none" w="med" len="med"/>
-                      <a:tailEnd type="none" w="med" len="med"/>
-                    </a:lnL>
-                    <a:lnR w="6350" cap="flat" cmpd="sng" algn="ctr">
-                      <a:solidFill>
-                        <a:srgbClr val="000000"/>
-                      </a:solidFill>
-                      <a:prstDash val="solid"/>
-                      <a:round/>
-                      <a:headEnd type="none" w="med" len="med"/>
-                      <a:tailEnd type="none" w="med" len="med"/>
-                    </a:lnR>
-                    <a:lnT w="12700" cap="flat" cmpd="sng" algn="ctr">
-                      <a:solidFill>
-                        <a:srgbClr val="000000"/>
-                      </a:solidFill>
-                      <a:prstDash val="solid"/>
-                      <a:round/>
-                      <a:headEnd type="none" w="med" len="med"/>
-                      <a:tailEnd type="none" w="med" len="med"/>
-                    </a:lnT>
-                    <a:lnB w="12700" cap="flat" cmpd="sng" algn="ctr">
-                      <a:solidFill>
-                        <a:srgbClr val="000000"/>
-                      </a:solidFill>
-                      <a:prstDash val="solid"/>
-                      <a:round/>
-                      <a:headEnd type="none" w="med" len="med"/>
-                      <a:tailEnd type="none" w="med" len="med"/>
-                    </a:lnB>
-                  </a:tcPr>
-                </a:tc>
-                <a:tc>
-                  <a:txBody>
-                    <a:bodyPr/>
-                    <a:lstStyle/>
-                    <a:p>
-                      <a:pPr algn="ctr" rtl="0" fontAlgn="ctr"/>
-                      <a:r>
-                        <a:rPr lang="en-US" sz="800" b="0" i="0" u="none" strike="noStrike" dirty="0" smtClean="0">
-                          <a:solidFill>
-                            <a:srgbClr val="000000"/>
-                          </a:solidFill>
-                          <a:latin typeface="Calibri"/>
-                        </a:rPr>
-                        <a:t>Increase</a:t>
-                      </a:r>
-                      <a:r>
-                        <a:rPr lang="en-US" sz="800" b="0" i="0" u="none" strike="noStrike" baseline="0" dirty="0" smtClean="0">
-                          <a:solidFill>
-                            <a:srgbClr val="000000"/>
-                          </a:solidFill>
-                          <a:latin typeface="Calibri"/>
-                        </a:rPr>
-                        <a:t> the connect by 25%</a:t>
-                      </a:r>
-                      <a:endParaRPr lang="en-US" sz="800" b="0" i="0" u="none" strike="noStrike" dirty="0">
-                        <a:solidFill>
-                          <a:srgbClr val="000000"/>
-                        </a:solidFill>
-                        <a:latin typeface="Calibri"/>
-                      </a:endParaRPr>
-                    </a:p>
-                  </a:txBody>
-                  <a:tcPr marL="5133" marR="5133" marT="6844" marB="0" anchor="ctr">
-                    <a:lnL w="6350" cap="flat" cmpd="sng" algn="ctr">
-                      <a:solidFill>
-                        <a:srgbClr val="000000"/>
-                      </a:solidFill>
-                      <a:prstDash val="solid"/>
-                      <a:round/>
-                      <a:headEnd type="none" w="med" len="med"/>
-                      <a:tailEnd type="none" w="med" len="med"/>
-                    </a:lnL>
-                    <a:lnR w="6350" cap="flat" cmpd="sng" algn="ctr">
-                      <a:solidFill>
-                        <a:srgbClr val="000000"/>
-                      </a:solidFill>
-                      <a:prstDash val="solid"/>
-                      <a:round/>
-                      <a:headEnd type="none" w="med" len="med"/>
-                      <a:tailEnd type="none" w="med" len="med"/>
-                    </a:lnR>
-                    <a:lnT w="12700" cap="flat" cmpd="sng" algn="ctr">
-                      <a:solidFill>
-                        <a:srgbClr val="000000"/>
-                      </a:solidFill>
-                      <a:prstDash val="solid"/>
-                      <a:round/>
-                      <a:headEnd type="none" w="med" len="med"/>
-                      <a:tailEnd type="none" w="med" len="med"/>
-                    </a:lnT>
-                    <a:lnB w="12700" cap="flat" cmpd="sng" algn="ctr">
-                      <a:solidFill>
-                        <a:srgbClr val="000000"/>
-                      </a:solidFill>
-                      <a:prstDash val="solid"/>
-                      <a:round/>
-                      <a:headEnd type="none" w="med" len="med"/>
-                      <a:tailEnd type="none" w="med" len="med"/>
-                    </a:lnB>
-                  </a:tcPr>
+                  <a:tcPr marL="0" marR="0" marT="0" marB="0" anchor="ctr"/>
                 </a:tc>
               </a:tr>
             </a:tbl>
@@ -13042,23 +8020,23 @@
           <p:nvPr>
             <p:extLst>
               <p:ext uri="{D42A27DB-BD31-4B8C-83A1-F6EECF244321}">
-                <p14:modId xmlns:p14="http://schemas.microsoft.com/office/powerpoint/2010/main" xmlns="" val="1947894772"/>
+                <p14:modId xmlns="" xmlns:p14="http://schemas.microsoft.com/office/powerpoint/2010/main" val="1947894772"/>
               </p:ext>
             </p:extLst>
           </p:nvPr>
         </p:nvGraphicFramePr>
         <p:xfrm>
-          <a:off x="1165413" y="3257550"/>
-          <a:ext cx="7028327" cy="1085850"/>
+          <a:off x="719847" y="3559109"/>
+          <a:ext cx="7694579" cy="691880"/>
         </p:xfrm>
         <a:graphic>
           <a:graphicData uri="http://schemas.openxmlformats.org/drawingml/2006/table">
             <a:tbl>
               <a:tblPr/>
               <a:tblGrid>
-                <a:gridCol w="1166967"/>
-                <a:gridCol w="2877636"/>
-                <a:gridCol w="2983724"/>
+                <a:gridCol w="1677565"/>
+                <a:gridCol w="3129122"/>
+                <a:gridCol w="2887892"/>
               </a:tblGrid>
               <a:tr h="190500">
                 <a:tc gridSpan="3">
@@ -13142,7 +8120,7 @@
                   <a:tcPr/>
                 </a:tc>
               </a:tr>
-              <a:tr h="352425">
+              <a:tr h="267916">
                 <a:tc>
                   <a:txBody>
                     <a:bodyPr/>
@@ -13150,7 +8128,7 @@
                     <a:p>
                       <a:pPr algn="ctr" fontAlgn="b"/>
                       <a:r>
-                        <a:rPr lang="en-US" sz="1100" b="1" i="0" u="none" strike="noStrike" dirty="0">
+                        <a:rPr lang="en-US" sz="1000" b="1" i="0" u="none" strike="noStrike" dirty="0">
                           <a:solidFill>
                             <a:srgbClr val="000000"/>
                           </a:solidFill>
@@ -13161,7 +8139,7 @@
                       </a:r>
                     </a:p>
                   </a:txBody>
-                  <a:tcPr marL="7144" marR="7144" marT="9525" marB="0" anchor="b">
+                  <a:tcPr marL="7144" marR="7144" marT="9525" marB="0" anchor="ctr">
                     <a:lnL w="6350" cap="flat" cmpd="sng" algn="ctr">
                       <a:solidFill>
                         <a:srgbClr val="000000"/>
@@ -13207,18 +8185,45 @@
                     <a:p>
                       <a:pPr algn="ctr" fontAlgn="b"/>
                       <a:r>
-                        <a:rPr lang="en-US" sz="1100" b="1" i="0" u="none" strike="noStrike" dirty="0">
+                        <a:rPr lang="en-US" sz="1000" b="1" i="0" u="none" strike="noStrike" dirty="0">
                           <a:solidFill>
                             <a:srgbClr val="000000"/>
                           </a:solidFill>
                           <a:effectLst/>
                           <a:latin typeface="Calibri"/>
                         </a:rPr>
-                        <a:t>No Of store Targeted in Q2'15 Exit</a:t>
-                      </a:r>
-                    </a:p>
-                  </a:txBody>
-                  <a:tcPr marL="7144" marR="7144" marT="9525" marB="0" anchor="b">
+                        <a:t>No Of store Targeted in </a:t>
+                      </a:r>
+                      <a:r>
+                        <a:rPr lang="en-US" sz="1000" b="1" i="0" u="none" strike="noStrike" dirty="0" err="1" smtClean="0">
+                          <a:solidFill>
+                            <a:srgbClr val="000000"/>
+                          </a:solidFill>
+                          <a:effectLst/>
+                          <a:latin typeface="Calibri"/>
+                        </a:rPr>
+                        <a:t>varQuarter</a:t>
+                      </a:r>
+                      <a:r>
+                        <a:rPr lang="en-US" sz="1000" b="1" i="0" u="none" strike="noStrike" dirty="0" smtClean="0">
+                          <a:solidFill>
+                            <a:srgbClr val="000000"/>
+                          </a:solidFill>
+                          <a:effectLst/>
+                          <a:latin typeface="Calibri"/>
+                        </a:rPr>
+                        <a:t> Exit</a:t>
+                      </a:r>
+                      <a:endParaRPr lang="en-US" sz="1000" b="1" i="0" u="none" strike="noStrike" dirty="0">
+                        <a:solidFill>
+                          <a:srgbClr val="000000"/>
+                        </a:solidFill>
+                        <a:effectLst/>
+                        <a:latin typeface="Calibri"/>
+                      </a:endParaRPr>
+                    </a:p>
+                  </a:txBody>
+                  <a:tcPr marL="7144" marR="7144" marT="9525" marB="0" anchor="ctr">
                     <a:lnL w="6350" cap="flat" cmpd="sng" algn="ctr">
                       <a:solidFill>
                         <a:srgbClr val="000000"/>
@@ -13264,18 +8269,48 @@
                     <a:p>
                       <a:pPr algn="ctr" fontAlgn="b"/>
                       <a:r>
-                        <a:rPr lang="en-US" sz="1100" b="1" i="0" u="none" strike="noStrike" dirty="0">
+                        <a:rPr lang="en-US" sz="1000" b="1" i="0" u="none" strike="noStrike" dirty="0">
                           <a:solidFill>
                             <a:srgbClr val="000000"/>
                           </a:solidFill>
                           <a:effectLst/>
                           <a:latin typeface="Calibri"/>
                         </a:rPr>
-                        <a:t>SO unit Target/Month in Q2'15 exit</a:t>
-                      </a:r>
-                    </a:p>
-                  </a:txBody>
-                  <a:tcPr marL="7144" marR="7144" marT="9525" marB="0" anchor="b">
+                        <a:t>SO unit Target/Month in </a:t>
+                      </a:r>
+                      <a:r>
+                        <a:rPr lang="en-US" sz="1000" b="1" i="0" u="none" strike="noStrike" dirty="0" err="1" smtClean="0">
+                          <a:solidFill>
+                            <a:srgbClr val="000000"/>
+                          </a:solidFill>
+                          <a:effectLst/>
+                          <a:latin typeface="Calibri"/>
+                        </a:rPr>
+                        <a:t>varQuarter</a:t>
+                      </a:r>
+                      <a:r>
+                        <a:rPr lang="en-US" sz="1000" b="1" i="0" u="none" strike="noStrike" dirty="0" smtClean="0">
+                          <a:solidFill>
+                            <a:srgbClr val="000000"/>
+                          </a:solidFill>
+                          <a:effectLst/>
+                          <a:latin typeface="Calibri"/>
+                        </a:rPr>
+                        <a:t> </a:t>
+                      </a:r>
+                      <a:r>
+                        <a:rPr lang="en-US" sz="1000" b="1" i="0" u="none" strike="noStrike" dirty="0">
+                          <a:solidFill>
+                            <a:srgbClr val="000000"/>
+                          </a:solidFill>
+                          <a:effectLst/>
+                          <a:latin typeface="Calibri"/>
+                        </a:rPr>
+                        <a:t>exit</a:t>
+                      </a:r>
+                    </a:p>
+                  </a:txBody>
+                  <a:tcPr marL="7144" marR="7144" marT="9525" marB="0" anchor="ctr">
                     <a:lnL w="6350" cap="flat" cmpd="sng" algn="ctr">
                       <a:solidFill>
                         <a:srgbClr val="000000"/>
@@ -13315,7 +8350,7 @@
                   </a:tcPr>
                 </a:tc>
               </a:tr>
-              <a:tr h="352425">
+              <a:tr h="233464">
                 <a:tc>
                   <a:txBody>
                     <a:bodyPr/>
@@ -13323,18 +8358,25 @@
                     <a:p>
                       <a:pPr algn="ctr" fontAlgn="b"/>
                       <a:r>
-                        <a:rPr lang="en-US" sz="1100" b="0" i="0" u="none" strike="noStrike" dirty="0">
+                        <a:rPr lang="en-US" sz="1100" b="0" i="0" u="none" strike="noStrike" dirty="0" err="1" smtClean="0">
                           <a:solidFill>
                             <a:srgbClr val="000000"/>
                           </a:solidFill>
                           <a:effectLst/>
                           <a:latin typeface="Calibri"/>
                         </a:rPr>
-                        <a:t>Pavilion Mini</a:t>
-                      </a:r>
-                    </a:p>
-                  </a:txBody>
-                  <a:tcPr marL="7144" marR="7144" marT="9525" marB="0" anchor="b">
+                        <a:t>varProduct</a:t>
+                      </a:r>
+                      <a:endParaRPr lang="en-US" sz="1100" b="0" i="0" u="none" strike="noStrike" dirty="0">
+                        <a:solidFill>
+                          <a:srgbClr val="000000"/>
+                        </a:solidFill>
+                        <a:effectLst/>
+                        <a:latin typeface="Calibri"/>
+                      </a:endParaRPr>
+                    </a:p>
+                  </a:txBody>
+                  <a:tcPr marL="7144" marR="7144" marT="9525" marB="0" anchor="ctr">
                     <a:lnL w="6350" cap="flat" cmpd="sng" algn="ctr">
                       <a:solidFill>
                         <a:srgbClr val="000000"/>
@@ -13380,14 +8422,14 @@
                     <a:p>
                       <a:pPr algn="ctr" fontAlgn="b"/>
                       <a:r>
-                        <a:rPr lang="en-US" sz="1100" b="0" i="0" u="none" strike="noStrike" dirty="0" smtClean="0">
+                        <a:rPr lang="en-US" sz="1100" b="0" i="0" u="none" strike="noStrike" dirty="0" err="1" smtClean="0">
                           <a:solidFill>
                             <a:srgbClr val="000000"/>
                           </a:solidFill>
                           <a:effectLst/>
                           <a:latin typeface="Calibri"/>
                         </a:rPr>
-                        <a:t>8</a:t>
+                        <a:t>varStores</a:t>
                       </a:r>
                       <a:endParaRPr lang="en-US" sz="1100" b="0" i="0" u="none" strike="noStrike" dirty="0">
                         <a:solidFill>
@@ -13398,7 +8440,7 @@
                       </a:endParaRPr>
                     </a:p>
                   </a:txBody>
-                  <a:tcPr marL="7144" marR="7144" marT="9525" marB="0" anchor="b">
+                  <a:tcPr marL="7144" marR="7144" marT="9525" marB="0" anchor="ctr">
                     <a:lnL w="6350" cap="flat" cmpd="sng" algn="ctr">
                       <a:solidFill>
                         <a:srgbClr val="000000"/>
@@ -13444,14 +8486,14 @@
                     <a:p>
                       <a:pPr algn="ctr" fontAlgn="b"/>
                       <a:r>
-                        <a:rPr lang="en-US" sz="1100" b="0" i="0" u="none" strike="noStrike" dirty="0" smtClean="0">
+                        <a:rPr lang="en-US" sz="1100" b="0" i="0" u="none" strike="noStrike" dirty="0" err="1" smtClean="0">
                           <a:solidFill>
                             <a:srgbClr val="000000"/>
                           </a:solidFill>
                           <a:effectLst/>
                           <a:latin typeface="Calibri"/>
                         </a:rPr>
-                        <a:t>10</a:t>
+                        <a:t>varUnits</a:t>
                       </a:r>
                       <a:endParaRPr lang="en-US" sz="1100" b="0" i="0" u="none" strike="noStrike" dirty="0">
                         <a:solidFill>
@@ -13462,7 +8504,7 @@
                       </a:endParaRPr>
                     </a:p>
                   </a:txBody>
-                  <a:tcPr marL="7144" marR="7144" marT="9525" marB="0" anchor="b">
+                  <a:tcPr marL="7144" marR="7144" marT="9525" marB="0" anchor="ctr">
                     <a:lnL w="6350" cap="flat" cmpd="sng" algn="ctr">
                       <a:solidFill>
                         <a:srgbClr val="000000"/>
@@ -13502,193 +8544,6 @@
                   </a:tcPr>
                 </a:tc>
               </a:tr>
-              <a:tr h="190500">
-                <a:tc>
-                  <a:txBody>
-                    <a:bodyPr/>
-                    <a:lstStyle/>
-                    <a:p>
-                      <a:pPr algn="ctr" fontAlgn="b"/>
-                      <a:r>
-                        <a:rPr lang="en-US" sz="1100" b="0" i="0" u="none" strike="noStrike" dirty="0">
-                          <a:solidFill>
-                            <a:srgbClr val="000000"/>
-                          </a:solidFill>
-                          <a:effectLst/>
-                          <a:latin typeface="Calibri"/>
-                        </a:rPr>
-                        <a:t>Stream</a:t>
-                      </a:r>
-                    </a:p>
-                  </a:txBody>
-                  <a:tcPr marL="7144" marR="7144" marT="9525" marB="0" anchor="b">
-                    <a:lnL w="6350" cap="flat" cmpd="sng" algn="ctr">
-                      <a:solidFill>
-                        <a:srgbClr val="000000"/>
-                      </a:solidFill>
-                      <a:prstDash val="solid"/>
-                      <a:round/>
-                      <a:headEnd type="none" w="med" len="med"/>
-                      <a:tailEnd type="none" w="med" len="med"/>
-                    </a:lnL>
-                    <a:lnR w="6350" cap="flat" cmpd="sng" algn="ctr">
-                      <a:solidFill>
-                        <a:srgbClr val="000000"/>
-                      </a:solidFill>
-                      <a:prstDash val="solid"/>
-                      <a:round/>
-                      <a:headEnd type="none" w="med" len="med"/>
-                      <a:tailEnd type="none" w="med" len="med"/>
-                    </a:lnR>
-                    <a:lnT w="6350" cap="flat" cmpd="sng" algn="ctr">
-                      <a:solidFill>
-                        <a:srgbClr val="000000"/>
-                      </a:solidFill>
-                      <a:prstDash val="solid"/>
-                      <a:round/>
-                      <a:headEnd type="none" w="med" len="med"/>
-                      <a:tailEnd type="none" w="med" len="med"/>
-                    </a:lnT>
-                    <a:lnB w="6350" cap="flat" cmpd="sng" algn="ctr">
-                      <a:solidFill>
-                        <a:srgbClr val="000000"/>
-                      </a:solidFill>
-                      <a:prstDash val="solid"/>
-                      <a:round/>
-                      <a:headEnd type="none" w="med" len="med"/>
-                      <a:tailEnd type="none" w="med" len="med"/>
-                    </a:lnB>
-                  </a:tcPr>
-                </a:tc>
-                <a:tc>
-                  <a:txBody>
-                    <a:bodyPr/>
-                    <a:lstStyle/>
-                    <a:p>
-                      <a:pPr algn="ctr" fontAlgn="b"/>
-                      <a:r>
-                        <a:rPr lang="en-US" sz="1100" b="0" i="0" u="none" strike="noStrike" dirty="0" smtClean="0">
-                          <a:solidFill>
-                            <a:srgbClr val="000000"/>
-                          </a:solidFill>
-                          <a:effectLst/>
-                          <a:latin typeface="Calibri"/>
-                        </a:rPr>
-                        <a:t>8</a:t>
-                      </a:r>
-                      <a:endParaRPr lang="en-US" sz="1100" b="0" i="0" u="none" strike="noStrike" dirty="0">
-                        <a:solidFill>
-                          <a:srgbClr val="000000"/>
-                        </a:solidFill>
-                        <a:effectLst/>
-                        <a:latin typeface="Calibri"/>
-                      </a:endParaRPr>
-                    </a:p>
-                  </a:txBody>
-                  <a:tcPr marL="7144" marR="7144" marT="9525" marB="0" anchor="b">
-                    <a:lnL w="6350" cap="flat" cmpd="sng" algn="ctr">
-                      <a:solidFill>
-                        <a:srgbClr val="000000"/>
-                      </a:solidFill>
-                      <a:prstDash val="solid"/>
-                      <a:round/>
-                      <a:headEnd type="none" w="med" len="med"/>
-                      <a:tailEnd type="none" w="med" len="med"/>
-                    </a:lnL>
-                    <a:lnR w="6350" cap="flat" cmpd="sng" algn="ctr">
-                      <a:solidFill>
-                        <a:srgbClr val="000000"/>
-                      </a:solidFill>
-                      <a:prstDash val="solid"/>
-                      <a:round/>
-                      <a:headEnd type="none" w="med" len="med"/>
-                      <a:tailEnd type="none" w="med" len="med"/>
-                    </a:lnR>
-                    <a:lnT w="6350" cap="flat" cmpd="sng" algn="ctr">
-                      <a:solidFill>
-                        <a:srgbClr val="000000"/>
-                      </a:solidFill>
-                      <a:prstDash val="solid"/>
-                      <a:round/>
-                      <a:headEnd type="none" w="med" len="med"/>
-                      <a:tailEnd type="none" w="med" len="med"/>
-                    </a:lnT>
-                    <a:lnB w="6350" cap="flat" cmpd="sng" algn="ctr">
-                      <a:solidFill>
-                        <a:srgbClr val="000000"/>
-                      </a:solidFill>
-                      <a:prstDash val="solid"/>
-                      <a:round/>
-                      <a:headEnd type="none" w="med" len="med"/>
-                      <a:tailEnd type="none" w="med" len="med"/>
-                    </a:lnB>
-                  </a:tcPr>
-                </a:tc>
-                <a:tc>
-                  <a:txBody>
-                    <a:bodyPr/>
-                    <a:lstStyle/>
-                    <a:p>
-                      <a:pPr algn="ctr" fontAlgn="b"/>
-                      <a:r>
-                        <a:rPr lang="en-US" sz="1100" b="0" i="0" u="none" strike="noStrike" dirty="0" smtClean="0">
-                          <a:solidFill>
-                            <a:srgbClr val="000000"/>
-                          </a:solidFill>
-                          <a:effectLst/>
-                          <a:latin typeface="Calibri"/>
-                        </a:rPr>
-                        <a:t>20</a:t>
-                      </a:r>
-                      <a:endParaRPr lang="en-US" sz="1100" b="0" i="0" u="none" strike="noStrike" dirty="0">
-                        <a:solidFill>
-                          <a:srgbClr val="000000"/>
-                        </a:solidFill>
-                        <a:effectLst/>
-                        <a:latin typeface="Calibri"/>
-                      </a:endParaRPr>
-                    </a:p>
-                  </a:txBody>
-                  <a:tcPr marL="7144" marR="7144" marT="9525" marB="0" anchor="b">
-                    <a:lnL w="6350" cap="flat" cmpd="sng" algn="ctr">
-                      <a:solidFill>
-                        <a:srgbClr val="000000"/>
-                      </a:solidFill>
-                      <a:prstDash val="solid"/>
-                      <a:round/>
-                      <a:headEnd type="none" w="med" len="med"/>
-                      <a:tailEnd type="none" w="med" len="med"/>
-                    </a:lnL>
-                    <a:lnR w="6350" cap="flat" cmpd="sng" algn="ctr">
-                      <a:solidFill>
-                        <a:srgbClr val="000000"/>
-                      </a:solidFill>
-                      <a:prstDash val="solid"/>
-                      <a:round/>
-                      <a:headEnd type="none" w="med" len="med"/>
-                      <a:tailEnd type="none" w="med" len="med"/>
-                    </a:lnR>
-                    <a:lnT w="6350" cap="flat" cmpd="sng" algn="ctr">
-                      <a:solidFill>
-                        <a:srgbClr val="000000"/>
-                      </a:solidFill>
-                      <a:prstDash val="solid"/>
-                      <a:round/>
-                      <a:headEnd type="none" w="med" len="med"/>
-                      <a:tailEnd type="none" w="med" len="med"/>
-                    </a:lnT>
-                    <a:lnB w="6350" cap="flat" cmpd="sng" algn="ctr">
-                      <a:solidFill>
-                        <a:srgbClr val="000000"/>
-                      </a:solidFill>
-                      <a:prstDash val="solid"/>
-                      <a:round/>
-                      <a:headEnd type="none" w="med" len="med"/>
-                      <a:tailEnd type="none" w="med" len="med"/>
-                    </a:lnB>
-                  </a:tcPr>
-                </a:tc>
-              </a:tr>
             </a:tbl>
           </a:graphicData>
         </a:graphic>
@@ -13696,7 +8551,7 @@
     </p:spTree>
     <p:extLst>
       <p:ext uri="{BB962C8B-B14F-4D97-AF65-F5344CB8AC3E}">
-        <p14:creationId xmlns:p14="http://schemas.microsoft.com/office/powerpoint/2010/main" xmlns="" val="2762497802"/>
+        <p14:creationId xmlns="" xmlns:p14="http://schemas.microsoft.com/office/powerpoint/2010/main" val="2762497802"/>
       </p:ext>
     </p:extLst>
   </p:cSld>
@@ -13755,7 +8610,7 @@
           <a:p>
             <a:pPr algn="ctr"/>
             <a:r>
-              <a:rPr lang="en-US" sz="2400" dirty="0" smtClean="0">
+              <a:rPr lang="en-US" sz="2400" dirty="0">
                 <a:solidFill>
                   <a:schemeClr val="tx2"/>
                 </a:solidFill>
@@ -13781,7 +8636,7 @@
           <p:nvPr>
             <p:extLst>
               <p:ext uri="{D42A27DB-BD31-4B8C-83A1-F6EECF244321}">
-                <p14:modId xmlns:p14="http://schemas.microsoft.com/office/powerpoint/2010/main" xmlns="" val="951037383"/>
+                <p14:modId xmlns="" xmlns:p14="http://schemas.microsoft.com/office/powerpoint/2010/main" val="951037383"/>
               </p:ext>
             </p:extLst>
           </p:nvPr>
@@ -14458,12 +9313,18 @@
                     <a:p>
                       <a:pPr algn="l" rtl="0" fontAlgn="b"/>
                       <a:r>
-                        <a:rPr lang="en-US" sz="900" b="1" u="none" strike="noStrike">
-                          <a:effectLst/>
-                        </a:rPr>
-                        <a:t>Sellthru ($K)</a:t>
-                      </a:r>
-                      <a:endParaRPr lang="en-US" sz="900" b="1" i="0" u="none" strike="noStrike">
+                        <a:rPr lang="en-US" sz="900" b="1" u="none" strike="noStrike" dirty="0" err="1">
+                          <a:effectLst/>
+                        </a:rPr>
+                        <a:t>Sellthru</a:t>
+                      </a:r>
+                      <a:r>
+                        <a:rPr lang="en-US" sz="900" b="1" u="none" strike="noStrike" dirty="0">
+                          <a:effectLst/>
+                        </a:rPr>
+                        <a:t> ($K)</a:t>
+                      </a:r>
+                      <a:endParaRPr lang="en-US" sz="900" b="1" i="0" u="none" strike="noStrike" dirty="0">
                         <a:solidFill>
                           <a:srgbClr val="000000"/>
                         </a:solidFill>
@@ -14861,12 +9722,18 @@
                     <a:p>
                       <a:pPr algn="l" rtl="0" fontAlgn="b"/>
                       <a:r>
-                        <a:rPr lang="en-US" sz="900" b="1" u="none" strike="noStrike">
-                          <a:effectLst/>
-                        </a:rPr>
-                        <a:t>Sellthru (units)</a:t>
-                      </a:r>
-                      <a:endParaRPr lang="en-US" sz="900" b="1" i="0" u="none" strike="noStrike">
+                        <a:rPr lang="en-US" sz="900" b="1" u="none" strike="noStrike" dirty="0" err="1">
+                          <a:effectLst/>
+                        </a:rPr>
+                        <a:t>Sellthru</a:t>
+                      </a:r>
+                      <a:r>
+                        <a:rPr lang="en-US" sz="900" b="1" u="none" strike="noStrike" dirty="0">
+                          <a:effectLst/>
+                        </a:rPr>
+                        <a:t> (units)</a:t>
+                      </a:r>
+                      <a:endParaRPr lang="en-US" sz="900" b="1" i="0" u="none" strike="noStrike" dirty="0">
                         <a:solidFill>
                           <a:srgbClr val="000000"/>
                         </a:solidFill>
@@ -15277,12 +10144,18 @@
                     <a:p>
                       <a:pPr algn="l" rtl="0" fontAlgn="b"/>
                       <a:r>
-                        <a:rPr lang="en-US" sz="900" b="1" u="none" strike="noStrike">
-                          <a:effectLst/>
-                        </a:rPr>
-                        <a:t>Sellthru ($K)</a:t>
-                      </a:r>
-                      <a:endParaRPr lang="en-US" sz="900" b="1" i="0" u="none" strike="noStrike">
+                        <a:rPr lang="en-US" sz="900" b="1" u="none" strike="noStrike" dirty="0" err="1">
+                          <a:effectLst/>
+                        </a:rPr>
+                        <a:t>Sellthru</a:t>
+                      </a:r>
+                      <a:r>
+                        <a:rPr lang="en-US" sz="900" b="1" u="none" strike="noStrike" dirty="0">
+                          <a:effectLst/>
+                        </a:rPr>
+                        <a:t> ($K)</a:t>
+                      </a:r>
+                      <a:endParaRPr lang="en-US" sz="900" b="1" i="0" u="none" strike="noStrike" dirty="0">
                         <a:solidFill>
                           <a:srgbClr val="000000"/>
                         </a:solidFill>
@@ -15680,12 +10553,18 @@
                     <a:p>
                       <a:pPr algn="l" rtl="0" fontAlgn="b"/>
                       <a:r>
-                        <a:rPr lang="en-US" sz="900" b="1" u="none" strike="noStrike">
-                          <a:effectLst/>
-                        </a:rPr>
-                        <a:t>Sellthru (units)</a:t>
-                      </a:r>
-                      <a:endParaRPr lang="en-US" sz="900" b="1" i="0" u="none" strike="noStrike">
+                        <a:rPr lang="en-US" sz="900" b="1" u="none" strike="noStrike" dirty="0" err="1">
+                          <a:effectLst/>
+                        </a:rPr>
+                        <a:t>Sellthru</a:t>
+                      </a:r>
+                      <a:r>
+                        <a:rPr lang="en-US" sz="900" b="1" u="none" strike="noStrike" dirty="0">
+                          <a:effectLst/>
+                        </a:rPr>
+                        <a:t> (units)</a:t>
+                      </a:r>
+                      <a:endParaRPr lang="en-US" sz="900" b="1" i="0" u="none" strike="noStrike" dirty="0">
                         <a:solidFill>
                           <a:srgbClr val="000000"/>
                         </a:solidFill>
@@ -16096,12 +10975,18 @@
                     <a:p>
                       <a:pPr algn="l" rtl="0" fontAlgn="b"/>
                       <a:r>
-                        <a:rPr lang="en-US" sz="900" b="1" u="none" strike="noStrike">
-                          <a:effectLst/>
-                        </a:rPr>
-                        <a:t>Sellthru ($K)</a:t>
-                      </a:r>
-                      <a:endParaRPr lang="en-US" sz="900" b="1" i="0" u="none" strike="noStrike">
+                        <a:rPr lang="en-US" sz="900" b="1" u="none" strike="noStrike" dirty="0" err="1">
+                          <a:effectLst/>
+                        </a:rPr>
+                        <a:t>Sellthru</a:t>
+                      </a:r>
+                      <a:r>
+                        <a:rPr lang="en-US" sz="900" b="1" u="none" strike="noStrike" dirty="0">
+                          <a:effectLst/>
+                        </a:rPr>
+                        <a:t> ($K)</a:t>
+                      </a:r>
+                      <a:endParaRPr lang="en-US" sz="900" b="1" i="0" u="none" strike="noStrike" dirty="0">
                         <a:solidFill>
                           <a:srgbClr val="000000"/>
                         </a:solidFill>
@@ -16499,12 +11384,18 @@
                     <a:p>
                       <a:pPr algn="l" rtl="0" fontAlgn="b"/>
                       <a:r>
-                        <a:rPr lang="en-US" sz="900" b="1" u="none" strike="noStrike">
-                          <a:effectLst/>
-                        </a:rPr>
-                        <a:t>Sellthru (units)</a:t>
-                      </a:r>
-                      <a:endParaRPr lang="en-US" sz="900" b="1" i="0" u="none" strike="noStrike">
+                        <a:rPr lang="en-US" sz="900" b="1" u="none" strike="noStrike" dirty="0" err="1">
+                          <a:effectLst/>
+                        </a:rPr>
+                        <a:t>Sellthru</a:t>
+                      </a:r>
+                      <a:r>
+                        <a:rPr lang="en-US" sz="900" b="1" u="none" strike="noStrike" dirty="0">
+                          <a:effectLst/>
+                        </a:rPr>
+                        <a:t> (units)</a:t>
+                      </a:r>
+                      <a:endParaRPr lang="en-US" sz="900" b="1" i="0" u="none" strike="noStrike" dirty="0">
                         <a:solidFill>
                           <a:srgbClr val="000000"/>
                         </a:solidFill>
@@ -16915,12 +11806,18 @@
                     <a:p>
                       <a:pPr algn="l" rtl="0" fontAlgn="b"/>
                       <a:r>
-                        <a:rPr lang="en-US" sz="900" b="1" u="none" strike="noStrike">
-                          <a:effectLst/>
-                        </a:rPr>
-                        <a:t>Sellthru ($K)</a:t>
-                      </a:r>
-                      <a:endParaRPr lang="en-US" sz="900" b="1" i="0" u="none" strike="noStrike">
+                        <a:rPr lang="en-US" sz="900" b="1" u="none" strike="noStrike" dirty="0" err="1">
+                          <a:effectLst/>
+                        </a:rPr>
+                        <a:t>Sellthru</a:t>
+                      </a:r>
+                      <a:r>
+                        <a:rPr lang="en-US" sz="900" b="1" u="none" strike="noStrike" dirty="0">
+                          <a:effectLst/>
+                        </a:rPr>
+                        <a:t> ($K)</a:t>
+                      </a:r>
+                      <a:endParaRPr lang="en-US" sz="900" b="1" i="0" u="none" strike="noStrike" dirty="0">
                         <a:solidFill>
                           <a:srgbClr val="000000"/>
                         </a:solidFill>
@@ -17331,12 +12228,18 @@
                     <a:p>
                       <a:pPr algn="l" rtl="0" fontAlgn="b"/>
                       <a:r>
-                        <a:rPr lang="en-US" sz="900" b="1" u="none" strike="noStrike">
-                          <a:effectLst/>
-                        </a:rPr>
-                        <a:t>Sellthru ($K)</a:t>
-                      </a:r>
-                      <a:endParaRPr lang="en-US" sz="900" b="1" i="0" u="none" strike="noStrike">
+                        <a:rPr lang="en-US" sz="900" b="1" u="none" strike="noStrike" dirty="0" err="1">
+                          <a:effectLst/>
+                        </a:rPr>
+                        <a:t>Sellthru</a:t>
+                      </a:r>
+                      <a:r>
+                        <a:rPr lang="en-US" sz="900" b="1" u="none" strike="noStrike" dirty="0">
+                          <a:effectLst/>
+                        </a:rPr>
+                        <a:t> ($K)</a:t>
+                      </a:r>
+                      <a:endParaRPr lang="en-US" sz="900" b="1" i="0" u="none" strike="noStrike" dirty="0">
                         <a:solidFill>
                           <a:srgbClr val="000000"/>
                         </a:solidFill>
@@ -17734,12 +12637,18 @@
                     <a:p>
                       <a:pPr algn="l" rtl="0" fontAlgn="b"/>
                       <a:r>
-                        <a:rPr lang="en-US" sz="900" b="1" u="none" strike="noStrike">
-                          <a:effectLst/>
-                        </a:rPr>
-                        <a:t>Sellthru (units)</a:t>
-                      </a:r>
-                      <a:endParaRPr lang="en-US" sz="900" b="1" i="0" u="none" strike="noStrike">
+                        <a:rPr lang="en-US" sz="900" b="1" u="none" strike="noStrike" dirty="0" err="1">
+                          <a:effectLst/>
+                        </a:rPr>
+                        <a:t>Sellthru</a:t>
+                      </a:r>
+                      <a:r>
+                        <a:rPr lang="en-US" sz="900" b="1" u="none" strike="noStrike" dirty="0">
+                          <a:effectLst/>
+                        </a:rPr>
+                        <a:t> (units)</a:t>
+                      </a:r>
+                      <a:endParaRPr lang="en-US" sz="900" b="1" i="0" u="none" strike="noStrike" dirty="0">
                         <a:solidFill>
                           <a:srgbClr val="000000"/>
                         </a:solidFill>
@@ -18542,7 +13451,7 @@
     </p:spTree>
     <p:extLst>
       <p:ext uri="{BB962C8B-B14F-4D97-AF65-F5344CB8AC3E}">
-        <p14:creationId xmlns:p14="http://schemas.microsoft.com/office/powerpoint/2010/main" xmlns="" val="2331096012"/>
+        <p14:creationId xmlns="" xmlns:p14="http://schemas.microsoft.com/office/powerpoint/2010/main" val="2331096012"/>
       </p:ext>
     </p:extLst>
   </p:cSld>

--- a/HPPortal.Web/PptBuilder/Templates/JBPlanTemplate.pptx
+++ b/HPPortal.Web/PptBuilder/Templates/JBPlanTemplate.pptx
@@ -118,7 +118,7 @@
   </p:defaultTextStyle>
   <p:extLst>
     <p:ext uri="{EFAFB233-063F-42B5-8137-9DF3F51BA10A}">
-      <p15:sldGuideLst xmlns:p15="http://schemas.microsoft.com/office/powerpoint/2012/main" xmlns="">
+      <p15:sldGuideLst xmlns="" xmlns:p15="http://schemas.microsoft.com/office/powerpoint/2012/main">
         <p15:guide id="1" orient="horz" pos="3080">
           <p15:clr>
             <a:srgbClr val="A4A3A4"/>
@@ -192,7 +192,7 @@
       </p15:sldGuideLst>
     </p:ext>
     <p:ext uri="{2D200454-40CA-4A62-9FC3-DE9A4176ACB9}">
-      <p15:notesGuideLst xmlns:p15="http://schemas.microsoft.com/office/powerpoint/2012/main" xmlns="">
+      <p15:notesGuideLst xmlns="" xmlns:p15="http://schemas.microsoft.com/office/powerpoint/2012/main">
         <p15:guide id="1" orient="horz" pos="2928" userDrawn="1">
           <p15:clr>
             <a:srgbClr val="A4A3A4"/>
@@ -298,7 +298,7 @@
                 <a:cs typeface="HP Simplified"/>
               </a:rPr>
               <a:pPr/>
-              <a:t>03/16/2015</a:t>
+              <a:t>03/18/2015</a:t>
             </a:fld>
             <a:endParaRPr lang="en-GB" dirty="0">
               <a:latin typeface="HP Simplified"/>
@@ -386,7 +386,7 @@
     </p:spTree>
     <p:extLst>
       <p:ext uri="{BB962C8B-B14F-4D97-AF65-F5344CB8AC3E}">
-        <p14:creationId xmlns="" xmlns:p14="http://schemas.microsoft.com/office/powerpoint/2010/main" val="49321741"/>
+        <p14:creationId xmlns:p14="http://schemas.microsoft.com/office/powerpoint/2010/main" xmlns="" val="49321741"/>
       </p:ext>
     </p:extLst>
   </p:cSld>
@@ -484,7 +484,7 @@
             <a:fld id="{2D9CAF8C-0805-8440-B43D-DCCAAA4D80CE}" type="datetimeFigureOut">
               <a:rPr lang="en-US" smtClean="0"/>
               <a:pPr/>
-              <a:t>03/16/2015</a:t>
+              <a:t>03/18/2015</a:t>
             </a:fld>
             <a:endParaRPr lang="en-GB" dirty="0"/>
           </a:p>
@@ -659,7 +659,7 @@
     </p:spTree>
     <p:extLst>
       <p:ext uri="{BB962C8B-B14F-4D97-AF65-F5344CB8AC3E}">
-        <p14:creationId xmlns="" xmlns:p14="http://schemas.microsoft.com/office/powerpoint/2010/main" val="2688079807"/>
+        <p14:creationId xmlns:p14="http://schemas.microsoft.com/office/powerpoint/2010/main" xmlns="" val="2688079807"/>
       </p:ext>
     </p:extLst>
   </p:cSld>
@@ -857,7 +857,7 @@
     </p:spTree>
     <p:extLst>
       <p:ext uri="{BB962C8B-B14F-4D97-AF65-F5344CB8AC3E}">
-        <p14:creationId xmlns="" xmlns:p14="http://schemas.microsoft.com/office/powerpoint/2010/main" val="782509727"/>
+        <p14:creationId xmlns:p14="http://schemas.microsoft.com/office/powerpoint/2010/main" xmlns="" val="782509727"/>
       </p:ext>
     </p:extLst>
   </p:cSld>
@@ -949,7 +949,7 @@
     </p:spTree>
     <p:extLst>
       <p:ext uri="{BB962C8B-B14F-4D97-AF65-F5344CB8AC3E}">
-        <p14:creationId xmlns="" xmlns:p14="http://schemas.microsoft.com/office/powerpoint/2010/main" val="438926188"/>
+        <p14:creationId xmlns:p14="http://schemas.microsoft.com/office/powerpoint/2010/main" xmlns="" val="438926188"/>
       </p:ext>
     </p:extLst>
   </p:cSld>
@@ -1034,7 +1034,7 @@
     </p:spTree>
     <p:extLst>
       <p:ext uri="{BB962C8B-B14F-4D97-AF65-F5344CB8AC3E}">
-        <p14:creationId xmlns="" xmlns:p14="http://schemas.microsoft.com/office/powerpoint/2010/main" val="277874407"/>
+        <p14:creationId xmlns:p14="http://schemas.microsoft.com/office/powerpoint/2010/main" xmlns="" val="277874407"/>
       </p:ext>
     </p:extLst>
   </p:cSld>
@@ -1126,7 +1126,7 @@
     </p:spTree>
     <p:extLst>
       <p:ext uri="{BB962C8B-B14F-4D97-AF65-F5344CB8AC3E}">
-        <p14:creationId xmlns="" xmlns:p14="http://schemas.microsoft.com/office/powerpoint/2010/main" val="3722602932"/>
+        <p14:creationId xmlns:p14="http://schemas.microsoft.com/office/powerpoint/2010/main" xmlns="" val="3722602932"/>
       </p:ext>
     </p:extLst>
   </p:cSld>
@@ -1218,7 +1218,7 @@
     </p:spTree>
     <p:extLst>
       <p:ext uri="{BB962C8B-B14F-4D97-AF65-F5344CB8AC3E}">
-        <p14:creationId xmlns="" xmlns:p14="http://schemas.microsoft.com/office/powerpoint/2010/main" val="4275148448"/>
+        <p14:creationId xmlns:p14="http://schemas.microsoft.com/office/powerpoint/2010/main" xmlns="" val="4275148448"/>
       </p:ext>
     </p:extLst>
   </p:cSld>
@@ -1420,7 +1420,7 @@
           <a:blip r:embed="rId2" cstate="print">
             <a:extLst>
               <a:ext uri="{28A0092B-C50C-407E-A947-70E740481C1C}">
-                <a14:useLocalDpi xmlns="" xmlns:a14="http://schemas.microsoft.com/office/drawing/2010/main"/>
+                <a14:useLocalDpi xmlns:a14="http://schemas.microsoft.com/office/drawing/2010/main" xmlns=""/>
               </a:ext>
             </a:extLst>
           </a:blip>
@@ -1973,7 +1973,7 @@
     </p:spTree>
     <p:extLst>
       <p:ext uri="{BB962C8B-B14F-4D97-AF65-F5344CB8AC3E}">
-        <p14:creationId xmlns="" xmlns:p14="http://schemas.microsoft.com/office/powerpoint/2010/main" val="287351219"/>
+        <p14:creationId xmlns:p14="http://schemas.microsoft.com/office/powerpoint/2010/main" xmlns="" val="287351219"/>
       </p:ext>
     </p:extLst>
   </p:cSld>
@@ -2168,7 +2168,7 @@
     </p:spTree>
     <p:extLst>
       <p:ext uri="{BB962C8B-B14F-4D97-AF65-F5344CB8AC3E}">
-        <p14:creationId xmlns="" xmlns:p14="http://schemas.microsoft.com/office/powerpoint/2010/main" val="1685928520"/>
+        <p14:creationId xmlns:p14="http://schemas.microsoft.com/office/powerpoint/2010/main" xmlns="" val="1685928520"/>
       </p:ext>
     </p:extLst>
   </p:cSld>
@@ -2378,7 +2378,7 @@
           <a:blip r:embed="rId2" cstate="print">
             <a:extLst>
               <a:ext uri="{28A0092B-C50C-407E-A947-70E740481C1C}">
-                <a14:useLocalDpi xmlns="" xmlns:a14="http://schemas.microsoft.com/office/drawing/2010/main"/>
+                <a14:useLocalDpi xmlns:a14="http://schemas.microsoft.com/office/drawing/2010/main" xmlns=""/>
               </a:ext>
             </a:extLst>
           </a:blip>
@@ -2475,7 +2475,7 @@
     </p:spTree>
     <p:extLst>
       <p:ext uri="{BB962C8B-B14F-4D97-AF65-F5344CB8AC3E}">
-        <p14:creationId xmlns="" xmlns:p14="http://schemas.microsoft.com/office/powerpoint/2010/main" val="2276755735"/>
+        <p14:creationId xmlns:p14="http://schemas.microsoft.com/office/powerpoint/2010/main" xmlns="" val="2276755735"/>
       </p:ext>
     </p:extLst>
   </p:cSld>
@@ -2656,7 +2656,7 @@
           <a:blip r:embed="rId2" cstate="print">
             <a:extLst>
               <a:ext uri="{28A0092B-C50C-407E-A947-70E740481C1C}">
-                <a14:useLocalDpi xmlns="" xmlns:a14="http://schemas.microsoft.com/office/drawing/2010/main"/>
+                <a14:useLocalDpi xmlns:a14="http://schemas.microsoft.com/office/drawing/2010/main" xmlns=""/>
               </a:ext>
             </a:extLst>
           </a:blip>
@@ -2681,7 +2681,7 @@
     </p:spTree>
     <p:extLst>
       <p:ext uri="{BB962C8B-B14F-4D97-AF65-F5344CB8AC3E}">
-        <p14:creationId xmlns="" xmlns:p14="http://schemas.microsoft.com/office/powerpoint/2010/main" val="3574790563"/>
+        <p14:creationId xmlns:p14="http://schemas.microsoft.com/office/powerpoint/2010/main" xmlns="" val="3574790563"/>
       </p:ext>
     </p:extLst>
   </p:cSld>
@@ -3008,7 +3008,7 @@
           <a:blip r:embed="rId2" cstate="print">
             <a:extLst>
               <a:ext uri="{28A0092B-C50C-407E-A947-70E740481C1C}">
-                <a14:useLocalDpi xmlns="" xmlns:a14="http://schemas.microsoft.com/office/drawing/2010/main"/>
+                <a14:useLocalDpi xmlns:a14="http://schemas.microsoft.com/office/drawing/2010/main" xmlns=""/>
               </a:ext>
             </a:extLst>
           </a:blip>
@@ -3029,7 +3029,7 @@
     </p:spTree>
     <p:extLst>
       <p:ext uri="{BB962C8B-B14F-4D97-AF65-F5344CB8AC3E}">
-        <p14:creationId xmlns="" xmlns:p14="http://schemas.microsoft.com/office/powerpoint/2010/main" val="3158848588"/>
+        <p14:creationId xmlns:p14="http://schemas.microsoft.com/office/powerpoint/2010/main" xmlns="" val="3158848588"/>
       </p:ext>
     </p:extLst>
   </p:cSld>
@@ -3117,7 +3117,7 @@
     </p:spTree>
     <p:extLst>
       <p:ext uri="{BB962C8B-B14F-4D97-AF65-F5344CB8AC3E}">
-        <p14:creationId xmlns="" xmlns:p14="http://schemas.microsoft.com/office/powerpoint/2010/main" val="625252054"/>
+        <p14:creationId xmlns:p14="http://schemas.microsoft.com/office/powerpoint/2010/main" xmlns="" val="625252054"/>
       </p:ext>
     </p:extLst>
   </p:cSld>
@@ -3420,7 +3420,7 @@
     </p:spTree>
     <p:extLst>
       <p:ext uri="{BB962C8B-B14F-4D97-AF65-F5344CB8AC3E}">
-        <p14:creationId xmlns="" xmlns:p14="http://schemas.microsoft.com/office/powerpoint/2010/main" val="3419709994"/>
+        <p14:creationId xmlns:p14="http://schemas.microsoft.com/office/powerpoint/2010/main" xmlns="" val="3419709994"/>
       </p:ext>
     </p:extLst>
   </p:cSld>
@@ -3740,7 +3740,7 @@
     </p:spTree>
     <p:extLst>
       <p:ext uri="{BB962C8B-B14F-4D97-AF65-F5344CB8AC3E}">
-        <p14:creationId xmlns="" xmlns:p14="http://schemas.microsoft.com/office/powerpoint/2010/main" val="3419709994"/>
+        <p14:creationId xmlns:p14="http://schemas.microsoft.com/office/powerpoint/2010/main" xmlns="" val="3419709994"/>
       </p:ext>
     </p:extLst>
   </p:cSld>
@@ -4124,7 +4124,7 @@
     </p:spTree>
     <p:extLst>
       <p:ext uri="{BB962C8B-B14F-4D97-AF65-F5344CB8AC3E}">
-        <p14:creationId xmlns="" xmlns:p14="http://schemas.microsoft.com/office/powerpoint/2010/main" val="3284705722"/>
+        <p14:creationId xmlns:p14="http://schemas.microsoft.com/office/powerpoint/2010/main" xmlns="" val="3284705722"/>
       </p:ext>
     </p:extLst>
   </p:cSld>
@@ -4455,7 +4455,7 @@
     </p:spTree>
     <p:extLst>
       <p:ext uri="{BB962C8B-B14F-4D97-AF65-F5344CB8AC3E}">
-        <p14:creationId xmlns="" xmlns:p14="http://schemas.microsoft.com/office/powerpoint/2010/main" val="650519867"/>
+        <p14:creationId xmlns:p14="http://schemas.microsoft.com/office/powerpoint/2010/main" xmlns="" val="650519867"/>
       </p:ext>
     </p:extLst>
   </p:cSld>
@@ -4724,7 +4724,7 @@
           <a:blip r:embed="rId14" cstate="print">
             <a:extLst>
               <a:ext uri="{28A0092B-C50C-407E-A947-70E740481C1C}">
-                <a14:useLocalDpi xmlns="" xmlns:a14="http://schemas.microsoft.com/office/drawing/2010/main"/>
+                <a14:useLocalDpi xmlns:a14="http://schemas.microsoft.com/office/drawing/2010/main" xmlns=""/>
               </a:ext>
             </a:extLst>
           </a:blip>
@@ -4749,7 +4749,7 @@
     </p:spTree>
     <p:extLst>
       <p:ext uri="{BB962C8B-B14F-4D97-AF65-F5344CB8AC3E}">
-        <p14:creationId xmlns="" xmlns:p14="http://schemas.microsoft.com/office/powerpoint/2010/main" val="2606275834"/>
+        <p14:creationId xmlns:p14="http://schemas.microsoft.com/office/powerpoint/2010/main" xmlns="" val="2606275834"/>
       </p:ext>
     </p:extLst>
   </p:cSld>
@@ -5541,7 +5541,7 @@
     </p:spTree>
     <p:extLst>
       <p:ext uri="{BB962C8B-B14F-4D97-AF65-F5344CB8AC3E}">
-        <p14:creationId xmlns="" xmlns:p14="http://schemas.microsoft.com/office/powerpoint/2010/main" val="1098815349"/>
+        <p14:creationId xmlns:p14="http://schemas.microsoft.com/office/powerpoint/2010/main" xmlns="" val="1098815349"/>
       </p:ext>
     </p:extLst>
   </p:cSld>
@@ -6518,7 +6518,7 @@
     </p:spTree>
     <p:extLst>
       <p:ext uri="{BB962C8B-B14F-4D97-AF65-F5344CB8AC3E}">
-        <p14:creationId xmlns="" xmlns:p14="http://schemas.microsoft.com/office/powerpoint/2010/main" val="1186358733"/>
+        <p14:creationId xmlns:p14="http://schemas.microsoft.com/office/powerpoint/2010/main" xmlns="" val="1186358733"/>
       </p:ext>
     </p:extLst>
   </p:cSld>
@@ -6904,7 +6904,7 @@
     </p:spTree>
     <p:extLst>
       <p:ext uri="{BB962C8B-B14F-4D97-AF65-F5344CB8AC3E}">
-        <p14:creationId xmlns="" xmlns:p14="http://schemas.microsoft.com/office/powerpoint/2010/main" val="860777018"/>
+        <p14:creationId xmlns:p14="http://schemas.microsoft.com/office/powerpoint/2010/main" xmlns="" val="860777018"/>
       </p:ext>
     </p:extLst>
   </p:cSld>
@@ -6980,7 +6980,7 @@
           <p:nvPr>
             <p:extLst>
               <p:ext uri="{D42A27DB-BD31-4B8C-83A1-F6EECF244321}">
-                <p14:modId xmlns="" xmlns:p14="http://schemas.microsoft.com/office/powerpoint/2010/main" val="3901575031"/>
+                <p14:modId xmlns:p14="http://schemas.microsoft.com/office/powerpoint/2010/main" xmlns="" val="3901575031"/>
               </p:ext>
             </p:extLst>
           </p:nvPr>
@@ -7332,7 +7332,7 @@
     </p:spTree>
     <p:extLst>
       <p:ext uri="{BB962C8B-B14F-4D97-AF65-F5344CB8AC3E}">
-        <p14:creationId xmlns="" xmlns:p14="http://schemas.microsoft.com/office/powerpoint/2010/main" val="1228721567"/>
+        <p14:creationId xmlns:p14="http://schemas.microsoft.com/office/powerpoint/2010/main" xmlns="" val="1228721567"/>
       </p:ext>
     </p:extLst>
   </p:cSld>
@@ -7393,16 +7393,7 @@
                 </a:solidFill>
                 <a:ea typeface="Arial" pitchFamily="-111" charset="0"/>
               </a:rPr>
-              <a:t>Strategic </a:t>
-            </a:r>
-            <a:r>
-              <a:rPr lang="en-US" sz="2400" dirty="0">
-                <a:solidFill>
-                  <a:schemeClr val="tx2"/>
-                </a:solidFill>
-                <a:ea typeface="Arial" pitchFamily="-111" charset="0"/>
-              </a:rPr>
-              <a:t>Plan</a:t>
+              <a:t>Strategic Plan</a:t>
             </a:r>
             <a:endParaRPr lang="en-US" sz="2400" b="0" i="1" dirty="0">
               <a:solidFill>
@@ -7422,7 +7413,7 @@
           <p:nvPr>
             <p:extLst>
               <p:ext uri="{D42A27DB-BD31-4B8C-83A1-F6EECF244321}">
-                <p14:modId xmlns="" xmlns:p14="http://schemas.microsoft.com/office/powerpoint/2010/main" val="912228269"/>
+                <p14:modId xmlns:p14="http://schemas.microsoft.com/office/powerpoint/2010/main" xmlns="" val="912228269"/>
               </p:ext>
             </p:extLst>
           </p:nvPr>
@@ -7700,7 +7691,7 @@
     </p:spTree>
     <p:extLst>
       <p:ext uri="{BB962C8B-B14F-4D97-AF65-F5344CB8AC3E}">
-        <p14:creationId xmlns="" xmlns:p14="http://schemas.microsoft.com/office/powerpoint/2010/main" val="1121654818"/>
+        <p14:creationId xmlns:p14="http://schemas.microsoft.com/office/powerpoint/2010/main" xmlns="" val="1121654818"/>
       </p:ext>
     </p:extLst>
   </p:cSld>
@@ -7759,15 +7750,7 @@
           <a:p>
             <a:r>
               <a:rPr lang="en-US" sz="1800" dirty="0" smtClean="0"/>
-              <a:t>Targeted</a:t>
-            </a:r>
-            <a:r>
-              <a:rPr lang="en-US" sz="1800" dirty="0" smtClean="0"/>
-              <a:t> </a:t>
-            </a:r>
-            <a:r>
-              <a:rPr lang="en-US" sz="1800" dirty="0" smtClean="0"/>
-              <a:t>goals</a:t>
+              <a:t>Targeted goals</a:t>
             </a:r>
             <a:endParaRPr lang="en-US" sz="1800" dirty="0"/>
           </a:p>
@@ -7782,7 +7765,7 @@
           <p:nvPr>
             <p:extLst>
               <p:ext uri="{D42A27DB-BD31-4B8C-83A1-F6EECF244321}">
-                <p14:modId xmlns="" xmlns:p14="http://schemas.microsoft.com/office/powerpoint/2010/main" val="1391842797"/>
+                <p14:modId xmlns:p14="http://schemas.microsoft.com/office/powerpoint/2010/main" xmlns="" val="1391842797"/>
               </p:ext>
             </p:extLst>
           </p:nvPr>
@@ -8020,7 +8003,7 @@
           <p:nvPr>
             <p:extLst>
               <p:ext uri="{D42A27DB-BD31-4B8C-83A1-F6EECF244321}">
-                <p14:modId xmlns="" xmlns:p14="http://schemas.microsoft.com/office/powerpoint/2010/main" val="1947894772"/>
+                <p14:modId xmlns:p14="http://schemas.microsoft.com/office/powerpoint/2010/main" xmlns="" val="1947894772"/>
               </p:ext>
             </p:extLst>
           </p:nvPr>
@@ -8551,7 +8534,7 @@
     </p:spTree>
     <p:extLst>
       <p:ext uri="{BB962C8B-B14F-4D97-AF65-F5344CB8AC3E}">
-        <p14:creationId xmlns="" xmlns:p14="http://schemas.microsoft.com/office/powerpoint/2010/main" val="2762497802"/>
+        <p14:creationId xmlns:p14="http://schemas.microsoft.com/office/powerpoint/2010/main" xmlns="" val="2762497802"/>
       </p:ext>
     </p:extLst>
   </p:cSld>
@@ -8590,7 +8573,7 @@
       </p:grpSpPr>
       <p:sp>
         <p:nvSpPr>
-          <p:cNvPr id="71" name="Title 70"/>
+          <p:cNvPr id="8" name="Title 70"/>
           <p:cNvSpPr>
             <a:spLocks noGrp="1"/>
           </p:cNvSpPr>
@@ -8600,25 +8583,31 @@
         </p:nvSpPr>
         <p:spPr>
           <a:xfrm>
-            <a:off x="142834" y="68763"/>
-            <a:ext cx="8534718" cy="430887"/>
+            <a:off x="146538" y="69310"/>
+            <a:ext cx="8534718" cy="348979"/>
           </a:xfrm>
         </p:spPr>
         <p:txBody>
           <a:bodyPr/>
           <a:lstStyle/>
           <a:p>
-            <a:pPr algn="ctr"/>
-            <a:r>
-              <a:rPr lang="en-US" sz="2400" dirty="0">
-                <a:solidFill>
-                  <a:schemeClr val="tx2"/>
-                </a:solidFill>
-                <a:ea typeface="Arial" pitchFamily="-111" charset="0"/>
-              </a:rPr>
-              <a:t>Category-wise Plan and Performance</a:t>
-            </a:r>
-            <a:endParaRPr lang="en-US" sz="2400" b="0" i="1" dirty="0">
+            <a:r>
+              <a:rPr lang="en-US" sz="2200" dirty="0" smtClean="0"/>
+              <a:t>Actions r</a:t>
+            </a:r>
+            <a:r>
+              <a:rPr lang="en-US" sz="2200" dirty="0" smtClean="0"/>
+              <a:t>eqd</a:t>
+            </a:r>
+            <a:r>
+              <a:rPr lang="en-US" sz="2200" dirty="0" smtClean="0"/>
+              <a:t>. to hit the </a:t>
+            </a:r>
+            <a:r>
+              <a:rPr lang="en-US" sz="2200" dirty="0" smtClean="0"/>
+              <a:t>Targeted Goals</a:t>
+            </a:r>
+            <a:endParaRPr lang="en-US" sz="2200" b="0" i="1" dirty="0">
               <a:solidFill>
                 <a:schemeClr val="tx2"/>
               </a:solidFill>
@@ -8629,711 +8618,55 @@
       </p:sp>
       <p:graphicFrame>
         <p:nvGraphicFramePr>
-          <p:cNvPr id="2" name="Table 1"/>
+          <p:cNvPr id="9" name="Table 8"/>
           <p:cNvGraphicFramePr>
             <a:graphicFrameLocks noGrp="1"/>
           </p:cNvGraphicFramePr>
           <p:nvPr>
             <p:extLst>
               <p:ext uri="{D42A27DB-BD31-4B8C-83A1-F6EECF244321}">
-                <p14:modId xmlns="" xmlns:p14="http://schemas.microsoft.com/office/powerpoint/2010/main" val="951037383"/>
+                <p14:modId xmlns:p14="http://schemas.microsoft.com/office/powerpoint/2010/main" xmlns="" val="912228269"/>
               </p:ext>
             </p:extLst>
           </p:nvPr>
         </p:nvGraphicFramePr>
         <p:xfrm>
-          <a:off x="142834" y="579426"/>
-          <a:ext cx="8910630" cy="3702826"/>
+          <a:off x="92520" y="481747"/>
+          <a:ext cx="8934747" cy="568834"/>
         </p:xfrm>
         <a:graphic>
           <a:graphicData uri="http://schemas.openxmlformats.org/drawingml/2006/table">
             <a:tbl>
-              <a:tblPr>
-                <a:tableStyleId>{073A0DAA-6AF3-43AB-8588-CEC1D06C72B9}</a:tableStyleId>
+              <a:tblPr firstRow="1">
+                <a:tableStyleId>{5C22544A-7EE6-4342-B048-85BDC9FD1C3A}</a:tableStyleId>
               </a:tblPr>
               <a:tblGrid>
-                <a:gridCol w="495035"/>
-                <a:gridCol w="495035"/>
-                <a:gridCol w="495035"/>
-                <a:gridCol w="495035"/>
-                <a:gridCol w="495035"/>
-                <a:gridCol w="495035"/>
-                <a:gridCol w="495035"/>
-                <a:gridCol w="495035"/>
-                <a:gridCol w="495035"/>
-                <a:gridCol w="495035"/>
-                <a:gridCol w="495035"/>
-                <a:gridCol w="495035"/>
-                <a:gridCol w="495035"/>
-                <a:gridCol w="495035"/>
-                <a:gridCol w="495035"/>
-                <a:gridCol w="495035"/>
-                <a:gridCol w="495035"/>
-                <a:gridCol w="495035"/>
+                <a:gridCol w="2018382"/>
+                <a:gridCol w="1292048"/>
+                <a:gridCol w="1509518"/>
+                <a:gridCol w="2431915"/>
+                <a:gridCol w="1682884"/>
               </a:tblGrid>
-              <a:tr h="179584">
-                <a:tc gridSpan="18">
-                  <a:txBody>
-                    <a:bodyPr/>
-                    <a:lstStyle/>
-                    <a:p>
-                      <a:pPr algn="ctr" rtl="0" fontAlgn="ctr"/>
-                      <a:r>
-                        <a:rPr lang="en-US" sz="900" b="1" u="none" strike="noStrike" dirty="0">
-                          <a:effectLst/>
-                        </a:rPr>
-                        <a:t>Bajaj Electronics-MBO</a:t>
-                      </a:r>
-                      <a:endParaRPr lang="en-US" sz="900" b="1" i="0" u="none" strike="noStrike" dirty="0">
-                        <a:solidFill>
-                          <a:srgbClr val="000000"/>
-                        </a:solidFill>
-                        <a:effectLst/>
-                        <a:latin typeface="HP Simplified" panose="020B0604020204020204" pitchFamily="34" charset="0"/>
-                      </a:endParaRPr>
-                    </a:p>
-                  </a:txBody>
-                  <a:tcPr marL="7100" marR="7100" marT="7100" marB="0" anchor="ctr"/>
-                </a:tc>
-                <a:tc hMerge="1">
-                  <a:txBody>
-                    <a:bodyPr/>
-                    <a:lstStyle/>
-                    <a:p>
-                      <a:endParaRPr lang="en-US"/>
-                    </a:p>
-                  </a:txBody>
-                  <a:tcPr/>
-                </a:tc>
-                <a:tc hMerge="1">
-                  <a:txBody>
-                    <a:bodyPr/>
-                    <a:lstStyle/>
-                    <a:p>
-                      <a:endParaRPr lang="en-US"/>
-                    </a:p>
-                  </a:txBody>
-                  <a:tcPr/>
-                </a:tc>
-                <a:tc hMerge="1">
-                  <a:txBody>
-                    <a:bodyPr/>
-                    <a:lstStyle/>
-                    <a:p>
-                      <a:endParaRPr lang="en-US"/>
-                    </a:p>
-                  </a:txBody>
-                  <a:tcPr/>
-                </a:tc>
-                <a:tc hMerge="1">
-                  <a:txBody>
-                    <a:bodyPr/>
-                    <a:lstStyle/>
-                    <a:p>
-                      <a:endParaRPr lang="en-US"/>
-                    </a:p>
-                  </a:txBody>
-                  <a:tcPr/>
-                </a:tc>
-                <a:tc hMerge="1">
-                  <a:txBody>
-                    <a:bodyPr/>
-                    <a:lstStyle/>
-                    <a:p>
-                      <a:endParaRPr lang="en-US"/>
-                    </a:p>
-                  </a:txBody>
-                  <a:tcPr/>
-                </a:tc>
-                <a:tc hMerge="1">
-                  <a:txBody>
-                    <a:bodyPr/>
-                    <a:lstStyle/>
-                    <a:p>
-                      <a:endParaRPr lang="en-US"/>
-                    </a:p>
-                  </a:txBody>
-                  <a:tcPr/>
-                </a:tc>
-                <a:tc hMerge="1">
-                  <a:txBody>
-                    <a:bodyPr/>
-                    <a:lstStyle/>
-                    <a:p>
-                      <a:endParaRPr lang="en-US"/>
-                    </a:p>
-                  </a:txBody>
-                  <a:tcPr/>
-                </a:tc>
-                <a:tc hMerge="1">
-                  <a:txBody>
-                    <a:bodyPr/>
-                    <a:lstStyle/>
-                    <a:p>
-                      <a:endParaRPr lang="en-US"/>
-                    </a:p>
-                  </a:txBody>
-                  <a:tcPr/>
-                </a:tc>
-                <a:tc hMerge="1">
-                  <a:txBody>
-                    <a:bodyPr/>
-                    <a:lstStyle/>
-                    <a:p>
-                      <a:endParaRPr lang="en-US"/>
-                    </a:p>
-                  </a:txBody>
-                  <a:tcPr/>
-                </a:tc>
-                <a:tc hMerge="1">
-                  <a:txBody>
-                    <a:bodyPr/>
-                    <a:lstStyle/>
-                    <a:p>
-                      <a:endParaRPr lang="en-US"/>
-                    </a:p>
-                  </a:txBody>
-                  <a:tcPr/>
-                </a:tc>
-                <a:tc hMerge="1">
-                  <a:txBody>
-                    <a:bodyPr/>
-                    <a:lstStyle/>
-                    <a:p>
-                      <a:endParaRPr lang="en-US"/>
-                    </a:p>
-                  </a:txBody>
-                  <a:tcPr/>
-                </a:tc>
-                <a:tc hMerge="1">
-                  <a:txBody>
-                    <a:bodyPr/>
-                    <a:lstStyle/>
-                    <a:p>
-                      <a:endParaRPr lang="en-US"/>
-                    </a:p>
-                  </a:txBody>
-                  <a:tcPr/>
-                </a:tc>
-                <a:tc hMerge="1">
-                  <a:txBody>
-                    <a:bodyPr/>
-                    <a:lstStyle/>
-                    <a:p>
-                      <a:endParaRPr lang="en-US"/>
-                    </a:p>
-                  </a:txBody>
-                  <a:tcPr/>
-                </a:tc>
-                <a:tc hMerge="1">
-                  <a:txBody>
-                    <a:bodyPr/>
-                    <a:lstStyle/>
-                    <a:p>
-                      <a:endParaRPr lang="en-US"/>
-                    </a:p>
-                  </a:txBody>
-                  <a:tcPr/>
-                </a:tc>
-                <a:tc hMerge="1">
-                  <a:txBody>
-                    <a:bodyPr/>
-                    <a:lstStyle/>
-                    <a:p>
-                      <a:endParaRPr lang="en-US"/>
-                    </a:p>
-                  </a:txBody>
-                  <a:tcPr/>
-                </a:tc>
-                <a:tc hMerge="1">
-                  <a:txBody>
-                    <a:bodyPr/>
-                    <a:lstStyle/>
-                    <a:p>
-                      <a:endParaRPr lang="en-US"/>
-                    </a:p>
-                  </a:txBody>
-                  <a:tcPr/>
-                </a:tc>
-                <a:tc hMerge="1">
-                  <a:txBody>
-                    <a:bodyPr/>
-                    <a:lstStyle/>
-                    <a:p>
-                      <a:endParaRPr lang="en-US"/>
-                    </a:p>
-                  </a:txBody>
-                  <a:tcPr/>
-                </a:tc>
-              </a:tr>
-              <a:tr h="444682">
+              <a:tr h="284417">
                 <a:tc>
                   <a:txBody>
                     <a:bodyPr/>
                     <a:lstStyle/>
                     <a:p>
-                      <a:pPr algn="ctr" rtl="0" fontAlgn="ctr"/>
+                      <a:pPr algn="ctr" rtl="0" fontAlgn="b"/>
                       <a:r>
-                        <a:rPr lang="en-US" sz="800" b="1" u="none" strike="noStrike" dirty="0">
-                          <a:effectLst/>
-                        </a:rPr>
-                        <a:t>Category</a:t>
+                        <a:rPr lang="en-US" sz="1000" u="none" strike="noStrike" dirty="0" smtClean="0"/>
+                        <a:t>Goal</a:t>
                       </a:r>
-                      <a:endParaRPr lang="en-US" sz="800" b="1" i="0" u="none" strike="noStrike" dirty="0">
+                      <a:endParaRPr lang="en-US" sz="1000" b="1" i="0" u="none" strike="noStrike" dirty="0">
                         <a:solidFill>
-                          <a:srgbClr val="000000"/>
+                          <a:schemeClr val="bg2"/>
                         </a:solidFill>
-                        <a:effectLst/>
-                        <a:latin typeface="HP Simplified" panose="020B0604020204020204" pitchFamily="34" charset="0"/>
+                        <a:latin typeface="HP Simplified" charset="0"/>
                       </a:endParaRPr>
                     </a:p>
                   </a:txBody>
-                  <a:tcPr marL="7100" marR="7100" marT="7100" marB="0" anchor="ctr"/>
-                </a:tc>
-                <a:tc>
-                  <a:txBody>
-                    <a:bodyPr/>
-                    <a:lstStyle/>
-                    <a:p>
-                      <a:pPr algn="ctr" rtl="0" fontAlgn="ctr"/>
-                      <a:r>
-                        <a:rPr lang="en-US" sz="900" b="1" u="none" strike="noStrike">
-                          <a:effectLst/>
-                        </a:rPr>
-                        <a:t> </a:t>
-                      </a:r>
-                      <a:endParaRPr lang="en-US" sz="900" b="1" i="0" u="none" strike="noStrike">
-                        <a:solidFill>
-                          <a:srgbClr val="000000"/>
-                        </a:solidFill>
-                        <a:effectLst/>
-                        <a:latin typeface="HP Simplified" panose="020B0604020204020204" pitchFamily="34" charset="0"/>
-                      </a:endParaRPr>
-                    </a:p>
-                  </a:txBody>
-                  <a:tcPr marL="7100" marR="7100" marT="7100" marB="0" anchor="ctr"/>
-                </a:tc>
-                <a:tc>
-                  <a:txBody>
-                    <a:bodyPr/>
-                    <a:lstStyle/>
-                    <a:p>
-                      <a:pPr algn="ctr" rtl="0" fontAlgn="ctr"/>
-                      <a:r>
-                        <a:rPr lang="en-US" sz="900" b="1" u="none" strike="noStrike">
-                          <a:effectLst/>
-                        </a:rPr>
-                        <a:t>FY13  Q1</a:t>
-                      </a:r>
-                      <a:endParaRPr lang="en-US" sz="900" b="1" i="0" u="none" strike="noStrike">
-                        <a:solidFill>
-                          <a:srgbClr val="000000"/>
-                        </a:solidFill>
-                        <a:effectLst/>
-                        <a:latin typeface="HP Simplified" panose="020B0604020204020204" pitchFamily="34" charset="0"/>
-                      </a:endParaRPr>
-                    </a:p>
-                  </a:txBody>
-                  <a:tcPr marL="7100" marR="7100" marT="7100" marB="0" anchor="ctr"/>
-                </a:tc>
-                <a:tc>
-                  <a:txBody>
-                    <a:bodyPr/>
-                    <a:lstStyle/>
-                    <a:p>
-                      <a:pPr algn="ctr" rtl="0" fontAlgn="ctr"/>
-                      <a:r>
-                        <a:rPr lang="en-US" sz="900" b="1" u="none" strike="noStrike">
-                          <a:effectLst/>
-                        </a:rPr>
-                        <a:t>FY13  Q2</a:t>
-                      </a:r>
-                      <a:endParaRPr lang="en-US" sz="900" b="1" i="0" u="none" strike="noStrike">
-                        <a:solidFill>
-                          <a:srgbClr val="000000"/>
-                        </a:solidFill>
-                        <a:effectLst/>
-                        <a:latin typeface="HP Simplified" panose="020B0604020204020204" pitchFamily="34" charset="0"/>
-                      </a:endParaRPr>
-                    </a:p>
-                  </a:txBody>
-                  <a:tcPr marL="7100" marR="7100" marT="7100" marB="0" anchor="ctr"/>
-                </a:tc>
-                <a:tc>
-                  <a:txBody>
-                    <a:bodyPr/>
-                    <a:lstStyle/>
-                    <a:p>
-                      <a:pPr algn="ctr" rtl="0" fontAlgn="ctr"/>
-                      <a:r>
-                        <a:rPr lang="en-US" sz="900" b="1" u="none" strike="noStrike">
-                          <a:effectLst/>
-                        </a:rPr>
-                        <a:t>FY13  Q3</a:t>
-                      </a:r>
-                      <a:endParaRPr lang="en-US" sz="900" b="1" i="0" u="none" strike="noStrike">
-                        <a:solidFill>
-                          <a:srgbClr val="000000"/>
-                        </a:solidFill>
-                        <a:effectLst/>
-                        <a:latin typeface="HP Simplified" panose="020B0604020204020204" pitchFamily="34" charset="0"/>
-                      </a:endParaRPr>
-                    </a:p>
-                  </a:txBody>
-                  <a:tcPr marL="7100" marR="7100" marT="7100" marB="0" anchor="ctr"/>
-                </a:tc>
-                <a:tc>
-                  <a:txBody>
-                    <a:bodyPr/>
-                    <a:lstStyle/>
-                    <a:p>
-                      <a:pPr algn="ctr" rtl="0" fontAlgn="ctr"/>
-                      <a:r>
-                        <a:rPr lang="en-US" sz="900" b="1" u="none" strike="noStrike">
-                          <a:effectLst/>
-                        </a:rPr>
-                        <a:t>FY13  Q4</a:t>
-                      </a:r>
-                      <a:endParaRPr lang="en-US" sz="900" b="1" i="0" u="none" strike="noStrike">
-                        <a:solidFill>
-                          <a:srgbClr val="000000"/>
-                        </a:solidFill>
-                        <a:effectLst/>
-                        <a:latin typeface="HP Simplified" panose="020B0604020204020204" pitchFamily="34" charset="0"/>
-                      </a:endParaRPr>
-                    </a:p>
-                  </a:txBody>
-                  <a:tcPr marL="7100" marR="7100" marT="7100" marB="0" anchor="ctr"/>
-                </a:tc>
-                <a:tc>
-                  <a:txBody>
-                    <a:bodyPr/>
-                    <a:lstStyle/>
-                    <a:p>
-                      <a:pPr algn="ctr" rtl="0" fontAlgn="ctr"/>
-                      <a:r>
-                        <a:rPr lang="en-US" sz="900" b="1" u="none" strike="noStrike">
-                          <a:effectLst/>
-                        </a:rPr>
-                        <a:t>FY14  Q1</a:t>
-                      </a:r>
-                      <a:endParaRPr lang="en-US" sz="900" b="1" i="0" u="none" strike="noStrike">
-                        <a:solidFill>
-                          <a:srgbClr val="000000"/>
-                        </a:solidFill>
-                        <a:effectLst/>
-                        <a:latin typeface="HP Simplified" panose="020B0604020204020204" pitchFamily="34" charset="0"/>
-                      </a:endParaRPr>
-                    </a:p>
-                  </a:txBody>
-                  <a:tcPr marL="7100" marR="7100" marT="7100" marB="0" anchor="ctr"/>
-                </a:tc>
-                <a:tc>
-                  <a:txBody>
-                    <a:bodyPr/>
-                    <a:lstStyle/>
-                    <a:p>
-                      <a:pPr algn="ctr" rtl="0" fontAlgn="ctr"/>
-                      <a:r>
-                        <a:rPr lang="en-US" sz="900" b="1" u="none" strike="noStrike">
-                          <a:effectLst/>
-                        </a:rPr>
-                        <a:t>FY14  Q2</a:t>
-                      </a:r>
-                      <a:endParaRPr lang="en-US" sz="900" b="1" i="0" u="none" strike="noStrike">
-                        <a:solidFill>
-                          <a:srgbClr val="000000"/>
-                        </a:solidFill>
-                        <a:effectLst/>
-                        <a:latin typeface="HP Simplified" panose="020B0604020204020204" pitchFamily="34" charset="0"/>
-                      </a:endParaRPr>
-                    </a:p>
-                  </a:txBody>
-                  <a:tcPr marL="7100" marR="7100" marT="7100" marB="0" anchor="ctr"/>
-                </a:tc>
-                <a:tc>
-                  <a:txBody>
-                    <a:bodyPr/>
-                    <a:lstStyle/>
-                    <a:p>
-                      <a:pPr algn="ctr" rtl="0" fontAlgn="ctr"/>
-                      <a:r>
-                        <a:rPr lang="en-US" sz="900" b="1" u="none" strike="noStrike">
-                          <a:effectLst/>
-                        </a:rPr>
-                        <a:t>FY14  Q3</a:t>
-                      </a:r>
-                      <a:endParaRPr lang="en-US" sz="900" b="1" i="0" u="none" strike="noStrike">
-                        <a:solidFill>
-                          <a:srgbClr val="000000"/>
-                        </a:solidFill>
-                        <a:effectLst/>
-                        <a:latin typeface="HP Simplified" panose="020B0604020204020204" pitchFamily="34" charset="0"/>
-                      </a:endParaRPr>
-                    </a:p>
-                  </a:txBody>
-                  <a:tcPr marL="7100" marR="7100" marT="7100" marB="0" anchor="ctr"/>
-                </a:tc>
-                <a:tc>
-                  <a:txBody>
-                    <a:bodyPr/>
-                    <a:lstStyle/>
-                    <a:p>
-                      <a:pPr algn="ctr" rtl="0" fontAlgn="ctr"/>
-                      <a:r>
-                        <a:rPr lang="en-US" sz="900" b="1" u="none" strike="noStrike">
-                          <a:effectLst/>
-                        </a:rPr>
-                        <a:t>FY14  Q4</a:t>
-                      </a:r>
-                      <a:endParaRPr lang="en-US" sz="900" b="1" i="0" u="none" strike="noStrike">
-                        <a:solidFill>
-                          <a:srgbClr val="000000"/>
-                        </a:solidFill>
-                        <a:effectLst/>
-                        <a:latin typeface="HP Simplified" panose="020B0604020204020204" pitchFamily="34" charset="0"/>
-                      </a:endParaRPr>
-                    </a:p>
-                  </a:txBody>
-                  <a:tcPr marL="7100" marR="7100" marT="7100" marB="0" anchor="ctr"/>
-                </a:tc>
-                <a:tc>
-                  <a:txBody>
-                    <a:bodyPr/>
-                    <a:lstStyle/>
-                    <a:p>
-                      <a:pPr algn="ctr" rtl="0" fontAlgn="ctr"/>
-                      <a:r>
-                        <a:rPr lang="en-US" sz="900" b="1" u="none" strike="noStrike">
-                          <a:effectLst/>
-                        </a:rPr>
-                        <a:t>FY15  Q1</a:t>
-                      </a:r>
-                      <a:endParaRPr lang="en-US" sz="900" b="1" i="0" u="none" strike="noStrike">
-                        <a:solidFill>
-                          <a:srgbClr val="000000"/>
-                        </a:solidFill>
-                        <a:effectLst/>
-                        <a:latin typeface="HP Simplified" panose="020B0604020204020204" pitchFamily="34" charset="0"/>
-                      </a:endParaRPr>
-                    </a:p>
-                  </a:txBody>
-                  <a:tcPr marL="7100" marR="7100" marT="7100" marB="0" anchor="ctr"/>
-                </a:tc>
-                <a:tc>
-                  <a:txBody>
-                    <a:bodyPr/>
-                    <a:lstStyle/>
-                    <a:p>
-                      <a:pPr algn="ctr" rtl="0" fontAlgn="ctr"/>
-                      <a:r>
-                        <a:rPr lang="en-US" sz="900" b="1" u="none" strike="noStrike">
-                          <a:effectLst/>
-                        </a:rPr>
-                        <a:t>FY15  Q1</a:t>
-                      </a:r>
-                      <a:endParaRPr lang="en-US" sz="900" b="1" i="0" u="none" strike="noStrike">
-                        <a:solidFill>
-                          <a:srgbClr val="000000"/>
-                        </a:solidFill>
-                        <a:effectLst/>
-                        <a:latin typeface="HP Simplified" panose="020B0604020204020204" pitchFamily="34" charset="0"/>
-                      </a:endParaRPr>
-                    </a:p>
-                  </a:txBody>
-                  <a:tcPr marL="7100" marR="7100" marT="7100" marB="0" anchor="ctr"/>
-                </a:tc>
-                <a:tc>
-                  <a:txBody>
-                    <a:bodyPr/>
-                    <a:lstStyle/>
-                    <a:p>
-                      <a:pPr algn="ctr" rtl="0" fontAlgn="ctr"/>
-                      <a:r>
-                        <a:rPr lang="en-US" sz="900" b="1" u="none" strike="noStrike">
-                          <a:effectLst/>
-                        </a:rPr>
-                        <a:t>FY15  Q2</a:t>
-                      </a:r>
-                      <a:endParaRPr lang="en-US" sz="900" b="1" i="0" u="none" strike="noStrike">
-                        <a:solidFill>
-                          <a:srgbClr val="000000"/>
-                        </a:solidFill>
-                        <a:effectLst/>
-                        <a:latin typeface="HP Simplified" panose="020B0604020204020204" pitchFamily="34" charset="0"/>
-                      </a:endParaRPr>
-                    </a:p>
-                  </a:txBody>
-                  <a:tcPr marL="7100" marR="7100" marT="7100" marB="0" anchor="ctr"/>
-                </a:tc>
-                <a:tc>
-                  <a:txBody>
-                    <a:bodyPr/>
-                    <a:lstStyle/>
-                    <a:p>
-                      <a:pPr algn="ctr" rtl="0" fontAlgn="ctr"/>
-                      <a:r>
-                        <a:rPr lang="en-US" sz="900" b="1" u="none" strike="noStrike">
-                          <a:effectLst/>
-                        </a:rPr>
-                        <a:t>15-Feb</a:t>
-                      </a:r>
-                      <a:endParaRPr lang="en-US" sz="900" b="1" i="0" u="none" strike="noStrike">
-                        <a:solidFill>
-                          <a:srgbClr val="000000"/>
-                        </a:solidFill>
-                        <a:effectLst/>
-                        <a:latin typeface="HP Simplified" panose="020B0604020204020204" pitchFamily="34" charset="0"/>
-                      </a:endParaRPr>
-                    </a:p>
-                  </a:txBody>
-                  <a:tcPr marL="7100" marR="7100" marT="7100" marB="0" anchor="ctr"/>
-                </a:tc>
-                <a:tc>
-                  <a:txBody>
-                    <a:bodyPr/>
-                    <a:lstStyle/>
-                    <a:p>
-                      <a:pPr algn="ctr" rtl="0" fontAlgn="ctr"/>
-                      <a:r>
-                        <a:rPr lang="en-US" sz="900" b="1" u="none" strike="noStrike">
-                          <a:effectLst/>
-                        </a:rPr>
-                        <a:t>15-Mar</a:t>
-                      </a:r>
-                      <a:endParaRPr lang="en-US" sz="900" b="1" i="0" u="none" strike="noStrike">
-                        <a:solidFill>
-                          <a:srgbClr val="000000"/>
-                        </a:solidFill>
-                        <a:effectLst/>
-                        <a:latin typeface="HP Simplified" panose="020B0604020204020204" pitchFamily="34" charset="0"/>
-                      </a:endParaRPr>
-                    </a:p>
-                  </a:txBody>
-                  <a:tcPr marL="7100" marR="7100" marT="7100" marB="0" anchor="ctr"/>
-                </a:tc>
-                <a:tc>
-                  <a:txBody>
-                    <a:bodyPr/>
-                    <a:lstStyle/>
-                    <a:p>
-                      <a:pPr algn="ctr" rtl="0" fontAlgn="ctr"/>
-                      <a:r>
-                        <a:rPr lang="en-US" sz="900" b="1" u="none" strike="noStrike">
-                          <a:effectLst/>
-                        </a:rPr>
-                        <a:t>15-Apr</a:t>
-                      </a:r>
-                      <a:endParaRPr lang="en-US" sz="900" b="1" i="0" u="none" strike="noStrike">
-                        <a:solidFill>
-                          <a:srgbClr val="000000"/>
-                        </a:solidFill>
-                        <a:effectLst/>
-                        <a:latin typeface="HP Simplified" panose="020B0604020204020204" pitchFamily="34" charset="0"/>
-                      </a:endParaRPr>
-                    </a:p>
-                  </a:txBody>
-                  <a:tcPr marL="7100" marR="7100" marT="7100" marB="0" anchor="ctr"/>
-                </a:tc>
-                <a:tc>
-                  <a:txBody>
-                    <a:bodyPr/>
-                    <a:lstStyle/>
-                    <a:p>
-                      <a:pPr algn="ctr" rtl="0" fontAlgn="ctr"/>
-                      <a:r>
-                        <a:rPr lang="en-US" sz="900" b="1" u="none" strike="noStrike">
-                          <a:effectLst/>
-                        </a:rPr>
-                        <a:t>Seq (Q2'15/Q1'15)</a:t>
-                      </a:r>
-                      <a:endParaRPr lang="en-US" sz="900" b="1" i="0" u="none" strike="noStrike">
-                        <a:solidFill>
-                          <a:srgbClr val="000000"/>
-                        </a:solidFill>
-                        <a:effectLst/>
-                        <a:latin typeface="HP Simplified" panose="020B0604020204020204" pitchFamily="34" charset="0"/>
-                      </a:endParaRPr>
-                    </a:p>
-                  </a:txBody>
-                  <a:tcPr marL="7100" marR="7100" marT="7100" marB="0" anchor="ctr"/>
-                </a:tc>
-                <a:tc>
-                  <a:txBody>
-                    <a:bodyPr/>
-                    <a:lstStyle/>
-                    <a:p>
-                      <a:pPr algn="ctr" rtl="0" fontAlgn="ctr"/>
-                      <a:r>
-                        <a:rPr lang="en-US" sz="900" b="1" u="none" strike="noStrike">
-                          <a:effectLst/>
-                        </a:rPr>
-                        <a:t>Q2'15 V/s Q2'14</a:t>
-                      </a:r>
-                      <a:endParaRPr lang="en-US" sz="900" b="1" i="0" u="none" strike="noStrike">
-                        <a:solidFill>
-                          <a:srgbClr val="000000"/>
-                        </a:solidFill>
-                        <a:effectLst/>
-                        <a:latin typeface="HP Simplified" panose="020B0604020204020204" pitchFamily="34" charset="0"/>
-                      </a:endParaRPr>
-                    </a:p>
-                  </a:txBody>
-                  <a:tcPr marL="7100" marR="7100" marT="7100" marB="0" anchor="ctr"/>
-                </a:tc>
-              </a:tr>
-              <a:tr h="307856">
-                <a:tc rowSpan="2">
-                  <a:txBody>
-                    <a:bodyPr/>
-                    <a:lstStyle/>
-                    <a:p>
-                      <a:pPr algn="ctr" rtl="0" fontAlgn="ctr"/>
-                      <a:r>
-                        <a:rPr lang="en-US" sz="900" b="1" u="none" strike="noStrike">
-                          <a:effectLst/>
-                        </a:rPr>
-                        <a:t>KV</a:t>
-                      </a:r>
-                      <a:endParaRPr lang="en-US" sz="900" b="1" i="0" u="none" strike="noStrike">
-                        <a:solidFill>
-                          <a:srgbClr val="000000"/>
-                        </a:solidFill>
-                        <a:effectLst/>
-                        <a:latin typeface="HP Simplified" panose="020B0604020204020204" pitchFamily="34" charset="0"/>
-                      </a:endParaRPr>
-                    </a:p>
-                  </a:txBody>
-                  <a:tcPr marL="7100" marR="7100" marT="7100" marB="0" anchor="ctr"/>
-                </a:tc>
-                <a:tc>
-                  <a:txBody>
-                    <a:bodyPr/>
-                    <a:lstStyle/>
-                    <a:p>
-                      <a:pPr algn="l" rtl="0" fontAlgn="b"/>
-                      <a:r>
-                        <a:rPr lang="en-US" sz="900" b="1" u="none" strike="noStrike" dirty="0" err="1">
-                          <a:effectLst/>
-                        </a:rPr>
-                        <a:t>Sellthru</a:t>
-                      </a:r>
-                      <a:r>
-                        <a:rPr lang="en-US" sz="900" b="1" u="none" strike="noStrike" dirty="0">
-                          <a:effectLst/>
-                        </a:rPr>
-                        <a:t> ($K)</a:t>
-                      </a:r>
-                      <a:endParaRPr lang="en-US" sz="900" b="1" i="0" u="none" strike="noStrike" dirty="0">
-                        <a:solidFill>
-                          <a:srgbClr val="000000"/>
-                        </a:solidFill>
-                        <a:effectLst/>
-                        <a:latin typeface="HP Simplified" panose="020B0604020204020204" pitchFamily="34" charset="0"/>
-                      </a:endParaRPr>
-                    </a:p>
-                  </a:txBody>
-                  <a:tcPr marL="7100" marR="7100" marT="7100" marB="0" anchor="b"/>
+                  <a:tcPr marL="0" marR="0" marT="0" marB="0" anchor="ctr"/>
                 </a:tc>
                 <a:tc>
                   <a:txBody>
@@ -9342,21 +8675,22 @@
                     <a:p>
                       <a:pPr algn="ctr" rtl="0" fontAlgn="b"/>
                       <a:r>
-                        <a:rPr lang="en-US" sz="900" b="1" u="none" strike="noStrike">
-                          <a:effectLst/>
-                        </a:rPr>
-                        <a:t>67</a:t>
+                        <a:rPr lang="en-US" sz="1000" u="none" strike="noStrike" dirty="0" smtClean="0"/>
+                        <a:t>Where</a:t>
                       </a:r>
-                      <a:endParaRPr lang="en-US" sz="900" b="1" i="0" u="none" strike="noStrike">
+                      <a:r>
+                        <a:rPr lang="en-US" sz="1000" u="none" strike="noStrike" baseline="0" dirty="0" smtClean="0"/>
+                        <a:t> we are</a:t>
+                      </a:r>
+                      <a:endParaRPr lang="en-US" sz="1000" b="1" i="0" u="none" strike="noStrike" dirty="0">
                         <a:solidFill>
-                          <a:srgbClr val="000000"/>
+                          <a:schemeClr val="bg2"/>
                         </a:solidFill>
-                        <a:effectLst/>
-                        <a:latin typeface="HP Simplified" panose="020B0604020204020204" pitchFamily="34" charset="0"/>
+                        <a:latin typeface="HP Simplified" charset="0"/>
                       </a:endParaRPr>
                     </a:p>
                   </a:txBody>
-                  <a:tcPr marL="7100" marR="7100" marT="7100" marB="0" anchor="b"/>
+                  <a:tcPr marL="0" marR="0" marT="0" marB="0" anchor="ctr"/>
                 </a:tc>
                 <a:tc>
                   <a:txBody>
@@ -9365,21 +8699,18 @@
                     <a:p>
                       <a:pPr algn="ctr" rtl="0" fontAlgn="b"/>
                       <a:r>
-                        <a:rPr lang="en-US" sz="900" b="1" u="none" strike="noStrike">
-                          <a:effectLst/>
-                        </a:rPr>
-                        <a:t>125</a:t>
+                        <a:rPr lang="en-US" sz="1000" u="none" strike="noStrike" dirty="0" smtClean="0"/>
+                        <a:t>Where we want</a:t>
                       </a:r>
-                      <a:endParaRPr lang="en-US" sz="900" b="1" i="0" u="none" strike="noStrike">
+                      <a:endParaRPr lang="en-US" sz="1000" b="1" i="0" u="none" strike="noStrike" dirty="0">
                         <a:solidFill>
-                          <a:srgbClr val="000000"/>
+                          <a:schemeClr val="bg2"/>
                         </a:solidFill>
-                        <a:effectLst/>
-                        <a:latin typeface="HP Simplified" panose="020B0604020204020204" pitchFamily="34" charset="0"/>
+                        <a:latin typeface="HP Simplified" charset="0"/>
                       </a:endParaRPr>
                     </a:p>
                   </a:txBody>
-                  <a:tcPr marL="7100" marR="7100" marT="7100" marB="0" anchor="b"/>
+                  <a:tcPr marL="0" marR="0" marT="0" marB="0" anchor="ctr"/>
                 </a:tc>
                 <a:tc>
                   <a:txBody>
@@ -9388,21 +8719,78 @@
                     <a:p>
                       <a:pPr algn="ctr" rtl="0" fontAlgn="b"/>
                       <a:r>
-                        <a:rPr lang="en-US" sz="900" b="1" u="none" strike="noStrike">
-                          <a:effectLst/>
-                        </a:rPr>
-                        <a:t>141</a:t>
+                        <a:rPr lang="en-US" sz="1000" u="none" strike="noStrike" dirty="0" smtClean="0"/>
+                        <a:t>Action Reqd.</a:t>
                       </a:r>
-                      <a:endParaRPr lang="en-US" sz="900" b="1" i="0" u="none" strike="noStrike">
+                      <a:endParaRPr lang="en-US" sz="1000" b="1" i="0" u="none" strike="noStrike" dirty="0">
                         <a:solidFill>
-                          <a:srgbClr val="000000"/>
+                          <a:schemeClr val="bg2"/>
                         </a:solidFill>
-                        <a:effectLst/>
-                        <a:latin typeface="HP Simplified" panose="020B0604020204020204" pitchFamily="34" charset="0"/>
+                        <a:latin typeface="HP Simplified" charset="0"/>
                       </a:endParaRPr>
                     </a:p>
                   </a:txBody>
-                  <a:tcPr marL="7100" marR="7100" marT="7100" marB="0" anchor="b"/>
+                  <a:tcPr marL="0" marR="0" marT="0" marB="0" anchor="ctr"/>
+                </a:tc>
+                <a:tc>
+                  <a:txBody>
+                    <a:bodyPr/>
+                    <a:lstStyle/>
+                    <a:p>
+                      <a:pPr marL="0" marR="0" indent="0" algn="ctr" defTabSz="914400" rtl="0" eaLnBrk="1" fontAlgn="auto" latinLnBrk="0" hangingPunct="1">
+                        <a:lnSpc>
+                          <a:spcPct val="100000"/>
+                        </a:lnSpc>
+                        <a:spcBef>
+                          <a:spcPts val="0"/>
+                        </a:spcBef>
+                        <a:spcAft>
+                          <a:spcPts val="0"/>
+                        </a:spcAft>
+                        <a:buClrTx/>
+                        <a:buSzTx/>
+                        <a:buFontTx/>
+                        <a:buNone/>
+                        <a:tabLst/>
+                        <a:defRPr/>
+                      </a:pPr>
+                      <a:r>
+                        <a:rPr lang="en-US" sz="1000" u="none" strike="noStrike" dirty="0" smtClean="0"/>
+                        <a:t>Assigned User</a:t>
+                      </a:r>
+                      <a:endParaRPr lang="en-US" sz="1000" b="1" i="0" u="none" strike="noStrike" dirty="0">
+                        <a:solidFill>
+                          <a:schemeClr val="bg2"/>
+                        </a:solidFill>
+                        <a:latin typeface="HP Simplified" charset="0"/>
+                      </a:endParaRPr>
+                    </a:p>
+                  </a:txBody>
+                  <a:tcPr marL="0" marR="0" marT="0" marB="0" anchor="ctr"/>
+                </a:tc>
+              </a:tr>
+              <a:tr h="284417">
+                <a:tc>
+                  <a:txBody>
+                    <a:bodyPr/>
+                    <a:lstStyle/>
+                    <a:p>
+                      <a:pPr algn="ctr" rtl="0" fontAlgn="b"/>
+                      <a:r>
+                        <a:rPr lang="en-US" sz="900" u="none" strike="noStrike" dirty="0" err="1" smtClean="0">
+                          <a:effectLst/>
+                        </a:rPr>
+                        <a:t>varGoals</a:t>
+                      </a:r>
+                      <a:endParaRPr lang="en-US" sz="900" b="1" i="0" u="none" strike="noStrike" dirty="0">
+                        <a:solidFill>
+                          <a:schemeClr val="bg2"/>
+                        </a:solidFill>
+                        <a:latin typeface="HP Simplified" charset="0"/>
+                      </a:endParaRPr>
+                    </a:p>
+                  </a:txBody>
+                  <a:tcPr marL="0" marR="0" marT="0" marB="0" anchor="ctr"/>
                 </a:tc>
                 <a:tc>
                   <a:txBody>
@@ -9411,21 +8799,20 @@
                     <a:p>
                       <a:pPr algn="ctr" rtl="0" fontAlgn="b"/>
                       <a:r>
-                        <a:rPr lang="en-US" sz="900" b="1" u="none" strike="noStrike">
+                        <a:rPr lang="en-US" sz="900" u="none" strike="noStrike" baseline="0" dirty="0" err="1" smtClean="0">
                           <a:effectLst/>
                         </a:rPr>
-                        <a:t>230</a:t>
+                        <a:t>varPrevious</a:t>
                       </a:r>
-                      <a:endParaRPr lang="en-US" sz="900" b="1" i="0" u="none" strike="noStrike">
+                      <a:endParaRPr lang="en-US" sz="900" b="1" i="0" u="none" strike="noStrike" dirty="0">
                         <a:solidFill>
-                          <a:srgbClr val="000000"/>
+                          <a:schemeClr val="bg2"/>
                         </a:solidFill>
-                        <a:effectLst/>
-                        <a:latin typeface="HP Simplified" panose="020B0604020204020204" pitchFamily="34" charset="0"/>
+                        <a:latin typeface="HP Simplified" charset="0"/>
                       </a:endParaRPr>
                     </a:p>
                   </a:txBody>
-                  <a:tcPr marL="7100" marR="7100" marT="7100" marB="0" anchor="b"/>
+                  <a:tcPr marL="0" marR="0" marT="0" marB="0" anchor="ctr"/>
                 </a:tc>
                 <a:tc>
                   <a:txBody>
@@ -9434,21 +8821,18 @@
                     <a:p>
                       <a:pPr algn="ctr" rtl="0" fontAlgn="b"/>
                       <a:r>
-                        <a:rPr lang="en-US" sz="900" b="1" u="none" strike="noStrike">
-                          <a:effectLst/>
-                        </a:rPr>
-                        <a:t>206</a:t>
+                        <a:rPr lang="en-US" sz="900" u="none" strike="noStrike" baseline="0" dirty="0" err="1" smtClean="0"/>
+                        <a:t>varCurrent</a:t>
                       </a:r>
-                      <a:endParaRPr lang="en-US" sz="900" b="1" i="0" u="none" strike="noStrike">
+                      <a:endParaRPr lang="en-US" sz="900" b="1" i="0" u="none" strike="noStrike" dirty="0">
                         <a:solidFill>
-                          <a:srgbClr val="000000"/>
+                          <a:schemeClr val="bg2"/>
                         </a:solidFill>
-                        <a:effectLst/>
-                        <a:latin typeface="HP Simplified" panose="020B0604020204020204" pitchFamily="34" charset="0"/>
+                        <a:latin typeface="HP Simplified" charset="0"/>
                       </a:endParaRPr>
                     </a:p>
                   </a:txBody>
-                  <a:tcPr marL="7100" marR="7100" marT="7100" marB="0" anchor="b"/>
+                  <a:tcPr marL="0" marR="0" marT="0" marB="0" anchor="ctr"/>
                 </a:tc>
                 <a:tc>
                   <a:txBody>
@@ -9457,3991 +8841,54 @@
                     <a:p>
                       <a:pPr algn="ctr" rtl="0" fontAlgn="b"/>
                       <a:r>
-                        <a:rPr lang="en-US" sz="900" b="1" u="none" strike="noStrike">
-                          <a:effectLst/>
-                        </a:rPr>
-                        <a:t>367</a:t>
+                        <a:rPr lang="en-US" sz="900" u="none" strike="noStrike" dirty="0" err="1" smtClean="0"/>
+                        <a:t>varAction</a:t>
                       </a:r>
-                      <a:endParaRPr lang="en-US" sz="900" b="1" i="0" u="none" strike="noStrike">
+                      <a:endParaRPr lang="en-US" sz="900" b="0" i="0" u="none" strike="noStrike" dirty="0">
                         <a:solidFill>
-                          <a:srgbClr val="000000"/>
+                          <a:schemeClr val="tx1"/>
                         </a:solidFill>
-                        <a:effectLst/>
-                        <a:latin typeface="HP Simplified" panose="020B0604020204020204" pitchFamily="34" charset="0"/>
+                        <a:latin typeface="HP Simplified" charset="0"/>
                       </a:endParaRPr>
                     </a:p>
                   </a:txBody>
-                  <a:tcPr marL="7100" marR="7100" marT="7100" marB="0" anchor="b"/>
+                  <a:tcPr marL="0" marR="0" marT="0" marB="0" anchor="ctr"/>
                 </a:tc>
                 <a:tc>
                   <a:txBody>
                     <a:bodyPr/>
                     <a:lstStyle/>
                     <a:p>
-                      <a:pPr algn="ctr" rtl="0" fontAlgn="b"/>
+                      <a:pPr marL="0" marR="0" indent="0" algn="ctr" defTabSz="914400" rtl="0" eaLnBrk="1" fontAlgn="auto" latinLnBrk="0" hangingPunct="1">
+                        <a:lnSpc>
+                          <a:spcPct val="100000"/>
+                        </a:lnSpc>
+                        <a:spcBef>
+                          <a:spcPts val="0"/>
+                        </a:spcBef>
+                        <a:spcAft>
+                          <a:spcPts val="0"/>
+                        </a:spcAft>
+                        <a:buClrTx/>
+                        <a:buSzTx/>
+                        <a:buFontTx/>
+                        <a:buNone/>
+                        <a:tabLst/>
+                        <a:defRPr/>
+                      </a:pPr>
                       <a:r>
-                        <a:rPr lang="en-US" sz="900" b="1" u="none" strike="noStrike">
-                          <a:effectLst/>
-                        </a:rPr>
-                        <a:t>463</a:t>
+                        <a:rPr lang="en-US" sz="900" dirty="0" err="1" smtClean="0"/>
+                        <a:t>varUser</a:t>
                       </a:r>
-                      <a:endParaRPr lang="en-US" sz="900" b="1" i="0" u="none" strike="noStrike">
+                      <a:endParaRPr lang="en-US" sz="900" b="1" i="0" u="none" strike="noStrike" dirty="0">
                         <a:solidFill>
-                          <a:srgbClr val="000000"/>
+                          <a:schemeClr val="bg2"/>
                         </a:solidFill>
-                        <a:effectLst/>
-                        <a:latin typeface="HP Simplified" panose="020B0604020204020204" pitchFamily="34" charset="0"/>
+                        <a:latin typeface="HP Simplified" charset="0"/>
                       </a:endParaRPr>
                     </a:p>
                   </a:txBody>
-                  <a:tcPr marL="7100" marR="7100" marT="7100" marB="0" anchor="b"/>
-                </a:tc>
-                <a:tc>
-                  <a:txBody>
-                    <a:bodyPr/>
-                    <a:lstStyle/>
-                    <a:p>
-                      <a:pPr algn="ctr" rtl="0" fontAlgn="b"/>
-                      <a:r>
-                        <a:rPr lang="en-US" sz="900" b="1" u="none" strike="noStrike">
-                          <a:effectLst/>
-                        </a:rPr>
-                        <a:t>936</a:t>
-                      </a:r>
-                      <a:endParaRPr lang="en-US" sz="900" b="1" i="0" u="none" strike="noStrike">
-                        <a:solidFill>
-                          <a:srgbClr val="000000"/>
-                        </a:solidFill>
-                        <a:effectLst/>
-                        <a:latin typeface="HP Simplified" panose="020B0604020204020204" pitchFamily="34" charset="0"/>
-                      </a:endParaRPr>
-                    </a:p>
-                  </a:txBody>
-                  <a:tcPr marL="7100" marR="7100" marT="7100" marB="0" anchor="b"/>
-                </a:tc>
-                <a:tc>
-                  <a:txBody>
-                    <a:bodyPr/>
-                    <a:lstStyle/>
-                    <a:p>
-                      <a:pPr algn="ctr" rtl="0" fontAlgn="b"/>
-                      <a:r>
-                        <a:rPr lang="en-US" sz="900" b="1" u="none" strike="noStrike">
-                          <a:effectLst/>
-                        </a:rPr>
-                        <a:t>649</a:t>
-                      </a:r>
-                      <a:endParaRPr lang="en-US" sz="900" b="1" i="0" u="none" strike="noStrike">
-                        <a:solidFill>
-                          <a:srgbClr val="000000"/>
-                        </a:solidFill>
-                        <a:effectLst/>
-                        <a:latin typeface="HP Simplified" panose="020B0604020204020204" pitchFamily="34" charset="0"/>
-                      </a:endParaRPr>
-                    </a:p>
-                  </a:txBody>
-                  <a:tcPr marL="7100" marR="7100" marT="7100" marB="0" anchor="b"/>
-                </a:tc>
-                <a:tc>
-                  <a:txBody>
-                    <a:bodyPr/>
-                    <a:lstStyle/>
-                    <a:p>
-                      <a:pPr algn="ctr" rtl="0" fontAlgn="b"/>
-                      <a:r>
-                        <a:rPr lang="en-US" sz="900" b="1" u="none" strike="noStrike">
-                          <a:effectLst/>
-                        </a:rPr>
-                        <a:t>593</a:t>
-                      </a:r>
-                      <a:endParaRPr lang="en-US" sz="900" b="1" i="0" u="none" strike="noStrike">
-                        <a:solidFill>
-                          <a:srgbClr val="000000"/>
-                        </a:solidFill>
-                        <a:effectLst/>
-                        <a:latin typeface="HP Simplified" panose="020B0604020204020204" pitchFamily="34" charset="0"/>
-                      </a:endParaRPr>
-                    </a:p>
-                  </a:txBody>
-                  <a:tcPr marL="7100" marR="7100" marT="7100" marB="0" anchor="b"/>
-                </a:tc>
-                <a:tc>
-                  <a:txBody>
-                    <a:bodyPr/>
-                    <a:lstStyle/>
-                    <a:p>
-                      <a:pPr algn="ctr" rtl="0" fontAlgn="b"/>
-                      <a:r>
-                        <a:rPr lang="en-US" sz="900" b="1" u="none" strike="noStrike">
-                          <a:effectLst/>
-                        </a:rPr>
-                        <a:t>600</a:t>
-                      </a:r>
-                      <a:endParaRPr lang="en-US" sz="900" b="1" i="0" u="none" strike="noStrike">
-                        <a:solidFill>
-                          <a:srgbClr val="000000"/>
-                        </a:solidFill>
-                        <a:effectLst/>
-                        <a:latin typeface="HP Simplified" panose="020B0604020204020204" pitchFamily="34" charset="0"/>
-                      </a:endParaRPr>
-                    </a:p>
-                  </a:txBody>
-                  <a:tcPr marL="7100" marR="7100" marT="7100" marB="0" anchor="b"/>
-                </a:tc>
-                <a:tc>
-                  <a:txBody>
-                    <a:bodyPr/>
-                    <a:lstStyle/>
-                    <a:p>
-                      <a:pPr algn="ctr" rtl="0" fontAlgn="b"/>
-                      <a:r>
-                        <a:rPr lang="en-US" sz="900" b="1" u="none" strike="noStrike">
-                          <a:effectLst/>
-                        </a:rPr>
-                        <a:t>140</a:t>
-                      </a:r>
-                      <a:endParaRPr lang="en-US" sz="900" b="1" i="0" u="none" strike="noStrike">
-                        <a:solidFill>
-                          <a:srgbClr val="000000"/>
-                        </a:solidFill>
-                        <a:effectLst/>
-                        <a:latin typeface="HP Simplified" panose="020B0604020204020204" pitchFamily="34" charset="0"/>
-                      </a:endParaRPr>
-                    </a:p>
-                  </a:txBody>
-                  <a:tcPr marL="7100" marR="7100" marT="7100" marB="0" anchor="b"/>
-                </a:tc>
-                <a:tc>
-                  <a:txBody>
-                    <a:bodyPr/>
-                    <a:lstStyle/>
-                    <a:p>
-                      <a:pPr algn="ctr" rtl="0" fontAlgn="b"/>
-                      <a:r>
-                        <a:rPr lang="en-US" sz="900" b="1" u="none" strike="noStrike">
-                          <a:effectLst/>
-                        </a:rPr>
-                        <a:t>225</a:t>
-                      </a:r>
-                      <a:endParaRPr lang="en-US" sz="900" b="1" i="0" u="none" strike="noStrike">
-                        <a:solidFill>
-                          <a:srgbClr val="000000"/>
-                        </a:solidFill>
-                        <a:effectLst/>
-                        <a:latin typeface="HP Simplified" panose="020B0604020204020204" pitchFamily="34" charset="0"/>
-                      </a:endParaRPr>
-                    </a:p>
-                  </a:txBody>
-                  <a:tcPr marL="7100" marR="7100" marT="7100" marB="0" anchor="b"/>
-                </a:tc>
-                <a:tc>
-                  <a:txBody>
-                    <a:bodyPr/>
-                    <a:lstStyle/>
-                    <a:p>
-                      <a:pPr algn="ctr" rtl="0" fontAlgn="b"/>
-                      <a:r>
-                        <a:rPr lang="en-US" sz="900" b="1" u="none" strike="noStrike">
-                          <a:effectLst/>
-                        </a:rPr>
-                        <a:t>235</a:t>
-                      </a:r>
-                      <a:endParaRPr lang="en-US" sz="900" b="1" i="0" u="none" strike="noStrike">
-                        <a:solidFill>
-                          <a:srgbClr val="000000"/>
-                        </a:solidFill>
-                        <a:effectLst/>
-                        <a:latin typeface="HP Simplified" panose="020B0604020204020204" pitchFamily="34" charset="0"/>
-                      </a:endParaRPr>
-                    </a:p>
-                  </a:txBody>
-                  <a:tcPr marL="7100" marR="7100" marT="7100" marB="0" anchor="b"/>
-                </a:tc>
-                <a:tc>
-                  <a:txBody>
-                    <a:bodyPr/>
-                    <a:lstStyle/>
-                    <a:p>
-                      <a:pPr algn="ctr" rtl="0" fontAlgn="b"/>
-                      <a:r>
-                        <a:rPr lang="en-US" sz="900" b="1" u="none" strike="noStrike">
-                          <a:effectLst/>
-                        </a:rPr>
-                        <a:t>1%</a:t>
-                      </a:r>
-                      <a:endParaRPr lang="en-US" sz="900" b="1" i="0" u="none" strike="noStrike">
-                        <a:solidFill>
-                          <a:srgbClr val="000000"/>
-                        </a:solidFill>
-                        <a:effectLst/>
-                        <a:latin typeface="HP Simplified" panose="020B0604020204020204" pitchFamily="34" charset="0"/>
-                      </a:endParaRPr>
-                    </a:p>
-                  </a:txBody>
-                  <a:tcPr marL="7100" marR="7100" marT="7100" marB="0" anchor="b"/>
-                </a:tc>
-                <a:tc>
-                  <a:txBody>
-                    <a:bodyPr/>
-                    <a:lstStyle/>
-                    <a:p>
-                      <a:pPr algn="ctr" rtl="0" fontAlgn="b"/>
-                      <a:r>
-                        <a:rPr lang="en-US" sz="900" b="1" u="none" strike="noStrike">
-                          <a:effectLst/>
-                        </a:rPr>
-                        <a:t>63%</a:t>
-                      </a:r>
-                      <a:endParaRPr lang="en-US" sz="900" b="1" i="0" u="none" strike="noStrike">
-                        <a:solidFill>
-                          <a:srgbClr val="000000"/>
-                        </a:solidFill>
-                        <a:effectLst/>
-                        <a:latin typeface="HP Simplified" panose="020B0604020204020204" pitchFamily="34" charset="0"/>
-                      </a:endParaRPr>
-                    </a:p>
-                  </a:txBody>
-                  <a:tcPr marL="7100" marR="7100" marT="7100" marB="0" anchor="b"/>
-                </a:tc>
-              </a:tr>
-              <a:tr h="307856">
-                <a:tc vMerge="1">
-                  <a:txBody>
-                    <a:bodyPr/>
-                    <a:lstStyle/>
-                    <a:p>
-                      <a:endParaRPr lang="en-US"/>
-                    </a:p>
-                  </a:txBody>
-                  <a:tcPr/>
-                </a:tc>
-                <a:tc>
-                  <a:txBody>
-                    <a:bodyPr/>
-                    <a:lstStyle/>
-                    <a:p>
-                      <a:pPr algn="l" rtl="0" fontAlgn="b"/>
-                      <a:r>
-                        <a:rPr lang="en-US" sz="900" b="1" u="none" strike="noStrike" dirty="0" err="1">
-                          <a:effectLst/>
-                        </a:rPr>
-                        <a:t>Sellthru</a:t>
-                      </a:r>
-                      <a:r>
-                        <a:rPr lang="en-US" sz="900" b="1" u="none" strike="noStrike" dirty="0">
-                          <a:effectLst/>
-                        </a:rPr>
-                        <a:t> (units)</a:t>
-                      </a:r>
-                      <a:endParaRPr lang="en-US" sz="900" b="1" i="0" u="none" strike="noStrike" dirty="0">
-                        <a:solidFill>
-                          <a:srgbClr val="000000"/>
-                        </a:solidFill>
-                        <a:effectLst/>
-                        <a:latin typeface="HP Simplified" panose="020B0604020204020204" pitchFamily="34" charset="0"/>
-                      </a:endParaRPr>
-                    </a:p>
-                  </a:txBody>
-                  <a:tcPr marL="7100" marR="7100" marT="7100" marB="0" anchor="b"/>
-                </a:tc>
-                <a:tc>
-                  <a:txBody>
-                    <a:bodyPr/>
-                    <a:lstStyle/>
-                    <a:p>
-                      <a:pPr algn="ctr" rtl="0" fontAlgn="b"/>
-                      <a:r>
-                        <a:rPr lang="en-US" sz="900" b="1" u="none" strike="noStrike">
-                          <a:effectLst/>
-                        </a:rPr>
-                        <a:t>109</a:t>
-                      </a:r>
-                      <a:endParaRPr lang="en-US" sz="900" b="1" i="0" u="none" strike="noStrike">
-                        <a:solidFill>
-                          <a:srgbClr val="000000"/>
-                        </a:solidFill>
-                        <a:effectLst/>
-                        <a:latin typeface="HP Simplified" panose="020B0604020204020204" pitchFamily="34" charset="0"/>
-                      </a:endParaRPr>
-                    </a:p>
-                  </a:txBody>
-                  <a:tcPr marL="7100" marR="7100" marT="7100" marB="0" anchor="b"/>
-                </a:tc>
-                <a:tc>
-                  <a:txBody>
-                    <a:bodyPr/>
-                    <a:lstStyle/>
-                    <a:p>
-                      <a:pPr algn="ctr" rtl="0" fontAlgn="b"/>
-                      <a:r>
-                        <a:rPr lang="en-US" sz="900" b="1" u="none" strike="noStrike" dirty="0">
-                          <a:effectLst/>
-                        </a:rPr>
-                        <a:t>213</a:t>
-                      </a:r>
-                      <a:endParaRPr lang="en-US" sz="900" b="1" i="0" u="none" strike="noStrike" dirty="0">
-                        <a:solidFill>
-                          <a:srgbClr val="000000"/>
-                        </a:solidFill>
-                        <a:effectLst/>
-                        <a:latin typeface="HP Simplified" panose="020B0604020204020204" pitchFamily="34" charset="0"/>
-                      </a:endParaRPr>
-                    </a:p>
-                  </a:txBody>
-                  <a:tcPr marL="7100" marR="7100" marT="7100" marB="0" anchor="b"/>
-                </a:tc>
-                <a:tc>
-                  <a:txBody>
-                    <a:bodyPr/>
-                    <a:lstStyle/>
-                    <a:p>
-                      <a:pPr algn="ctr" rtl="0" fontAlgn="b"/>
-                      <a:r>
-                        <a:rPr lang="en-US" sz="900" b="1" u="none" strike="noStrike" dirty="0">
-                          <a:effectLst/>
-                        </a:rPr>
-                        <a:t>245</a:t>
-                      </a:r>
-                      <a:endParaRPr lang="en-US" sz="900" b="1" i="0" u="none" strike="noStrike" dirty="0">
-                        <a:solidFill>
-                          <a:srgbClr val="000000"/>
-                        </a:solidFill>
-                        <a:effectLst/>
-                        <a:latin typeface="HP Simplified" panose="020B0604020204020204" pitchFamily="34" charset="0"/>
-                      </a:endParaRPr>
-                    </a:p>
-                  </a:txBody>
-                  <a:tcPr marL="7100" marR="7100" marT="7100" marB="0" anchor="b"/>
-                </a:tc>
-                <a:tc>
-                  <a:txBody>
-                    <a:bodyPr/>
-                    <a:lstStyle/>
-                    <a:p>
-                      <a:pPr algn="ctr" rtl="0" fontAlgn="b"/>
-                      <a:r>
-                        <a:rPr lang="en-US" sz="900" b="1" u="none" strike="noStrike" dirty="0">
-                          <a:effectLst/>
-                        </a:rPr>
-                        <a:t>408</a:t>
-                      </a:r>
-                      <a:endParaRPr lang="en-US" sz="900" b="1" i="0" u="none" strike="noStrike" dirty="0">
-                        <a:solidFill>
-                          <a:srgbClr val="000000"/>
-                        </a:solidFill>
-                        <a:effectLst/>
-                        <a:latin typeface="HP Simplified" panose="020B0604020204020204" pitchFamily="34" charset="0"/>
-                      </a:endParaRPr>
-                    </a:p>
-                  </a:txBody>
-                  <a:tcPr marL="7100" marR="7100" marT="7100" marB="0" anchor="b"/>
-                </a:tc>
-                <a:tc>
-                  <a:txBody>
-                    <a:bodyPr/>
-                    <a:lstStyle/>
-                    <a:p>
-                      <a:pPr algn="ctr" rtl="0" fontAlgn="b"/>
-                      <a:r>
-                        <a:rPr lang="en-US" sz="900" b="1" u="none" strike="noStrike" dirty="0">
-                          <a:effectLst/>
-                        </a:rPr>
-                        <a:t>386</a:t>
-                      </a:r>
-                      <a:endParaRPr lang="en-US" sz="900" b="1" i="0" u="none" strike="noStrike" dirty="0">
-                        <a:solidFill>
-                          <a:srgbClr val="000000"/>
-                        </a:solidFill>
-                        <a:effectLst/>
-                        <a:latin typeface="HP Simplified" panose="020B0604020204020204" pitchFamily="34" charset="0"/>
-                      </a:endParaRPr>
-                    </a:p>
-                  </a:txBody>
-                  <a:tcPr marL="7100" marR="7100" marT="7100" marB="0" anchor="b"/>
-                </a:tc>
-                <a:tc>
-                  <a:txBody>
-                    <a:bodyPr/>
-                    <a:lstStyle/>
-                    <a:p>
-                      <a:pPr algn="ctr" rtl="0" fontAlgn="b"/>
-                      <a:r>
-                        <a:rPr lang="en-US" sz="900" b="1" u="none" strike="noStrike">
-                          <a:effectLst/>
-                        </a:rPr>
-                        <a:t>622</a:t>
-                      </a:r>
-                      <a:endParaRPr lang="en-US" sz="900" b="1" i="0" u="none" strike="noStrike">
-                        <a:solidFill>
-                          <a:srgbClr val="000000"/>
-                        </a:solidFill>
-                        <a:effectLst/>
-                        <a:latin typeface="HP Simplified" panose="020B0604020204020204" pitchFamily="34" charset="0"/>
-                      </a:endParaRPr>
-                    </a:p>
-                  </a:txBody>
-                  <a:tcPr marL="7100" marR="7100" marT="7100" marB="0" anchor="b"/>
-                </a:tc>
-                <a:tc>
-                  <a:txBody>
-                    <a:bodyPr/>
-                    <a:lstStyle/>
-                    <a:p>
-                      <a:pPr algn="ctr" rtl="0" fontAlgn="b"/>
-                      <a:r>
-                        <a:rPr lang="en-US" sz="900" b="1" u="none" strike="noStrike">
-                          <a:effectLst/>
-                        </a:rPr>
-                        <a:t>808</a:t>
-                      </a:r>
-                      <a:endParaRPr lang="en-US" sz="900" b="1" i="0" u="none" strike="noStrike">
-                        <a:solidFill>
-                          <a:srgbClr val="000000"/>
-                        </a:solidFill>
-                        <a:effectLst/>
-                        <a:latin typeface="HP Simplified" panose="020B0604020204020204" pitchFamily="34" charset="0"/>
-                      </a:endParaRPr>
-                    </a:p>
-                  </a:txBody>
-                  <a:tcPr marL="7100" marR="7100" marT="7100" marB="0" anchor="b"/>
-                </a:tc>
-                <a:tc>
-                  <a:txBody>
-                    <a:bodyPr/>
-                    <a:lstStyle/>
-                    <a:p>
-                      <a:pPr algn="ctr" rtl="0" fontAlgn="b"/>
-                      <a:r>
-                        <a:rPr lang="en-US" sz="900" b="1" u="none" strike="noStrike">
-                          <a:effectLst/>
-                        </a:rPr>
-                        <a:t>1524</a:t>
-                      </a:r>
-                      <a:endParaRPr lang="en-US" sz="900" b="1" i="0" u="none" strike="noStrike">
-                        <a:solidFill>
-                          <a:srgbClr val="000000"/>
-                        </a:solidFill>
-                        <a:effectLst/>
-                        <a:latin typeface="HP Simplified" panose="020B0604020204020204" pitchFamily="34" charset="0"/>
-                      </a:endParaRPr>
-                    </a:p>
-                  </a:txBody>
-                  <a:tcPr marL="7100" marR="7100" marT="7100" marB="0" anchor="b"/>
-                </a:tc>
-                <a:tc>
-                  <a:txBody>
-                    <a:bodyPr/>
-                    <a:lstStyle/>
-                    <a:p>
-                      <a:pPr algn="ctr" rtl="0" fontAlgn="b"/>
-                      <a:r>
-                        <a:rPr lang="en-US" sz="900" b="1" u="none" strike="noStrike">
-                          <a:effectLst/>
-                        </a:rPr>
-                        <a:t>1300</a:t>
-                      </a:r>
-                      <a:endParaRPr lang="en-US" sz="900" b="1" i="0" u="none" strike="noStrike">
-                        <a:solidFill>
-                          <a:srgbClr val="000000"/>
-                        </a:solidFill>
-                        <a:effectLst/>
-                        <a:latin typeface="HP Simplified" panose="020B0604020204020204" pitchFamily="34" charset="0"/>
-                      </a:endParaRPr>
-                    </a:p>
-                  </a:txBody>
-                  <a:tcPr marL="7100" marR="7100" marT="7100" marB="0" anchor="b"/>
-                </a:tc>
-                <a:tc>
-                  <a:txBody>
-                    <a:bodyPr/>
-                    <a:lstStyle/>
-                    <a:p>
-                      <a:pPr algn="ctr" rtl="0" fontAlgn="b"/>
-                      <a:r>
-                        <a:rPr lang="en-US" sz="900" b="1" u="none" strike="noStrike">
-                          <a:effectLst/>
-                        </a:rPr>
-                        <a:t>1074</a:t>
-                      </a:r>
-                      <a:endParaRPr lang="en-US" sz="900" b="1" i="0" u="none" strike="noStrike">
-                        <a:solidFill>
-                          <a:srgbClr val="000000"/>
-                        </a:solidFill>
-                        <a:effectLst/>
-                        <a:latin typeface="HP Simplified" panose="020B0604020204020204" pitchFamily="34" charset="0"/>
-                      </a:endParaRPr>
-                    </a:p>
-                  </a:txBody>
-                  <a:tcPr marL="7100" marR="7100" marT="7100" marB="0" anchor="b"/>
-                </a:tc>
-                <a:tc>
-                  <a:txBody>
-                    <a:bodyPr/>
-                    <a:lstStyle/>
-                    <a:p>
-                      <a:pPr algn="ctr" rtl="0" fontAlgn="b"/>
-                      <a:r>
-                        <a:rPr lang="en-US" sz="900" b="1" u="none" strike="noStrike">
-                          <a:effectLst/>
-                        </a:rPr>
-                        <a:t>1100</a:t>
-                      </a:r>
-                      <a:endParaRPr lang="en-US" sz="900" b="1" i="0" u="none" strike="noStrike">
-                        <a:solidFill>
-                          <a:srgbClr val="000000"/>
-                        </a:solidFill>
-                        <a:effectLst/>
-                        <a:latin typeface="HP Simplified" panose="020B0604020204020204" pitchFamily="34" charset="0"/>
-                      </a:endParaRPr>
-                    </a:p>
-                  </a:txBody>
-                  <a:tcPr marL="7100" marR="7100" marT="7100" marB="0" anchor="b"/>
-                </a:tc>
-                <a:tc>
-                  <a:txBody>
-                    <a:bodyPr/>
-                    <a:lstStyle/>
-                    <a:p>
-                      <a:pPr algn="ctr" rtl="0" fontAlgn="b"/>
-                      <a:r>
-                        <a:rPr lang="en-US" sz="900" b="1" u="none" strike="noStrike">
-                          <a:effectLst/>
-                        </a:rPr>
-                        <a:t>250</a:t>
-                      </a:r>
-                      <a:endParaRPr lang="en-US" sz="900" b="1" i="0" u="none" strike="noStrike">
-                        <a:solidFill>
-                          <a:srgbClr val="000000"/>
-                        </a:solidFill>
-                        <a:effectLst/>
-                        <a:latin typeface="HP Simplified" panose="020B0604020204020204" pitchFamily="34" charset="0"/>
-                      </a:endParaRPr>
-                    </a:p>
-                  </a:txBody>
-                  <a:tcPr marL="7100" marR="7100" marT="7100" marB="0" anchor="b"/>
-                </a:tc>
-                <a:tc>
-                  <a:txBody>
-                    <a:bodyPr/>
-                    <a:lstStyle/>
-                    <a:p>
-                      <a:pPr algn="ctr" rtl="0" fontAlgn="b"/>
-                      <a:r>
-                        <a:rPr lang="en-US" sz="900" b="1" u="none" strike="noStrike">
-                          <a:effectLst/>
-                        </a:rPr>
-                        <a:t>400</a:t>
-                      </a:r>
-                      <a:endParaRPr lang="en-US" sz="900" b="1" i="0" u="none" strike="noStrike">
-                        <a:solidFill>
-                          <a:srgbClr val="000000"/>
-                        </a:solidFill>
-                        <a:effectLst/>
-                        <a:latin typeface="HP Simplified" panose="020B0604020204020204" pitchFamily="34" charset="0"/>
-                      </a:endParaRPr>
-                    </a:p>
-                  </a:txBody>
-                  <a:tcPr marL="7100" marR="7100" marT="7100" marB="0" anchor="b"/>
-                </a:tc>
-                <a:tc>
-                  <a:txBody>
-                    <a:bodyPr/>
-                    <a:lstStyle/>
-                    <a:p>
-                      <a:pPr algn="ctr" rtl="0" fontAlgn="b"/>
-                      <a:r>
-                        <a:rPr lang="en-US" sz="900" b="1" u="none" strike="noStrike">
-                          <a:effectLst/>
-                        </a:rPr>
-                        <a:t>450</a:t>
-                      </a:r>
-                      <a:endParaRPr lang="en-US" sz="900" b="1" i="0" u="none" strike="noStrike">
-                        <a:solidFill>
-                          <a:srgbClr val="000000"/>
-                        </a:solidFill>
-                        <a:effectLst/>
-                        <a:latin typeface="HP Simplified" panose="020B0604020204020204" pitchFamily="34" charset="0"/>
-                      </a:endParaRPr>
-                    </a:p>
-                  </a:txBody>
-                  <a:tcPr marL="7100" marR="7100" marT="7100" marB="0" anchor="b"/>
-                </a:tc>
-                <a:tc>
-                  <a:txBody>
-                    <a:bodyPr/>
-                    <a:lstStyle/>
-                    <a:p>
-                      <a:pPr algn="ctr" rtl="0" fontAlgn="b"/>
-                      <a:r>
-                        <a:rPr lang="en-US" sz="900" b="1" u="none" strike="noStrike">
-                          <a:effectLst/>
-                        </a:rPr>
-                        <a:t>2%</a:t>
-                      </a:r>
-                      <a:endParaRPr lang="en-US" sz="900" b="1" i="0" u="none" strike="noStrike">
-                        <a:solidFill>
-                          <a:srgbClr val="000000"/>
-                        </a:solidFill>
-                        <a:effectLst/>
-                        <a:latin typeface="HP Simplified" panose="020B0604020204020204" pitchFamily="34" charset="0"/>
-                      </a:endParaRPr>
-                    </a:p>
-                  </a:txBody>
-                  <a:tcPr marL="7100" marR="7100" marT="7100" marB="0" anchor="b"/>
-                </a:tc>
-                <a:tc>
-                  <a:txBody>
-                    <a:bodyPr/>
-                    <a:lstStyle/>
-                    <a:p>
-                      <a:pPr algn="ctr" rtl="0" fontAlgn="b"/>
-                      <a:r>
-                        <a:rPr lang="en-US" sz="900" b="1" u="none" strike="noStrike">
-                          <a:effectLst/>
-                        </a:rPr>
-                        <a:t>77%</a:t>
-                      </a:r>
-                      <a:endParaRPr lang="en-US" sz="900" b="1" i="0" u="none" strike="noStrike">
-                        <a:solidFill>
-                          <a:srgbClr val="000000"/>
-                        </a:solidFill>
-                        <a:effectLst/>
-                        <a:latin typeface="HP Simplified" panose="020B0604020204020204" pitchFamily="34" charset="0"/>
-                      </a:endParaRPr>
-                    </a:p>
-                  </a:txBody>
-                  <a:tcPr marL="7100" marR="7100" marT="7100" marB="0" anchor="b"/>
-                </a:tc>
-              </a:tr>
-              <a:tr h="307856">
-                <a:tc rowSpan="2">
-                  <a:txBody>
-                    <a:bodyPr/>
-                    <a:lstStyle/>
-                    <a:p>
-                      <a:pPr algn="ctr" rtl="0" fontAlgn="ctr"/>
-                      <a:r>
-                        <a:rPr lang="en-US" sz="900" b="1" u="none" strike="noStrike">
-                          <a:effectLst/>
-                        </a:rPr>
-                        <a:t>6J</a:t>
-                      </a:r>
-                      <a:endParaRPr lang="en-US" sz="900" b="1" i="0" u="none" strike="noStrike">
-                        <a:solidFill>
-                          <a:srgbClr val="000000"/>
-                        </a:solidFill>
-                        <a:effectLst/>
-                        <a:latin typeface="HP Simplified" panose="020B0604020204020204" pitchFamily="34" charset="0"/>
-                      </a:endParaRPr>
-                    </a:p>
-                  </a:txBody>
-                  <a:tcPr marL="7100" marR="7100" marT="7100" marB="0" anchor="ctr"/>
-                </a:tc>
-                <a:tc>
-                  <a:txBody>
-                    <a:bodyPr/>
-                    <a:lstStyle/>
-                    <a:p>
-                      <a:pPr algn="l" rtl="0" fontAlgn="b"/>
-                      <a:r>
-                        <a:rPr lang="en-US" sz="900" b="1" u="none" strike="noStrike" dirty="0" err="1">
-                          <a:effectLst/>
-                        </a:rPr>
-                        <a:t>Sellthru</a:t>
-                      </a:r>
-                      <a:r>
-                        <a:rPr lang="en-US" sz="900" b="1" u="none" strike="noStrike" dirty="0">
-                          <a:effectLst/>
-                        </a:rPr>
-                        <a:t> ($K)</a:t>
-                      </a:r>
-                      <a:endParaRPr lang="en-US" sz="900" b="1" i="0" u="none" strike="noStrike" dirty="0">
-                        <a:solidFill>
-                          <a:srgbClr val="000000"/>
-                        </a:solidFill>
-                        <a:effectLst/>
-                        <a:latin typeface="HP Simplified" panose="020B0604020204020204" pitchFamily="34" charset="0"/>
-                      </a:endParaRPr>
-                    </a:p>
-                  </a:txBody>
-                  <a:tcPr marL="7100" marR="7100" marT="7100" marB="0" anchor="b"/>
-                </a:tc>
-                <a:tc>
-                  <a:txBody>
-                    <a:bodyPr/>
-                    <a:lstStyle/>
-                    <a:p>
-                      <a:pPr algn="ctr" rtl="0" fontAlgn="b"/>
-                      <a:r>
-                        <a:rPr lang="en-US" sz="900" b="1" u="none" strike="noStrike">
-                          <a:effectLst/>
-                        </a:rPr>
-                        <a:t>0</a:t>
-                      </a:r>
-                      <a:endParaRPr lang="en-US" sz="900" b="1" i="0" u="none" strike="noStrike">
-                        <a:solidFill>
-                          <a:srgbClr val="000000"/>
-                        </a:solidFill>
-                        <a:effectLst/>
-                        <a:latin typeface="HP Simplified" panose="020B0604020204020204" pitchFamily="34" charset="0"/>
-                      </a:endParaRPr>
-                    </a:p>
-                  </a:txBody>
-                  <a:tcPr marL="7100" marR="7100" marT="7100" marB="0" anchor="b"/>
-                </a:tc>
-                <a:tc>
-                  <a:txBody>
-                    <a:bodyPr/>
-                    <a:lstStyle/>
-                    <a:p>
-                      <a:pPr algn="ctr" rtl="0" fontAlgn="b"/>
-                      <a:r>
-                        <a:rPr lang="en-US" sz="900" b="1" u="none" strike="noStrike">
-                          <a:effectLst/>
-                        </a:rPr>
-                        <a:t>0</a:t>
-                      </a:r>
-                      <a:endParaRPr lang="en-US" sz="900" b="1" i="0" u="none" strike="noStrike">
-                        <a:solidFill>
-                          <a:srgbClr val="000000"/>
-                        </a:solidFill>
-                        <a:effectLst/>
-                        <a:latin typeface="HP Simplified" panose="020B0604020204020204" pitchFamily="34" charset="0"/>
-                      </a:endParaRPr>
-                    </a:p>
-                  </a:txBody>
-                  <a:tcPr marL="7100" marR="7100" marT="7100" marB="0" anchor="b"/>
-                </a:tc>
-                <a:tc>
-                  <a:txBody>
-                    <a:bodyPr/>
-                    <a:lstStyle/>
-                    <a:p>
-                      <a:pPr algn="ctr" rtl="0" fontAlgn="b"/>
-                      <a:r>
-                        <a:rPr lang="en-US" sz="900" b="1" u="none" strike="noStrike">
-                          <a:effectLst/>
-                        </a:rPr>
-                        <a:t>0</a:t>
-                      </a:r>
-                      <a:endParaRPr lang="en-US" sz="900" b="1" i="0" u="none" strike="noStrike">
-                        <a:solidFill>
-                          <a:srgbClr val="000000"/>
-                        </a:solidFill>
-                        <a:effectLst/>
-                        <a:latin typeface="HP Simplified" panose="020B0604020204020204" pitchFamily="34" charset="0"/>
-                      </a:endParaRPr>
-                    </a:p>
-                  </a:txBody>
-                  <a:tcPr marL="7100" marR="7100" marT="7100" marB="0" anchor="b"/>
-                </a:tc>
-                <a:tc>
-                  <a:txBody>
-                    <a:bodyPr/>
-                    <a:lstStyle/>
-                    <a:p>
-                      <a:pPr algn="ctr" rtl="0" fontAlgn="b"/>
-                      <a:r>
-                        <a:rPr lang="en-US" sz="900" b="1" u="none" strike="noStrike">
-                          <a:effectLst/>
-                        </a:rPr>
-                        <a:t>0</a:t>
-                      </a:r>
-                      <a:endParaRPr lang="en-US" sz="900" b="1" i="0" u="none" strike="noStrike">
-                        <a:solidFill>
-                          <a:srgbClr val="000000"/>
-                        </a:solidFill>
-                        <a:effectLst/>
-                        <a:latin typeface="HP Simplified" panose="020B0604020204020204" pitchFamily="34" charset="0"/>
-                      </a:endParaRPr>
-                    </a:p>
-                  </a:txBody>
-                  <a:tcPr marL="7100" marR="7100" marT="7100" marB="0" anchor="b"/>
-                </a:tc>
-                <a:tc>
-                  <a:txBody>
-                    <a:bodyPr/>
-                    <a:lstStyle/>
-                    <a:p>
-                      <a:pPr algn="ctr" rtl="0" fontAlgn="b"/>
-                      <a:r>
-                        <a:rPr lang="en-US" sz="900" b="1" u="none" strike="noStrike">
-                          <a:effectLst/>
-                        </a:rPr>
-                        <a:t>0</a:t>
-                      </a:r>
-                      <a:endParaRPr lang="en-US" sz="900" b="1" i="0" u="none" strike="noStrike">
-                        <a:solidFill>
-                          <a:srgbClr val="000000"/>
-                        </a:solidFill>
-                        <a:effectLst/>
-                        <a:latin typeface="HP Simplified" panose="020B0604020204020204" pitchFamily="34" charset="0"/>
-                      </a:endParaRPr>
-                    </a:p>
-                  </a:txBody>
-                  <a:tcPr marL="7100" marR="7100" marT="7100" marB="0" anchor="b"/>
-                </a:tc>
-                <a:tc>
-                  <a:txBody>
-                    <a:bodyPr/>
-                    <a:lstStyle/>
-                    <a:p>
-                      <a:pPr algn="ctr" rtl="0" fontAlgn="b"/>
-                      <a:r>
-                        <a:rPr lang="en-US" sz="900" b="1" u="none" strike="noStrike" dirty="0">
-                          <a:effectLst/>
-                        </a:rPr>
-                        <a:t>0</a:t>
-                      </a:r>
-                      <a:endParaRPr lang="en-US" sz="900" b="1" i="0" u="none" strike="noStrike" dirty="0">
-                        <a:solidFill>
-                          <a:srgbClr val="000000"/>
-                        </a:solidFill>
-                        <a:effectLst/>
-                        <a:latin typeface="HP Simplified" panose="020B0604020204020204" pitchFamily="34" charset="0"/>
-                      </a:endParaRPr>
-                    </a:p>
-                  </a:txBody>
-                  <a:tcPr marL="7100" marR="7100" marT="7100" marB="0" anchor="b"/>
-                </a:tc>
-                <a:tc>
-                  <a:txBody>
-                    <a:bodyPr/>
-                    <a:lstStyle/>
-                    <a:p>
-                      <a:pPr algn="ctr" rtl="0" fontAlgn="b"/>
-                      <a:r>
-                        <a:rPr lang="en-US" sz="900" b="1" u="none" strike="noStrike">
-                          <a:effectLst/>
-                        </a:rPr>
-                        <a:t>0</a:t>
-                      </a:r>
-                      <a:endParaRPr lang="en-US" sz="900" b="1" i="0" u="none" strike="noStrike">
-                        <a:solidFill>
-                          <a:srgbClr val="000000"/>
-                        </a:solidFill>
-                        <a:effectLst/>
-                        <a:latin typeface="HP Simplified" panose="020B0604020204020204" pitchFamily="34" charset="0"/>
-                      </a:endParaRPr>
-                    </a:p>
-                  </a:txBody>
-                  <a:tcPr marL="7100" marR="7100" marT="7100" marB="0" anchor="b"/>
-                </a:tc>
-                <a:tc>
-                  <a:txBody>
-                    <a:bodyPr/>
-                    <a:lstStyle/>
-                    <a:p>
-                      <a:pPr algn="ctr" rtl="0" fontAlgn="b"/>
-                      <a:r>
-                        <a:rPr lang="en-US" sz="900" b="1" u="none" strike="noStrike">
-                          <a:effectLst/>
-                        </a:rPr>
-                        <a:t>0</a:t>
-                      </a:r>
-                      <a:endParaRPr lang="en-US" sz="900" b="1" i="0" u="none" strike="noStrike">
-                        <a:solidFill>
-                          <a:srgbClr val="000000"/>
-                        </a:solidFill>
-                        <a:effectLst/>
-                        <a:latin typeface="HP Simplified" panose="020B0604020204020204" pitchFamily="34" charset="0"/>
-                      </a:endParaRPr>
-                    </a:p>
-                  </a:txBody>
-                  <a:tcPr marL="7100" marR="7100" marT="7100" marB="0" anchor="b"/>
-                </a:tc>
-                <a:tc>
-                  <a:txBody>
-                    <a:bodyPr/>
-                    <a:lstStyle/>
-                    <a:p>
-                      <a:pPr algn="ctr" rtl="0" fontAlgn="b"/>
-                      <a:r>
-                        <a:rPr lang="en-US" sz="900" b="1" u="none" strike="noStrike">
-                          <a:effectLst/>
-                        </a:rPr>
-                        <a:t>0</a:t>
-                      </a:r>
-                      <a:endParaRPr lang="en-US" sz="900" b="1" i="0" u="none" strike="noStrike">
-                        <a:solidFill>
-                          <a:srgbClr val="000000"/>
-                        </a:solidFill>
-                        <a:effectLst/>
-                        <a:latin typeface="HP Simplified" panose="020B0604020204020204" pitchFamily="34" charset="0"/>
-                      </a:endParaRPr>
-                    </a:p>
-                  </a:txBody>
-                  <a:tcPr marL="7100" marR="7100" marT="7100" marB="0" anchor="b"/>
-                </a:tc>
-                <a:tc>
-                  <a:txBody>
-                    <a:bodyPr/>
-                    <a:lstStyle/>
-                    <a:p>
-                      <a:pPr algn="ctr" rtl="0" fontAlgn="b"/>
-                      <a:r>
-                        <a:rPr lang="en-US" sz="900" b="1" u="none" strike="noStrike">
-                          <a:effectLst/>
-                        </a:rPr>
-                        <a:t>0</a:t>
-                      </a:r>
-                      <a:endParaRPr lang="en-US" sz="900" b="1" i="0" u="none" strike="noStrike">
-                        <a:solidFill>
-                          <a:srgbClr val="000000"/>
-                        </a:solidFill>
-                        <a:effectLst/>
-                        <a:latin typeface="HP Simplified" panose="020B0604020204020204" pitchFamily="34" charset="0"/>
-                      </a:endParaRPr>
-                    </a:p>
-                  </a:txBody>
-                  <a:tcPr marL="7100" marR="7100" marT="7100" marB="0" anchor="b"/>
-                </a:tc>
-                <a:tc>
-                  <a:txBody>
-                    <a:bodyPr/>
-                    <a:lstStyle/>
-                    <a:p>
-                      <a:pPr algn="ctr" rtl="0" fontAlgn="b"/>
-                      <a:r>
-                        <a:rPr lang="en-US" sz="900" b="1" u="none" strike="noStrike">
-                          <a:effectLst/>
-                        </a:rPr>
-                        <a:t>9</a:t>
-                      </a:r>
-                      <a:endParaRPr lang="en-US" sz="900" b="1" i="0" u="none" strike="noStrike">
-                        <a:solidFill>
-                          <a:srgbClr val="000000"/>
-                        </a:solidFill>
-                        <a:effectLst/>
-                        <a:latin typeface="HP Simplified" panose="020B0604020204020204" pitchFamily="34" charset="0"/>
-                      </a:endParaRPr>
-                    </a:p>
-                  </a:txBody>
-                  <a:tcPr marL="7100" marR="7100" marT="7100" marB="0" anchor="b"/>
-                </a:tc>
-                <a:tc>
-                  <a:txBody>
-                    <a:bodyPr/>
-                    <a:lstStyle/>
-                    <a:p>
-                      <a:pPr algn="ctr" rtl="0" fontAlgn="b"/>
-                      <a:r>
-                        <a:rPr lang="en-US" sz="900" b="1" u="none" strike="noStrike">
-                          <a:effectLst/>
-                        </a:rPr>
-                        <a:t>3</a:t>
-                      </a:r>
-                      <a:endParaRPr lang="en-US" sz="900" b="1" i="0" u="none" strike="noStrike">
-                        <a:solidFill>
-                          <a:srgbClr val="000000"/>
-                        </a:solidFill>
-                        <a:effectLst/>
-                        <a:latin typeface="HP Simplified" panose="020B0604020204020204" pitchFamily="34" charset="0"/>
-                      </a:endParaRPr>
-                    </a:p>
-                  </a:txBody>
-                  <a:tcPr marL="7100" marR="7100" marT="7100" marB="0" anchor="b"/>
-                </a:tc>
-                <a:tc>
-                  <a:txBody>
-                    <a:bodyPr/>
-                    <a:lstStyle/>
-                    <a:p>
-                      <a:pPr algn="ctr" rtl="0" fontAlgn="b"/>
-                      <a:r>
-                        <a:rPr lang="en-US" sz="900" b="1" u="none" strike="noStrike">
-                          <a:effectLst/>
-                        </a:rPr>
-                        <a:t>3</a:t>
-                      </a:r>
-                      <a:endParaRPr lang="en-US" sz="900" b="1" i="0" u="none" strike="noStrike">
-                        <a:solidFill>
-                          <a:srgbClr val="000000"/>
-                        </a:solidFill>
-                        <a:effectLst/>
-                        <a:latin typeface="HP Simplified" panose="020B0604020204020204" pitchFamily="34" charset="0"/>
-                      </a:endParaRPr>
-                    </a:p>
-                  </a:txBody>
-                  <a:tcPr marL="7100" marR="7100" marT="7100" marB="0" anchor="b"/>
-                </a:tc>
-                <a:tc>
-                  <a:txBody>
-                    <a:bodyPr/>
-                    <a:lstStyle/>
-                    <a:p>
-                      <a:pPr algn="ctr" rtl="0" fontAlgn="b"/>
-                      <a:r>
-                        <a:rPr lang="en-US" sz="900" b="1" u="none" strike="noStrike">
-                          <a:effectLst/>
-                        </a:rPr>
-                        <a:t>3</a:t>
-                      </a:r>
-                      <a:endParaRPr lang="en-US" sz="900" b="1" i="0" u="none" strike="noStrike">
-                        <a:solidFill>
-                          <a:srgbClr val="000000"/>
-                        </a:solidFill>
-                        <a:effectLst/>
-                        <a:latin typeface="HP Simplified" panose="020B0604020204020204" pitchFamily="34" charset="0"/>
-                      </a:endParaRPr>
-                    </a:p>
-                  </a:txBody>
-                  <a:tcPr marL="7100" marR="7100" marT="7100" marB="0" anchor="b"/>
-                </a:tc>
-                <a:tc>
-                  <a:txBody>
-                    <a:bodyPr/>
-                    <a:lstStyle/>
-                    <a:p>
-                      <a:pPr algn="ctr" rtl="0" fontAlgn="b"/>
-                      <a:r>
-                        <a:rPr lang="en-US" sz="900" b="1" u="none" strike="noStrike">
-                          <a:effectLst/>
-                        </a:rPr>
-                        <a:t>#DIV/0!</a:t>
-                      </a:r>
-                      <a:endParaRPr lang="en-US" sz="900" b="1" i="0" u="none" strike="noStrike">
-                        <a:solidFill>
-                          <a:srgbClr val="000000"/>
-                        </a:solidFill>
-                        <a:effectLst/>
-                        <a:latin typeface="HP Simplified" panose="020B0604020204020204" pitchFamily="34" charset="0"/>
-                      </a:endParaRPr>
-                    </a:p>
-                  </a:txBody>
-                  <a:tcPr marL="7100" marR="7100" marT="7100" marB="0" anchor="b"/>
-                </a:tc>
-                <a:tc>
-                  <a:txBody>
-                    <a:bodyPr/>
-                    <a:lstStyle/>
-                    <a:p>
-                      <a:pPr algn="ctr" rtl="0" fontAlgn="b"/>
-                      <a:r>
-                        <a:rPr lang="en-US" sz="900" b="1" u="none" strike="noStrike">
-                          <a:effectLst/>
-                        </a:rPr>
-                        <a:t>#DIV/0!</a:t>
-                      </a:r>
-                      <a:endParaRPr lang="en-US" sz="900" b="1" i="0" u="none" strike="noStrike">
-                        <a:solidFill>
-                          <a:srgbClr val="000000"/>
-                        </a:solidFill>
-                        <a:effectLst/>
-                        <a:latin typeface="HP Simplified" panose="020B0604020204020204" pitchFamily="34" charset="0"/>
-                      </a:endParaRPr>
-                    </a:p>
-                  </a:txBody>
-                  <a:tcPr marL="7100" marR="7100" marT="7100" marB="0" anchor="b"/>
-                </a:tc>
-              </a:tr>
-              <a:tr h="307856">
-                <a:tc vMerge="1">
-                  <a:txBody>
-                    <a:bodyPr/>
-                    <a:lstStyle/>
-                    <a:p>
-                      <a:endParaRPr lang="en-US"/>
-                    </a:p>
-                  </a:txBody>
-                  <a:tcPr/>
-                </a:tc>
-                <a:tc>
-                  <a:txBody>
-                    <a:bodyPr/>
-                    <a:lstStyle/>
-                    <a:p>
-                      <a:pPr algn="l" rtl="0" fontAlgn="b"/>
-                      <a:r>
-                        <a:rPr lang="en-US" sz="900" b="1" u="none" strike="noStrike" dirty="0" err="1">
-                          <a:effectLst/>
-                        </a:rPr>
-                        <a:t>Sellthru</a:t>
-                      </a:r>
-                      <a:r>
-                        <a:rPr lang="en-US" sz="900" b="1" u="none" strike="noStrike" dirty="0">
-                          <a:effectLst/>
-                        </a:rPr>
-                        <a:t> (units)</a:t>
-                      </a:r>
-                      <a:endParaRPr lang="en-US" sz="900" b="1" i="0" u="none" strike="noStrike" dirty="0">
-                        <a:solidFill>
-                          <a:srgbClr val="000000"/>
-                        </a:solidFill>
-                        <a:effectLst/>
-                        <a:latin typeface="HP Simplified" panose="020B0604020204020204" pitchFamily="34" charset="0"/>
-                      </a:endParaRPr>
-                    </a:p>
-                  </a:txBody>
-                  <a:tcPr marL="7100" marR="7100" marT="7100" marB="0" anchor="b"/>
-                </a:tc>
-                <a:tc>
-                  <a:txBody>
-                    <a:bodyPr/>
-                    <a:lstStyle/>
-                    <a:p>
-                      <a:pPr algn="ctr" rtl="0" fontAlgn="b"/>
-                      <a:r>
-                        <a:rPr lang="en-US" sz="900" b="1" u="none" strike="noStrike">
-                          <a:effectLst/>
-                        </a:rPr>
-                        <a:t>0</a:t>
-                      </a:r>
-                      <a:endParaRPr lang="en-US" sz="900" b="1" i="0" u="none" strike="noStrike">
-                        <a:solidFill>
-                          <a:srgbClr val="000000"/>
-                        </a:solidFill>
-                        <a:effectLst/>
-                        <a:latin typeface="HP Simplified" panose="020B0604020204020204" pitchFamily="34" charset="0"/>
-                      </a:endParaRPr>
-                    </a:p>
-                  </a:txBody>
-                  <a:tcPr marL="7100" marR="7100" marT="7100" marB="0" anchor="b"/>
-                </a:tc>
-                <a:tc>
-                  <a:txBody>
-                    <a:bodyPr/>
-                    <a:lstStyle/>
-                    <a:p>
-                      <a:pPr algn="ctr" rtl="0" fontAlgn="b"/>
-                      <a:r>
-                        <a:rPr lang="en-US" sz="900" b="1" u="none" strike="noStrike">
-                          <a:effectLst/>
-                        </a:rPr>
-                        <a:t>0</a:t>
-                      </a:r>
-                      <a:endParaRPr lang="en-US" sz="900" b="1" i="0" u="none" strike="noStrike">
-                        <a:solidFill>
-                          <a:srgbClr val="000000"/>
-                        </a:solidFill>
-                        <a:effectLst/>
-                        <a:latin typeface="HP Simplified" panose="020B0604020204020204" pitchFamily="34" charset="0"/>
-                      </a:endParaRPr>
-                    </a:p>
-                  </a:txBody>
-                  <a:tcPr marL="7100" marR="7100" marT="7100" marB="0" anchor="b"/>
-                </a:tc>
-                <a:tc>
-                  <a:txBody>
-                    <a:bodyPr/>
-                    <a:lstStyle/>
-                    <a:p>
-                      <a:pPr algn="ctr" rtl="0" fontAlgn="b"/>
-                      <a:r>
-                        <a:rPr lang="en-US" sz="900" b="1" u="none" strike="noStrike">
-                          <a:effectLst/>
-                        </a:rPr>
-                        <a:t>0</a:t>
-                      </a:r>
-                      <a:endParaRPr lang="en-US" sz="900" b="1" i="0" u="none" strike="noStrike">
-                        <a:solidFill>
-                          <a:srgbClr val="000000"/>
-                        </a:solidFill>
-                        <a:effectLst/>
-                        <a:latin typeface="HP Simplified" panose="020B0604020204020204" pitchFamily="34" charset="0"/>
-                      </a:endParaRPr>
-                    </a:p>
-                  </a:txBody>
-                  <a:tcPr marL="7100" marR="7100" marT="7100" marB="0" anchor="b"/>
-                </a:tc>
-                <a:tc>
-                  <a:txBody>
-                    <a:bodyPr/>
-                    <a:lstStyle/>
-                    <a:p>
-                      <a:pPr algn="ctr" rtl="0" fontAlgn="b"/>
-                      <a:r>
-                        <a:rPr lang="en-US" sz="900" b="1" u="none" strike="noStrike">
-                          <a:effectLst/>
-                        </a:rPr>
-                        <a:t>0</a:t>
-                      </a:r>
-                      <a:endParaRPr lang="en-US" sz="900" b="1" i="0" u="none" strike="noStrike">
-                        <a:solidFill>
-                          <a:srgbClr val="000000"/>
-                        </a:solidFill>
-                        <a:effectLst/>
-                        <a:latin typeface="HP Simplified" panose="020B0604020204020204" pitchFamily="34" charset="0"/>
-                      </a:endParaRPr>
-                    </a:p>
-                  </a:txBody>
-                  <a:tcPr marL="7100" marR="7100" marT="7100" marB="0" anchor="b"/>
-                </a:tc>
-                <a:tc>
-                  <a:txBody>
-                    <a:bodyPr/>
-                    <a:lstStyle/>
-                    <a:p>
-                      <a:pPr algn="ctr" rtl="0" fontAlgn="b"/>
-                      <a:r>
-                        <a:rPr lang="en-US" sz="900" b="1" u="none" strike="noStrike">
-                          <a:effectLst/>
-                        </a:rPr>
-                        <a:t>0</a:t>
-                      </a:r>
-                      <a:endParaRPr lang="en-US" sz="900" b="1" i="0" u="none" strike="noStrike">
-                        <a:solidFill>
-                          <a:srgbClr val="000000"/>
-                        </a:solidFill>
-                        <a:effectLst/>
-                        <a:latin typeface="HP Simplified" panose="020B0604020204020204" pitchFamily="34" charset="0"/>
-                      </a:endParaRPr>
-                    </a:p>
-                  </a:txBody>
-                  <a:tcPr marL="7100" marR="7100" marT="7100" marB="0" anchor="b"/>
-                </a:tc>
-                <a:tc>
-                  <a:txBody>
-                    <a:bodyPr/>
-                    <a:lstStyle/>
-                    <a:p>
-                      <a:pPr algn="ctr" rtl="0" fontAlgn="b"/>
-                      <a:r>
-                        <a:rPr lang="en-US" sz="900" b="1" u="none" strike="noStrike">
-                          <a:effectLst/>
-                        </a:rPr>
-                        <a:t>0</a:t>
-                      </a:r>
-                      <a:endParaRPr lang="en-US" sz="900" b="1" i="0" u="none" strike="noStrike">
-                        <a:solidFill>
-                          <a:srgbClr val="000000"/>
-                        </a:solidFill>
-                        <a:effectLst/>
-                        <a:latin typeface="HP Simplified" panose="020B0604020204020204" pitchFamily="34" charset="0"/>
-                      </a:endParaRPr>
-                    </a:p>
-                  </a:txBody>
-                  <a:tcPr marL="7100" marR="7100" marT="7100" marB="0" anchor="b"/>
-                </a:tc>
-                <a:tc>
-                  <a:txBody>
-                    <a:bodyPr/>
-                    <a:lstStyle/>
-                    <a:p>
-                      <a:pPr algn="ctr" rtl="0" fontAlgn="b"/>
-                      <a:r>
-                        <a:rPr lang="en-US" sz="900" b="1" u="none" strike="noStrike">
-                          <a:effectLst/>
-                        </a:rPr>
-                        <a:t>0</a:t>
-                      </a:r>
-                      <a:endParaRPr lang="en-US" sz="900" b="1" i="0" u="none" strike="noStrike">
-                        <a:solidFill>
-                          <a:srgbClr val="000000"/>
-                        </a:solidFill>
-                        <a:effectLst/>
-                        <a:latin typeface="HP Simplified" panose="020B0604020204020204" pitchFamily="34" charset="0"/>
-                      </a:endParaRPr>
-                    </a:p>
-                  </a:txBody>
-                  <a:tcPr marL="7100" marR="7100" marT="7100" marB="0" anchor="b"/>
-                </a:tc>
-                <a:tc>
-                  <a:txBody>
-                    <a:bodyPr/>
-                    <a:lstStyle/>
-                    <a:p>
-                      <a:pPr algn="ctr" rtl="0" fontAlgn="b"/>
-                      <a:r>
-                        <a:rPr lang="en-US" sz="900" b="1" u="none" strike="noStrike">
-                          <a:effectLst/>
-                        </a:rPr>
-                        <a:t>0</a:t>
-                      </a:r>
-                      <a:endParaRPr lang="en-US" sz="900" b="1" i="0" u="none" strike="noStrike">
-                        <a:solidFill>
-                          <a:srgbClr val="000000"/>
-                        </a:solidFill>
-                        <a:effectLst/>
-                        <a:latin typeface="HP Simplified" panose="020B0604020204020204" pitchFamily="34" charset="0"/>
-                      </a:endParaRPr>
-                    </a:p>
-                  </a:txBody>
-                  <a:tcPr marL="7100" marR="7100" marT="7100" marB="0" anchor="b"/>
-                </a:tc>
-                <a:tc>
-                  <a:txBody>
-                    <a:bodyPr/>
-                    <a:lstStyle/>
-                    <a:p>
-                      <a:pPr algn="ctr" rtl="0" fontAlgn="b"/>
-                      <a:r>
-                        <a:rPr lang="en-US" sz="900" b="1" u="none" strike="noStrike" dirty="0">
-                          <a:effectLst/>
-                        </a:rPr>
-                        <a:t>0</a:t>
-                      </a:r>
-                      <a:endParaRPr lang="en-US" sz="900" b="1" i="0" u="none" strike="noStrike" dirty="0">
-                        <a:solidFill>
-                          <a:srgbClr val="000000"/>
-                        </a:solidFill>
-                        <a:effectLst/>
-                        <a:latin typeface="HP Simplified" panose="020B0604020204020204" pitchFamily="34" charset="0"/>
-                      </a:endParaRPr>
-                    </a:p>
-                  </a:txBody>
-                  <a:tcPr marL="7100" marR="7100" marT="7100" marB="0" anchor="b"/>
-                </a:tc>
-                <a:tc>
-                  <a:txBody>
-                    <a:bodyPr/>
-                    <a:lstStyle/>
-                    <a:p>
-                      <a:pPr algn="ctr" rtl="0" fontAlgn="b"/>
-                      <a:r>
-                        <a:rPr lang="en-US" sz="900" b="1" u="none" strike="noStrike">
-                          <a:effectLst/>
-                        </a:rPr>
-                        <a:t>0</a:t>
-                      </a:r>
-                      <a:endParaRPr lang="en-US" sz="900" b="1" i="0" u="none" strike="noStrike">
-                        <a:solidFill>
-                          <a:srgbClr val="000000"/>
-                        </a:solidFill>
-                        <a:effectLst/>
-                        <a:latin typeface="HP Simplified" panose="020B0604020204020204" pitchFamily="34" charset="0"/>
-                      </a:endParaRPr>
-                    </a:p>
-                  </a:txBody>
-                  <a:tcPr marL="7100" marR="7100" marT="7100" marB="0" anchor="b"/>
-                </a:tc>
-                <a:tc>
-                  <a:txBody>
-                    <a:bodyPr/>
-                    <a:lstStyle/>
-                    <a:p>
-                      <a:pPr algn="ctr" rtl="0" fontAlgn="b"/>
-                      <a:r>
-                        <a:rPr lang="en-US" sz="900" b="1" u="none" strike="noStrike">
-                          <a:effectLst/>
-                        </a:rPr>
-                        <a:t>30</a:t>
-                      </a:r>
-                      <a:endParaRPr lang="en-US" sz="900" b="1" i="0" u="none" strike="noStrike">
-                        <a:solidFill>
-                          <a:srgbClr val="000000"/>
-                        </a:solidFill>
-                        <a:effectLst/>
-                        <a:latin typeface="HP Simplified" panose="020B0604020204020204" pitchFamily="34" charset="0"/>
-                      </a:endParaRPr>
-                    </a:p>
-                  </a:txBody>
-                  <a:tcPr marL="7100" marR="7100" marT="7100" marB="0" anchor="b"/>
-                </a:tc>
-                <a:tc>
-                  <a:txBody>
-                    <a:bodyPr/>
-                    <a:lstStyle/>
-                    <a:p>
-                      <a:pPr algn="ctr" rtl="0" fontAlgn="b"/>
-                      <a:r>
-                        <a:rPr lang="en-US" sz="900" b="1" u="none" strike="noStrike">
-                          <a:effectLst/>
-                        </a:rPr>
-                        <a:t>10</a:t>
-                      </a:r>
-                      <a:endParaRPr lang="en-US" sz="900" b="1" i="0" u="none" strike="noStrike">
-                        <a:solidFill>
-                          <a:srgbClr val="000000"/>
-                        </a:solidFill>
-                        <a:effectLst/>
-                        <a:latin typeface="HP Simplified" panose="020B0604020204020204" pitchFamily="34" charset="0"/>
-                      </a:endParaRPr>
-                    </a:p>
-                  </a:txBody>
-                  <a:tcPr marL="7100" marR="7100" marT="7100" marB="0" anchor="b"/>
-                </a:tc>
-                <a:tc>
-                  <a:txBody>
-                    <a:bodyPr/>
-                    <a:lstStyle/>
-                    <a:p>
-                      <a:pPr algn="ctr" rtl="0" fontAlgn="b"/>
-                      <a:r>
-                        <a:rPr lang="en-US" sz="900" b="1" u="none" strike="noStrike">
-                          <a:effectLst/>
-                        </a:rPr>
-                        <a:t>10</a:t>
-                      </a:r>
-                      <a:endParaRPr lang="en-US" sz="900" b="1" i="0" u="none" strike="noStrike">
-                        <a:solidFill>
-                          <a:srgbClr val="000000"/>
-                        </a:solidFill>
-                        <a:effectLst/>
-                        <a:latin typeface="HP Simplified" panose="020B0604020204020204" pitchFamily="34" charset="0"/>
-                      </a:endParaRPr>
-                    </a:p>
-                  </a:txBody>
-                  <a:tcPr marL="7100" marR="7100" marT="7100" marB="0" anchor="b"/>
-                </a:tc>
-                <a:tc>
-                  <a:txBody>
-                    <a:bodyPr/>
-                    <a:lstStyle/>
-                    <a:p>
-                      <a:pPr algn="ctr" rtl="0" fontAlgn="b"/>
-                      <a:r>
-                        <a:rPr lang="en-US" sz="900" b="1" u="none" strike="noStrike">
-                          <a:effectLst/>
-                        </a:rPr>
-                        <a:t>10</a:t>
-                      </a:r>
-                      <a:endParaRPr lang="en-US" sz="900" b="1" i="0" u="none" strike="noStrike">
-                        <a:solidFill>
-                          <a:srgbClr val="000000"/>
-                        </a:solidFill>
-                        <a:effectLst/>
-                        <a:latin typeface="HP Simplified" panose="020B0604020204020204" pitchFamily="34" charset="0"/>
-                      </a:endParaRPr>
-                    </a:p>
-                  </a:txBody>
-                  <a:tcPr marL="7100" marR="7100" marT="7100" marB="0" anchor="b"/>
-                </a:tc>
-                <a:tc>
-                  <a:txBody>
-                    <a:bodyPr/>
-                    <a:lstStyle/>
-                    <a:p>
-                      <a:pPr algn="ctr" rtl="0" fontAlgn="b"/>
-                      <a:r>
-                        <a:rPr lang="en-US" sz="900" b="1" u="none" strike="noStrike">
-                          <a:effectLst/>
-                        </a:rPr>
-                        <a:t>#DIV/0!</a:t>
-                      </a:r>
-                      <a:endParaRPr lang="en-US" sz="900" b="1" i="0" u="none" strike="noStrike">
-                        <a:solidFill>
-                          <a:srgbClr val="000000"/>
-                        </a:solidFill>
-                        <a:effectLst/>
-                        <a:latin typeface="HP Simplified" panose="020B0604020204020204" pitchFamily="34" charset="0"/>
-                      </a:endParaRPr>
-                    </a:p>
-                  </a:txBody>
-                  <a:tcPr marL="7100" marR="7100" marT="7100" marB="0" anchor="b"/>
-                </a:tc>
-                <a:tc>
-                  <a:txBody>
-                    <a:bodyPr/>
-                    <a:lstStyle/>
-                    <a:p>
-                      <a:pPr algn="ctr" rtl="0" fontAlgn="b"/>
-                      <a:r>
-                        <a:rPr lang="en-US" sz="900" b="1" u="none" strike="noStrike">
-                          <a:effectLst/>
-                        </a:rPr>
-                        <a:t>#DIV/0!</a:t>
-                      </a:r>
-                      <a:endParaRPr lang="en-US" sz="900" b="1" i="0" u="none" strike="noStrike">
-                        <a:solidFill>
-                          <a:srgbClr val="000000"/>
-                        </a:solidFill>
-                        <a:effectLst/>
-                        <a:latin typeface="HP Simplified" panose="020B0604020204020204" pitchFamily="34" charset="0"/>
-                      </a:endParaRPr>
-                    </a:p>
-                  </a:txBody>
-                  <a:tcPr marL="7100" marR="7100" marT="7100" marB="0" anchor="b"/>
-                </a:tc>
-              </a:tr>
-              <a:tr h="307856">
-                <a:tc rowSpan="2">
-                  <a:txBody>
-                    <a:bodyPr/>
-                    <a:lstStyle/>
-                    <a:p>
-                      <a:pPr algn="ctr" rtl="0" fontAlgn="ctr"/>
-                      <a:r>
-                        <a:rPr lang="en-US" sz="900" b="1" u="none" strike="noStrike">
-                          <a:effectLst/>
-                        </a:rPr>
-                        <a:t>Tab</a:t>
-                      </a:r>
-                      <a:endParaRPr lang="en-US" sz="900" b="1" i="0" u="none" strike="noStrike">
-                        <a:solidFill>
-                          <a:srgbClr val="000000"/>
-                        </a:solidFill>
-                        <a:effectLst/>
-                        <a:latin typeface="HP Simplified" panose="020B0604020204020204" pitchFamily="34" charset="0"/>
-                      </a:endParaRPr>
-                    </a:p>
-                  </a:txBody>
-                  <a:tcPr marL="7100" marR="7100" marT="7100" marB="0" anchor="ctr"/>
-                </a:tc>
-                <a:tc>
-                  <a:txBody>
-                    <a:bodyPr/>
-                    <a:lstStyle/>
-                    <a:p>
-                      <a:pPr algn="l" rtl="0" fontAlgn="b"/>
-                      <a:r>
-                        <a:rPr lang="en-US" sz="900" b="1" u="none" strike="noStrike" dirty="0" err="1">
-                          <a:effectLst/>
-                        </a:rPr>
-                        <a:t>Sellthru</a:t>
-                      </a:r>
-                      <a:r>
-                        <a:rPr lang="en-US" sz="900" b="1" u="none" strike="noStrike" dirty="0">
-                          <a:effectLst/>
-                        </a:rPr>
-                        <a:t> ($K)</a:t>
-                      </a:r>
-                      <a:endParaRPr lang="en-US" sz="900" b="1" i="0" u="none" strike="noStrike" dirty="0">
-                        <a:solidFill>
-                          <a:srgbClr val="000000"/>
-                        </a:solidFill>
-                        <a:effectLst/>
-                        <a:latin typeface="HP Simplified" panose="020B0604020204020204" pitchFamily="34" charset="0"/>
-                      </a:endParaRPr>
-                    </a:p>
-                  </a:txBody>
-                  <a:tcPr marL="7100" marR="7100" marT="7100" marB="0" anchor="b"/>
-                </a:tc>
-                <a:tc>
-                  <a:txBody>
-                    <a:bodyPr/>
-                    <a:lstStyle/>
-                    <a:p>
-                      <a:pPr algn="ctr" rtl="0" fontAlgn="b"/>
-                      <a:r>
-                        <a:rPr lang="en-US" sz="900" b="1" u="none" strike="noStrike">
-                          <a:effectLst/>
-                        </a:rPr>
-                        <a:t>0</a:t>
-                      </a:r>
-                      <a:endParaRPr lang="en-US" sz="900" b="1" i="0" u="none" strike="noStrike">
-                        <a:solidFill>
-                          <a:srgbClr val="000000"/>
-                        </a:solidFill>
-                        <a:effectLst/>
-                        <a:latin typeface="HP Simplified" panose="020B0604020204020204" pitchFamily="34" charset="0"/>
-                      </a:endParaRPr>
-                    </a:p>
-                  </a:txBody>
-                  <a:tcPr marL="7100" marR="7100" marT="7100" marB="0" anchor="b"/>
-                </a:tc>
-                <a:tc>
-                  <a:txBody>
-                    <a:bodyPr/>
-                    <a:lstStyle/>
-                    <a:p>
-                      <a:pPr algn="ctr" rtl="0" fontAlgn="b"/>
-                      <a:r>
-                        <a:rPr lang="en-US" sz="900" b="1" u="none" strike="noStrike">
-                          <a:effectLst/>
-                        </a:rPr>
-                        <a:t>0</a:t>
-                      </a:r>
-                      <a:endParaRPr lang="en-US" sz="900" b="1" i="0" u="none" strike="noStrike">
-                        <a:solidFill>
-                          <a:srgbClr val="000000"/>
-                        </a:solidFill>
-                        <a:effectLst/>
-                        <a:latin typeface="HP Simplified" panose="020B0604020204020204" pitchFamily="34" charset="0"/>
-                      </a:endParaRPr>
-                    </a:p>
-                  </a:txBody>
-                  <a:tcPr marL="7100" marR="7100" marT="7100" marB="0" anchor="b"/>
-                </a:tc>
-                <a:tc>
-                  <a:txBody>
-                    <a:bodyPr/>
-                    <a:lstStyle/>
-                    <a:p>
-                      <a:pPr algn="ctr" rtl="0" fontAlgn="b"/>
-                      <a:r>
-                        <a:rPr lang="en-US" sz="900" b="1" u="none" strike="noStrike">
-                          <a:effectLst/>
-                        </a:rPr>
-                        <a:t>0</a:t>
-                      </a:r>
-                      <a:endParaRPr lang="en-US" sz="900" b="1" i="0" u="none" strike="noStrike">
-                        <a:solidFill>
-                          <a:srgbClr val="000000"/>
-                        </a:solidFill>
-                        <a:effectLst/>
-                        <a:latin typeface="HP Simplified" panose="020B0604020204020204" pitchFamily="34" charset="0"/>
-                      </a:endParaRPr>
-                    </a:p>
-                  </a:txBody>
-                  <a:tcPr marL="7100" marR="7100" marT="7100" marB="0" anchor="b"/>
-                </a:tc>
-                <a:tc>
-                  <a:txBody>
-                    <a:bodyPr/>
-                    <a:lstStyle/>
-                    <a:p>
-                      <a:pPr algn="ctr" rtl="0" fontAlgn="b"/>
-                      <a:r>
-                        <a:rPr lang="en-US" sz="900" b="1" u="none" strike="noStrike">
-                          <a:effectLst/>
-                        </a:rPr>
-                        <a:t>0</a:t>
-                      </a:r>
-                      <a:endParaRPr lang="en-US" sz="900" b="1" i="0" u="none" strike="noStrike">
-                        <a:solidFill>
-                          <a:srgbClr val="000000"/>
-                        </a:solidFill>
-                        <a:effectLst/>
-                        <a:latin typeface="HP Simplified" panose="020B0604020204020204" pitchFamily="34" charset="0"/>
-                      </a:endParaRPr>
-                    </a:p>
-                  </a:txBody>
-                  <a:tcPr marL="7100" marR="7100" marT="7100" marB="0" anchor="b"/>
-                </a:tc>
-                <a:tc>
-                  <a:txBody>
-                    <a:bodyPr/>
-                    <a:lstStyle/>
-                    <a:p>
-                      <a:pPr algn="ctr" rtl="0" fontAlgn="b"/>
-                      <a:r>
-                        <a:rPr lang="en-US" sz="900" b="1" u="none" strike="noStrike">
-                          <a:effectLst/>
-                        </a:rPr>
-                        <a:t>0</a:t>
-                      </a:r>
-                      <a:endParaRPr lang="en-US" sz="900" b="1" i="0" u="none" strike="noStrike">
-                        <a:solidFill>
-                          <a:srgbClr val="000000"/>
-                        </a:solidFill>
-                        <a:effectLst/>
-                        <a:latin typeface="HP Simplified" panose="020B0604020204020204" pitchFamily="34" charset="0"/>
-                      </a:endParaRPr>
-                    </a:p>
-                  </a:txBody>
-                  <a:tcPr marL="7100" marR="7100" marT="7100" marB="0" anchor="b"/>
-                </a:tc>
-                <a:tc>
-                  <a:txBody>
-                    <a:bodyPr/>
-                    <a:lstStyle/>
-                    <a:p>
-                      <a:pPr algn="ctr" rtl="0" fontAlgn="b"/>
-                      <a:r>
-                        <a:rPr lang="en-US" sz="900" b="1" u="none" strike="noStrike">
-                          <a:effectLst/>
-                        </a:rPr>
-                        <a:t>21</a:t>
-                      </a:r>
-                      <a:endParaRPr lang="en-US" sz="900" b="1" i="0" u="none" strike="noStrike">
-                        <a:solidFill>
-                          <a:srgbClr val="000000"/>
-                        </a:solidFill>
-                        <a:effectLst/>
-                        <a:latin typeface="HP Simplified" panose="020B0604020204020204" pitchFamily="34" charset="0"/>
-                      </a:endParaRPr>
-                    </a:p>
-                  </a:txBody>
-                  <a:tcPr marL="7100" marR="7100" marT="7100" marB="0" anchor="b"/>
-                </a:tc>
-                <a:tc>
-                  <a:txBody>
-                    <a:bodyPr/>
-                    <a:lstStyle/>
-                    <a:p>
-                      <a:pPr algn="ctr" rtl="0" fontAlgn="b"/>
-                      <a:r>
-                        <a:rPr lang="en-US" sz="900" b="1" u="none" strike="noStrike">
-                          <a:effectLst/>
-                        </a:rPr>
-                        <a:t>7</a:t>
-                      </a:r>
-                      <a:endParaRPr lang="en-US" sz="900" b="1" i="0" u="none" strike="noStrike">
-                        <a:solidFill>
-                          <a:srgbClr val="000000"/>
-                        </a:solidFill>
-                        <a:effectLst/>
-                        <a:latin typeface="HP Simplified" panose="020B0604020204020204" pitchFamily="34" charset="0"/>
-                      </a:endParaRPr>
-                    </a:p>
-                  </a:txBody>
-                  <a:tcPr marL="7100" marR="7100" marT="7100" marB="0" anchor="b"/>
-                </a:tc>
-                <a:tc>
-                  <a:txBody>
-                    <a:bodyPr/>
-                    <a:lstStyle/>
-                    <a:p>
-                      <a:pPr algn="ctr" rtl="0" fontAlgn="b"/>
-                      <a:r>
-                        <a:rPr lang="en-US" sz="900" b="1" u="none" strike="noStrike">
-                          <a:effectLst/>
-                        </a:rPr>
-                        <a:t>30</a:t>
-                      </a:r>
-                      <a:endParaRPr lang="en-US" sz="900" b="1" i="0" u="none" strike="noStrike">
-                        <a:solidFill>
-                          <a:srgbClr val="000000"/>
-                        </a:solidFill>
-                        <a:effectLst/>
-                        <a:latin typeface="HP Simplified" panose="020B0604020204020204" pitchFamily="34" charset="0"/>
-                      </a:endParaRPr>
-                    </a:p>
-                  </a:txBody>
-                  <a:tcPr marL="7100" marR="7100" marT="7100" marB="0" anchor="b"/>
-                </a:tc>
-                <a:tc>
-                  <a:txBody>
-                    <a:bodyPr/>
-                    <a:lstStyle/>
-                    <a:p>
-                      <a:pPr algn="ctr" rtl="0" fontAlgn="b"/>
-                      <a:r>
-                        <a:rPr lang="en-US" sz="900" b="1" u="none" strike="noStrike">
-                          <a:effectLst/>
-                        </a:rPr>
-                        <a:t>43</a:t>
-                      </a:r>
-                      <a:endParaRPr lang="en-US" sz="900" b="1" i="0" u="none" strike="noStrike">
-                        <a:solidFill>
-                          <a:srgbClr val="000000"/>
-                        </a:solidFill>
-                        <a:effectLst/>
-                        <a:latin typeface="HP Simplified" panose="020B0604020204020204" pitchFamily="34" charset="0"/>
-                      </a:endParaRPr>
-                    </a:p>
-                  </a:txBody>
-                  <a:tcPr marL="7100" marR="7100" marT="7100" marB="0" anchor="b"/>
-                </a:tc>
-                <a:tc>
-                  <a:txBody>
-                    <a:bodyPr/>
-                    <a:lstStyle/>
-                    <a:p>
-                      <a:pPr algn="ctr" rtl="0" fontAlgn="b"/>
-                      <a:r>
-                        <a:rPr lang="en-US" sz="900" b="1" u="none" strike="noStrike">
-                          <a:effectLst/>
-                        </a:rPr>
-                        <a:t>36</a:t>
-                      </a:r>
-                      <a:endParaRPr lang="en-US" sz="900" b="1" i="0" u="none" strike="noStrike">
-                        <a:solidFill>
-                          <a:srgbClr val="000000"/>
-                        </a:solidFill>
-                        <a:effectLst/>
-                        <a:latin typeface="HP Simplified" panose="020B0604020204020204" pitchFamily="34" charset="0"/>
-                      </a:endParaRPr>
-                    </a:p>
-                  </a:txBody>
-                  <a:tcPr marL="7100" marR="7100" marT="7100" marB="0" anchor="b"/>
-                </a:tc>
-                <a:tc>
-                  <a:txBody>
-                    <a:bodyPr/>
-                    <a:lstStyle/>
-                    <a:p>
-                      <a:pPr algn="ctr" rtl="0" fontAlgn="b"/>
-                      <a:r>
-                        <a:rPr lang="en-US" sz="900" b="1" u="none" strike="noStrike" dirty="0">
-                          <a:effectLst/>
-                        </a:rPr>
-                        <a:t>40</a:t>
-                      </a:r>
-                      <a:endParaRPr lang="en-US" sz="900" b="1" i="0" u="none" strike="noStrike" dirty="0">
-                        <a:solidFill>
-                          <a:srgbClr val="000000"/>
-                        </a:solidFill>
-                        <a:effectLst/>
-                        <a:latin typeface="HP Simplified" panose="020B0604020204020204" pitchFamily="34" charset="0"/>
-                      </a:endParaRPr>
-                    </a:p>
-                  </a:txBody>
-                  <a:tcPr marL="7100" marR="7100" marT="7100" marB="0" anchor="b"/>
-                </a:tc>
-                <a:tc>
-                  <a:txBody>
-                    <a:bodyPr/>
-                    <a:lstStyle/>
-                    <a:p>
-                      <a:pPr algn="ctr" rtl="0" fontAlgn="b"/>
-                      <a:r>
-                        <a:rPr lang="en-US" sz="900" b="1" u="none" strike="noStrike">
-                          <a:effectLst/>
-                        </a:rPr>
-                        <a:t>9</a:t>
-                      </a:r>
-                      <a:endParaRPr lang="en-US" sz="900" b="1" i="0" u="none" strike="noStrike">
-                        <a:solidFill>
-                          <a:srgbClr val="000000"/>
-                        </a:solidFill>
-                        <a:effectLst/>
-                        <a:latin typeface="HP Simplified" panose="020B0604020204020204" pitchFamily="34" charset="0"/>
-                      </a:endParaRPr>
-                    </a:p>
-                  </a:txBody>
-                  <a:tcPr marL="7100" marR="7100" marT="7100" marB="0" anchor="b"/>
-                </a:tc>
-                <a:tc>
-                  <a:txBody>
-                    <a:bodyPr/>
-                    <a:lstStyle/>
-                    <a:p>
-                      <a:pPr algn="ctr" rtl="0" fontAlgn="b"/>
-                      <a:r>
-                        <a:rPr lang="en-US" sz="900" b="1" u="none" strike="noStrike">
-                          <a:effectLst/>
-                        </a:rPr>
-                        <a:t>13</a:t>
-                      </a:r>
-                      <a:endParaRPr lang="en-US" sz="900" b="1" i="0" u="none" strike="noStrike">
-                        <a:solidFill>
-                          <a:srgbClr val="000000"/>
-                        </a:solidFill>
-                        <a:effectLst/>
-                        <a:latin typeface="HP Simplified" panose="020B0604020204020204" pitchFamily="34" charset="0"/>
-                      </a:endParaRPr>
-                    </a:p>
-                  </a:txBody>
-                  <a:tcPr marL="7100" marR="7100" marT="7100" marB="0" anchor="b"/>
-                </a:tc>
-                <a:tc>
-                  <a:txBody>
-                    <a:bodyPr/>
-                    <a:lstStyle/>
-                    <a:p>
-                      <a:pPr algn="ctr" rtl="0" fontAlgn="b"/>
-                      <a:r>
-                        <a:rPr lang="en-US" sz="900" b="1" u="none" strike="noStrike">
-                          <a:effectLst/>
-                        </a:rPr>
-                        <a:t>18</a:t>
-                      </a:r>
-                      <a:endParaRPr lang="en-US" sz="900" b="1" i="0" u="none" strike="noStrike">
-                        <a:solidFill>
-                          <a:srgbClr val="000000"/>
-                        </a:solidFill>
-                        <a:effectLst/>
-                        <a:latin typeface="HP Simplified" panose="020B0604020204020204" pitchFamily="34" charset="0"/>
-                      </a:endParaRPr>
-                    </a:p>
-                  </a:txBody>
-                  <a:tcPr marL="7100" marR="7100" marT="7100" marB="0" anchor="b"/>
-                </a:tc>
-                <a:tc>
-                  <a:txBody>
-                    <a:bodyPr/>
-                    <a:lstStyle/>
-                    <a:p>
-                      <a:pPr algn="ctr" rtl="0" fontAlgn="b"/>
-                      <a:r>
-                        <a:rPr lang="en-US" sz="900" b="1" u="none" strike="noStrike">
-                          <a:effectLst/>
-                        </a:rPr>
-                        <a:t>11%</a:t>
-                      </a:r>
-                      <a:endParaRPr lang="en-US" sz="900" b="1" i="0" u="none" strike="noStrike">
-                        <a:solidFill>
-                          <a:srgbClr val="000000"/>
-                        </a:solidFill>
-                        <a:effectLst/>
-                        <a:latin typeface="HP Simplified" panose="020B0604020204020204" pitchFamily="34" charset="0"/>
-                      </a:endParaRPr>
-                    </a:p>
-                  </a:txBody>
-                  <a:tcPr marL="7100" marR="7100" marT="7100" marB="0" anchor="b"/>
-                </a:tc>
-                <a:tc>
-                  <a:txBody>
-                    <a:bodyPr/>
-                    <a:lstStyle/>
-                    <a:p>
-                      <a:pPr algn="ctr" rtl="0" fontAlgn="b"/>
-                      <a:r>
-                        <a:rPr lang="en-US" sz="900" b="1" u="none" strike="noStrike">
-                          <a:effectLst/>
-                        </a:rPr>
-                        <a:t>90%</a:t>
-                      </a:r>
-                      <a:endParaRPr lang="en-US" sz="900" b="1" i="0" u="none" strike="noStrike">
-                        <a:solidFill>
-                          <a:srgbClr val="000000"/>
-                        </a:solidFill>
-                        <a:effectLst/>
-                        <a:latin typeface="HP Simplified" panose="020B0604020204020204" pitchFamily="34" charset="0"/>
-                      </a:endParaRPr>
-                    </a:p>
-                  </a:txBody>
-                  <a:tcPr marL="7100" marR="7100" marT="7100" marB="0" anchor="b"/>
-                </a:tc>
-              </a:tr>
-              <a:tr h="307856">
-                <a:tc vMerge="1">
-                  <a:txBody>
-                    <a:bodyPr/>
-                    <a:lstStyle/>
-                    <a:p>
-                      <a:endParaRPr lang="en-US"/>
-                    </a:p>
-                  </a:txBody>
-                  <a:tcPr/>
-                </a:tc>
-                <a:tc>
-                  <a:txBody>
-                    <a:bodyPr/>
-                    <a:lstStyle/>
-                    <a:p>
-                      <a:pPr algn="l" rtl="0" fontAlgn="b"/>
-                      <a:r>
-                        <a:rPr lang="en-US" sz="900" b="1" u="none" strike="noStrike" dirty="0" err="1">
-                          <a:effectLst/>
-                        </a:rPr>
-                        <a:t>Sellthru</a:t>
-                      </a:r>
-                      <a:r>
-                        <a:rPr lang="en-US" sz="900" b="1" u="none" strike="noStrike" dirty="0">
-                          <a:effectLst/>
-                        </a:rPr>
-                        <a:t> (units)</a:t>
-                      </a:r>
-                      <a:endParaRPr lang="en-US" sz="900" b="1" i="0" u="none" strike="noStrike" dirty="0">
-                        <a:solidFill>
-                          <a:srgbClr val="000000"/>
-                        </a:solidFill>
-                        <a:effectLst/>
-                        <a:latin typeface="HP Simplified" panose="020B0604020204020204" pitchFamily="34" charset="0"/>
-                      </a:endParaRPr>
-                    </a:p>
-                  </a:txBody>
-                  <a:tcPr marL="7100" marR="7100" marT="7100" marB="0" anchor="b"/>
-                </a:tc>
-                <a:tc>
-                  <a:txBody>
-                    <a:bodyPr/>
-                    <a:lstStyle/>
-                    <a:p>
-                      <a:pPr algn="ctr" rtl="0" fontAlgn="b"/>
-                      <a:r>
-                        <a:rPr lang="en-US" sz="900" b="1" u="none" strike="noStrike">
-                          <a:effectLst/>
-                        </a:rPr>
-                        <a:t>0</a:t>
-                      </a:r>
-                      <a:endParaRPr lang="en-US" sz="900" b="1" i="0" u="none" strike="noStrike">
-                        <a:solidFill>
-                          <a:srgbClr val="000000"/>
-                        </a:solidFill>
-                        <a:effectLst/>
-                        <a:latin typeface="HP Simplified" panose="020B0604020204020204" pitchFamily="34" charset="0"/>
-                      </a:endParaRPr>
-                    </a:p>
-                  </a:txBody>
-                  <a:tcPr marL="7100" marR="7100" marT="7100" marB="0" anchor="b"/>
-                </a:tc>
-                <a:tc>
-                  <a:txBody>
-                    <a:bodyPr/>
-                    <a:lstStyle/>
-                    <a:p>
-                      <a:pPr algn="ctr" rtl="0" fontAlgn="b"/>
-                      <a:r>
-                        <a:rPr lang="en-US" sz="900" b="1" u="none" strike="noStrike">
-                          <a:effectLst/>
-                        </a:rPr>
-                        <a:t>0</a:t>
-                      </a:r>
-                      <a:endParaRPr lang="en-US" sz="900" b="1" i="0" u="none" strike="noStrike">
-                        <a:solidFill>
-                          <a:srgbClr val="000000"/>
-                        </a:solidFill>
-                        <a:effectLst/>
-                        <a:latin typeface="HP Simplified" panose="020B0604020204020204" pitchFamily="34" charset="0"/>
-                      </a:endParaRPr>
-                    </a:p>
-                  </a:txBody>
-                  <a:tcPr marL="7100" marR="7100" marT="7100" marB="0" anchor="b"/>
-                </a:tc>
-                <a:tc>
-                  <a:txBody>
-                    <a:bodyPr/>
-                    <a:lstStyle/>
-                    <a:p>
-                      <a:pPr algn="ctr" rtl="0" fontAlgn="b"/>
-                      <a:r>
-                        <a:rPr lang="en-US" sz="900" b="1" u="none" strike="noStrike">
-                          <a:effectLst/>
-                        </a:rPr>
-                        <a:t>0</a:t>
-                      </a:r>
-                      <a:endParaRPr lang="en-US" sz="900" b="1" i="0" u="none" strike="noStrike">
-                        <a:solidFill>
-                          <a:srgbClr val="000000"/>
-                        </a:solidFill>
-                        <a:effectLst/>
-                        <a:latin typeface="HP Simplified" panose="020B0604020204020204" pitchFamily="34" charset="0"/>
-                      </a:endParaRPr>
-                    </a:p>
-                  </a:txBody>
-                  <a:tcPr marL="7100" marR="7100" marT="7100" marB="0" anchor="b"/>
-                </a:tc>
-                <a:tc>
-                  <a:txBody>
-                    <a:bodyPr/>
-                    <a:lstStyle/>
-                    <a:p>
-                      <a:pPr algn="ctr" rtl="0" fontAlgn="b"/>
-                      <a:r>
-                        <a:rPr lang="en-US" sz="900" b="1" u="none" strike="noStrike">
-                          <a:effectLst/>
-                        </a:rPr>
-                        <a:t>0</a:t>
-                      </a:r>
-                      <a:endParaRPr lang="en-US" sz="900" b="1" i="0" u="none" strike="noStrike">
-                        <a:solidFill>
-                          <a:srgbClr val="000000"/>
-                        </a:solidFill>
-                        <a:effectLst/>
-                        <a:latin typeface="HP Simplified" panose="020B0604020204020204" pitchFamily="34" charset="0"/>
-                      </a:endParaRPr>
-                    </a:p>
-                  </a:txBody>
-                  <a:tcPr marL="7100" marR="7100" marT="7100" marB="0" anchor="b"/>
-                </a:tc>
-                <a:tc>
-                  <a:txBody>
-                    <a:bodyPr/>
-                    <a:lstStyle/>
-                    <a:p>
-                      <a:pPr algn="ctr" rtl="0" fontAlgn="b"/>
-                      <a:r>
-                        <a:rPr lang="en-US" sz="900" b="1" u="none" strike="noStrike">
-                          <a:effectLst/>
-                        </a:rPr>
-                        <a:t>0</a:t>
-                      </a:r>
-                      <a:endParaRPr lang="en-US" sz="900" b="1" i="0" u="none" strike="noStrike">
-                        <a:solidFill>
-                          <a:srgbClr val="000000"/>
-                        </a:solidFill>
-                        <a:effectLst/>
-                        <a:latin typeface="HP Simplified" panose="020B0604020204020204" pitchFamily="34" charset="0"/>
-                      </a:endParaRPr>
-                    </a:p>
-                  </a:txBody>
-                  <a:tcPr marL="7100" marR="7100" marT="7100" marB="0" anchor="b"/>
-                </a:tc>
-                <a:tc>
-                  <a:txBody>
-                    <a:bodyPr/>
-                    <a:lstStyle/>
-                    <a:p>
-                      <a:pPr algn="ctr" rtl="0" fontAlgn="b"/>
-                      <a:r>
-                        <a:rPr lang="en-US" sz="900" b="1" u="none" strike="noStrike">
-                          <a:effectLst/>
-                        </a:rPr>
-                        <a:t>78</a:t>
-                      </a:r>
-                      <a:endParaRPr lang="en-US" sz="900" b="1" i="0" u="none" strike="noStrike">
-                        <a:solidFill>
-                          <a:srgbClr val="000000"/>
-                        </a:solidFill>
-                        <a:effectLst/>
-                        <a:latin typeface="HP Simplified" panose="020B0604020204020204" pitchFamily="34" charset="0"/>
-                      </a:endParaRPr>
-                    </a:p>
-                  </a:txBody>
-                  <a:tcPr marL="7100" marR="7100" marT="7100" marB="0" anchor="b"/>
-                </a:tc>
-                <a:tc>
-                  <a:txBody>
-                    <a:bodyPr/>
-                    <a:lstStyle/>
-                    <a:p>
-                      <a:pPr algn="ctr" rtl="0" fontAlgn="b"/>
-                      <a:r>
-                        <a:rPr lang="en-US" sz="900" b="1" u="none" strike="noStrike">
-                          <a:effectLst/>
-                        </a:rPr>
-                        <a:t>34</a:t>
-                      </a:r>
-                      <a:endParaRPr lang="en-US" sz="900" b="1" i="0" u="none" strike="noStrike">
-                        <a:solidFill>
-                          <a:srgbClr val="000000"/>
-                        </a:solidFill>
-                        <a:effectLst/>
-                        <a:latin typeface="HP Simplified" panose="020B0604020204020204" pitchFamily="34" charset="0"/>
-                      </a:endParaRPr>
-                    </a:p>
-                  </a:txBody>
-                  <a:tcPr marL="7100" marR="7100" marT="7100" marB="0" anchor="b"/>
-                </a:tc>
-                <a:tc>
-                  <a:txBody>
-                    <a:bodyPr/>
-                    <a:lstStyle/>
-                    <a:p>
-                      <a:pPr algn="ctr" rtl="0" fontAlgn="b"/>
-                      <a:r>
-                        <a:rPr lang="en-US" sz="900" b="1" u="none" strike="noStrike">
-                          <a:effectLst/>
-                        </a:rPr>
-                        <a:t>183</a:t>
-                      </a:r>
-                      <a:endParaRPr lang="en-US" sz="900" b="1" i="0" u="none" strike="noStrike">
-                        <a:solidFill>
-                          <a:srgbClr val="000000"/>
-                        </a:solidFill>
-                        <a:effectLst/>
-                        <a:latin typeface="HP Simplified" panose="020B0604020204020204" pitchFamily="34" charset="0"/>
-                      </a:endParaRPr>
-                    </a:p>
-                  </a:txBody>
-                  <a:tcPr marL="7100" marR="7100" marT="7100" marB="0" anchor="b"/>
-                </a:tc>
-                <a:tc>
-                  <a:txBody>
-                    <a:bodyPr/>
-                    <a:lstStyle/>
-                    <a:p>
-                      <a:pPr algn="ctr" rtl="0" fontAlgn="b"/>
-                      <a:r>
-                        <a:rPr lang="en-US" sz="900" b="1" u="none" strike="noStrike">
-                          <a:effectLst/>
-                        </a:rPr>
-                        <a:t>300</a:t>
-                      </a:r>
-                      <a:endParaRPr lang="en-US" sz="900" b="1" i="0" u="none" strike="noStrike">
-                        <a:solidFill>
-                          <a:srgbClr val="000000"/>
-                        </a:solidFill>
-                        <a:effectLst/>
-                        <a:latin typeface="HP Simplified" panose="020B0604020204020204" pitchFamily="34" charset="0"/>
-                      </a:endParaRPr>
-                    </a:p>
-                  </a:txBody>
-                  <a:tcPr marL="7100" marR="7100" marT="7100" marB="0" anchor="b"/>
-                </a:tc>
-                <a:tc>
-                  <a:txBody>
-                    <a:bodyPr/>
-                    <a:lstStyle/>
-                    <a:p>
-                      <a:pPr algn="ctr" rtl="0" fontAlgn="b"/>
-                      <a:r>
-                        <a:rPr lang="en-US" sz="900" b="1" u="none" strike="noStrike">
-                          <a:effectLst/>
-                        </a:rPr>
-                        <a:t>203</a:t>
-                      </a:r>
-                      <a:endParaRPr lang="en-US" sz="900" b="1" i="0" u="none" strike="noStrike">
-                        <a:solidFill>
-                          <a:srgbClr val="000000"/>
-                        </a:solidFill>
-                        <a:effectLst/>
-                        <a:latin typeface="HP Simplified" panose="020B0604020204020204" pitchFamily="34" charset="0"/>
-                      </a:endParaRPr>
-                    </a:p>
-                  </a:txBody>
-                  <a:tcPr marL="7100" marR="7100" marT="7100" marB="0" anchor="b"/>
-                </a:tc>
-                <a:tc>
-                  <a:txBody>
-                    <a:bodyPr/>
-                    <a:lstStyle/>
-                    <a:p>
-                      <a:pPr algn="ctr" rtl="0" fontAlgn="b"/>
-                      <a:r>
-                        <a:rPr lang="en-US" sz="900" b="1" u="none" strike="noStrike" dirty="0">
-                          <a:effectLst/>
-                        </a:rPr>
-                        <a:t>225</a:t>
-                      </a:r>
-                      <a:endParaRPr lang="en-US" sz="900" b="1" i="0" u="none" strike="noStrike" dirty="0">
-                        <a:solidFill>
-                          <a:srgbClr val="000000"/>
-                        </a:solidFill>
-                        <a:effectLst/>
-                        <a:latin typeface="HP Simplified" panose="020B0604020204020204" pitchFamily="34" charset="0"/>
-                      </a:endParaRPr>
-                    </a:p>
-                  </a:txBody>
-                  <a:tcPr marL="7100" marR="7100" marT="7100" marB="0" anchor="b"/>
-                </a:tc>
-                <a:tc>
-                  <a:txBody>
-                    <a:bodyPr/>
-                    <a:lstStyle/>
-                    <a:p>
-                      <a:pPr algn="ctr" rtl="0" fontAlgn="b"/>
-                      <a:r>
-                        <a:rPr lang="en-US" sz="900" b="1" u="none" strike="noStrike">
-                          <a:effectLst/>
-                        </a:rPr>
-                        <a:t>50</a:t>
-                      </a:r>
-                      <a:endParaRPr lang="en-US" sz="900" b="1" i="0" u="none" strike="noStrike">
-                        <a:solidFill>
-                          <a:srgbClr val="000000"/>
-                        </a:solidFill>
-                        <a:effectLst/>
-                        <a:latin typeface="HP Simplified" panose="020B0604020204020204" pitchFamily="34" charset="0"/>
-                      </a:endParaRPr>
-                    </a:p>
-                  </a:txBody>
-                  <a:tcPr marL="7100" marR="7100" marT="7100" marB="0" anchor="b"/>
-                </a:tc>
-                <a:tc>
-                  <a:txBody>
-                    <a:bodyPr/>
-                    <a:lstStyle/>
-                    <a:p>
-                      <a:pPr algn="ctr" rtl="0" fontAlgn="b"/>
-                      <a:r>
-                        <a:rPr lang="en-US" sz="900" b="1" u="none" strike="noStrike">
-                          <a:effectLst/>
-                        </a:rPr>
-                        <a:t>75</a:t>
-                      </a:r>
-                      <a:endParaRPr lang="en-US" sz="900" b="1" i="0" u="none" strike="noStrike">
-                        <a:solidFill>
-                          <a:srgbClr val="000000"/>
-                        </a:solidFill>
-                        <a:effectLst/>
-                        <a:latin typeface="HP Simplified" panose="020B0604020204020204" pitchFamily="34" charset="0"/>
-                      </a:endParaRPr>
-                    </a:p>
-                  </a:txBody>
-                  <a:tcPr marL="7100" marR="7100" marT="7100" marB="0" anchor="b"/>
-                </a:tc>
-                <a:tc>
-                  <a:txBody>
-                    <a:bodyPr/>
-                    <a:lstStyle/>
-                    <a:p>
-                      <a:pPr algn="ctr" rtl="0" fontAlgn="b"/>
-                      <a:r>
-                        <a:rPr lang="en-US" sz="900" b="1" u="none" strike="noStrike">
-                          <a:effectLst/>
-                        </a:rPr>
-                        <a:t>100</a:t>
-                      </a:r>
-                      <a:endParaRPr lang="en-US" sz="900" b="1" i="0" u="none" strike="noStrike">
-                        <a:solidFill>
-                          <a:srgbClr val="000000"/>
-                        </a:solidFill>
-                        <a:effectLst/>
-                        <a:latin typeface="HP Simplified" panose="020B0604020204020204" pitchFamily="34" charset="0"/>
-                      </a:endParaRPr>
-                    </a:p>
-                  </a:txBody>
-                  <a:tcPr marL="7100" marR="7100" marT="7100" marB="0" anchor="b"/>
-                </a:tc>
-                <a:tc>
-                  <a:txBody>
-                    <a:bodyPr/>
-                    <a:lstStyle/>
-                    <a:p>
-                      <a:pPr algn="ctr" rtl="0" fontAlgn="b"/>
-                      <a:r>
-                        <a:rPr lang="en-US" sz="900" b="1" u="none" strike="noStrike">
-                          <a:effectLst/>
-                        </a:rPr>
-                        <a:t>11%</a:t>
-                      </a:r>
-                      <a:endParaRPr lang="en-US" sz="900" b="1" i="0" u="none" strike="noStrike">
-                        <a:solidFill>
-                          <a:srgbClr val="000000"/>
-                        </a:solidFill>
-                        <a:effectLst/>
-                        <a:latin typeface="HP Simplified" panose="020B0604020204020204" pitchFamily="34" charset="0"/>
-                      </a:endParaRPr>
-                    </a:p>
-                  </a:txBody>
-                  <a:tcPr marL="7100" marR="7100" marT="7100" marB="0" anchor="b"/>
-                </a:tc>
-                <a:tc>
-                  <a:txBody>
-                    <a:bodyPr/>
-                    <a:lstStyle/>
-                    <a:p>
-                      <a:pPr algn="ctr" rtl="0" fontAlgn="b"/>
-                      <a:r>
-                        <a:rPr lang="en-US" sz="900" b="1" u="none" strike="noStrike">
-                          <a:effectLst/>
-                        </a:rPr>
-                        <a:t>188%</a:t>
-                      </a:r>
-                      <a:endParaRPr lang="en-US" sz="900" b="1" i="0" u="none" strike="noStrike">
-                        <a:solidFill>
-                          <a:srgbClr val="000000"/>
-                        </a:solidFill>
-                        <a:effectLst/>
-                        <a:latin typeface="HP Simplified" panose="020B0604020204020204" pitchFamily="34" charset="0"/>
-                      </a:endParaRPr>
-                    </a:p>
-                  </a:txBody>
-                  <a:tcPr marL="7100" marR="7100" marT="7100" marB="0" anchor="b"/>
-                </a:tc>
-              </a:tr>
-              <a:tr h="307856">
-                <a:tc>
-                  <a:txBody>
-                    <a:bodyPr/>
-                    <a:lstStyle/>
-                    <a:p>
-                      <a:pPr algn="ctr" rtl="0" fontAlgn="ctr"/>
-                      <a:r>
-                        <a:rPr lang="en-US" sz="900" b="1" u="none" strike="noStrike">
-                          <a:effectLst/>
-                        </a:rPr>
-                        <a:t>Attach</a:t>
-                      </a:r>
-                      <a:endParaRPr lang="en-US" sz="900" b="1" i="0" u="none" strike="noStrike">
-                        <a:solidFill>
-                          <a:srgbClr val="000000"/>
-                        </a:solidFill>
-                        <a:effectLst/>
-                        <a:latin typeface="HP Simplified" panose="020B0604020204020204" pitchFamily="34" charset="0"/>
-                      </a:endParaRPr>
-                    </a:p>
-                  </a:txBody>
-                  <a:tcPr marL="7100" marR="7100" marT="7100" marB="0" anchor="ctr"/>
-                </a:tc>
-                <a:tc>
-                  <a:txBody>
-                    <a:bodyPr/>
-                    <a:lstStyle/>
-                    <a:p>
-                      <a:pPr algn="l" rtl="0" fontAlgn="b"/>
-                      <a:r>
-                        <a:rPr lang="en-US" sz="900" b="1" u="none" strike="noStrike" dirty="0" err="1">
-                          <a:effectLst/>
-                        </a:rPr>
-                        <a:t>Sellthru</a:t>
-                      </a:r>
-                      <a:r>
-                        <a:rPr lang="en-US" sz="900" b="1" u="none" strike="noStrike" dirty="0">
-                          <a:effectLst/>
-                        </a:rPr>
-                        <a:t> ($K)</a:t>
-                      </a:r>
-                      <a:endParaRPr lang="en-US" sz="900" b="1" i="0" u="none" strike="noStrike" dirty="0">
-                        <a:solidFill>
-                          <a:srgbClr val="000000"/>
-                        </a:solidFill>
-                        <a:effectLst/>
-                        <a:latin typeface="HP Simplified" panose="020B0604020204020204" pitchFamily="34" charset="0"/>
-                      </a:endParaRPr>
-                    </a:p>
-                  </a:txBody>
-                  <a:tcPr marL="7100" marR="7100" marT="7100" marB="0" anchor="b"/>
-                </a:tc>
-                <a:tc>
-                  <a:txBody>
-                    <a:bodyPr/>
-                    <a:lstStyle/>
-                    <a:p>
-                      <a:pPr algn="ctr" rtl="0" fontAlgn="b"/>
-                      <a:r>
-                        <a:rPr lang="en-US" sz="900" b="1" u="none" strike="noStrike">
-                          <a:effectLst/>
-                        </a:rPr>
-                        <a:t>0</a:t>
-                      </a:r>
-                      <a:endParaRPr lang="en-US" sz="900" b="1" i="0" u="none" strike="noStrike">
-                        <a:solidFill>
-                          <a:srgbClr val="000000"/>
-                        </a:solidFill>
-                        <a:effectLst/>
-                        <a:latin typeface="HP Simplified" panose="020B0604020204020204" pitchFamily="34" charset="0"/>
-                      </a:endParaRPr>
-                    </a:p>
-                  </a:txBody>
-                  <a:tcPr marL="7100" marR="7100" marT="7100" marB="0" anchor="b"/>
-                </a:tc>
-                <a:tc>
-                  <a:txBody>
-                    <a:bodyPr/>
-                    <a:lstStyle/>
-                    <a:p>
-                      <a:pPr algn="ctr" rtl="0" fontAlgn="b"/>
-                      <a:r>
-                        <a:rPr lang="en-US" sz="900" b="1" u="none" strike="noStrike">
-                          <a:effectLst/>
-                        </a:rPr>
-                        <a:t>0</a:t>
-                      </a:r>
-                      <a:endParaRPr lang="en-US" sz="900" b="1" i="0" u="none" strike="noStrike">
-                        <a:solidFill>
-                          <a:srgbClr val="000000"/>
-                        </a:solidFill>
-                        <a:effectLst/>
-                        <a:latin typeface="HP Simplified" panose="020B0604020204020204" pitchFamily="34" charset="0"/>
-                      </a:endParaRPr>
-                    </a:p>
-                  </a:txBody>
-                  <a:tcPr marL="7100" marR="7100" marT="7100" marB="0" anchor="b"/>
-                </a:tc>
-                <a:tc>
-                  <a:txBody>
-                    <a:bodyPr/>
-                    <a:lstStyle/>
-                    <a:p>
-                      <a:pPr algn="ctr" rtl="0" fontAlgn="b"/>
-                      <a:r>
-                        <a:rPr lang="en-US" sz="900" b="1" u="none" strike="noStrike">
-                          <a:effectLst/>
-                        </a:rPr>
-                        <a:t>0</a:t>
-                      </a:r>
-                      <a:endParaRPr lang="en-US" sz="900" b="1" i="0" u="none" strike="noStrike">
-                        <a:solidFill>
-                          <a:srgbClr val="000000"/>
-                        </a:solidFill>
-                        <a:effectLst/>
-                        <a:latin typeface="HP Simplified" panose="020B0604020204020204" pitchFamily="34" charset="0"/>
-                      </a:endParaRPr>
-                    </a:p>
-                  </a:txBody>
-                  <a:tcPr marL="7100" marR="7100" marT="7100" marB="0" anchor="b"/>
-                </a:tc>
-                <a:tc>
-                  <a:txBody>
-                    <a:bodyPr/>
-                    <a:lstStyle/>
-                    <a:p>
-                      <a:pPr algn="ctr" rtl="0" fontAlgn="b"/>
-                      <a:r>
-                        <a:rPr lang="en-US" sz="900" b="1" u="none" strike="noStrike">
-                          <a:effectLst/>
-                        </a:rPr>
-                        <a:t>0</a:t>
-                      </a:r>
-                      <a:endParaRPr lang="en-US" sz="900" b="1" i="0" u="none" strike="noStrike">
-                        <a:solidFill>
-                          <a:srgbClr val="000000"/>
-                        </a:solidFill>
-                        <a:effectLst/>
-                        <a:latin typeface="HP Simplified" panose="020B0604020204020204" pitchFamily="34" charset="0"/>
-                      </a:endParaRPr>
-                    </a:p>
-                  </a:txBody>
-                  <a:tcPr marL="7100" marR="7100" marT="7100" marB="0" anchor="b"/>
-                </a:tc>
-                <a:tc>
-                  <a:txBody>
-                    <a:bodyPr/>
-                    <a:lstStyle/>
-                    <a:p>
-                      <a:pPr algn="ctr" rtl="0" fontAlgn="b"/>
-                      <a:r>
-                        <a:rPr lang="en-US" sz="900" b="1" u="none" strike="noStrike">
-                          <a:effectLst/>
-                        </a:rPr>
-                        <a:t>0</a:t>
-                      </a:r>
-                      <a:endParaRPr lang="en-US" sz="900" b="1" i="0" u="none" strike="noStrike">
-                        <a:solidFill>
-                          <a:srgbClr val="000000"/>
-                        </a:solidFill>
-                        <a:effectLst/>
-                        <a:latin typeface="HP Simplified" panose="020B0604020204020204" pitchFamily="34" charset="0"/>
-                      </a:endParaRPr>
-                    </a:p>
-                  </a:txBody>
-                  <a:tcPr marL="7100" marR="7100" marT="7100" marB="0" anchor="b"/>
-                </a:tc>
-                <a:tc>
-                  <a:txBody>
-                    <a:bodyPr/>
-                    <a:lstStyle/>
-                    <a:p>
-                      <a:pPr algn="ctr" rtl="0" fontAlgn="b"/>
-                      <a:r>
-                        <a:rPr lang="en-US" sz="900" b="1" u="none" strike="noStrike">
-                          <a:effectLst/>
-                        </a:rPr>
-                        <a:t>0</a:t>
-                      </a:r>
-                      <a:endParaRPr lang="en-US" sz="900" b="1" i="0" u="none" strike="noStrike">
-                        <a:solidFill>
-                          <a:srgbClr val="000000"/>
-                        </a:solidFill>
-                        <a:effectLst/>
-                        <a:latin typeface="HP Simplified" panose="020B0604020204020204" pitchFamily="34" charset="0"/>
-                      </a:endParaRPr>
-                    </a:p>
-                  </a:txBody>
-                  <a:tcPr marL="7100" marR="7100" marT="7100" marB="0" anchor="b"/>
-                </a:tc>
-                <a:tc>
-                  <a:txBody>
-                    <a:bodyPr/>
-                    <a:lstStyle/>
-                    <a:p>
-                      <a:pPr algn="ctr" rtl="0" fontAlgn="b"/>
-                      <a:r>
-                        <a:rPr lang="en-US" sz="900" b="1" u="none" strike="noStrike">
-                          <a:effectLst/>
-                        </a:rPr>
-                        <a:t>3</a:t>
-                      </a:r>
-                      <a:endParaRPr lang="en-US" sz="900" b="1" i="0" u="none" strike="noStrike">
-                        <a:solidFill>
-                          <a:srgbClr val="000000"/>
-                        </a:solidFill>
-                        <a:effectLst/>
-                        <a:latin typeface="HP Simplified" panose="020B0604020204020204" pitchFamily="34" charset="0"/>
-                      </a:endParaRPr>
-                    </a:p>
-                  </a:txBody>
-                  <a:tcPr marL="7100" marR="7100" marT="7100" marB="0" anchor="b"/>
-                </a:tc>
-                <a:tc>
-                  <a:txBody>
-                    <a:bodyPr/>
-                    <a:lstStyle/>
-                    <a:p>
-                      <a:pPr algn="ctr" rtl="0" fontAlgn="b"/>
-                      <a:r>
-                        <a:rPr lang="en-US" sz="900" b="1" u="none" strike="noStrike">
-                          <a:effectLst/>
-                        </a:rPr>
-                        <a:t>10</a:t>
-                      </a:r>
-                      <a:endParaRPr lang="en-US" sz="900" b="1" i="0" u="none" strike="noStrike">
-                        <a:solidFill>
-                          <a:srgbClr val="000000"/>
-                        </a:solidFill>
-                        <a:effectLst/>
-                        <a:latin typeface="HP Simplified" panose="020B0604020204020204" pitchFamily="34" charset="0"/>
-                      </a:endParaRPr>
-                    </a:p>
-                  </a:txBody>
-                  <a:tcPr marL="7100" marR="7100" marT="7100" marB="0" anchor="b"/>
-                </a:tc>
-                <a:tc>
-                  <a:txBody>
-                    <a:bodyPr/>
-                    <a:lstStyle/>
-                    <a:p>
-                      <a:pPr algn="ctr" rtl="0" fontAlgn="b"/>
-                      <a:r>
-                        <a:rPr lang="en-US" sz="900" b="1" u="none" strike="noStrike">
-                          <a:effectLst/>
-                        </a:rPr>
-                        <a:t>8</a:t>
-                      </a:r>
-                      <a:endParaRPr lang="en-US" sz="900" b="1" i="0" u="none" strike="noStrike">
-                        <a:solidFill>
-                          <a:srgbClr val="000000"/>
-                        </a:solidFill>
-                        <a:effectLst/>
-                        <a:latin typeface="HP Simplified" panose="020B0604020204020204" pitchFamily="34" charset="0"/>
-                      </a:endParaRPr>
-                    </a:p>
-                  </a:txBody>
-                  <a:tcPr marL="7100" marR="7100" marT="7100" marB="0" anchor="b"/>
-                </a:tc>
-                <a:tc>
-                  <a:txBody>
-                    <a:bodyPr/>
-                    <a:lstStyle/>
-                    <a:p>
-                      <a:pPr algn="ctr" rtl="0" fontAlgn="b"/>
-                      <a:r>
-                        <a:rPr lang="en-US" sz="900" b="1" u="none" strike="noStrike">
-                          <a:effectLst/>
-                        </a:rPr>
-                        <a:t>1</a:t>
-                      </a:r>
-                      <a:endParaRPr lang="en-US" sz="900" b="1" i="0" u="none" strike="noStrike">
-                        <a:solidFill>
-                          <a:srgbClr val="000000"/>
-                        </a:solidFill>
-                        <a:effectLst/>
-                        <a:latin typeface="HP Simplified" panose="020B0604020204020204" pitchFamily="34" charset="0"/>
-                      </a:endParaRPr>
-                    </a:p>
-                  </a:txBody>
-                  <a:tcPr marL="7100" marR="7100" marT="7100" marB="0" anchor="b"/>
-                </a:tc>
-                <a:tc>
-                  <a:txBody>
-                    <a:bodyPr/>
-                    <a:lstStyle/>
-                    <a:p>
-                      <a:pPr algn="ctr" rtl="0" fontAlgn="b"/>
-                      <a:r>
-                        <a:rPr lang="en-US" sz="900" b="1" u="none" strike="noStrike">
-                          <a:effectLst/>
-                        </a:rPr>
-                        <a:t>6</a:t>
-                      </a:r>
-                      <a:endParaRPr lang="en-US" sz="900" b="1" i="0" u="none" strike="noStrike">
-                        <a:solidFill>
-                          <a:srgbClr val="000000"/>
-                        </a:solidFill>
-                        <a:effectLst/>
-                        <a:latin typeface="HP Simplified" panose="020B0604020204020204" pitchFamily="34" charset="0"/>
-                      </a:endParaRPr>
-                    </a:p>
-                  </a:txBody>
-                  <a:tcPr marL="7100" marR="7100" marT="7100" marB="0" anchor="b"/>
-                </a:tc>
-                <a:tc>
-                  <a:txBody>
-                    <a:bodyPr/>
-                    <a:lstStyle/>
-                    <a:p>
-                      <a:pPr algn="ctr" rtl="0" fontAlgn="b"/>
-                      <a:r>
-                        <a:rPr lang="en-US" sz="900" b="1" u="none" strike="noStrike">
-                          <a:effectLst/>
-                        </a:rPr>
-                        <a:t>1</a:t>
-                      </a:r>
-                      <a:endParaRPr lang="en-US" sz="900" b="1" i="0" u="none" strike="noStrike">
-                        <a:solidFill>
-                          <a:srgbClr val="000000"/>
-                        </a:solidFill>
-                        <a:effectLst/>
-                        <a:latin typeface="HP Simplified" panose="020B0604020204020204" pitchFamily="34" charset="0"/>
-                      </a:endParaRPr>
-                    </a:p>
-                  </a:txBody>
-                  <a:tcPr marL="7100" marR="7100" marT="7100" marB="0" anchor="b"/>
-                </a:tc>
-                <a:tc>
-                  <a:txBody>
-                    <a:bodyPr/>
-                    <a:lstStyle/>
-                    <a:p>
-                      <a:pPr algn="ctr" rtl="0" fontAlgn="b"/>
-                      <a:r>
-                        <a:rPr lang="en-US" sz="900" b="1" u="none" strike="noStrike">
-                          <a:effectLst/>
-                        </a:rPr>
-                        <a:t>2</a:t>
-                      </a:r>
-                      <a:endParaRPr lang="en-US" sz="900" b="1" i="0" u="none" strike="noStrike">
-                        <a:solidFill>
-                          <a:srgbClr val="000000"/>
-                        </a:solidFill>
-                        <a:effectLst/>
-                        <a:latin typeface="HP Simplified" panose="020B0604020204020204" pitchFamily="34" charset="0"/>
-                      </a:endParaRPr>
-                    </a:p>
-                  </a:txBody>
-                  <a:tcPr marL="7100" marR="7100" marT="7100" marB="0" anchor="b"/>
-                </a:tc>
-                <a:tc>
-                  <a:txBody>
-                    <a:bodyPr/>
-                    <a:lstStyle/>
-                    <a:p>
-                      <a:pPr algn="ctr" rtl="0" fontAlgn="b"/>
-                      <a:r>
-                        <a:rPr lang="en-US" sz="900" b="1" u="none" strike="noStrike">
-                          <a:effectLst/>
-                        </a:rPr>
-                        <a:t>3</a:t>
-                      </a:r>
-                      <a:endParaRPr lang="en-US" sz="900" b="1" i="0" u="none" strike="noStrike">
-                        <a:solidFill>
-                          <a:srgbClr val="000000"/>
-                        </a:solidFill>
-                        <a:effectLst/>
-                        <a:latin typeface="HP Simplified" panose="020B0604020204020204" pitchFamily="34" charset="0"/>
-                      </a:endParaRPr>
-                    </a:p>
-                  </a:txBody>
-                  <a:tcPr marL="7100" marR="7100" marT="7100" marB="0" anchor="b"/>
-                </a:tc>
-                <a:tc>
-                  <a:txBody>
-                    <a:bodyPr/>
-                    <a:lstStyle/>
-                    <a:p>
-                      <a:pPr algn="ctr" rtl="0" fontAlgn="b"/>
-                      <a:r>
-                        <a:rPr lang="en-US" sz="900" b="1" u="none" strike="noStrike">
-                          <a:effectLst/>
-                        </a:rPr>
-                        <a:t>500%</a:t>
-                      </a:r>
-                      <a:endParaRPr lang="en-US" sz="900" b="1" i="0" u="none" strike="noStrike">
-                        <a:solidFill>
-                          <a:srgbClr val="000000"/>
-                        </a:solidFill>
-                        <a:effectLst/>
-                        <a:latin typeface="HP Simplified" panose="020B0604020204020204" pitchFamily="34" charset="0"/>
-                      </a:endParaRPr>
-                    </a:p>
-                  </a:txBody>
-                  <a:tcPr marL="7100" marR="7100" marT="7100" marB="0" anchor="b"/>
-                </a:tc>
-                <a:tc>
-                  <a:txBody>
-                    <a:bodyPr/>
-                    <a:lstStyle/>
-                    <a:p>
-                      <a:pPr algn="ctr" rtl="0" fontAlgn="b"/>
-                      <a:r>
-                        <a:rPr lang="en-US" sz="900" b="1" u="none" strike="noStrike" dirty="0">
-                          <a:effectLst/>
-                        </a:rPr>
-                        <a:t>#DIV/0!</a:t>
-                      </a:r>
-                      <a:endParaRPr lang="en-US" sz="900" b="1" i="0" u="none" strike="noStrike" dirty="0">
-                        <a:solidFill>
-                          <a:srgbClr val="000000"/>
-                        </a:solidFill>
-                        <a:effectLst/>
-                        <a:latin typeface="HP Simplified" panose="020B0604020204020204" pitchFamily="34" charset="0"/>
-                      </a:endParaRPr>
-                    </a:p>
-                  </a:txBody>
-                  <a:tcPr marL="7100" marR="7100" marT="7100" marB="0" anchor="b"/>
-                </a:tc>
-              </a:tr>
-              <a:tr h="307856">
-                <a:tc rowSpan="2">
-                  <a:txBody>
-                    <a:bodyPr/>
-                    <a:lstStyle/>
-                    <a:p>
-                      <a:pPr algn="ctr" rtl="0" fontAlgn="ctr"/>
-                      <a:r>
-                        <a:rPr lang="en-US" sz="900" b="1" u="none" strike="noStrike" dirty="0">
-                          <a:effectLst/>
-                        </a:rPr>
-                        <a:t>Print</a:t>
-                      </a:r>
-                      <a:endParaRPr lang="en-US" sz="900" b="1" i="0" u="none" strike="noStrike" dirty="0">
-                        <a:solidFill>
-                          <a:srgbClr val="000000"/>
-                        </a:solidFill>
-                        <a:effectLst/>
-                        <a:latin typeface="HP Simplified" panose="020B0604020204020204" pitchFamily="34" charset="0"/>
-                      </a:endParaRPr>
-                    </a:p>
-                  </a:txBody>
-                  <a:tcPr marL="7100" marR="7100" marT="7100" marB="0" anchor="ctr"/>
-                </a:tc>
-                <a:tc>
-                  <a:txBody>
-                    <a:bodyPr/>
-                    <a:lstStyle/>
-                    <a:p>
-                      <a:pPr algn="l" rtl="0" fontAlgn="b"/>
-                      <a:r>
-                        <a:rPr lang="en-US" sz="900" b="1" u="none" strike="noStrike" dirty="0" err="1">
-                          <a:effectLst/>
-                        </a:rPr>
-                        <a:t>Sellthru</a:t>
-                      </a:r>
-                      <a:r>
-                        <a:rPr lang="en-US" sz="900" b="1" u="none" strike="noStrike" dirty="0">
-                          <a:effectLst/>
-                        </a:rPr>
-                        <a:t> ($K)</a:t>
-                      </a:r>
-                      <a:endParaRPr lang="en-US" sz="900" b="1" i="0" u="none" strike="noStrike" dirty="0">
-                        <a:solidFill>
-                          <a:srgbClr val="000000"/>
-                        </a:solidFill>
-                        <a:effectLst/>
-                        <a:latin typeface="HP Simplified" panose="020B0604020204020204" pitchFamily="34" charset="0"/>
-                      </a:endParaRPr>
-                    </a:p>
-                  </a:txBody>
-                  <a:tcPr marL="7100" marR="7100" marT="7100" marB="0" anchor="b"/>
-                </a:tc>
-                <a:tc>
-                  <a:txBody>
-                    <a:bodyPr/>
-                    <a:lstStyle/>
-                    <a:p>
-                      <a:pPr algn="ctr" rtl="0" fontAlgn="b"/>
-                      <a:r>
-                        <a:rPr lang="en-US" sz="900" b="1" u="none" strike="noStrike">
-                          <a:effectLst/>
-                        </a:rPr>
-                        <a:t>0</a:t>
-                      </a:r>
-                      <a:endParaRPr lang="en-US" sz="900" b="1" i="0" u="none" strike="noStrike">
-                        <a:solidFill>
-                          <a:srgbClr val="000000"/>
-                        </a:solidFill>
-                        <a:effectLst/>
-                        <a:latin typeface="HP Simplified" panose="020B0604020204020204" pitchFamily="34" charset="0"/>
-                      </a:endParaRPr>
-                    </a:p>
-                  </a:txBody>
-                  <a:tcPr marL="7100" marR="7100" marT="7100" marB="0" anchor="b"/>
-                </a:tc>
-                <a:tc>
-                  <a:txBody>
-                    <a:bodyPr/>
-                    <a:lstStyle/>
-                    <a:p>
-                      <a:pPr algn="ctr" rtl="0" fontAlgn="b"/>
-                      <a:r>
-                        <a:rPr lang="en-US" sz="900" b="1" u="none" strike="noStrike">
-                          <a:effectLst/>
-                        </a:rPr>
-                        <a:t>0</a:t>
-                      </a:r>
-                      <a:endParaRPr lang="en-US" sz="900" b="1" i="0" u="none" strike="noStrike">
-                        <a:solidFill>
-                          <a:srgbClr val="000000"/>
-                        </a:solidFill>
-                        <a:effectLst/>
-                        <a:latin typeface="HP Simplified" panose="020B0604020204020204" pitchFamily="34" charset="0"/>
-                      </a:endParaRPr>
-                    </a:p>
-                  </a:txBody>
-                  <a:tcPr marL="7100" marR="7100" marT="7100" marB="0" anchor="b"/>
-                </a:tc>
-                <a:tc>
-                  <a:txBody>
-                    <a:bodyPr/>
-                    <a:lstStyle/>
-                    <a:p>
-                      <a:pPr algn="ctr" rtl="0" fontAlgn="b"/>
-                      <a:r>
-                        <a:rPr lang="en-US" sz="900" b="1" u="none" strike="noStrike">
-                          <a:effectLst/>
-                        </a:rPr>
-                        <a:t>0</a:t>
-                      </a:r>
-                      <a:endParaRPr lang="en-US" sz="900" b="1" i="0" u="none" strike="noStrike">
-                        <a:solidFill>
-                          <a:srgbClr val="000000"/>
-                        </a:solidFill>
-                        <a:effectLst/>
-                        <a:latin typeface="HP Simplified" panose="020B0604020204020204" pitchFamily="34" charset="0"/>
-                      </a:endParaRPr>
-                    </a:p>
-                  </a:txBody>
-                  <a:tcPr marL="7100" marR="7100" marT="7100" marB="0" anchor="b"/>
-                </a:tc>
-                <a:tc>
-                  <a:txBody>
-                    <a:bodyPr/>
-                    <a:lstStyle/>
-                    <a:p>
-                      <a:pPr algn="ctr" rtl="0" fontAlgn="b"/>
-                      <a:r>
-                        <a:rPr lang="en-US" sz="900" b="1" u="none" strike="noStrike">
-                          <a:effectLst/>
-                        </a:rPr>
-                        <a:t>0</a:t>
-                      </a:r>
-                      <a:endParaRPr lang="en-US" sz="900" b="1" i="0" u="none" strike="noStrike">
-                        <a:solidFill>
-                          <a:srgbClr val="000000"/>
-                        </a:solidFill>
-                        <a:effectLst/>
-                        <a:latin typeface="HP Simplified" panose="020B0604020204020204" pitchFamily="34" charset="0"/>
-                      </a:endParaRPr>
-                    </a:p>
-                  </a:txBody>
-                  <a:tcPr marL="7100" marR="7100" marT="7100" marB="0" anchor="b"/>
-                </a:tc>
-                <a:tc>
-                  <a:txBody>
-                    <a:bodyPr/>
-                    <a:lstStyle/>
-                    <a:p>
-                      <a:pPr algn="ctr" rtl="0" fontAlgn="b"/>
-                      <a:r>
-                        <a:rPr lang="en-US" sz="900" b="1" u="none" strike="noStrike">
-                          <a:effectLst/>
-                        </a:rPr>
-                        <a:t>5</a:t>
-                      </a:r>
-                      <a:endParaRPr lang="en-US" sz="900" b="1" i="0" u="none" strike="noStrike">
-                        <a:solidFill>
-                          <a:srgbClr val="000000"/>
-                        </a:solidFill>
-                        <a:effectLst/>
-                        <a:latin typeface="HP Simplified" panose="020B0604020204020204" pitchFamily="34" charset="0"/>
-                      </a:endParaRPr>
-                    </a:p>
-                  </a:txBody>
-                  <a:tcPr marL="7100" marR="7100" marT="7100" marB="0" anchor="b"/>
-                </a:tc>
-                <a:tc>
-                  <a:txBody>
-                    <a:bodyPr/>
-                    <a:lstStyle/>
-                    <a:p>
-                      <a:pPr algn="ctr" rtl="0" fontAlgn="b"/>
-                      <a:r>
-                        <a:rPr lang="en-US" sz="900" b="1" u="none" strike="noStrike">
-                          <a:effectLst/>
-                        </a:rPr>
-                        <a:t>16</a:t>
-                      </a:r>
-                      <a:endParaRPr lang="en-US" sz="900" b="1" i="0" u="none" strike="noStrike">
-                        <a:solidFill>
-                          <a:srgbClr val="000000"/>
-                        </a:solidFill>
-                        <a:effectLst/>
-                        <a:latin typeface="HP Simplified" panose="020B0604020204020204" pitchFamily="34" charset="0"/>
-                      </a:endParaRPr>
-                    </a:p>
-                  </a:txBody>
-                  <a:tcPr marL="7100" marR="7100" marT="7100" marB="0" anchor="b"/>
-                </a:tc>
-                <a:tc>
-                  <a:txBody>
-                    <a:bodyPr/>
-                    <a:lstStyle/>
-                    <a:p>
-                      <a:pPr algn="ctr" rtl="0" fontAlgn="b"/>
-                      <a:r>
-                        <a:rPr lang="en-US" sz="900" b="1" u="none" strike="noStrike">
-                          <a:effectLst/>
-                        </a:rPr>
-                        <a:t>12</a:t>
-                      </a:r>
-                      <a:endParaRPr lang="en-US" sz="900" b="1" i="0" u="none" strike="noStrike">
-                        <a:solidFill>
-                          <a:srgbClr val="000000"/>
-                        </a:solidFill>
-                        <a:effectLst/>
-                        <a:latin typeface="HP Simplified" panose="020B0604020204020204" pitchFamily="34" charset="0"/>
-                      </a:endParaRPr>
-                    </a:p>
-                  </a:txBody>
-                  <a:tcPr marL="7100" marR="7100" marT="7100" marB="0" anchor="b"/>
-                </a:tc>
-                <a:tc>
-                  <a:txBody>
-                    <a:bodyPr/>
-                    <a:lstStyle/>
-                    <a:p>
-                      <a:pPr algn="ctr" rtl="0" fontAlgn="b"/>
-                      <a:r>
-                        <a:rPr lang="en-US" sz="900" b="1" u="none" strike="noStrike">
-                          <a:effectLst/>
-                        </a:rPr>
-                        <a:t>38</a:t>
-                      </a:r>
-                      <a:endParaRPr lang="en-US" sz="900" b="1" i="0" u="none" strike="noStrike">
-                        <a:solidFill>
-                          <a:srgbClr val="000000"/>
-                        </a:solidFill>
-                        <a:effectLst/>
-                        <a:latin typeface="HP Simplified" panose="020B0604020204020204" pitchFamily="34" charset="0"/>
-                      </a:endParaRPr>
-                    </a:p>
-                  </a:txBody>
-                  <a:tcPr marL="7100" marR="7100" marT="7100" marB="0" anchor="b"/>
-                </a:tc>
-                <a:tc>
-                  <a:txBody>
-                    <a:bodyPr/>
-                    <a:lstStyle/>
-                    <a:p>
-                      <a:pPr algn="ctr" rtl="0" fontAlgn="b"/>
-                      <a:r>
-                        <a:rPr lang="en-US" sz="900" b="1" u="none" strike="noStrike">
-                          <a:effectLst/>
-                        </a:rPr>
-                        <a:t>40</a:t>
-                      </a:r>
-                      <a:endParaRPr lang="en-US" sz="900" b="1" i="0" u="none" strike="noStrike">
-                        <a:solidFill>
-                          <a:srgbClr val="000000"/>
-                        </a:solidFill>
-                        <a:effectLst/>
-                        <a:latin typeface="HP Simplified" panose="020B0604020204020204" pitchFamily="34" charset="0"/>
-                      </a:endParaRPr>
-                    </a:p>
-                  </a:txBody>
-                  <a:tcPr marL="7100" marR="7100" marT="7100" marB="0" anchor="b"/>
-                </a:tc>
-                <a:tc>
-                  <a:txBody>
-                    <a:bodyPr/>
-                    <a:lstStyle/>
-                    <a:p>
-                      <a:pPr algn="ctr" rtl="0" fontAlgn="b"/>
-                      <a:r>
-                        <a:rPr lang="en-US" sz="900" b="1" u="none" strike="noStrike">
-                          <a:effectLst/>
-                        </a:rPr>
-                        <a:t>16</a:t>
-                      </a:r>
-                      <a:endParaRPr lang="en-US" sz="900" b="1" i="0" u="none" strike="noStrike">
-                        <a:solidFill>
-                          <a:srgbClr val="000000"/>
-                        </a:solidFill>
-                        <a:effectLst/>
-                        <a:latin typeface="HP Simplified" panose="020B0604020204020204" pitchFamily="34" charset="0"/>
-                      </a:endParaRPr>
-                    </a:p>
-                  </a:txBody>
-                  <a:tcPr marL="7100" marR="7100" marT="7100" marB="0" anchor="b"/>
-                </a:tc>
-                <a:tc>
-                  <a:txBody>
-                    <a:bodyPr/>
-                    <a:lstStyle/>
-                    <a:p>
-                      <a:pPr algn="ctr" rtl="0" fontAlgn="b"/>
-                      <a:r>
-                        <a:rPr lang="en-US" sz="900" b="1" u="none" strike="noStrike">
-                          <a:effectLst/>
-                        </a:rPr>
-                        <a:t>20</a:t>
-                      </a:r>
-                      <a:endParaRPr lang="en-US" sz="900" b="1" i="0" u="none" strike="noStrike">
-                        <a:solidFill>
-                          <a:srgbClr val="000000"/>
-                        </a:solidFill>
-                        <a:effectLst/>
-                        <a:latin typeface="HP Simplified" panose="020B0604020204020204" pitchFamily="34" charset="0"/>
-                      </a:endParaRPr>
-                    </a:p>
-                  </a:txBody>
-                  <a:tcPr marL="7100" marR="7100" marT="7100" marB="0" anchor="b"/>
-                </a:tc>
-                <a:tc>
-                  <a:txBody>
-                    <a:bodyPr/>
-                    <a:lstStyle/>
-                    <a:p>
-                      <a:pPr algn="ctr" rtl="0" fontAlgn="b"/>
-                      <a:r>
-                        <a:rPr lang="en-US" sz="900" b="1" u="none" strike="noStrike">
-                          <a:effectLst/>
-                        </a:rPr>
-                        <a:t>2</a:t>
-                      </a:r>
-                      <a:endParaRPr lang="en-US" sz="900" b="1" i="0" u="none" strike="noStrike">
-                        <a:solidFill>
-                          <a:srgbClr val="000000"/>
-                        </a:solidFill>
-                        <a:effectLst/>
-                        <a:latin typeface="HP Simplified" panose="020B0604020204020204" pitchFamily="34" charset="0"/>
-                      </a:endParaRPr>
-                    </a:p>
-                  </a:txBody>
-                  <a:tcPr marL="7100" marR="7100" marT="7100" marB="0" anchor="b"/>
-                </a:tc>
-                <a:tc>
-                  <a:txBody>
-                    <a:bodyPr/>
-                    <a:lstStyle/>
-                    <a:p>
-                      <a:pPr algn="ctr" rtl="0" fontAlgn="b"/>
-                      <a:r>
-                        <a:rPr lang="en-US" sz="900" b="1" u="none" strike="noStrike">
-                          <a:effectLst/>
-                        </a:rPr>
-                        <a:t>8</a:t>
-                      </a:r>
-                      <a:endParaRPr lang="en-US" sz="900" b="1" i="0" u="none" strike="noStrike">
-                        <a:solidFill>
-                          <a:srgbClr val="000000"/>
-                        </a:solidFill>
-                        <a:effectLst/>
-                        <a:latin typeface="HP Simplified" panose="020B0604020204020204" pitchFamily="34" charset="0"/>
-                      </a:endParaRPr>
-                    </a:p>
-                  </a:txBody>
-                  <a:tcPr marL="7100" marR="7100" marT="7100" marB="0" anchor="b"/>
-                </a:tc>
-                <a:tc>
-                  <a:txBody>
-                    <a:bodyPr/>
-                    <a:lstStyle/>
-                    <a:p>
-                      <a:pPr algn="ctr" rtl="0" fontAlgn="b"/>
-                      <a:r>
-                        <a:rPr lang="en-US" sz="900" b="1" u="none" strike="noStrike">
-                          <a:effectLst/>
-                        </a:rPr>
-                        <a:t>10</a:t>
-                      </a:r>
-                      <a:endParaRPr lang="en-US" sz="900" b="1" i="0" u="none" strike="noStrike">
-                        <a:solidFill>
-                          <a:srgbClr val="000000"/>
-                        </a:solidFill>
-                        <a:effectLst/>
-                        <a:latin typeface="HP Simplified" panose="020B0604020204020204" pitchFamily="34" charset="0"/>
-                      </a:endParaRPr>
-                    </a:p>
-                  </a:txBody>
-                  <a:tcPr marL="7100" marR="7100" marT="7100" marB="0" anchor="b"/>
-                </a:tc>
-                <a:tc>
-                  <a:txBody>
-                    <a:bodyPr/>
-                    <a:lstStyle/>
-                    <a:p>
-                      <a:pPr algn="ctr" rtl="0" fontAlgn="b"/>
-                      <a:r>
-                        <a:rPr lang="en-US" sz="900" b="1" u="none" strike="noStrike">
-                          <a:effectLst/>
-                        </a:rPr>
-                        <a:t>25%</a:t>
-                      </a:r>
-                      <a:endParaRPr lang="en-US" sz="900" b="1" i="0" u="none" strike="noStrike">
-                        <a:solidFill>
-                          <a:srgbClr val="000000"/>
-                        </a:solidFill>
-                        <a:effectLst/>
-                        <a:latin typeface="HP Simplified" panose="020B0604020204020204" pitchFamily="34" charset="0"/>
-                      </a:endParaRPr>
-                    </a:p>
-                  </a:txBody>
-                  <a:tcPr marL="7100" marR="7100" marT="7100" marB="0" anchor="b"/>
-                </a:tc>
-                <a:tc>
-                  <a:txBody>
-                    <a:bodyPr/>
-                    <a:lstStyle/>
-                    <a:p>
-                      <a:pPr algn="ctr" rtl="0" fontAlgn="b"/>
-                      <a:r>
-                        <a:rPr lang="en-US" sz="900" b="1" u="none" strike="noStrike" dirty="0">
-                          <a:effectLst/>
-                        </a:rPr>
-                        <a:t>25%</a:t>
-                      </a:r>
-                      <a:endParaRPr lang="en-US" sz="900" b="1" i="0" u="none" strike="noStrike" dirty="0">
-                        <a:solidFill>
-                          <a:srgbClr val="000000"/>
-                        </a:solidFill>
-                        <a:effectLst/>
-                        <a:latin typeface="HP Simplified" panose="020B0604020204020204" pitchFamily="34" charset="0"/>
-                      </a:endParaRPr>
-                    </a:p>
-                  </a:txBody>
-                  <a:tcPr marL="7100" marR="7100" marT="7100" marB="0" anchor="b"/>
-                </a:tc>
-              </a:tr>
-              <a:tr h="307856">
-                <a:tc vMerge="1">
-                  <a:txBody>
-                    <a:bodyPr/>
-                    <a:lstStyle/>
-                    <a:p>
-                      <a:endParaRPr lang="en-US"/>
-                    </a:p>
-                  </a:txBody>
-                  <a:tcPr/>
-                </a:tc>
-                <a:tc>
-                  <a:txBody>
-                    <a:bodyPr/>
-                    <a:lstStyle/>
-                    <a:p>
-                      <a:pPr algn="l" rtl="0" fontAlgn="b"/>
-                      <a:r>
-                        <a:rPr lang="en-US" sz="900" b="1" u="none" strike="noStrike" dirty="0" err="1">
-                          <a:effectLst/>
-                        </a:rPr>
-                        <a:t>Sellthru</a:t>
-                      </a:r>
-                      <a:r>
-                        <a:rPr lang="en-US" sz="900" b="1" u="none" strike="noStrike" dirty="0">
-                          <a:effectLst/>
-                        </a:rPr>
-                        <a:t> (units)</a:t>
-                      </a:r>
-                      <a:endParaRPr lang="en-US" sz="900" b="1" i="0" u="none" strike="noStrike" dirty="0">
-                        <a:solidFill>
-                          <a:srgbClr val="000000"/>
-                        </a:solidFill>
-                        <a:effectLst/>
-                        <a:latin typeface="HP Simplified" panose="020B0604020204020204" pitchFamily="34" charset="0"/>
-                      </a:endParaRPr>
-                    </a:p>
-                  </a:txBody>
-                  <a:tcPr marL="7100" marR="7100" marT="7100" marB="0" anchor="b"/>
-                </a:tc>
-                <a:tc>
-                  <a:txBody>
-                    <a:bodyPr/>
-                    <a:lstStyle/>
-                    <a:p>
-                      <a:pPr algn="ctr" rtl="0" fontAlgn="b"/>
-                      <a:r>
-                        <a:rPr lang="en-US" sz="900" b="1" u="none" strike="noStrike">
-                          <a:effectLst/>
-                        </a:rPr>
-                        <a:t>0</a:t>
-                      </a:r>
-                      <a:endParaRPr lang="en-US" sz="900" b="1" i="0" u="none" strike="noStrike">
-                        <a:solidFill>
-                          <a:srgbClr val="000000"/>
-                        </a:solidFill>
-                        <a:effectLst/>
-                        <a:latin typeface="HP Simplified" panose="020B0604020204020204" pitchFamily="34" charset="0"/>
-                      </a:endParaRPr>
-                    </a:p>
-                  </a:txBody>
-                  <a:tcPr marL="7100" marR="7100" marT="7100" marB="0" anchor="b"/>
-                </a:tc>
-                <a:tc>
-                  <a:txBody>
-                    <a:bodyPr/>
-                    <a:lstStyle/>
-                    <a:p>
-                      <a:pPr algn="ctr" rtl="0" fontAlgn="b"/>
-                      <a:r>
-                        <a:rPr lang="en-US" sz="900" b="1" u="none" strike="noStrike">
-                          <a:effectLst/>
-                        </a:rPr>
-                        <a:t>0</a:t>
-                      </a:r>
-                      <a:endParaRPr lang="en-US" sz="900" b="1" i="0" u="none" strike="noStrike">
-                        <a:solidFill>
-                          <a:srgbClr val="000000"/>
-                        </a:solidFill>
-                        <a:effectLst/>
-                        <a:latin typeface="HP Simplified" panose="020B0604020204020204" pitchFamily="34" charset="0"/>
-                      </a:endParaRPr>
-                    </a:p>
-                  </a:txBody>
-                  <a:tcPr marL="7100" marR="7100" marT="7100" marB="0" anchor="b"/>
-                </a:tc>
-                <a:tc>
-                  <a:txBody>
-                    <a:bodyPr/>
-                    <a:lstStyle/>
-                    <a:p>
-                      <a:pPr algn="ctr" rtl="0" fontAlgn="b"/>
-                      <a:r>
-                        <a:rPr lang="en-US" sz="900" b="1" u="none" strike="noStrike">
-                          <a:effectLst/>
-                        </a:rPr>
-                        <a:t>0</a:t>
-                      </a:r>
-                      <a:endParaRPr lang="en-US" sz="900" b="1" i="0" u="none" strike="noStrike">
-                        <a:solidFill>
-                          <a:srgbClr val="000000"/>
-                        </a:solidFill>
-                        <a:effectLst/>
-                        <a:latin typeface="HP Simplified" panose="020B0604020204020204" pitchFamily="34" charset="0"/>
-                      </a:endParaRPr>
-                    </a:p>
-                  </a:txBody>
-                  <a:tcPr marL="7100" marR="7100" marT="7100" marB="0" anchor="b"/>
-                </a:tc>
-                <a:tc>
-                  <a:txBody>
-                    <a:bodyPr/>
-                    <a:lstStyle/>
-                    <a:p>
-                      <a:pPr algn="ctr" rtl="0" fontAlgn="b"/>
-                      <a:r>
-                        <a:rPr lang="en-US" sz="900" b="1" u="none" strike="noStrike">
-                          <a:effectLst/>
-                        </a:rPr>
-                        <a:t>0</a:t>
-                      </a:r>
-                      <a:endParaRPr lang="en-US" sz="900" b="1" i="0" u="none" strike="noStrike">
-                        <a:solidFill>
-                          <a:srgbClr val="000000"/>
-                        </a:solidFill>
-                        <a:effectLst/>
-                        <a:latin typeface="HP Simplified" panose="020B0604020204020204" pitchFamily="34" charset="0"/>
-                      </a:endParaRPr>
-                    </a:p>
-                  </a:txBody>
-                  <a:tcPr marL="7100" marR="7100" marT="7100" marB="0" anchor="b"/>
-                </a:tc>
-                <a:tc>
-                  <a:txBody>
-                    <a:bodyPr/>
-                    <a:lstStyle/>
-                    <a:p>
-                      <a:pPr algn="ctr" rtl="0" fontAlgn="b"/>
-                      <a:r>
-                        <a:rPr lang="en-US" sz="900" b="1" u="none" strike="noStrike">
-                          <a:effectLst/>
-                        </a:rPr>
-                        <a:t>107</a:t>
-                      </a:r>
-                      <a:endParaRPr lang="en-US" sz="900" b="1" i="0" u="none" strike="noStrike">
-                        <a:solidFill>
-                          <a:srgbClr val="000000"/>
-                        </a:solidFill>
-                        <a:effectLst/>
-                        <a:latin typeface="HP Simplified" panose="020B0604020204020204" pitchFamily="34" charset="0"/>
-                      </a:endParaRPr>
-                    </a:p>
-                  </a:txBody>
-                  <a:tcPr marL="7100" marR="7100" marT="7100" marB="0" anchor="b"/>
-                </a:tc>
-                <a:tc>
-                  <a:txBody>
-                    <a:bodyPr/>
-                    <a:lstStyle/>
-                    <a:p>
-                      <a:pPr algn="ctr" rtl="0" fontAlgn="b"/>
-                      <a:r>
-                        <a:rPr lang="en-US" sz="900" b="1" u="none" strike="noStrike">
-                          <a:effectLst/>
-                        </a:rPr>
-                        <a:t>194</a:t>
-                      </a:r>
-                      <a:endParaRPr lang="en-US" sz="900" b="1" i="0" u="none" strike="noStrike">
-                        <a:solidFill>
-                          <a:srgbClr val="000000"/>
-                        </a:solidFill>
-                        <a:effectLst/>
-                        <a:latin typeface="HP Simplified" panose="020B0604020204020204" pitchFamily="34" charset="0"/>
-                      </a:endParaRPr>
-                    </a:p>
-                  </a:txBody>
-                  <a:tcPr marL="7100" marR="7100" marT="7100" marB="0" anchor="b"/>
-                </a:tc>
-                <a:tc>
-                  <a:txBody>
-                    <a:bodyPr/>
-                    <a:lstStyle/>
-                    <a:p>
-                      <a:pPr algn="ctr" rtl="0" fontAlgn="b"/>
-                      <a:r>
-                        <a:rPr lang="en-US" sz="900" b="1" u="none" strike="noStrike">
-                          <a:effectLst/>
-                        </a:rPr>
-                        <a:t>155</a:t>
-                      </a:r>
-                      <a:endParaRPr lang="en-US" sz="900" b="1" i="0" u="none" strike="noStrike">
-                        <a:solidFill>
-                          <a:srgbClr val="000000"/>
-                        </a:solidFill>
-                        <a:effectLst/>
-                        <a:latin typeface="HP Simplified" panose="020B0604020204020204" pitchFamily="34" charset="0"/>
-                      </a:endParaRPr>
-                    </a:p>
-                  </a:txBody>
-                  <a:tcPr marL="7100" marR="7100" marT="7100" marB="0" anchor="b"/>
-                </a:tc>
-                <a:tc>
-                  <a:txBody>
-                    <a:bodyPr/>
-                    <a:lstStyle/>
-                    <a:p>
-                      <a:pPr algn="ctr" rtl="0" fontAlgn="b"/>
-                      <a:r>
-                        <a:rPr lang="en-US" sz="900" b="1" u="none" strike="noStrike">
-                          <a:effectLst/>
-                        </a:rPr>
-                        <a:t>387</a:t>
-                      </a:r>
-                      <a:endParaRPr lang="en-US" sz="900" b="1" i="0" u="none" strike="noStrike">
-                        <a:solidFill>
-                          <a:srgbClr val="000000"/>
-                        </a:solidFill>
-                        <a:effectLst/>
-                        <a:latin typeface="HP Simplified" panose="020B0604020204020204" pitchFamily="34" charset="0"/>
-                      </a:endParaRPr>
-                    </a:p>
-                  </a:txBody>
-                  <a:tcPr marL="7100" marR="7100" marT="7100" marB="0" anchor="b"/>
-                </a:tc>
-                <a:tc>
-                  <a:txBody>
-                    <a:bodyPr/>
-                    <a:lstStyle/>
-                    <a:p>
-                      <a:pPr algn="ctr" rtl="0" fontAlgn="b"/>
-                      <a:r>
-                        <a:rPr lang="en-US" sz="900" b="1" u="none" strike="noStrike">
-                          <a:effectLst/>
-                        </a:rPr>
-                        <a:t>450</a:t>
-                      </a:r>
-                      <a:endParaRPr lang="en-US" sz="900" b="1" i="0" u="none" strike="noStrike">
-                        <a:solidFill>
-                          <a:srgbClr val="000000"/>
-                        </a:solidFill>
-                        <a:effectLst/>
-                        <a:latin typeface="HP Simplified" panose="020B0604020204020204" pitchFamily="34" charset="0"/>
-                      </a:endParaRPr>
-                    </a:p>
-                  </a:txBody>
-                  <a:tcPr marL="7100" marR="7100" marT="7100" marB="0" anchor="b"/>
-                </a:tc>
-                <a:tc>
-                  <a:txBody>
-                    <a:bodyPr/>
-                    <a:lstStyle/>
-                    <a:p>
-                      <a:pPr algn="ctr" rtl="0" fontAlgn="b"/>
-                      <a:r>
-                        <a:rPr lang="en-US" sz="900" b="1" u="none" strike="noStrike">
-                          <a:effectLst/>
-                        </a:rPr>
-                        <a:t>143</a:t>
-                      </a:r>
-                      <a:endParaRPr lang="en-US" sz="900" b="1" i="0" u="none" strike="noStrike">
-                        <a:solidFill>
-                          <a:srgbClr val="000000"/>
-                        </a:solidFill>
-                        <a:effectLst/>
-                        <a:latin typeface="HP Simplified" panose="020B0604020204020204" pitchFamily="34" charset="0"/>
-                      </a:endParaRPr>
-                    </a:p>
-                  </a:txBody>
-                  <a:tcPr marL="7100" marR="7100" marT="7100" marB="0" anchor="b"/>
-                </a:tc>
-                <a:tc>
-                  <a:txBody>
-                    <a:bodyPr/>
-                    <a:lstStyle/>
-                    <a:p>
-                      <a:pPr algn="ctr" rtl="0" fontAlgn="b"/>
-                      <a:r>
-                        <a:rPr lang="en-US" sz="900" b="1" u="none" strike="noStrike">
-                          <a:effectLst/>
-                        </a:rPr>
-                        <a:t>225</a:t>
-                      </a:r>
-                      <a:endParaRPr lang="en-US" sz="900" b="1" i="0" u="none" strike="noStrike">
-                        <a:solidFill>
-                          <a:srgbClr val="000000"/>
-                        </a:solidFill>
-                        <a:effectLst/>
-                        <a:latin typeface="HP Simplified" panose="020B0604020204020204" pitchFamily="34" charset="0"/>
-                      </a:endParaRPr>
-                    </a:p>
-                  </a:txBody>
-                  <a:tcPr marL="7100" marR="7100" marT="7100" marB="0" anchor="b"/>
-                </a:tc>
-                <a:tc>
-                  <a:txBody>
-                    <a:bodyPr/>
-                    <a:lstStyle/>
-                    <a:p>
-                      <a:pPr algn="ctr" rtl="0" fontAlgn="b"/>
-                      <a:r>
-                        <a:rPr lang="en-US" sz="900" b="1" u="none" strike="noStrike">
-                          <a:effectLst/>
-                        </a:rPr>
-                        <a:t>50</a:t>
-                      </a:r>
-                      <a:endParaRPr lang="en-US" sz="900" b="1" i="0" u="none" strike="noStrike">
-                        <a:solidFill>
-                          <a:srgbClr val="000000"/>
-                        </a:solidFill>
-                        <a:effectLst/>
-                        <a:latin typeface="HP Simplified" panose="020B0604020204020204" pitchFamily="34" charset="0"/>
-                      </a:endParaRPr>
-                    </a:p>
-                  </a:txBody>
-                  <a:tcPr marL="7100" marR="7100" marT="7100" marB="0" anchor="b"/>
-                </a:tc>
-                <a:tc>
-                  <a:txBody>
-                    <a:bodyPr/>
-                    <a:lstStyle/>
-                    <a:p>
-                      <a:pPr algn="ctr" rtl="0" fontAlgn="b"/>
-                      <a:r>
-                        <a:rPr lang="en-US" sz="900" b="1" u="none" strike="noStrike">
-                          <a:effectLst/>
-                        </a:rPr>
-                        <a:t>75</a:t>
-                      </a:r>
-                      <a:endParaRPr lang="en-US" sz="900" b="1" i="0" u="none" strike="noStrike">
-                        <a:solidFill>
-                          <a:srgbClr val="000000"/>
-                        </a:solidFill>
-                        <a:effectLst/>
-                        <a:latin typeface="HP Simplified" panose="020B0604020204020204" pitchFamily="34" charset="0"/>
-                      </a:endParaRPr>
-                    </a:p>
-                  </a:txBody>
-                  <a:tcPr marL="7100" marR="7100" marT="7100" marB="0" anchor="b"/>
-                </a:tc>
-                <a:tc>
-                  <a:txBody>
-                    <a:bodyPr/>
-                    <a:lstStyle/>
-                    <a:p>
-                      <a:pPr algn="ctr" rtl="0" fontAlgn="b"/>
-                      <a:r>
-                        <a:rPr lang="en-US" sz="900" b="1" u="none" strike="noStrike">
-                          <a:effectLst/>
-                        </a:rPr>
-                        <a:t>100</a:t>
-                      </a:r>
-                      <a:endParaRPr lang="en-US" sz="900" b="1" i="0" u="none" strike="noStrike">
-                        <a:solidFill>
-                          <a:srgbClr val="000000"/>
-                        </a:solidFill>
-                        <a:effectLst/>
-                        <a:latin typeface="HP Simplified" panose="020B0604020204020204" pitchFamily="34" charset="0"/>
-                      </a:endParaRPr>
-                    </a:p>
-                  </a:txBody>
-                  <a:tcPr marL="7100" marR="7100" marT="7100" marB="0" anchor="b"/>
-                </a:tc>
-                <a:tc>
-                  <a:txBody>
-                    <a:bodyPr/>
-                    <a:lstStyle/>
-                    <a:p>
-                      <a:pPr algn="ctr" rtl="0" fontAlgn="b"/>
-                      <a:r>
-                        <a:rPr lang="en-US" sz="900" b="1" u="none" strike="noStrike">
-                          <a:effectLst/>
-                        </a:rPr>
-                        <a:t>57%</a:t>
-                      </a:r>
-                      <a:endParaRPr lang="en-US" sz="900" b="1" i="0" u="none" strike="noStrike">
-                        <a:solidFill>
-                          <a:srgbClr val="000000"/>
-                        </a:solidFill>
-                        <a:effectLst/>
-                        <a:latin typeface="HP Simplified" panose="020B0604020204020204" pitchFamily="34" charset="0"/>
-                      </a:endParaRPr>
-                    </a:p>
-                  </a:txBody>
-                  <a:tcPr marL="7100" marR="7100" marT="7100" marB="0" anchor="b"/>
-                </a:tc>
-                <a:tc>
-                  <a:txBody>
-                    <a:bodyPr/>
-                    <a:lstStyle/>
-                    <a:p>
-                      <a:pPr algn="ctr" rtl="0" fontAlgn="b"/>
-                      <a:r>
-                        <a:rPr lang="en-US" sz="900" b="1" u="none" strike="noStrike">
-                          <a:effectLst/>
-                        </a:rPr>
-                        <a:t>16%</a:t>
-                      </a:r>
-                      <a:endParaRPr lang="en-US" sz="900" b="1" i="0" u="none" strike="noStrike">
-                        <a:solidFill>
-                          <a:srgbClr val="000000"/>
-                        </a:solidFill>
-                        <a:effectLst/>
-                        <a:latin typeface="HP Simplified" panose="020B0604020204020204" pitchFamily="34" charset="0"/>
-                      </a:endParaRPr>
-                    </a:p>
-                  </a:txBody>
-                  <a:tcPr marL="7100" marR="7100" marT="7100" marB="0" anchor="b"/>
-                </a:tc>
-              </a:tr>
-              <a:tr h="307856">
-                <a:tc>
-                  <a:txBody>
-                    <a:bodyPr/>
-                    <a:lstStyle/>
-                    <a:p>
-                      <a:pPr algn="ctr" rtl="0" fontAlgn="ctr"/>
-                      <a:r>
-                        <a:rPr lang="en-US" sz="900" b="1" u="none" strike="noStrike">
-                          <a:effectLst/>
-                        </a:rPr>
-                        <a:t>Total PPS</a:t>
-                      </a:r>
-                      <a:endParaRPr lang="en-US" sz="900" b="1" i="0" u="none" strike="noStrike">
-                        <a:solidFill>
-                          <a:srgbClr val="000000"/>
-                        </a:solidFill>
-                        <a:effectLst/>
-                        <a:latin typeface="HP Simplified" panose="020B0604020204020204" pitchFamily="34" charset="0"/>
-                      </a:endParaRPr>
-                    </a:p>
-                  </a:txBody>
-                  <a:tcPr marL="7100" marR="7100" marT="7100" marB="0" anchor="ctr"/>
-                </a:tc>
-                <a:tc>
-                  <a:txBody>
-                    <a:bodyPr/>
-                    <a:lstStyle/>
-                    <a:p>
-                      <a:pPr algn="l" rtl="0" fontAlgn="b"/>
-                      <a:r>
-                        <a:rPr lang="en-US" sz="900" b="1" u="none" strike="noStrike">
-                          <a:effectLst/>
-                        </a:rPr>
-                        <a:t>Sellthru ( $K)</a:t>
-                      </a:r>
-                      <a:endParaRPr lang="en-US" sz="900" b="1" i="0" u="none" strike="noStrike">
-                        <a:solidFill>
-                          <a:srgbClr val="000000"/>
-                        </a:solidFill>
-                        <a:effectLst/>
-                        <a:latin typeface="HP Simplified" panose="020B0604020204020204" pitchFamily="34" charset="0"/>
-                      </a:endParaRPr>
-                    </a:p>
-                  </a:txBody>
-                  <a:tcPr marL="7100" marR="7100" marT="7100" marB="0" anchor="b"/>
-                </a:tc>
-                <a:tc>
-                  <a:txBody>
-                    <a:bodyPr/>
-                    <a:lstStyle/>
-                    <a:p>
-                      <a:pPr algn="ctr" rtl="0" fontAlgn="b"/>
-                      <a:r>
-                        <a:rPr lang="en-US" sz="900" b="1" u="none" strike="noStrike">
-                          <a:effectLst/>
-                        </a:rPr>
-                        <a:t>67</a:t>
-                      </a:r>
-                      <a:endParaRPr lang="en-US" sz="900" b="1" i="0" u="none" strike="noStrike">
-                        <a:solidFill>
-                          <a:srgbClr val="000000"/>
-                        </a:solidFill>
-                        <a:effectLst/>
-                        <a:latin typeface="HP Simplified" panose="020B0604020204020204" pitchFamily="34" charset="0"/>
-                      </a:endParaRPr>
-                    </a:p>
-                  </a:txBody>
-                  <a:tcPr marL="7100" marR="7100" marT="7100" marB="0" anchor="b"/>
-                </a:tc>
-                <a:tc>
-                  <a:txBody>
-                    <a:bodyPr/>
-                    <a:lstStyle/>
-                    <a:p>
-                      <a:pPr algn="ctr" rtl="0" fontAlgn="b"/>
-                      <a:r>
-                        <a:rPr lang="en-US" sz="900" b="1" u="none" strike="noStrike">
-                          <a:effectLst/>
-                        </a:rPr>
-                        <a:t>125</a:t>
-                      </a:r>
-                      <a:endParaRPr lang="en-US" sz="900" b="1" i="0" u="none" strike="noStrike">
-                        <a:solidFill>
-                          <a:srgbClr val="000000"/>
-                        </a:solidFill>
-                        <a:effectLst/>
-                        <a:latin typeface="HP Simplified" panose="020B0604020204020204" pitchFamily="34" charset="0"/>
-                      </a:endParaRPr>
-                    </a:p>
-                  </a:txBody>
-                  <a:tcPr marL="7100" marR="7100" marT="7100" marB="0" anchor="b"/>
-                </a:tc>
-                <a:tc>
-                  <a:txBody>
-                    <a:bodyPr/>
-                    <a:lstStyle/>
-                    <a:p>
-                      <a:pPr algn="ctr" rtl="0" fontAlgn="b"/>
-                      <a:r>
-                        <a:rPr lang="en-US" sz="900" b="1" u="none" strike="noStrike">
-                          <a:effectLst/>
-                        </a:rPr>
-                        <a:t>141</a:t>
-                      </a:r>
-                      <a:endParaRPr lang="en-US" sz="900" b="1" i="0" u="none" strike="noStrike">
-                        <a:solidFill>
-                          <a:srgbClr val="000000"/>
-                        </a:solidFill>
-                        <a:effectLst/>
-                        <a:latin typeface="HP Simplified" panose="020B0604020204020204" pitchFamily="34" charset="0"/>
-                      </a:endParaRPr>
-                    </a:p>
-                  </a:txBody>
-                  <a:tcPr marL="7100" marR="7100" marT="7100" marB="0" anchor="b"/>
-                </a:tc>
-                <a:tc>
-                  <a:txBody>
-                    <a:bodyPr/>
-                    <a:lstStyle/>
-                    <a:p>
-                      <a:pPr algn="ctr" rtl="0" fontAlgn="b"/>
-                      <a:r>
-                        <a:rPr lang="en-US" sz="900" b="1" u="none" strike="noStrike">
-                          <a:effectLst/>
-                        </a:rPr>
-                        <a:t>230</a:t>
-                      </a:r>
-                      <a:endParaRPr lang="en-US" sz="900" b="1" i="0" u="none" strike="noStrike">
-                        <a:solidFill>
-                          <a:srgbClr val="000000"/>
-                        </a:solidFill>
-                        <a:effectLst/>
-                        <a:latin typeface="HP Simplified" panose="020B0604020204020204" pitchFamily="34" charset="0"/>
-                      </a:endParaRPr>
-                    </a:p>
-                  </a:txBody>
-                  <a:tcPr marL="7100" marR="7100" marT="7100" marB="0" anchor="b"/>
-                </a:tc>
-                <a:tc>
-                  <a:txBody>
-                    <a:bodyPr/>
-                    <a:lstStyle/>
-                    <a:p>
-                      <a:pPr algn="ctr" rtl="0" fontAlgn="b"/>
-                      <a:r>
-                        <a:rPr lang="en-US" sz="900" b="1" u="none" strike="noStrike">
-                          <a:effectLst/>
-                        </a:rPr>
-                        <a:t>206</a:t>
-                      </a:r>
-                      <a:endParaRPr lang="en-US" sz="900" b="1" i="0" u="none" strike="noStrike">
-                        <a:solidFill>
-                          <a:srgbClr val="000000"/>
-                        </a:solidFill>
-                        <a:effectLst/>
-                        <a:latin typeface="HP Simplified" panose="020B0604020204020204" pitchFamily="34" charset="0"/>
-                      </a:endParaRPr>
-                    </a:p>
-                  </a:txBody>
-                  <a:tcPr marL="7100" marR="7100" marT="7100" marB="0" anchor="b"/>
-                </a:tc>
-                <a:tc>
-                  <a:txBody>
-                    <a:bodyPr/>
-                    <a:lstStyle/>
-                    <a:p>
-                      <a:pPr algn="ctr" rtl="0" fontAlgn="b"/>
-                      <a:r>
-                        <a:rPr lang="en-US" sz="900" b="1" u="none" strike="noStrike">
-                          <a:effectLst/>
-                        </a:rPr>
-                        <a:t>388</a:t>
-                      </a:r>
-                      <a:endParaRPr lang="en-US" sz="900" b="1" i="0" u="none" strike="noStrike">
-                        <a:solidFill>
-                          <a:srgbClr val="000000"/>
-                        </a:solidFill>
-                        <a:effectLst/>
-                        <a:latin typeface="HP Simplified" panose="020B0604020204020204" pitchFamily="34" charset="0"/>
-                      </a:endParaRPr>
-                    </a:p>
-                  </a:txBody>
-                  <a:tcPr marL="7100" marR="7100" marT="7100" marB="0" anchor="b"/>
-                </a:tc>
-                <a:tc>
-                  <a:txBody>
-                    <a:bodyPr/>
-                    <a:lstStyle/>
-                    <a:p>
-                      <a:pPr algn="ctr" rtl="0" fontAlgn="b"/>
-                      <a:r>
-                        <a:rPr lang="en-US" sz="900" b="1" u="none" strike="noStrike">
-                          <a:effectLst/>
-                        </a:rPr>
-                        <a:t>473</a:t>
-                      </a:r>
-                      <a:endParaRPr lang="en-US" sz="900" b="1" i="0" u="none" strike="noStrike">
-                        <a:solidFill>
-                          <a:srgbClr val="000000"/>
-                        </a:solidFill>
-                        <a:effectLst/>
-                        <a:latin typeface="HP Simplified" panose="020B0604020204020204" pitchFamily="34" charset="0"/>
-                      </a:endParaRPr>
-                    </a:p>
-                  </a:txBody>
-                  <a:tcPr marL="7100" marR="7100" marT="7100" marB="0" anchor="b"/>
-                </a:tc>
-                <a:tc>
-                  <a:txBody>
-                    <a:bodyPr/>
-                    <a:lstStyle/>
-                    <a:p>
-                      <a:pPr algn="ctr" rtl="0" fontAlgn="b"/>
-                      <a:r>
-                        <a:rPr lang="en-US" sz="900" b="1" u="none" strike="noStrike">
-                          <a:effectLst/>
-                        </a:rPr>
-                        <a:t>977</a:t>
-                      </a:r>
-                      <a:endParaRPr lang="en-US" sz="900" b="1" i="0" u="none" strike="noStrike">
-                        <a:solidFill>
-                          <a:srgbClr val="000000"/>
-                        </a:solidFill>
-                        <a:effectLst/>
-                        <a:latin typeface="HP Simplified" panose="020B0604020204020204" pitchFamily="34" charset="0"/>
-                      </a:endParaRPr>
-                    </a:p>
-                  </a:txBody>
-                  <a:tcPr marL="7100" marR="7100" marT="7100" marB="0" anchor="b"/>
-                </a:tc>
-                <a:tc>
-                  <a:txBody>
-                    <a:bodyPr/>
-                    <a:lstStyle/>
-                    <a:p>
-                      <a:pPr algn="ctr" rtl="0" fontAlgn="b"/>
-                      <a:r>
-                        <a:rPr lang="en-US" sz="900" b="1" u="none" strike="noStrike">
-                          <a:effectLst/>
-                        </a:rPr>
-                        <a:t>701</a:t>
-                      </a:r>
-                      <a:endParaRPr lang="en-US" sz="900" b="1" i="0" u="none" strike="noStrike">
-                        <a:solidFill>
-                          <a:srgbClr val="000000"/>
-                        </a:solidFill>
-                        <a:effectLst/>
-                        <a:latin typeface="HP Simplified" panose="020B0604020204020204" pitchFamily="34" charset="0"/>
-                      </a:endParaRPr>
-                    </a:p>
-                  </a:txBody>
-                  <a:tcPr marL="7100" marR="7100" marT="7100" marB="0" anchor="b"/>
-                </a:tc>
-                <a:tc>
-                  <a:txBody>
-                    <a:bodyPr/>
-                    <a:lstStyle/>
-                    <a:p>
-                      <a:pPr algn="ctr" rtl="0" fontAlgn="b"/>
-                      <a:r>
-                        <a:rPr lang="en-US" sz="900" b="1" u="none" strike="noStrike">
-                          <a:effectLst/>
-                        </a:rPr>
-                        <a:t>646</a:t>
-                      </a:r>
-                      <a:endParaRPr lang="en-US" sz="900" b="1" i="0" u="none" strike="noStrike">
-                        <a:solidFill>
-                          <a:srgbClr val="000000"/>
-                        </a:solidFill>
-                        <a:effectLst/>
-                        <a:latin typeface="HP Simplified" panose="020B0604020204020204" pitchFamily="34" charset="0"/>
-                      </a:endParaRPr>
-                    </a:p>
-                  </a:txBody>
-                  <a:tcPr marL="7100" marR="7100" marT="7100" marB="0" anchor="b"/>
-                </a:tc>
-                <a:tc>
-                  <a:txBody>
-                    <a:bodyPr/>
-                    <a:lstStyle/>
-                    <a:p>
-                      <a:pPr algn="ctr" rtl="0" fontAlgn="b"/>
-                      <a:r>
-                        <a:rPr lang="en-US" sz="900" b="1" u="none" strike="noStrike">
-                          <a:effectLst/>
-                        </a:rPr>
-                        <a:t>675</a:t>
-                      </a:r>
-                      <a:endParaRPr lang="en-US" sz="900" b="1" i="0" u="none" strike="noStrike">
-                        <a:solidFill>
-                          <a:srgbClr val="000000"/>
-                        </a:solidFill>
-                        <a:effectLst/>
-                        <a:latin typeface="HP Simplified" panose="020B0604020204020204" pitchFamily="34" charset="0"/>
-                      </a:endParaRPr>
-                    </a:p>
-                  </a:txBody>
-                  <a:tcPr marL="7100" marR="7100" marT="7100" marB="0" anchor="b"/>
-                </a:tc>
-                <a:tc>
-                  <a:txBody>
-                    <a:bodyPr/>
-                    <a:lstStyle/>
-                    <a:p>
-                      <a:pPr algn="ctr" rtl="0" fontAlgn="b"/>
-                      <a:r>
-                        <a:rPr lang="en-US" sz="900" b="1" u="none" strike="noStrike">
-                          <a:effectLst/>
-                        </a:rPr>
-                        <a:t>249</a:t>
-                      </a:r>
-                      <a:endParaRPr lang="en-US" sz="900" b="1" i="0" u="none" strike="noStrike">
-                        <a:solidFill>
-                          <a:srgbClr val="000000"/>
-                        </a:solidFill>
-                        <a:effectLst/>
-                        <a:latin typeface="HP Simplified" panose="020B0604020204020204" pitchFamily="34" charset="0"/>
-                      </a:endParaRPr>
-                    </a:p>
-                  </a:txBody>
-                  <a:tcPr marL="7100" marR="7100" marT="7100" marB="0" anchor="b"/>
-                </a:tc>
-                <a:tc>
-                  <a:txBody>
-                    <a:bodyPr/>
-                    <a:lstStyle/>
-                    <a:p>
-                      <a:pPr algn="ctr" rtl="0" fontAlgn="b"/>
-                      <a:r>
-                        <a:rPr lang="en-US" sz="900" b="1" u="none" strike="noStrike">
-                          <a:effectLst/>
-                        </a:rPr>
-                        <a:t>136</a:t>
-                      </a:r>
-                      <a:endParaRPr lang="en-US" sz="900" b="1" i="0" u="none" strike="noStrike">
-                        <a:solidFill>
-                          <a:srgbClr val="000000"/>
-                        </a:solidFill>
-                        <a:effectLst/>
-                        <a:latin typeface="HP Simplified" panose="020B0604020204020204" pitchFamily="34" charset="0"/>
-                      </a:endParaRPr>
-                    </a:p>
-                  </a:txBody>
-                  <a:tcPr marL="7100" marR="7100" marT="7100" marB="0" anchor="b"/>
-                </a:tc>
-                <a:tc>
-                  <a:txBody>
-                    <a:bodyPr/>
-                    <a:lstStyle/>
-                    <a:p>
-                      <a:pPr algn="ctr" rtl="0" fontAlgn="b"/>
-                      <a:r>
-                        <a:rPr lang="en-US" sz="900" b="1" u="none" strike="noStrike">
-                          <a:effectLst/>
-                        </a:rPr>
-                        <a:t>6</a:t>
-                      </a:r>
-                      <a:endParaRPr lang="en-US" sz="900" b="1" i="0" u="none" strike="noStrike">
-                        <a:solidFill>
-                          <a:srgbClr val="000000"/>
-                        </a:solidFill>
-                        <a:effectLst/>
-                        <a:latin typeface="HP Simplified" panose="020B0604020204020204" pitchFamily="34" charset="0"/>
-                      </a:endParaRPr>
-                    </a:p>
-                  </a:txBody>
-                  <a:tcPr marL="7100" marR="7100" marT="7100" marB="0" anchor="b"/>
-                </a:tc>
-                <a:tc>
-                  <a:txBody>
-                    <a:bodyPr/>
-                    <a:lstStyle/>
-                    <a:p>
-                      <a:pPr algn="ctr" rtl="0" fontAlgn="b"/>
-                      <a:r>
-                        <a:rPr lang="en-US" sz="900" b="1" u="none" strike="noStrike">
-                          <a:effectLst/>
-                        </a:rPr>
-                        <a:t>4%</a:t>
-                      </a:r>
-                      <a:endParaRPr lang="en-US" sz="900" b="1" i="0" u="none" strike="noStrike">
-                        <a:solidFill>
-                          <a:srgbClr val="000000"/>
-                        </a:solidFill>
-                        <a:effectLst/>
-                        <a:latin typeface="HP Simplified" panose="020B0604020204020204" pitchFamily="34" charset="0"/>
-                      </a:endParaRPr>
-                    </a:p>
-                  </a:txBody>
-                  <a:tcPr marL="7100" marR="7100" marT="7100" marB="0" anchor="b"/>
-                </a:tc>
-                <a:tc>
-                  <a:txBody>
-                    <a:bodyPr/>
-                    <a:lstStyle/>
-                    <a:p>
-                      <a:pPr algn="ctr" rtl="0" fontAlgn="b"/>
-                      <a:r>
-                        <a:rPr lang="en-US" sz="900" b="1" u="none" strike="noStrike" dirty="0">
-                          <a:effectLst/>
-                        </a:rPr>
-                        <a:t>74%</a:t>
-                      </a:r>
-                      <a:endParaRPr lang="en-US" sz="900" b="1" i="0" u="none" strike="noStrike" dirty="0">
-                        <a:solidFill>
-                          <a:srgbClr val="000000"/>
-                        </a:solidFill>
-                        <a:effectLst/>
-                        <a:latin typeface="HP Simplified" panose="020B0604020204020204" pitchFamily="34" charset="0"/>
-                      </a:endParaRPr>
-                    </a:p>
-                  </a:txBody>
-                  <a:tcPr marL="7100" marR="7100" marT="7100" marB="0" anchor="b"/>
+                  <a:tcPr marL="0" marR="0" marT="0" marB="0" anchor="ctr"/>
                 </a:tc>
               </a:tr>
             </a:tbl>
@@ -13451,7 +8898,7 @@
     </p:spTree>
     <p:extLst>
       <p:ext uri="{BB962C8B-B14F-4D97-AF65-F5344CB8AC3E}">
-        <p14:creationId xmlns="" xmlns:p14="http://schemas.microsoft.com/office/powerpoint/2010/main" val="2331096012"/>
+        <p14:creationId xmlns:p14="http://schemas.microsoft.com/office/powerpoint/2010/main" xmlns="" val="2331096012"/>
       </p:ext>
     </p:extLst>
   </p:cSld>

--- a/HPPortal.Web/PptBuilder/Templates/JBPlanTemplate.pptx
+++ b/HPPortal.Web/PptBuilder/Templates/JBPlanTemplate.pptx
@@ -5,10 +5,10 @@
     <p:sldMasterId id="2147483804" r:id="rId1"/>
   </p:sldMasterIdLst>
   <p:notesMasterIdLst>
-    <p:notesMasterId r:id="rId9"/>
+    <p:notesMasterId r:id="rId11"/>
   </p:notesMasterIdLst>
   <p:handoutMasterIdLst>
-    <p:handoutMasterId r:id="rId10"/>
+    <p:handoutMasterId r:id="rId12"/>
   </p:handoutMasterIdLst>
   <p:sldIdLst>
     <p:sldId id="645" r:id="rId2"/>
@@ -18,6 +18,8 @@
     <p:sldId id="673" r:id="rId6"/>
     <p:sldId id="675" r:id="rId7"/>
     <p:sldId id="665" r:id="rId8"/>
+    <p:sldId id="676" r:id="rId9"/>
+    <p:sldId id="677" r:id="rId10"/>
   </p:sldIdLst>
   <p:sldSz cx="9144000" cy="5143500" type="screen16x9"/>
   <p:notesSz cx="6881813" cy="9296400"/>
@@ -298,7 +300,7 @@
                 <a:cs typeface="HP Simplified"/>
               </a:rPr>
               <a:pPr/>
-              <a:t>03/18/2015</a:t>
+              <a:t>03/19/2015</a:t>
             </a:fld>
             <a:endParaRPr lang="en-GB" dirty="0">
               <a:latin typeface="HP Simplified"/>
@@ -484,7 +486,7 @@
             <a:fld id="{2D9CAF8C-0805-8440-B43D-DCCAAA4D80CE}" type="datetimeFigureOut">
               <a:rPr lang="en-US" smtClean="0"/>
               <a:pPr/>
-              <a:t>03/18/2015</a:t>
+              <a:t>03/19/2015</a:t>
             </a:fld>
             <a:endParaRPr lang="en-GB" dirty="0"/>
           </a:p>
@@ -8583,7 +8585,7 @@
         </p:nvSpPr>
         <p:spPr>
           <a:xfrm>
-            <a:off x="146538" y="69310"/>
+            <a:off x="146538" y="49854"/>
             <a:ext cx="8534718" cy="348979"/>
           </a:xfrm>
         </p:spPr>
@@ -8593,19 +8595,7 @@
           <a:p>
             <a:r>
               <a:rPr lang="en-US" sz="2200" dirty="0" smtClean="0"/>
-              <a:t>Actions r</a:t>
-            </a:r>
-            <a:r>
-              <a:rPr lang="en-US" sz="2200" dirty="0" smtClean="0"/>
-              <a:t>eqd</a:t>
-            </a:r>
-            <a:r>
-              <a:rPr lang="en-US" sz="2200" dirty="0" smtClean="0"/>
-              <a:t>. to hit the </a:t>
-            </a:r>
-            <a:r>
-              <a:rPr lang="en-US" sz="2200" dirty="0" smtClean="0"/>
-              <a:t>Targeted Goals</a:t>
+              <a:t>Actions reqd. to hit the Targeted Goals</a:t>
             </a:r>
             <a:endParaRPr lang="en-US" sz="2200" b="0" i="1" dirty="0">
               <a:solidFill>
@@ -8631,7 +8621,7 @@
           </p:nvPr>
         </p:nvGraphicFramePr>
         <p:xfrm>
-          <a:off x="92520" y="481747"/>
+          <a:off x="92520" y="462291"/>
           <a:ext cx="8934747" cy="568834"/>
         </p:xfrm>
         <a:graphic>
@@ -8915,6 +8905,969 @@
       </p:par>
     </p:tnLst>
   </p:timing>
+</p:sld>
+</file>
+
+<file path=ppt/slides/slide8.xml><?xml version="1.0" encoding="utf-8"?>
+<p:sld xmlns:a="http://schemas.openxmlformats.org/drawingml/2006/main" xmlns:r="http://schemas.openxmlformats.org/officeDocument/2006/relationships" xmlns:p="http://schemas.openxmlformats.org/presentationml/2006/main">
+  <p:cSld>
+    <p:spTree>
+      <p:nvGrpSpPr>
+        <p:cNvPr id="1" name=""/>
+        <p:cNvGrpSpPr/>
+        <p:nvPr/>
+      </p:nvGrpSpPr>
+      <p:grpSpPr>
+        <a:xfrm>
+          <a:off x="0" y="0"/>
+          <a:ext cx="0" cy="0"/>
+          <a:chOff x="0" y="0"/>
+          <a:chExt cx="0" cy="0"/>
+        </a:xfrm>
+      </p:grpSpPr>
+      <p:sp>
+        <p:nvSpPr>
+          <p:cNvPr id="2" name="Title 70"/>
+          <p:cNvSpPr txBox="1">
+            <a:spLocks/>
+          </p:cNvSpPr>
+          <p:nvPr/>
+        </p:nvSpPr>
+        <p:spPr>
+          <a:xfrm>
+            <a:off x="0" y="0"/>
+            <a:ext cx="8534718" cy="348979"/>
+          </a:xfrm>
+          <a:prstGeom prst="rect">
+            <a:avLst/>
+          </a:prstGeom>
+        </p:spPr>
+        <p:txBody>
+          <a:bodyPr/>
+          <a:lstStyle/>
+          <a:p>
+            <a:pPr marL="0" marR="0" lvl="0" indent="0" algn="l" defTabSz="457200" rtl="0" eaLnBrk="1" fontAlgn="auto" latinLnBrk="0" hangingPunct="1">
+              <a:lnSpc>
+                <a:spcPct val="100000"/>
+              </a:lnSpc>
+              <a:spcBef>
+                <a:spcPct val="0"/>
+              </a:spcBef>
+              <a:spcAft>
+                <a:spcPts val="0"/>
+              </a:spcAft>
+              <a:buClrTx/>
+              <a:buSzTx/>
+              <a:buFontTx/>
+              <a:buNone/>
+              <a:tabLst/>
+              <a:defRPr/>
+            </a:pPr>
+            <a:r>
+              <a:rPr lang="en-US" sz="2200" b="1" dirty="0" smtClean="0">
+                <a:solidFill>
+                  <a:srgbClr val="000000"/>
+                </a:solidFill>
+                <a:latin typeface="HP Simplified" pitchFamily="34" charset="0"/>
+                <a:ea typeface="+mj-ea"/>
+                <a:cs typeface="HP Simplified" pitchFamily="34" charset="0"/>
+              </a:rPr>
+              <a:t>Category wise Plan performance</a:t>
+            </a:r>
+            <a:endParaRPr kumimoji="0" lang="en-US" sz="2200" b="0" i="1" u="none" strike="noStrike" kern="1200" cap="none" spc="0" normalizeH="0" baseline="0" noProof="0" dirty="0">
+              <a:ln>
+                <a:noFill/>
+              </a:ln>
+              <a:solidFill>
+                <a:schemeClr val="tx2"/>
+              </a:solidFill>
+              <a:effectLst/>
+              <a:uLnTx/>
+              <a:uFillTx/>
+              <a:latin typeface="HP Simplified" pitchFamily="34" charset="0"/>
+              <a:ea typeface="Arial" pitchFamily="-111" charset="0"/>
+              <a:cs typeface="HP Simplified" pitchFamily="34" charset="0"/>
+            </a:endParaRPr>
+          </a:p>
+        </p:txBody>
+      </p:sp>
+      <p:graphicFrame>
+        <p:nvGraphicFramePr>
+          <p:cNvPr id="5" name="Table 4"/>
+          <p:cNvGraphicFramePr>
+            <a:graphicFrameLocks noGrp="1"/>
+          </p:cNvGraphicFramePr>
+          <p:nvPr>
+            <p:extLst>
+              <p:ext uri="{D42A27DB-BD31-4B8C-83A1-F6EECF244321}">
+                <p14:modId xmlns="" xmlns:p14="http://schemas.microsoft.com/office/powerpoint/2010/main" val="3720783351"/>
+              </p:ext>
+            </p:extLst>
+          </p:nvPr>
+        </p:nvGraphicFramePr>
+        <p:xfrm>
+          <a:off x="0" y="420048"/>
+          <a:ext cx="9095365" cy="465168"/>
+        </p:xfrm>
+        <a:graphic>
+          <a:graphicData uri="http://schemas.openxmlformats.org/drawingml/2006/table">
+            <a:tbl>
+              <a:tblPr firstRow="1" bandRow="1">
+                <a:tableStyleId>{5C22544A-7EE6-4342-B048-85BDC9FD1C3A}</a:tableStyleId>
+              </a:tblPr>
+              <a:tblGrid>
+                <a:gridCol w="943582"/>
+                <a:gridCol w="863056"/>
+                <a:gridCol w="543259"/>
+                <a:gridCol w="597584"/>
+                <a:gridCol w="525150"/>
+                <a:gridCol w="552314"/>
+                <a:gridCol w="525150"/>
+                <a:gridCol w="516096"/>
+                <a:gridCol w="543258"/>
+                <a:gridCol w="579476"/>
+                <a:gridCol w="543259"/>
+                <a:gridCol w="543258"/>
+                <a:gridCol w="534205"/>
+                <a:gridCol w="597585"/>
+                <a:gridCol w="688133"/>
+              </a:tblGrid>
+              <a:tr h="270616">
+                <a:tc>
+                  <a:txBody>
+                    <a:bodyPr/>
+                    <a:lstStyle/>
+                    <a:p>
+                      <a:pPr algn="ctr" rtl="0" fontAlgn="ctr"/>
+                      <a:r>
+                        <a:rPr lang="en-US" sz="700" u="none" strike="noStrike" dirty="0" smtClean="0">
+                          <a:effectLst/>
+                        </a:rPr>
+                        <a:t>Category</a:t>
+                      </a:r>
+                      <a:r>
+                        <a:rPr lang="en-US" sz="700" u="none" strike="noStrike" dirty="0">
+                          <a:effectLst/>
+                        </a:rPr>
+                        <a:t> </a:t>
+                      </a:r>
+                      <a:endParaRPr lang="en-US" sz="700" b="1" i="0" u="none" strike="noStrike" dirty="0">
+                        <a:solidFill>
+                          <a:srgbClr val="44546A"/>
+                        </a:solidFill>
+                        <a:effectLst/>
+                        <a:latin typeface="HP Simplified" panose="020B0604020204020204" pitchFamily="34" charset="0"/>
+                      </a:endParaRPr>
+                    </a:p>
+                  </a:txBody>
+                  <a:tcPr marL="7221" marR="7221" marT="7221" marB="0" anchor="ctr"/>
+                </a:tc>
+                <a:tc>
+                  <a:txBody>
+                    <a:bodyPr/>
+                    <a:lstStyle/>
+                    <a:p>
+                      <a:pPr algn="ctr" rtl="0" fontAlgn="ctr"/>
+                      <a:endParaRPr lang="en-US" sz="700" b="1" i="0" u="none" strike="noStrike" dirty="0">
+                        <a:solidFill>
+                          <a:srgbClr val="44546A"/>
+                        </a:solidFill>
+                        <a:effectLst/>
+                        <a:latin typeface="HP Simplified" panose="020B0604020204020204" pitchFamily="34" charset="0"/>
+                      </a:endParaRPr>
+                    </a:p>
+                  </a:txBody>
+                  <a:tcPr marL="7221" marR="7221" marT="7221" marB="0" anchor="ctr"/>
+                </a:tc>
+                <a:tc>
+                  <a:txBody>
+                    <a:bodyPr/>
+                    <a:lstStyle/>
+                    <a:p>
+                      <a:pPr algn="ctr" rtl="0" fontAlgn="ctr"/>
+                      <a:r>
+                        <a:rPr lang="en-US" sz="700" u="none" strike="noStrike" dirty="0" smtClean="0">
+                          <a:effectLst/>
+                        </a:rPr>
+                        <a:t>varHPYQ1</a:t>
+                      </a:r>
+                      <a:endParaRPr lang="en-US" sz="700" b="1" i="0" u="none" strike="noStrike" dirty="0">
+                        <a:solidFill>
+                          <a:srgbClr val="44546A"/>
+                        </a:solidFill>
+                        <a:effectLst/>
+                        <a:latin typeface="HP Simplified" panose="020B0604020204020204" pitchFamily="34" charset="0"/>
+                      </a:endParaRPr>
+                    </a:p>
+                  </a:txBody>
+                  <a:tcPr marL="7221" marR="7221" marT="7221" marB="0" anchor="ctr"/>
+                </a:tc>
+                <a:tc>
+                  <a:txBody>
+                    <a:bodyPr/>
+                    <a:lstStyle/>
+                    <a:p>
+                      <a:pPr algn="ctr" rtl="0" fontAlgn="ctr"/>
+                      <a:r>
+                        <a:rPr lang="en-US" sz="700" u="none" strike="noStrike" dirty="0" smtClean="0">
+                          <a:effectLst/>
+                        </a:rPr>
+                        <a:t>varHPYQ2</a:t>
+                      </a:r>
+                      <a:endParaRPr lang="en-US" sz="700" b="1" i="0" u="none" strike="noStrike" dirty="0">
+                        <a:solidFill>
+                          <a:srgbClr val="44546A"/>
+                        </a:solidFill>
+                        <a:effectLst/>
+                        <a:latin typeface="HP Simplified" panose="020B0604020204020204" pitchFamily="34" charset="0"/>
+                      </a:endParaRPr>
+                    </a:p>
+                  </a:txBody>
+                  <a:tcPr marL="7221" marR="7221" marT="7221" marB="0" anchor="ctr"/>
+                </a:tc>
+                <a:tc>
+                  <a:txBody>
+                    <a:bodyPr/>
+                    <a:lstStyle/>
+                    <a:p>
+                      <a:pPr algn="ctr" rtl="0" fontAlgn="ctr"/>
+                      <a:r>
+                        <a:rPr lang="en-US" sz="700" u="none" strike="noStrike" dirty="0" smtClean="0">
+                          <a:effectLst/>
+                        </a:rPr>
+                        <a:t>varHPYQ3</a:t>
+                      </a:r>
+                      <a:endParaRPr lang="en-US" sz="700" b="1" i="0" u="none" strike="noStrike" dirty="0">
+                        <a:solidFill>
+                          <a:srgbClr val="44546A"/>
+                        </a:solidFill>
+                        <a:effectLst/>
+                        <a:latin typeface="HP Simplified" panose="020B0604020204020204" pitchFamily="34" charset="0"/>
+                      </a:endParaRPr>
+                    </a:p>
+                  </a:txBody>
+                  <a:tcPr marL="7221" marR="7221" marT="7221" marB="0" anchor="ctr"/>
+                </a:tc>
+                <a:tc>
+                  <a:txBody>
+                    <a:bodyPr/>
+                    <a:lstStyle/>
+                    <a:p>
+                      <a:pPr algn="ctr" rtl="0" fontAlgn="ctr"/>
+                      <a:r>
+                        <a:rPr lang="en-US" sz="700" u="none" strike="noStrike" dirty="0" smtClean="0">
+                          <a:effectLst/>
+                        </a:rPr>
+                        <a:t>varHPYQ4</a:t>
+                      </a:r>
+                      <a:endParaRPr lang="en-US" sz="700" b="1" i="0" u="none" strike="noStrike" dirty="0">
+                        <a:solidFill>
+                          <a:srgbClr val="44546A"/>
+                        </a:solidFill>
+                        <a:effectLst/>
+                        <a:latin typeface="HP Simplified" panose="020B0604020204020204" pitchFamily="34" charset="0"/>
+                      </a:endParaRPr>
+                    </a:p>
+                  </a:txBody>
+                  <a:tcPr marL="7221" marR="7221" marT="7221" marB="0" anchor="ctr"/>
+                </a:tc>
+                <a:tc>
+                  <a:txBody>
+                    <a:bodyPr/>
+                    <a:lstStyle/>
+                    <a:p>
+                      <a:pPr algn="ctr" rtl="0" fontAlgn="ctr"/>
+                      <a:r>
+                        <a:rPr lang="en-US" sz="700" u="none" strike="noStrike" dirty="0" smtClean="0">
+                          <a:effectLst/>
+                        </a:rPr>
+                        <a:t>varHCYQ1</a:t>
+                      </a:r>
+                      <a:endParaRPr lang="en-US" sz="700" b="1" i="0" u="none" strike="noStrike" dirty="0">
+                        <a:solidFill>
+                          <a:srgbClr val="44546A"/>
+                        </a:solidFill>
+                        <a:effectLst/>
+                        <a:latin typeface="HP Simplified" panose="020B0604020204020204" pitchFamily="34" charset="0"/>
+                      </a:endParaRPr>
+                    </a:p>
+                  </a:txBody>
+                  <a:tcPr marL="7221" marR="7221" marT="7221" marB="0" anchor="ctr"/>
+                </a:tc>
+                <a:tc>
+                  <a:txBody>
+                    <a:bodyPr/>
+                    <a:lstStyle/>
+                    <a:p>
+                      <a:pPr algn="ctr" rtl="0" fontAlgn="ctr"/>
+                      <a:r>
+                        <a:rPr lang="en-US" sz="700" u="none" strike="noStrike" dirty="0" smtClean="0">
+                          <a:effectLst/>
+                        </a:rPr>
+                        <a:t>varHCYQ2</a:t>
+                      </a:r>
+                      <a:endParaRPr lang="en-US" sz="700" b="1" i="0" u="none" strike="noStrike" dirty="0">
+                        <a:solidFill>
+                          <a:srgbClr val="44546A"/>
+                        </a:solidFill>
+                        <a:effectLst/>
+                        <a:latin typeface="HP Simplified" panose="020B0604020204020204" pitchFamily="34" charset="0"/>
+                      </a:endParaRPr>
+                    </a:p>
+                  </a:txBody>
+                  <a:tcPr marL="7221" marR="7221" marT="7221" marB="0" anchor="ctr"/>
+                </a:tc>
+                <a:tc>
+                  <a:txBody>
+                    <a:bodyPr/>
+                    <a:lstStyle/>
+                    <a:p>
+                      <a:pPr algn="ctr" rtl="0" fontAlgn="ctr"/>
+                      <a:r>
+                        <a:rPr lang="en-US" sz="700" u="none" strike="noStrike" dirty="0" smtClean="0">
+                          <a:effectLst/>
+                        </a:rPr>
+                        <a:t>varHCYQ3</a:t>
+                      </a:r>
+                      <a:endParaRPr lang="en-US" sz="700" b="1" i="0" u="none" strike="noStrike" dirty="0">
+                        <a:solidFill>
+                          <a:srgbClr val="44546A"/>
+                        </a:solidFill>
+                        <a:effectLst/>
+                        <a:latin typeface="HP Simplified" panose="020B0604020204020204" pitchFamily="34" charset="0"/>
+                      </a:endParaRPr>
+                    </a:p>
+                  </a:txBody>
+                  <a:tcPr marL="7221" marR="7221" marT="7221" marB="0" anchor="ctr"/>
+                </a:tc>
+                <a:tc>
+                  <a:txBody>
+                    <a:bodyPr/>
+                    <a:lstStyle/>
+                    <a:p>
+                      <a:pPr algn="ctr" rtl="0" fontAlgn="ctr"/>
+                      <a:r>
+                        <a:rPr lang="en-US" sz="700" u="none" strike="noStrike" dirty="0" smtClean="0">
+                          <a:effectLst/>
+                        </a:rPr>
+                        <a:t>varHCYQ4</a:t>
+                      </a:r>
+                      <a:endParaRPr lang="en-US" sz="700" b="1" i="0" u="none" strike="noStrike" dirty="0">
+                        <a:solidFill>
+                          <a:srgbClr val="44546A"/>
+                        </a:solidFill>
+                        <a:effectLst/>
+                        <a:latin typeface="HP Simplified" panose="020B0604020204020204" pitchFamily="34" charset="0"/>
+                      </a:endParaRPr>
+                    </a:p>
+                  </a:txBody>
+                  <a:tcPr marL="7221" marR="7221" marT="7221" marB="0" anchor="ctr"/>
+                </a:tc>
+                <a:tc>
+                  <a:txBody>
+                    <a:bodyPr/>
+                    <a:lstStyle/>
+                    <a:p>
+                      <a:pPr algn="ctr" rtl="0" fontAlgn="ctr"/>
+                      <a:r>
+                        <a:rPr lang="en-US" sz="700" u="none" strike="noStrike" dirty="0" smtClean="0">
+                          <a:effectLst/>
+                        </a:rPr>
+                        <a:t>varHM1</a:t>
+                      </a:r>
+                      <a:endParaRPr lang="en-US" sz="700" b="1" i="0" u="none" strike="noStrike" dirty="0">
+                        <a:solidFill>
+                          <a:srgbClr val="44546A"/>
+                        </a:solidFill>
+                        <a:effectLst/>
+                        <a:latin typeface="HP Simplified" panose="020B0604020204020204" pitchFamily="34" charset="0"/>
+                      </a:endParaRPr>
+                    </a:p>
+                  </a:txBody>
+                  <a:tcPr marL="7221" marR="7221" marT="7221" marB="0" anchor="ctr"/>
+                </a:tc>
+                <a:tc>
+                  <a:txBody>
+                    <a:bodyPr/>
+                    <a:lstStyle/>
+                    <a:p>
+                      <a:pPr algn="ctr" rtl="0" fontAlgn="ctr"/>
+                      <a:r>
+                        <a:rPr lang="en-US" sz="700" u="none" strike="noStrike" dirty="0" smtClean="0">
+                          <a:effectLst/>
+                        </a:rPr>
+                        <a:t>varHM2</a:t>
+                      </a:r>
+                      <a:endParaRPr lang="en-US" sz="700" b="1" i="0" u="none" strike="noStrike" dirty="0">
+                        <a:solidFill>
+                          <a:srgbClr val="44546A"/>
+                        </a:solidFill>
+                        <a:effectLst/>
+                        <a:latin typeface="HP Simplified" panose="020B0604020204020204" pitchFamily="34" charset="0"/>
+                      </a:endParaRPr>
+                    </a:p>
+                  </a:txBody>
+                  <a:tcPr marL="7221" marR="7221" marT="7221" marB="0" anchor="ctr"/>
+                </a:tc>
+                <a:tc>
+                  <a:txBody>
+                    <a:bodyPr/>
+                    <a:lstStyle/>
+                    <a:p>
+                      <a:pPr algn="ctr" rtl="0" fontAlgn="ctr"/>
+                      <a:r>
+                        <a:rPr lang="en-US" sz="700" u="none" strike="noStrike" dirty="0" smtClean="0">
+                          <a:effectLst/>
+                        </a:rPr>
+                        <a:t>varHM3</a:t>
+                      </a:r>
+                      <a:endParaRPr lang="en-US" sz="700" b="1" i="0" u="none" strike="noStrike" dirty="0">
+                        <a:solidFill>
+                          <a:srgbClr val="44546A"/>
+                        </a:solidFill>
+                        <a:effectLst/>
+                        <a:latin typeface="HP Simplified" panose="020B0604020204020204" pitchFamily="34" charset="0"/>
+                      </a:endParaRPr>
+                    </a:p>
+                  </a:txBody>
+                  <a:tcPr marL="7221" marR="7221" marT="7221" marB="0" anchor="ctr"/>
+                </a:tc>
+                <a:tc>
+                  <a:txBody>
+                    <a:bodyPr/>
+                    <a:lstStyle/>
+                    <a:p>
+                      <a:pPr algn="ctr" rtl="0" fontAlgn="ctr"/>
+                      <a:r>
+                        <a:rPr lang="en-US" sz="700" u="none" strike="noStrike" dirty="0" smtClean="0">
+                          <a:effectLst/>
+                        </a:rPr>
+                        <a:t>YOY Growth%</a:t>
+                      </a:r>
+                      <a:endParaRPr lang="en-US" sz="700" b="1" i="0" u="none" strike="noStrike" dirty="0">
+                        <a:solidFill>
+                          <a:srgbClr val="44546A"/>
+                        </a:solidFill>
+                        <a:effectLst/>
+                        <a:latin typeface="HP Simplified" panose="020B0604020204020204" pitchFamily="34" charset="0"/>
+                      </a:endParaRPr>
+                    </a:p>
+                  </a:txBody>
+                  <a:tcPr marL="7221" marR="7221" marT="7221" marB="0" anchor="ctr"/>
+                </a:tc>
+                <a:tc>
+                  <a:txBody>
+                    <a:bodyPr/>
+                    <a:lstStyle/>
+                    <a:p>
+                      <a:pPr algn="ctr" rtl="0" fontAlgn="ctr"/>
+                      <a:r>
+                        <a:rPr lang="en-US" sz="700" u="none" strike="noStrike" dirty="0" err="1" smtClean="0">
+                          <a:effectLst/>
+                        </a:rPr>
+                        <a:t>Seg</a:t>
+                      </a:r>
+                      <a:r>
+                        <a:rPr lang="en-US" sz="700" u="none" strike="noStrike" baseline="0" dirty="0" smtClean="0">
+                          <a:effectLst/>
+                        </a:rPr>
+                        <a:t> Growth %</a:t>
+                      </a:r>
+                      <a:endParaRPr lang="en-US" sz="700" b="1" i="0" u="none" strike="noStrike" dirty="0">
+                        <a:solidFill>
+                          <a:srgbClr val="44546A"/>
+                        </a:solidFill>
+                        <a:effectLst/>
+                        <a:latin typeface="HP Simplified" panose="020B0604020204020204" pitchFamily="34" charset="0"/>
+                      </a:endParaRPr>
+                    </a:p>
+                  </a:txBody>
+                  <a:tcPr marL="7221" marR="7221" marT="7221" marB="0" anchor="ctr"/>
+                </a:tc>
+              </a:tr>
+              <a:tr h="194552">
+                <a:tc>
+                  <a:txBody>
+                    <a:bodyPr/>
+                    <a:lstStyle/>
+                    <a:p>
+                      <a:pPr algn="ctr" rtl="0" fontAlgn="ctr"/>
+                      <a:r>
+                        <a:rPr lang="en-US" sz="700" u="none" strike="noStrike" dirty="0" err="1" smtClean="0">
+                          <a:effectLst/>
+                        </a:rPr>
+                        <a:t>varCat</a:t>
+                      </a:r>
+                      <a:endParaRPr lang="en-US" sz="700" b="0" i="0" u="none" strike="noStrike" dirty="0">
+                        <a:solidFill>
+                          <a:srgbClr val="000000"/>
+                        </a:solidFill>
+                        <a:effectLst/>
+                        <a:latin typeface="HP Simplified" panose="020B0604020204020204" pitchFamily="34" charset="0"/>
+                      </a:endParaRPr>
+                    </a:p>
+                  </a:txBody>
+                  <a:tcPr marL="7221" marR="7221" marT="7221" marB="0" anchor="ctr"/>
+                </a:tc>
+                <a:tc>
+                  <a:txBody>
+                    <a:bodyPr/>
+                    <a:lstStyle/>
+                    <a:p>
+                      <a:pPr algn="ctr" rtl="0" fontAlgn="b"/>
+                      <a:r>
+                        <a:rPr lang="en-US" sz="700" u="none" strike="noStrike" dirty="0" err="1" smtClean="0">
+                          <a:effectLst/>
+                        </a:rPr>
+                        <a:t>varProduct</a:t>
+                      </a:r>
+                      <a:endParaRPr lang="en-US" sz="700" b="0" i="0" u="none" strike="noStrike" dirty="0">
+                        <a:solidFill>
+                          <a:srgbClr val="000000"/>
+                        </a:solidFill>
+                        <a:effectLst/>
+                        <a:latin typeface="HP Simplified" panose="020B0604020204020204" pitchFamily="34" charset="0"/>
+                      </a:endParaRPr>
+                    </a:p>
+                  </a:txBody>
+                  <a:tcPr marL="7221" marR="7221" marT="7221" marB="0" anchor="ctr"/>
+                </a:tc>
+                <a:tc>
+                  <a:txBody>
+                    <a:bodyPr/>
+                    <a:lstStyle/>
+                    <a:p>
+                      <a:pPr algn="ctr" rtl="0" fontAlgn="b"/>
+                      <a:r>
+                        <a:rPr lang="en-US" sz="700" u="none" strike="noStrike" dirty="0" smtClean="0">
+                          <a:effectLst/>
+                        </a:rPr>
+                        <a:t>varPYQ1</a:t>
+                      </a:r>
+                      <a:endParaRPr lang="en-US" sz="700" b="0" i="0" u="none" strike="noStrike" dirty="0">
+                        <a:solidFill>
+                          <a:srgbClr val="000000"/>
+                        </a:solidFill>
+                        <a:effectLst/>
+                        <a:latin typeface="HP Simplified" panose="020B0604020204020204" pitchFamily="34" charset="0"/>
+                      </a:endParaRPr>
+                    </a:p>
+                  </a:txBody>
+                  <a:tcPr marL="7221" marR="7221" marT="7221" marB="0" anchor="ctr"/>
+                </a:tc>
+                <a:tc>
+                  <a:txBody>
+                    <a:bodyPr/>
+                    <a:lstStyle/>
+                    <a:p>
+                      <a:pPr algn="ctr" rtl="0" fontAlgn="b"/>
+                      <a:r>
+                        <a:rPr lang="en-US" sz="700" u="none" strike="noStrike" dirty="0" smtClean="0">
+                          <a:effectLst/>
+                        </a:rPr>
+                        <a:t>varPYQ2</a:t>
+                      </a:r>
+                      <a:endParaRPr lang="en-US" sz="700" b="0" i="0" u="none" strike="noStrike" dirty="0">
+                        <a:solidFill>
+                          <a:srgbClr val="000000"/>
+                        </a:solidFill>
+                        <a:effectLst/>
+                        <a:latin typeface="HP Simplified" panose="020B0604020204020204" pitchFamily="34" charset="0"/>
+                      </a:endParaRPr>
+                    </a:p>
+                  </a:txBody>
+                  <a:tcPr marL="7221" marR="7221" marT="7221" marB="0" anchor="ctr"/>
+                </a:tc>
+                <a:tc>
+                  <a:txBody>
+                    <a:bodyPr/>
+                    <a:lstStyle/>
+                    <a:p>
+                      <a:pPr algn="ctr" rtl="0" fontAlgn="b"/>
+                      <a:r>
+                        <a:rPr lang="en-US" sz="700" u="none" strike="noStrike" dirty="0" smtClean="0">
+                          <a:effectLst/>
+                        </a:rPr>
+                        <a:t>varPYQ3</a:t>
+                      </a:r>
+                      <a:endParaRPr lang="en-US" sz="700" b="0" i="0" u="none" strike="noStrike" dirty="0">
+                        <a:solidFill>
+                          <a:srgbClr val="000000"/>
+                        </a:solidFill>
+                        <a:effectLst/>
+                        <a:latin typeface="HP Simplified" panose="020B0604020204020204" pitchFamily="34" charset="0"/>
+                      </a:endParaRPr>
+                    </a:p>
+                  </a:txBody>
+                  <a:tcPr marL="7221" marR="7221" marT="7221" marB="0" anchor="ctr"/>
+                </a:tc>
+                <a:tc>
+                  <a:txBody>
+                    <a:bodyPr/>
+                    <a:lstStyle/>
+                    <a:p>
+                      <a:pPr algn="ctr" rtl="0" fontAlgn="b"/>
+                      <a:r>
+                        <a:rPr lang="en-US" sz="700" u="none" strike="noStrike" dirty="0" smtClean="0">
+                          <a:effectLst/>
+                        </a:rPr>
+                        <a:t>varPYQ4</a:t>
+                      </a:r>
+                      <a:endParaRPr lang="en-US" sz="700" b="0" i="0" u="none" strike="noStrike" dirty="0">
+                        <a:solidFill>
+                          <a:srgbClr val="000000"/>
+                        </a:solidFill>
+                        <a:effectLst/>
+                        <a:latin typeface="HP Simplified" panose="020B0604020204020204" pitchFamily="34" charset="0"/>
+                      </a:endParaRPr>
+                    </a:p>
+                  </a:txBody>
+                  <a:tcPr marL="7221" marR="7221" marT="7221" marB="0" anchor="ctr"/>
+                </a:tc>
+                <a:tc>
+                  <a:txBody>
+                    <a:bodyPr/>
+                    <a:lstStyle/>
+                    <a:p>
+                      <a:pPr algn="ctr" rtl="0" fontAlgn="b"/>
+                      <a:r>
+                        <a:rPr lang="en-US" sz="700" u="none" strike="noStrike" dirty="0" smtClean="0">
+                          <a:effectLst/>
+                        </a:rPr>
+                        <a:t>varCYQ1</a:t>
+                      </a:r>
+                      <a:endParaRPr lang="en-US" sz="700" b="0" i="0" u="none" strike="noStrike" dirty="0">
+                        <a:solidFill>
+                          <a:srgbClr val="000000"/>
+                        </a:solidFill>
+                        <a:effectLst/>
+                        <a:latin typeface="HP Simplified" panose="020B0604020204020204" pitchFamily="34" charset="0"/>
+                      </a:endParaRPr>
+                    </a:p>
+                  </a:txBody>
+                  <a:tcPr marL="7221" marR="7221" marT="7221" marB="0" anchor="ctr"/>
+                </a:tc>
+                <a:tc>
+                  <a:txBody>
+                    <a:bodyPr/>
+                    <a:lstStyle/>
+                    <a:p>
+                      <a:pPr algn="ctr" rtl="0" fontAlgn="b"/>
+                      <a:r>
+                        <a:rPr lang="en-US" sz="700" u="none" strike="noStrike" dirty="0" smtClean="0">
+                          <a:effectLst/>
+                        </a:rPr>
+                        <a:t>varCYQ2</a:t>
+                      </a:r>
+                      <a:endParaRPr lang="en-US" sz="700" b="0" i="0" u="none" strike="noStrike" dirty="0">
+                        <a:solidFill>
+                          <a:srgbClr val="000000"/>
+                        </a:solidFill>
+                        <a:effectLst/>
+                        <a:latin typeface="HP Simplified" panose="020B0604020204020204" pitchFamily="34" charset="0"/>
+                      </a:endParaRPr>
+                    </a:p>
+                  </a:txBody>
+                  <a:tcPr marL="7221" marR="7221" marT="7221" marB="0" anchor="ctr"/>
+                </a:tc>
+                <a:tc>
+                  <a:txBody>
+                    <a:bodyPr/>
+                    <a:lstStyle/>
+                    <a:p>
+                      <a:pPr algn="ctr" rtl="0" fontAlgn="b"/>
+                      <a:r>
+                        <a:rPr lang="en-US" sz="700" u="none" strike="noStrike" dirty="0" smtClean="0">
+                          <a:effectLst/>
+                        </a:rPr>
+                        <a:t>varCYQ3</a:t>
+                      </a:r>
+                      <a:endParaRPr lang="en-US" sz="700" b="0" i="0" u="none" strike="noStrike" dirty="0">
+                        <a:solidFill>
+                          <a:srgbClr val="000000"/>
+                        </a:solidFill>
+                        <a:effectLst/>
+                        <a:latin typeface="HP Simplified" panose="020B0604020204020204" pitchFamily="34" charset="0"/>
+                      </a:endParaRPr>
+                    </a:p>
+                  </a:txBody>
+                  <a:tcPr marL="7221" marR="7221" marT="7221" marB="0" anchor="ctr"/>
+                </a:tc>
+                <a:tc>
+                  <a:txBody>
+                    <a:bodyPr/>
+                    <a:lstStyle/>
+                    <a:p>
+                      <a:pPr algn="ctr" rtl="0" fontAlgn="b"/>
+                      <a:r>
+                        <a:rPr lang="en-US" sz="700" u="none" strike="noStrike" dirty="0" smtClean="0">
+                          <a:effectLst/>
+                        </a:rPr>
+                        <a:t>varCYQ4</a:t>
+                      </a:r>
+                      <a:endParaRPr lang="en-US" sz="700" b="0" i="0" u="none" strike="noStrike" dirty="0">
+                        <a:solidFill>
+                          <a:srgbClr val="000000"/>
+                        </a:solidFill>
+                        <a:effectLst/>
+                        <a:latin typeface="HP Simplified" panose="020B0604020204020204" pitchFamily="34" charset="0"/>
+                      </a:endParaRPr>
+                    </a:p>
+                  </a:txBody>
+                  <a:tcPr marL="7221" marR="7221" marT="7221" marB="0" anchor="ctr"/>
+                </a:tc>
+                <a:tc>
+                  <a:txBody>
+                    <a:bodyPr/>
+                    <a:lstStyle/>
+                    <a:p>
+                      <a:pPr algn="ctr" rtl="0" fontAlgn="b"/>
+                      <a:r>
+                        <a:rPr lang="en-US" sz="700" u="none" strike="noStrike" dirty="0" smtClean="0">
+                          <a:effectLst/>
+                        </a:rPr>
+                        <a:t>varM1</a:t>
+                      </a:r>
+                      <a:endParaRPr lang="en-US" sz="700" b="0" i="0" u="none" strike="noStrike" dirty="0">
+                        <a:solidFill>
+                          <a:srgbClr val="000000"/>
+                        </a:solidFill>
+                        <a:effectLst/>
+                        <a:latin typeface="HP Simplified" panose="020B0604020204020204" pitchFamily="34" charset="0"/>
+                      </a:endParaRPr>
+                    </a:p>
+                  </a:txBody>
+                  <a:tcPr marL="7221" marR="7221" marT="7221" marB="0" anchor="ctr"/>
+                </a:tc>
+                <a:tc>
+                  <a:txBody>
+                    <a:bodyPr/>
+                    <a:lstStyle/>
+                    <a:p>
+                      <a:pPr algn="ctr" rtl="0" fontAlgn="b"/>
+                      <a:r>
+                        <a:rPr lang="en-US" sz="700" u="none" strike="noStrike" dirty="0" smtClean="0">
+                          <a:effectLst/>
+                        </a:rPr>
+                        <a:t>varM2</a:t>
+                      </a:r>
+                      <a:endParaRPr lang="en-US" sz="700" b="0" i="0" u="none" strike="noStrike" dirty="0">
+                        <a:solidFill>
+                          <a:srgbClr val="000000"/>
+                        </a:solidFill>
+                        <a:effectLst/>
+                        <a:latin typeface="HP Simplified" panose="020B0604020204020204" pitchFamily="34" charset="0"/>
+                      </a:endParaRPr>
+                    </a:p>
+                  </a:txBody>
+                  <a:tcPr marL="7221" marR="7221" marT="7221" marB="0" anchor="ctr"/>
+                </a:tc>
+                <a:tc>
+                  <a:txBody>
+                    <a:bodyPr/>
+                    <a:lstStyle/>
+                    <a:p>
+                      <a:pPr algn="ctr" rtl="0" fontAlgn="b"/>
+                      <a:r>
+                        <a:rPr lang="en-US" sz="700" u="none" strike="noStrike" dirty="0" smtClean="0">
+                          <a:effectLst/>
+                        </a:rPr>
+                        <a:t>varM3</a:t>
+                      </a:r>
+                      <a:endParaRPr lang="en-US" sz="700" b="0" i="0" u="none" strike="noStrike" dirty="0">
+                        <a:solidFill>
+                          <a:srgbClr val="000000"/>
+                        </a:solidFill>
+                        <a:effectLst/>
+                        <a:latin typeface="HP Simplified" panose="020B0604020204020204" pitchFamily="34" charset="0"/>
+                      </a:endParaRPr>
+                    </a:p>
+                  </a:txBody>
+                  <a:tcPr marL="7221" marR="7221" marT="7221" marB="0" anchor="ctr"/>
+                </a:tc>
+                <a:tc>
+                  <a:txBody>
+                    <a:bodyPr/>
+                    <a:lstStyle/>
+                    <a:p>
+                      <a:pPr algn="ctr" rtl="0" fontAlgn="b"/>
+                      <a:r>
+                        <a:rPr lang="en-US" sz="700" u="none" strike="noStrike" dirty="0" err="1" smtClean="0">
+                          <a:effectLst/>
+                        </a:rPr>
+                        <a:t>varYoy</a:t>
+                      </a:r>
+                      <a:endParaRPr lang="en-US" sz="700" b="0" i="0" u="none" strike="noStrike" dirty="0">
+                        <a:solidFill>
+                          <a:srgbClr val="000000"/>
+                        </a:solidFill>
+                        <a:effectLst/>
+                        <a:latin typeface="HP Simplified" panose="020B0604020204020204" pitchFamily="34" charset="0"/>
+                      </a:endParaRPr>
+                    </a:p>
+                  </a:txBody>
+                  <a:tcPr marL="7221" marR="7221" marT="7221" marB="0" anchor="ctr"/>
+                </a:tc>
+                <a:tc>
+                  <a:txBody>
+                    <a:bodyPr/>
+                    <a:lstStyle/>
+                    <a:p>
+                      <a:pPr algn="ctr" rtl="0" fontAlgn="b"/>
+                      <a:r>
+                        <a:rPr lang="en-US" sz="700" u="none" strike="noStrike" dirty="0" err="1" smtClean="0">
+                          <a:effectLst/>
+                        </a:rPr>
+                        <a:t>varGrowth</a:t>
+                      </a:r>
+                      <a:endParaRPr lang="en-US" sz="700" b="0" i="0" u="none" strike="noStrike" dirty="0">
+                        <a:solidFill>
+                          <a:srgbClr val="000000"/>
+                        </a:solidFill>
+                        <a:effectLst/>
+                        <a:latin typeface="HP Simplified" panose="020B0604020204020204" pitchFamily="34" charset="0"/>
+                      </a:endParaRPr>
+                    </a:p>
+                  </a:txBody>
+                  <a:tcPr marL="7221" marR="7221" marT="7221" marB="0" anchor="ctr"/>
+                </a:tc>
+              </a:tr>
+            </a:tbl>
+          </a:graphicData>
+        </a:graphic>
+      </p:graphicFrame>
+    </p:spTree>
+  </p:cSld>
+  <p:clrMapOvr>
+    <a:masterClrMapping/>
+  </p:clrMapOvr>
+</p:sld>
+</file>
+
+<file path=ppt/slides/slide9.xml><?xml version="1.0" encoding="utf-8"?>
+<p:sld xmlns:a="http://schemas.openxmlformats.org/drawingml/2006/main" xmlns:r="http://schemas.openxmlformats.org/officeDocument/2006/relationships" xmlns:p="http://schemas.openxmlformats.org/presentationml/2006/main">
+  <p:cSld>
+    <p:spTree>
+      <p:nvGrpSpPr>
+        <p:cNvPr id="1" name=""/>
+        <p:cNvGrpSpPr/>
+        <p:nvPr/>
+      </p:nvGrpSpPr>
+      <p:grpSpPr>
+        <a:xfrm>
+          <a:off x="0" y="0"/>
+          <a:ext cx="0" cy="0"/>
+          <a:chOff x="0" y="0"/>
+          <a:chExt cx="0" cy="0"/>
+        </a:xfrm>
+      </p:grpSpPr>
+      <p:sp>
+        <p:nvSpPr>
+          <p:cNvPr id="2" name="Title 1"/>
+          <p:cNvSpPr txBox="1"/>
+          <p:nvPr/>
+        </p:nvSpPr>
+        <p:spPr>
+          <a:xfrm>
+            <a:off x="84888" y="30777"/>
+            <a:ext cx="8510016" cy="307777"/>
+          </a:xfrm>
+          <a:prstGeom prst="rect">
+            <a:avLst/>
+          </a:prstGeom>
+        </p:spPr>
+        <p:txBody>
+          <a:bodyPr vertOverflow="clip" horzOverflow="clip" wrap="square" lIns="0" tIns="0" rIns="0" bIns="0" rtlCol="0" anchor="ctr">
+            <a:spAutoFit/>
+          </a:bodyPr>
+          <a:lstStyle/>
+          <a:p>
+            <a:r>
+              <a:rPr lang="en-US" sz="2000" b="1" dirty="0" smtClean="0">
+                <a:solidFill>
+                  <a:srgbClr val="000000"/>
+                </a:solidFill>
+                <a:latin typeface="HP Simplified" pitchFamily="34" charset="0"/>
+              </a:rPr>
+              <a:t>Open House</a:t>
+            </a:r>
+            <a:endParaRPr lang="en-US" sz="2000" b="1" dirty="0">
+              <a:solidFill>
+                <a:srgbClr val="000000"/>
+              </a:solidFill>
+              <a:latin typeface="HP Simplified" pitchFamily="34" charset="0"/>
+            </a:endParaRPr>
+          </a:p>
+        </p:txBody>
+      </p:sp>
+      <p:sp>
+        <p:nvSpPr>
+          <p:cNvPr id="3" name="Rectangle 2"/>
+          <p:cNvSpPr/>
+          <p:nvPr/>
+        </p:nvSpPr>
+        <p:spPr>
+          <a:xfrm>
+            <a:off x="29824" y="350190"/>
+            <a:ext cx="9075264" cy="4280176"/>
+          </a:xfrm>
+          <a:prstGeom prst="rect">
+            <a:avLst/>
+          </a:prstGeom>
+          <a:solidFill>
+            <a:schemeClr val="bg1">
+              <a:lumMod val="95000"/>
+            </a:schemeClr>
+          </a:solidFill>
+          <a:ln w="12700">
+            <a:solidFill>
+              <a:schemeClr val="tx1"/>
+            </a:solidFill>
+            <a:prstDash val="sysDash"/>
+          </a:ln>
+        </p:spPr>
+        <p:style>
+          <a:lnRef idx="2">
+            <a:schemeClr val="accent1">
+              <a:shade val="50000"/>
+            </a:schemeClr>
+          </a:lnRef>
+          <a:fillRef idx="1">
+            <a:schemeClr val="accent1"/>
+          </a:fillRef>
+          <a:effectRef idx="0">
+            <a:schemeClr val="accent1"/>
+          </a:effectRef>
+          <a:fontRef idx="minor">
+            <a:schemeClr val="lt1"/>
+          </a:fontRef>
+        </p:style>
+        <p:txBody>
+          <a:bodyPr rtlCol="0" anchor="t"/>
+          <a:lstStyle/>
+          <a:p>
+            <a:r>
+              <a:rPr lang="en-US" sz="900" dirty="0" err="1" smtClean="0">
+                <a:solidFill>
+                  <a:schemeClr val="tx1"/>
+                </a:solidFill>
+                <a:latin typeface="HP Simplified" pitchFamily="34" charset="0"/>
+              </a:rPr>
+              <a:t>varOpenHouse</a:t>
+            </a:r>
+            <a:endParaRPr lang="en-US" sz="900" dirty="0">
+              <a:solidFill>
+                <a:schemeClr val="tx1"/>
+              </a:solidFill>
+            </a:endParaRPr>
+          </a:p>
+        </p:txBody>
+      </p:sp>
+    </p:spTree>
+  </p:cSld>
+  <p:clrMapOvr>
+    <a:masterClrMapping/>
+  </p:clrMapOvr>
 </p:sld>
 </file>
 
